--- a/Courses/Software-Sciences/Module-1-OOP/05.2-Methods-Advanced/05.2-Methods-Advanced.pptx
+++ b/Courses/Software-Sciences/Module-1-OOP/05.2-Methods-Advanced/05.2-Methods-Advanced.pptx
@@ -5,10 +5,10 @@
     <p:sldMasterId id="2147483675" r:id="rId1"/>
   </p:sldMasterIdLst>
   <p:notesMasterIdLst>
-    <p:notesMasterId r:id="rId34"/>
+    <p:notesMasterId r:id="rId31"/>
   </p:notesMasterIdLst>
   <p:handoutMasterIdLst>
-    <p:handoutMasterId r:id="rId35"/>
+    <p:handoutMasterId r:id="rId32"/>
   </p:handoutMasterIdLst>
   <p:sldIdLst>
     <p:sldId id="528" r:id="rId2"/>
@@ -16,33 +16,30 @@
     <p:sldId id="583" r:id="rId4"/>
     <p:sldId id="589" r:id="rId5"/>
     <p:sldId id="480" r:id="rId6"/>
-    <p:sldId id="590" r:id="rId7"/>
-    <p:sldId id="591" r:id="rId8"/>
-    <p:sldId id="592" r:id="rId9"/>
-    <p:sldId id="481" r:id="rId10"/>
-    <p:sldId id="482" r:id="rId11"/>
-    <p:sldId id="483" r:id="rId12"/>
-    <p:sldId id="473" r:id="rId13"/>
-    <p:sldId id="474" r:id="rId14"/>
-    <p:sldId id="557" r:id="rId15"/>
-    <p:sldId id="558" r:id="rId16"/>
-    <p:sldId id="559" r:id="rId17"/>
-    <p:sldId id="560" r:id="rId18"/>
-    <p:sldId id="561" r:id="rId19"/>
-    <p:sldId id="486" r:id="rId20"/>
-    <p:sldId id="588" r:id="rId21"/>
-    <p:sldId id="489" r:id="rId22"/>
-    <p:sldId id="493" r:id="rId23"/>
-    <p:sldId id="494" r:id="rId24"/>
-    <p:sldId id="495" r:id="rId25"/>
-    <p:sldId id="496" r:id="rId26"/>
-    <p:sldId id="497" r:id="rId27"/>
-    <p:sldId id="503" r:id="rId28"/>
-    <p:sldId id="581" r:id="rId29"/>
-    <p:sldId id="582" r:id="rId30"/>
-    <p:sldId id="534" r:id="rId31"/>
-    <p:sldId id="401" r:id="rId32"/>
-    <p:sldId id="587" r:id="rId33"/>
+    <p:sldId id="481" r:id="rId7"/>
+    <p:sldId id="482" r:id="rId8"/>
+    <p:sldId id="483" r:id="rId9"/>
+    <p:sldId id="473" r:id="rId10"/>
+    <p:sldId id="474" r:id="rId11"/>
+    <p:sldId id="557" r:id="rId12"/>
+    <p:sldId id="558" r:id="rId13"/>
+    <p:sldId id="559" r:id="rId14"/>
+    <p:sldId id="560" r:id="rId15"/>
+    <p:sldId id="561" r:id="rId16"/>
+    <p:sldId id="486" r:id="rId17"/>
+    <p:sldId id="588" r:id="rId18"/>
+    <p:sldId id="489" r:id="rId19"/>
+    <p:sldId id="493" r:id="rId20"/>
+    <p:sldId id="494" r:id="rId21"/>
+    <p:sldId id="495" r:id="rId22"/>
+    <p:sldId id="496" r:id="rId23"/>
+    <p:sldId id="497" r:id="rId24"/>
+    <p:sldId id="503" r:id="rId25"/>
+    <p:sldId id="581" r:id="rId26"/>
+    <p:sldId id="582" r:id="rId27"/>
+    <p:sldId id="534" r:id="rId28"/>
+    <p:sldId id="401" r:id="rId29"/>
+    <p:sldId id="587" r:id="rId30"/>
   </p:sldIdLst>
   <p:sldSz cx="12192000" cy="6858000"/>
   <p:notesSz cx="6858000" cy="9144000"/>
@@ -155,9 +152,6 @@
             <p14:sldId id="583"/>
             <p14:sldId id="589"/>
             <p14:sldId id="480"/>
-            <p14:sldId id="590"/>
-            <p14:sldId id="591"/>
-            <p14:sldId id="592"/>
             <p14:sldId id="481"/>
             <p14:sldId id="482"/>
             <p14:sldId id="483"/>
@@ -321,7 +315,7 @@
           <a:p>
             <a:fld id="{4E087215-0C8F-4762-A664-737A353EC9A4}" type="datetimeFigureOut">
               <a:rPr lang="bg-BG" smtClean="0"/>
-              <a:t>25.02.23 г.</a:t>
+              <a:t>11.05.23 г.</a:t>
             </a:fld>
             <a:endParaRPr lang="bg-BG"/>
           </a:p>
@@ -512,7 +506,7 @@
           <a:p>
             <a:fld id="{72D84649-876A-46C9-8472-14CB09C070D8}" type="datetimeFigureOut">
               <a:rPr lang="en-US" smtClean="0"/>
-              <a:t>2/25/23</a:t>
+              <a:t>5/11/23</a:t>
             </a:fld>
             <a:endParaRPr lang="en-US"/>
           </a:p>
@@ -1106,7 +1100,7 @@
             <a:fld id="{3EBA5BD7-F043-4D1B-AA17-CD412FC534DE}" type="slidenum">
               <a:rPr lang="en-US" smtClean="0"/>
               <a:pPr/>
-              <a:t>32</a:t>
+              <a:t>29</a:t>
             </a:fld>
             <a:endParaRPr lang="en-US" dirty="0"/>
           </a:p>
@@ -1376,7 +1370,7 @@
             <a:fld id="{3EBA5BD7-F043-4D1B-AA17-CD412FC534DE}" type="slidenum">
               <a:rPr lang="en-US" smtClean="0"/>
               <a:pPr/>
-              <a:t>12</a:t>
+              <a:t>9</a:t>
             </a:fld>
             <a:endParaRPr lang="en-US" dirty="0"/>
           </a:p>
@@ -1511,7 +1505,7 @@
             <a:fld id="{3EBA5BD7-F043-4D1B-AA17-CD412FC534DE}" type="slidenum">
               <a:rPr lang="en-US" smtClean="0"/>
               <a:pPr/>
-              <a:t>13</a:t>
+              <a:t>10</a:t>
             </a:fld>
             <a:endParaRPr lang="en-US" dirty="0"/>
           </a:p>
@@ -1646,7 +1640,7 @@
             <a:fld id="{3EBA5BD7-F043-4D1B-AA17-CD412FC534DE}" type="slidenum">
               <a:rPr lang="en-US" smtClean="0"/>
               <a:pPr/>
-              <a:t>14</a:t>
+              <a:t>11</a:t>
             </a:fld>
             <a:endParaRPr lang="en-US" dirty="0"/>
           </a:p>
@@ -1781,7 +1775,7 @@
             <a:fld id="{3EBA5BD7-F043-4D1B-AA17-CD412FC534DE}" type="slidenum">
               <a:rPr lang="en-US" smtClean="0"/>
               <a:pPr/>
-              <a:t>18</a:t>
+              <a:t>15</a:t>
             </a:fld>
             <a:endParaRPr lang="en-US" dirty="0"/>
           </a:p>
@@ -1911,7 +1905,7 @@
             <a:fld id="{68CA3FD5-FD3F-4C79-A80B-E275BA2DB07B}" type="slidenum">
               <a:rPr lang="en-US"/>
               <a:pPr/>
-              <a:t>19</a:t>
+              <a:t>16</a:t>
             </a:fld>
             <a:r>
               <a:rPr lang="en-US" dirty="0"/>
@@ -2082,7 +2076,7 @@
             <a:fld id="{3EBA5BD7-F043-4D1B-AA17-CD412FC534DE}" type="slidenum">
               <a:rPr lang="en-US" smtClean="0"/>
               <a:pPr/>
-              <a:t>30</a:t>
+              <a:t>27</a:t>
             </a:fld>
             <a:endParaRPr lang="en-US" dirty="0"/>
           </a:p>
@@ -2323,7 +2317,7 @@
             <a:fld id="{3EBA5BD7-F043-4D1B-AA17-CD412FC534DE}" type="slidenum">
               <a:rPr lang="en-US" smtClean="0"/>
               <a:pPr/>
-              <a:t>31</a:t>
+              <a:t>28</a:t>
             </a:fld>
             <a:endParaRPr lang="en-US" dirty="0"/>
           </a:p>
@@ -9064,2072 +9058,6 @@
       </p:grpSpPr>
       <p:sp>
         <p:nvSpPr>
-          <p:cNvPr id="3" name="Content Placeholder 2"/>
-          <p:cNvSpPr>
-            <a:spLocks noGrp="1"/>
-          </p:cNvSpPr>
-          <p:nvPr>
-            <p:ph type="body" sz="quarter" idx="10"/>
-          </p:nvPr>
-        </p:nvSpPr>
-        <p:spPr>
-          <a:xfrm>
-            <a:off x="186952" y="1116833"/>
-            <a:ext cx="11818096" cy="5528766"/>
-          </a:xfrm>
-        </p:spPr>
-        <p:txBody>
-          <a:bodyPr/>
-          <a:lstStyle/>
-          <a:p>
-            <a:r>
-              <a:rPr lang="bg-BG" dirty="0"/>
-              <a:t>Създайте метод, който </a:t>
-            </a:r>
-            <a:r>
-              <a:rPr lang="bg-BG" b="1" dirty="0">
-                <a:solidFill>
-                  <a:srgbClr val="FFA000"/>
-                </a:solidFill>
-              </a:rPr>
-              <a:t>отпечатва един ред</a:t>
-            </a:r>
-            <a:r>
-              <a:rPr lang="en-US" dirty="0">
-                <a:solidFill>
-                  <a:schemeClr val="tx2">
-                    <a:lumMod val="75000"/>
-                  </a:schemeClr>
-                </a:solidFill>
-              </a:rPr>
-              <a:t>,</a:t>
-            </a:r>
-            <a:r>
-              <a:rPr lang="en-US" dirty="0"/>
-              <a:t> </a:t>
-            </a:r>
-            <a:r>
-              <a:rPr lang="bg-BG" dirty="0"/>
-              <a:t>съдържащ числата от</a:t>
-            </a:r>
-            <a:r>
-              <a:rPr lang="en-US" dirty="0"/>
-              <a:t> </a:t>
-            </a:r>
-            <a:r>
-              <a:rPr lang="bg-BG" dirty="0"/>
-              <a:t>дадено</a:t>
-            </a:r>
-            <a:r>
-              <a:rPr lang="bg-BG" b="1" dirty="0">
-                <a:solidFill>
-                  <a:srgbClr val="FFA000"/>
-                </a:solidFill>
-              </a:rPr>
-              <a:t> начало (</a:t>
-            </a:r>
-            <a:r>
-              <a:rPr lang="en-US" b="1" dirty="0">
-                <a:solidFill>
-                  <a:srgbClr val="FFA000"/>
-                </a:solidFill>
-              </a:rPr>
-              <a:t>start)</a:t>
-            </a:r>
-            <a:r>
-              <a:rPr lang="bg-BG" b="1" dirty="0">
-                <a:solidFill>
-                  <a:srgbClr val="FFA000"/>
-                </a:solidFill>
-              </a:rPr>
-              <a:t> </a:t>
-            </a:r>
-            <a:r>
-              <a:rPr lang="bg-BG" dirty="0"/>
-              <a:t>до даден</a:t>
-            </a:r>
-            <a:r>
-              <a:rPr lang="bg-BG" b="1" dirty="0">
-                <a:solidFill>
-                  <a:srgbClr val="FFA000"/>
-                </a:solidFill>
-              </a:rPr>
-              <a:t> край</a:t>
-            </a:r>
-            <a:r>
-              <a:rPr lang="en-US" b="1" dirty="0">
-                <a:solidFill>
-                  <a:srgbClr val="FFA000"/>
-                </a:solidFill>
-              </a:rPr>
-              <a:t> (end)</a:t>
-            </a:r>
-            <a:r>
-              <a:rPr lang="en-US" dirty="0"/>
-              <a:t>:</a:t>
-            </a:r>
-          </a:p>
-        </p:txBody>
-      </p:sp>
-      <p:sp>
-        <p:nvSpPr>
-          <p:cNvPr id="4" name="Title 3"/>
-          <p:cNvSpPr>
-            <a:spLocks noGrp="1"/>
-          </p:cNvSpPr>
-          <p:nvPr>
-            <p:ph type="title"/>
-          </p:nvPr>
-        </p:nvSpPr>
-        <p:spPr/>
-        <p:txBody>
-          <a:bodyPr/>
-          <a:lstStyle/>
-          <a:p>
-            <a:r>
-              <a:rPr lang="bg-BG" dirty="0"/>
-              <a:t>Решение</a:t>
-            </a:r>
-            <a:r>
-              <a:rPr lang="en-US" dirty="0"/>
-              <a:t>: </a:t>
-            </a:r>
-            <a:r>
-              <a:rPr lang="bg-BG" dirty="0"/>
-              <a:t>Отпечатване на триъгълник (1)</a:t>
-            </a:r>
-            <a:endParaRPr lang="en-US" dirty="0"/>
-          </a:p>
-        </p:txBody>
-      </p:sp>
-      <p:sp>
-        <p:nvSpPr>
-          <p:cNvPr id="21" name="Rectangle 4"/>
-          <p:cNvSpPr>
-            <a:spLocks noChangeArrowheads="1"/>
-          </p:cNvSpPr>
-          <p:nvPr/>
-        </p:nvSpPr>
-        <p:spPr bwMode="auto">
-          <a:xfrm>
-            <a:off x="696000" y="2709000"/>
-            <a:ext cx="8190954" cy="3538508"/>
-          </a:xfrm>
-          <a:prstGeom prst="rect">
-            <a:avLst/>
-          </a:prstGeom>
-          <a:solidFill>
-            <a:srgbClr val="A3ABBC">
-              <a:alpha val="15000"/>
-            </a:srgbClr>
-          </a:solidFill>
-          <a:ln w="12700">
-            <a:solidFill>
-              <a:schemeClr val="accent5">
-                <a:lumMod val="60000"/>
-                <a:lumOff val="40000"/>
-              </a:schemeClr>
-            </a:solidFill>
-          </a:ln>
-        </p:spPr>
-        <p:txBody>
-          <a:bodyPr wrap="square">
-            <a:spAutoFit/>
-          </a:bodyPr>
-          <a:lstStyle/>
-          <a:p>
-            <a:pPr eaLnBrk="0" hangingPunct="0">
-              <a:buClr>
-                <a:schemeClr val="accent5">
-                  <a:lumMod val="40000"/>
-                  <a:lumOff val="60000"/>
-                </a:schemeClr>
-              </a:buClr>
-              <a:buSzPct val="70000"/>
-            </a:pPr>
-            <a:r>
-              <a:rPr lang="en-GB" sz="2799" b="1" noProof="1">
-                <a:latin typeface="Consolas" pitchFamily="49" charset="0"/>
-                <a:cs typeface="Consolas" pitchFamily="49" charset="0"/>
-              </a:rPr>
-              <a:t>static void </a:t>
-            </a:r>
-            <a:r>
-              <a:rPr lang="en-GB" sz="2799" b="1" noProof="1">
-                <a:solidFill>
-                  <a:srgbClr val="FFA000"/>
-                </a:solidFill>
-                <a:latin typeface="Consolas" pitchFamily="49" charset="0"/>
-                <a:cs typeface="Consolas" pitchFamily="49" charset="0"/>
-              </a:rPr>
-              <a:t>PrintLine</a:t>
-            </a:r>
-            <a:r>
-              <a:rPr lang="en-GB" sz="2799" b="1" noProof="1">
-                <a:latin typeface="Consolas" pitchFamily="49" charset="0"/>
-                <a:cs typeface="Consolas" pitchFamily="49" charset="0"/>
-              </a:rPr>
-              <a:t>(int </a:t>
-            </a:r>
-            <a:r>
-              <a:rPr lang="en-GB" sz="2799" b="1" noProof="1">
-                <a:solidFill>
-                  <a:srgbClr val="FFA000"/>
-                </a:solidFill>
-                <a:latin typeface="Consolas" pitchFamily="49" charset="0"/>
-                <a:cs typeface="Consolas" pitchFamily="49" charset="0"/>
-              </a:rPr>
-              <a:t>start</a:t>
-            </a:r>
-            <a:r>
-              <a:rPr lang="en-GB" sz="2799" b="1" noProof="1">
-                <a:latin typeface="Consolas" pitchFamily="49" charset="0"/>
-                <a:cs typeface="Consolas" pitchFamily="49" charset="0"/>
-              </a:rPr>
-              <a:t>, int </a:t>
-            </a:r>
-            <a:r>
-              <a:rPr lang="en-GB" sz="2799" b="1" noProof="1">
-                <a:solidFill>
-                  <a:srgbClr val="FFA000"/>
-                </a:solidFill>
-                <a:latin typeface="Consolas" pitchFamily="49" charset="0"/>
-                <a:cs typeface="Consolas" pitchFamily="49" charset="0"/>
-              </a:rPr>
-              <a:t>end</a:t>
-            </a:r>
-            <a:r>
-              <a:rPr lang="en-GB" sz="2799" b="1" noProof="1">
-                <a:latin typeface="Consolas" pitchFamily="49" charset="0"/>
-                <a:cs typeface="Consolas" pitchFamily="49" charset="0"/>
-              </a:rPr>
-              <a:t>)</a:t>
-            </a:r>
-          </a:p>
-          <a:p>
-            <a:pPr eaLnBrk="0" hangingPunct="0">
-              <a:buClr>
-                <a:schemeClr val="accent5">
-                  <a:lumMod val="40000"/>
-                  <a:lumOff val="60000"/>
-                </a:schemeClr>
-              </a:buClr>
-              <a:buSzPct val="70000"/>
-            </a:pPr>
-            <a:r>
-              <a:rPr lang="en-GB" sz="2799" b="1" noProof="1">
-                <a:latin typeface="Consolas" pitchFamily="49" charset="0"/>
-                <a:cs typeface="Consolas" pitchFamily="49" charset="0"/>
-              </a:rPr>
-              <a:t>{</a:t>
-            </a:r>
-          </a:p>
-          <a:p>
-            <a:pPr eaLnBrk="0" hangingPunct="0">
-              <a:buClr>
-                <a:schemeClr val="accent5">
-                  <a:lumMod val="40000"/>
-                  <a:lumOff val="60000"/>
-                </a:schemeClr>
-              </a:buClr>
-              <a:buSzPct val="70000"/>
-            </a:pPr>
-            <a:r>
-              <a:rPr lang="en-GB" sz="2799" b="1" noProof="1">
-                <a:latin typeface="Consolas" pitchFamily="49" charset="0"/>
-                <a:cs typeface="Consolas" pitchFamily="49" charset="0"/>
-              </a:rPr>
-              <a:t>  for (int i = </a:t>
-            </a:r>
-            <a:r>
-              <a:rPr lang="en-GB" sz="2799" b="1" noProof="1">
-                <a:solidFill>
-                  <a:srgbClr val="FFA000"/>
-                </a:solidFill>
-                <a:latin typeface="Consolas" pitchFamily="49" charset="0"/>
-                <a:cs typeface="Consolas" pitchFamily="49" charset="0"/>
-              </a:rPr>
-              <a:t>start</a:t>
-            </a:r>
-            <a:r>
-              <a:rPr lang="en-GB" sz="2799" b="1" noProof="1">
-                <a:latin typeface="Consolas" pitchFamily="49" charset="0"/>
-                <a:cs typeface="Consolas" pitchFamily="49" charset="0"/>
-              </a:rPr>
-              <a:t>; i &lt;= </a:t>
-            </a:r>
-            <a:r>
-              <a:rPr lang="en-GB" sz="2799" b="1" noProof="1">
-                <a:solidFill>
-                  <a:srgbClr val="FFA000"/>
-                </a:solidFill>
-                <a:latin typeface="Consolas" pitchFamily="49" charset="0"/>
-                <a:cs typeface="Consolas" pitchFamily="49" charset="0"/>
-              </a:rPr>
-              <a:t>end</a:t>
-            </a:r>
-            <a:r>
-              <a:rPr lang="en-GB" sz="2799" b="1" noProof="1">
-                <a:latin typeface="Consolas" pitchFamily="49" charset="0"/>
-                <a:cs typeface="Consolas" pitchFamily="49" charset="0"/>
-              </a:rPr>
-              <a:t>; i++)</a:t>
-            </a:r>
-          </a:p>
-          <a:p>
-            <a:pPr eaLnBrk="0" hangingPunct="0">
-              <a:buClr>
-                <a:schemeClr val="accent5">
-                  <a:lumMod val="40000"/>
-                  <a:lumOff val="60000"/>
-                </a:schemeClr>
-              </a:buClr>
-              <a:buSzPct val="70000"/>
-            </a:pPr>
-            <a:r>
-              <a:rPr lang="en-GB" sz="2799" b="1" noProof="1">
-                <a:solidFill>
-                  <a:srgbClr val="234465"/>
-                </a:solidFill>
-                <a:latin typeface="Consolas" pitchFamily="49" charset="0"/>
-                <a:cs typeface="Consolas" pitchFamily="49" charset="0"/>
-              </a:rPr>
-              <a:t>  </a:t>
-            </a:r>
-            <a:r>
-              <a:rPr lang="en-GB" sz="2799" b="1" noProof="1">
-                <a:latin typeface="Consolas" pitchFamily="49" charset="0"/>
-                <a:cs typeface="Consolas" pitchFamily="49" charset="0"/>
-              </a:rPr>
-              <a:t>{</a:t>
-            </a:r>
-          </a:p>
-          <a:p>
-            <a:pPr eaLnBrk="0" hangingPunct="0">
-              <a:buClr>
-                <a:schemeClr val="accent5">
-                  <a:lumMod val="40000"/>
-                  <a:lumOff val="60000"/>
-                </a:schemeClr>
-              </a:buClr>
-              <a:buSzPct val="70000"/>
-            </a:pPr>
-            <a:r>
-              <a:rPr lang="en-GB" sz="2799" b="1" noProof="1">
-                <a:latin typeface="Consolas" pitchFamily="49" charset="0"/>
-                <a:cs typeface="Consolas" pitchFamily="49" charset="0"/>
-              </a:rPr>
-              <a:t>    Console.Write(</a:t>
-            </a:r>
-            <a:r>
-              <a:rPr lang="en-GB" sz="2799" b="1" noProof="1">
-                <a:solidFill>
-                  <a:srgbClr val="FFA000"/>
-                </a:solidFill>
-                <a:latin typeface="Consolas" pitchFamily="49" charset="0"/>
-                <a:cs typeface="Consolas" pitchFamily="49" charset="0"/>
-              </a:rPr>
-              <a:t>i</a:t>
-            </a:r>
-            <a:r>
-              <a:rPr lang="en-GB" sz="2799" b="1" noProof="1">
-                <a:solidFill>
-                  <a:srgbClr val="234465"/>
-                </a:solidFill>
-                <a:latin typeface="Consolas" pitchFamily="49" charset="0"/>
-                <a:cs typeface="Consolas" pitchFamily="49" charset="0"/>
-              </a:rPr>
-              <a:t> </a:t>
-            </a:r>
-            <a:r>
-              <a:rPr lang="en-GB" sz="2799" b="1" noProof="1">
-                <a:latin typeface="Consolas" pitchFamily="49" charset="0"/>
-                <a:cs typeface="Consolas" pitchFamily="49" charset="0"/>
-              </a:rPr>
-              <a:t>+ " ");</a:t>
-            </a:r>
-          </a:p>
-          <a:p>
-            <a:pPr eaLnBrk="0" hangingPunct="0">
-              <a:buClr>
-                <a:schemeClr val="accent5">
-                  <a:lumMod val="40000"/>
-                  <a:lumOff val="60000"/>
-                </a:schemeClr>
-              </a:buClr>
-              <a:buSzPct val="70000"/>
-            </a:pPr>
-            <a:r>
-              <a:rPr lang="en-GB" sz="2799" b="1" noProof="1">
-                <a:solidFill>
-                  <a:srgbClr val="234465"/>
-                </a:solidFill>
-                <a:latin typeface="Consolas" pitchFamily="49" charset="0"/>
-                <a:cs typeface="Consolas" pitchFamily="49" charset="0"/>
-              </a:rPr>
-              <a:t>  </a:t>
-            </a:r>
-            <a:r>
-              <a:rPr lang="en-GB" sz="2799" b="1" noProof="1">
-                <a:latin typeface="Consolas" pitchFamily="49" charset="0"/>
-                <a:cs typeface="Consolas" pitchFamily="49" charset="0"/>
-              </a:rPr>
-              <a:t>}</a:t>
-            </a:r>
-          </a:p>
-          <a:p>
-            <a:pPr eaLnBrk="0" hangingPunct="0">
-              <a:buClr>
-                <a:schemeClr val="accent5">
-                  <a:lumMod val="40000"/>
-                  <a:lumOff val="60000"/>
-                </a:schemeClr>
-              </a:buClr>
-              <a:buSzPct val="70000"/>
-            </a:pPr>
-            <a:r>
-              <a:rPr lang="en-GB" sz="2799" b="1" noProof="1">
-                <a:latin typeface="Consolas" pitchFamily="49" charset="0"/>
-                <a:cs typeface="Consolas" pitchFamily="49" charset="0"/>
-              </a:rPr>
-              <a:t>  Console.WriteLine();</a:t>
-            </a:r>
-          </a:p>
-          <a:p>
-            <a:pPr eaLnBrk="0" hangingPunct="0">
-              <a:buClr>
-                <a:schemeClr val="accent5">
-                  <a:lumMod val="40000"/>
-                  <a:lumOff val="60000"/>
-                </a:schemeClr>
-              </a:buClr>
-              <a:buSzPct val="70000"/>
-            </a:pPr>
-            <a:r>
-              <a:rPr lang="en-GB" sz="2799" b="1" noProof="1">
-                <a:latin typeface="Consolas" pitchFamily="49" charset="0"/>
-                <a:cs typeface="Consolas" pitchFamily="49" charset="0"/>
-              </a:rPr>
-              <a:t>}</a:t>
-            </a:r>
-            <a:endParaRPr lang="en-US" sz="2799" b="1" noProof="1">
-              <a:latin typeface="Consolas" pitchFamily="49" charset="0"/>
-              <a:cs typeface="Consolas" pitchFamily="49" charset="0"/>
-            </a:endParaRPr>
-          </a:p>
-        </p:txBody>
-      </p:sp>
-      <p:sp>
-        <p:nvSpPr>
-          <p:cNvPr id="6" name="AutoShape 23"/>
-          <p:cNvSpPr>
-            <a:spLocks noChangeArrowheads="1"/>
-          </p:cNvSpPr>
-          <p:nvPr/>
-        </p:nvSpPr>
-        <p:spPr bwMode="auto">
-          <a:xfrm>
-            <a:off x="7619604" y="5333504"/>
-            <a:ext cx="3291396" cy="1290495"/>
-          </a:xfrm>
-          <a:prstGeom prst="wedgeRoundRectCallout">
-            <a:avLst>
-              <a:gd name="adj1" fmla="val -48493"/>
-              <a:gd name="adj2" fmla="val 28141"/>
-              <a:gd name="adj3" fmla="val 16667"/>
-            </a:avLst>
-          </a:prstGeom>
-          <a:solidFill>
-            <a:schemeClr val="dk2">
-              <a:alpha val="80000"/>
-            </a:schemeClr>
-          </a:solidFill>
-          <a:ln w="19050">
-            <a:solidFill>
-              <a:schemeClr val="tx1">
-                <a:lumMod val="75000"/>
-                <a:alpha val="80000"/>
-              </a:schemeClr>
-            </a:solidFill>
-          </a:ln>
-          <a:effectLst/>
-        </p:spPr>
-        <p:style>
-          <a:lnRef idx="2">
-            <a:schemeClr val="accent1">
-              <a:shade val="50000"/>
-            </a:schemeClr>
-          </a:lnRef>
-          <a:fillRef idx="1001">
-            <a:schemeClr val="dk2"/>
-          </a:fillRef>
-          <a:effectRef idx="0">
-            <a:schemeClr val="accent1"/>
-          </a:effectRef>
-          <a:fontRef idx="minor">
-            <a:schemeClr val="lt1"/>
-          </a:fontRef>
-        </p:style>
-        <p:txBody>
-          <a:bodyPr rot="0" spcFirstLastPara="0" vertOverflow="overflow" horzOverflow="overflow" vert="horz" wrap="square" lIns="91416" tIns="45708" rIns="91416" bIns="45708" numCol="1" spcCol="0" rtlCol="0" fromWordArt="0" anchor="ctr" anchorCtr="0" forceAA="0" compatLnSpc="1">
-            <a:prstTxWarp prst="textNoShape">
-              <a:avLst/>
-            </a:prstTxWarp>
-            <a:noAutofit/>
-          </a:bodyPr>
-          <a:lstStyle/>
-          <a:p>
-            <a:pPr algn="ctr"/>
-            <a:r>
-              <a:rPr lang="bg-BG" sz="2799" b="1" noProof="1">
-                <a:solidFill>
-                  <a:schemeClr val="bg2"/>
-                </a:solidFill>
-              </a:rPr>
-              <a:t>Решението продължава на следващия слайд</a:t>
-            </a:r>
-            <a:endParaRPr lang="en-US" sz="2799" b="1" noProof="1">
-              <a:solidFill>
-                <a:schemeClr val="bg2"/>
-              </a:solidFill>
-            </a:endParaRPr>
-          </a:p>
-        </p:txBody>
-      </p:sp>
-      <p:sp>
-        <p:nvSpPr>
-          <p:cNvPr id="7" name="Slide Number">
-            <a:extLst>
-              <a:ext uri="{FF2B5EF4-FFF2-40B4-BE49-F238E27FC236}">
-                <a16:creationId xmlns:a16="http://schemas.microsoft.com/office/drawing/2014/main" id="{7120C37C-8D66-434E-AB27-A18F5C89E2E5}"/>
-              </a:ext>
-            </a:extLst>
-          </p:cNvPr>
-          <p:cNvSpPr>
-            <a:spLocks noGrp="1"/>
-          </p:cNvSpPr>
-          <p:nvPr>
-            <p:ph type="sldNum" sz="quarter" idx="5"/>
-          </p:nvPr>
-        </p:nvSpPr>
-        <p:spPr>
-          <a:xfrm>
-            <a:off x="11753030" y="6507000"/>
-            <a:ext cx="367414" cy="297000"/>
-          </a:xfrm>
-          <a:prstGeom prst="rect">
-            <a:avLst/>
-          </a:prstGeom>
-        </p:spPr>
-        <p:txBody>
-          <a:bodyPr vert="horz" lIns="91440" tIns="45720" rIns="91440" bIns="45720" rtlCol="0" anchor="b"/>
-          <a:lstStyle>
-            <a:lvl1pPr algn="r">
-              <a:defRPr sz="1000"/>
-            </a:lvl1pPr>
-          </a:lstStyle>
-          <a:p>
-            <a:fld id="{2BF067CD-8E6B-4360-9AA8-C5DF2A48A6D1}" type="slidenum">
-              <a:rPr lang="en-US" noProof="0" smtClean="0"/>
-              <a:pPr/>
-              <a:t>10</a:t>
-            </a:fld>
-            <a:endParaRPr lang="en-US" noProof="0" dirty="0"/>
-          </a:p>
-        </p:txBody>
-      </p:sp>
-    </p:spTree>
-    <p:extLst>
-      <p:ext uri="{BB962C8B-B14F-4D97-AF65-F5344CB8AC3E}">
-        <p14:creationId xmlns:p14="http://schemas.microsoft.com/office/powerpoint/2010/main" val="300414193"/>
-      </p:ext>
-    </p:extLst>
-  </p:cSld>
-  <p:clrMapOvr>
-    <a:masterClrMapping/>
-  </p:clrMapOvr>
-  <mc:AlternateContent xmlns:mc="http://schemas.openxmlformats.org/markup-compatibility/2006" xmlns:p14="http://schemas.microsoft.com/office/powerpoint/2010/main">
-    <mc:Choice Requires="p14">
-      <p:transition spd="slow" p14:dur="2000" advClick="0" advTm="5000"/>
-    </mc:Choice>
-    <mc:Fallback xmlns="">
-      <p:transition spd="slow" advClick="0" advTm="5000"/>
-    </mc:Fallback>
-  </mc:AlternateContent>
-  <p:timing>
-    <p:tnLst>
-      <p:par>
-        <p:cTn id="1" dur="indefinite" restart="never" nodeType="tmRoot">
-          <p:childTnLst>
-            <p:seq concurrent="1" nextAc="seek">
-              <p:cTn id="2" dur="indefinite" nodeType="mainSeq">
-                <p:childTnLst>
-                  <p:par>
-                    <p:cTn id="3" fill="hold">
-                      <p:stCondLst>
-                        <p:cond delay="indefinite"/>
-                      </p:stCondLst>
-                      <p:childTnLst>
-                        <p:par>
-                          <p:cTn id="4" fill="hold">
-                            <p:stCondLst>
-                              <p:cond delay="0"/>
-                            </p:stCondLst>
-                            <p:childTnLst>
-                              <p:par>
-                                <p:cTn id="5" presetID="1" presetClass="entr" presetSubtype="0" fill="hold" nodeType="clickEffect">
-                                  <p:stCondLst>
-                                    <p:cond delay="0"/>
-                                  </p:stCondLst>
-                                  <p:childTnLst>
-                                    <p:set>
-                                      <p:cBhvr>
-                                        <p:cTn id="6" dur="1" fill="hold">
-                                          <p:stCondLst>
-                                            <p:cond delay="0"/>
-                                          </p:stCondLst>
-                                        </p:cTn>
-                                        <p:tgtEl>
-                                          <p:spTgt spid="21">
-                                            <p:txEl>
-                                              <p:pRg st="2" end="2"/>
-                                            </p:txEl>
-                                          </p:spTgt>
-                                        </p:tgtEl>
-                                        <p:attrNameLst>
-                                          <p:attrName>style.visibility</p:attrName>
-                                        </p:attrNameLst>
-                                      </p:cBhvr>
-                                      <p:to>
-                                        <p:strVal val="visible"/>
-                                      </p:to>
-                                    </p:set>
-                                  </p:childTnLst>
-                                </p:cTn>
-                              </p:par>
-                              <p:par>
-                                <p:cTn id="7" presetID="1" presetClass="entr" presetSubtype="0" fill="hold" nodeType="withEffect">
-                                  <p:stCondLst>
-                                    <p:cond delay="0"/>
-                                  </p:stCondLst>
-                                  <p:childTnLst>
-                                    <p:set>
-                                      <p:cBhvr>
-                                        <p:cTn id="8" dur="1" fill="hold">
-                                          <p:stCondLst>
-                                            <p:cond delay="0"/>
-                                          </p:stCondLst>
-                                        </p:cTn>
-                                        <p:tgtEl>
-                                          <p:spTgt spid="21">
-                                            <p:txEl>
-                                              <p:pRg st="3" end="3"/>
-                                            </p:txEl>
-                                          </p:spTgt>
-                                        </p:tgtEl>
-                                        <p:attrNameLst>
-                                          <p:attrName>style.visibility</p:attrName>
-                                        </p:attrNameLst>
-                                      </p:cBhvr>
-                                      <p:to>
-                                        <p:strVal val="visible"/>
-                                      </p:to>
-                                    </p:set>
-                                  </p:childTnLst>
-                                </p:cTn>
-                              </p:par>
-                              <p:par>
-                                <p:cTn id="9" presetID="1" presetClass="entr" presetSubtype="0" fill="hold" nodeType="withEffect">
-                                  <p:stCondLst>
-                                    <p:cond delay="0"/>
-                                  </p:stCondLst>
-                                  <p:childTnLst>
-                                    <p:set>
-                                      <p:cBhvr>
-                                        <p:cTn id="10" dur="1" fill="hold">
-                                          <p:stCondLst>
-                                            <p:cond delay="0"/>
-                                          </p:stCondLst>
-                                        </p:cTn>
-                                        <p:tgtEl>
-                                          <p:spTgt spid="21">
-                                            <p:txEl>
-                                              <p:pRg st="4" end="4"/>
-                                            </p:txEl>
-                                          </p:spTgt>
-                                        </p:tgtEl>
-                                        <p:attrNameLst>
-                                          <p:attrName>style.visibility</p:attrName>
-                                        </p:attrNameLst>
-                                      </p:cBhvr>
-                                      <p:to>
-                                        <p:strVal val="visible"/>
-                                      </p:to>
-                                    </p:set>
-                                  </p:childTnLst>
-                                </p:cTn>
-                              </p:par>
-                              <p:par>
-                                <p:cTn id="11" presetID="1" presetClass="entr" presetSubtype="0" fill="hold" nodeType="withEffect">
-                                  <p:stCondLst>
-                                    <p:cond delay="0"/>
-                                  </p:stCondLst>
-                                  <p:childTnLst>
-                                    <p:set>
-                                      <p:cBhvr>
-                                        <p:cTn id="12" dur="1" fill="hold">
-                                          <p:stCondLst>
-                                            <p:cond delay="0"/>
-                                          </p:stCondLst>
-                                        </p:cTn>
-                                        <p:tgtEl>
-                                          <p:spTgt spid="21">
-                                            <p:txEl>
-                                              <p:pRg st="5" end="5"/>
-                                            </p:txEl>
-                                          </p:spTgt>
-                                        </p:tgtEl>
-                                        <p:attrNameLst>
-                                          <p:attrName>style.visibility</p:attrName>
-                                        </p:attrNameLst>
-                                      </p:cBhvr>
-                                      <p:to>
-                                        <p:strVal val="visible"/>
-                                      </p:to>
-                                    </p:set>
-                                  </p:childTnLst>
-                                </p:cTn>
-                              </p:par>
-                              <p:par>
-                                <p:cTn id="13" presetID="1" presetClass="entr" presetSubtype="0" fill="hold" nodeType="withEffect">
-                                  <p:stCondLst>
-                                    <p:cond delay="0"/>
-                                  </p:stCondLst>
-                                  <p:childTnLst>
-                                    <p:set>
-                                      <p:cBhvr>
-                                        <p:cTn id="14" dur="1" fill="hold">
-                                          <p:stCondLst>
-                                            <p:cond delay="0"/>
-                                          </p:stCondLst>
-                                        </p:cTn>
-                                        <p:tgtEl>
-                                          <p:spTgt spid="21">
-                                            <p:txEl>
-                                              <p:pRg st="6" end="6"/>
-                                            </p:txEl>
-                                          </p:spTgt>
-                                        </p:tgtEl>
-                                        <p:attrNameLst>
-                                          <p:attrName>style.visibility</p:attrName>
-                                        </p:attrNameLst>
-                                      </p:cBhvr>
-                                      <p:to>
-                                        <p:strVal val="visible"/>
-                                      </p:to>
-                                    </p:set>
-                                  </p:childTnLst>
-                                </p:cTn>
-                              </p:par>
-                            </p:childTnLst>
-                          </p:cTn>
-                        </p:par>
-                      </p:childTnLst>
-                    </p:cTn>
-                  </p:par>
-                  <p:par>
-                    <p:cTn id="15" fill="hold">
-                      <p:stCondLst>
-                        <p:cond delay="indefinite"/>
-                      </p:stCondLst>
-                      <p:childTnLst>
-                        <p:par>
-                          <p:cTn id="16" fill="hold">
-                            <p:stCondLst>
-                              <p:cond delay="0"/>
-                            </p:stCondLst>
-                            <p:childTnLst>
-                              <p:par>
-                                <p:cTn id="17" presetID="1" presetClass="entr" presetSubtype="0" fill="hold" grpId="0" nodeType="clickEffect">
-                                  <p:stCondLst>
-                                    <p:cond delay="0"/>
-                                  </p:stCondLst>
-                                  <p:childTnLst>
-                                    <p:set>
-                                      <p:cBhvr>
-                                        <p:cTn id="18" dur="1" fill="hold">
-                                          <p:stCondLst>
-                                            <p:cond delay="0"/>
-                                          </p:stCondLst>
-                                        </p:cTn>
-                                        <p:tgtEl>
-                                          <p:spTgt spid="6"/>
-                                        </p:tgtEl>
-                                        <p:attrNameLst>
-                                          <p:attrName>style.visibility</p:attrName>
-                                        </p:attrNameLst>
-                                      </p:cBhvr>
-                                      <p:to>
-                                        <p:strVal val="visible"/>
-                                      </p:to>
-                                    </p:set>
-                                  </p:childTnLst>
-                                </p:cTn>
-                              </p:par>
-                            </p:childTnLst>
-                          </p:cTn>
-                        </p:par>
-                      </p:childTnLst>
-                    </p:cTn>
-                  </p:par>
-                </p:childTnLst>
-              </p:cTn>
-              <p:prevCondLst>
-                <p:cond evt="onPrev" delay="0">
-                  <p:tgtEl>
-                    <p:sldTgt/>
-                  </p:tgtEl>
-                </p:cond>
-              </p:prevCondLst>
-              <p:nextCondLst>
-                <p:cond evt="onNext" delay="0">
-                  <p:tgtEl>
-                    <p:sldTgt/>
-                  </p:tgtEl>
-                </p:cond>
-              </p:nextCondLst>
-            </p:seq>
-          </p:childTnLst>
-        </p:cTn>
-      </p:par>
-    </p:tnLst>
-    <p:bldLst>
-      <p:bldP spid="6" grpId="0" animBg="1"/>
-    </p:bldLst>
-  </p:timing>
-</p:sld>
-</file>
-
-<file path=ppt/slides/slide11.xml><?xml version="1.0" encoding="utf-8"?>
-<p:sld xmlns:a="http://schemas.openxmlformats.org/drawingml/2006/main" xmlns:r="http://schemas.openxmlformats.org/officeDocument/2006/relationships" xmlns:p="http://schemas.openxmlformats.org/presentationml/2006/main">
-  <p:cSld>
-    <p:spTree>
-      <p:nvGrpSpPr>
-        <p:cNvPr id="1" name=""/>
-        <p:cNvGrpSpPr/>
-        <p:nvPr/>
-      </p:nvGrpSpPr>
-      <p:grpSpPr>
-        <a:xfrm>
-          <a:off x="0" y="0"/>
-          <a:ext cx="0" cy="0"/>
-          <a:chOff x="0" y="0"/>
-          <a:chExt cx="0" cy="0"/>
-        </a:xfrm>
-      </p:grpSpPr>
-      <p:sp>
-        <p:nvSpPr>
-          <p:cNvPr id="3" name="Content Placeholder 2"/>
-          <p:cNvSpPr>
-            <a:spLocks noGrp="1"/>
-          </p:cNvSpPr>
-          <p:nvPr>
-            <p:ph type="body" sz="quarter" idx="10"/>
-          </p:nvPr>
-        </p:nvSpPr>
-        <p:spPr>
-          <a:xfrm>
-            <a:off x="193480" y="1196706"/>
-            <a:ext cx="11662520" cy="5199712"/>
-          </a:xfrm>
-        </p:spPr>
-        <p:txBody>
-          <a:bodyPr/>
-          <a:lstStyle/>
-          <a:p>
-            <a:r>
-              <a:rPr lang="bg-BG" sz="3200" dirty="0"/>
-              <a:t>Създайте метод, който отпечатва </a:t>
-            </a:r>
-            <a:r>
-              <a:rPr lang="bg-BG" sz="3200" b="1" dirty="0">
-                <a:solidFill>
-                  <a:srgbClr val="FFA000"/>
-                </a:solidFill>
-              </a:rPr>
-              <a:t>първата половина </a:t>
-            </a:r>
-            <a:r>
-              <a:rPr lang="bg-BG" sz="3200" dirty="0"/>
-              <a:t>(от </a:t>
-            </a:r>
-            <a:r>
-              <a:rPr lang="en-US" sz="3200" dirty="0"/>
-              <a:t>1 </a:t>
-            </a:r>
-            <a:r>
-              <a:rPr lang="bg-BG" sz="3200" dirty="0"/>
-              <a:t>до </a:t>
-            </a:r>
-            <a:r>
-              <a:rPr lang="en-US" sz="3200" dirty="0"/>
-              <a:t>n</a:t>
-            </a:r>
-            <a:r>
-              <a:rPr lang="bg-BG" sz="3200" dirty="0"/>
-              <a:t>) и след това </a:t>
-            </a:r>
-            <a:r>
-              <a:rPr lang="bg-BG" sz="3200" b="1" dirty="0">
-                <a:solidFill>
-                  <a:srgbClr val="FFA000"/>
-                </a:solidFill>
-              </a:rPr>
-              <a:t>втората половина </a:t>
-            </a:r>
-            <a:r>
-              <a:rPr lang="bg-BG" sz="3200" dirty="0"/>
-              <a:t>(от </a:t>
-            </a:r>
-            <a:r>
-              <a:rPr lang="en-US" sz="3200" dirty="0"/>
-              <a:t>n – 1 </a:t>
-            </a:r>
-            <a:r>
-              <a:rPr lang="bg-BG" sz="3200" dirty="0"/>
-              <a:t>до 1) от триъгълника</a:t>
-            </a:r>
-            <a:r>
-              <a:rPr lang="en-US" sz="3200" dirty="0"/>
-              <a:t>:</a:t>
-            </a:r>
-            <a:endParaRPr lang="en-US" dirty="0"/>
-          </a:p>
-        </p:txBody>
-      </p:sp>
-      <p:sp>
-        <p:nvSpPr>
-          <p:cNvPr id="4" name="Title 3"/>
-          <p:cNvSpPr>
-            <a:spLocks noGrp="1"/>
-          </p:cNvSpPr>
-          <p:nvPr>
-            <p:ph type="title"/>
-          </p:nvPr>
-        </p:nvSpPr>
-        <p:spPr/>
-        <p:txBody>
-          <a:bodyPr/>
-          <a:lstStyle/>
-          <a:p>
-            <a:r>
-              <a:rPr lang="bg-BG" dirty="0"/>
-              <a:t>Решение</a:t>
-            </a:r>
-            <a:r>
-              <a:rPr lang="en-US" dirty="0"/>
-              <a:t>: </a:t>
-            </a:r>
-            <a:r>
-              <a:rPr lang="bg-BG" dirty="0"/>
-              <a:t>Отпечатване на триъгълник </a:t>
-            </a:r>
-            <a:r>
-              <a:rPr lang="en-GB" dirty="0"/>
-              <a:t>(2)</a:t>
-            </a:r>
-            <a:endParaRPr lang="en-US" dirty="0"/>
-          </a:p>
-        </p:txBody>
-      </p:sp>
-      <p:sp>
-        <p:nvSpPr>
-          <p:cNvPr id="21" name="Rectangle 4"/>
-          <p:cNvSpPr>
-            <a:spLocks noChangeArrowheads="1"/>
-          </p:cNvSpPr>
-          <p:nvPr/>
-        </p:nvSpPr>
-        <p:spPr bwMode="auto">
-          <a:xfrm>
-            <a:off x="1771982" y="2644608"/>
-            <a:ext cx="8648035" cy="3538508"/>
-          </a:xfrm>
-          <a:prstGeom prst="rect">
-            <a:avLst/>
-          </a:prstGeom>
-          <a:solidFill>
-            <a:srgbClr val="A3ABBC">
-              <a:alpha val="15000"/>
-            </a:srgbClr>
-          </a:solidFill>
-          <a:ln w="12700">
-            <a:solidFill>
-              <a:schemeClr val="accent5">
-                <a:lumMod val="60000"/>
-                <a:lumOff val="40000"/>
-              </a:schemeClr>
-            </a:solidFill>
-          </a:ln>
-        </p:spPr>
-        <p:txBody>
-          <a:bodyPr wrap="square">
-            <a:spAutoFit/>
-          </a:bodyPr>
-          <a:lstStyle/>
-          <a:p>
-            <a:pPr eaLnBrk="0" hangingPunct="0">
-              <a:buClr>
-                <a:schemeClr val="accent5">
-                  <a:lumMod val="40000"/>
-                  <a:lumOff val="60000"/>
-                </a:schemeClr>
-              </a:buClr>
-              <a:buSzPct val="70000"/>
-            </a:pPr>
-            <a:r>
-              <a:rPr lang="en-GB" sz="2799" b="1" noProof="1">
-                <a:solidFill>
-                  <a:srgbClr val="234465"/>
-                </a:solidFill>
-                <a:latin typeface="Consolas" pitchFamily="49" charset="0"/>
-                <a:cs typeface="Consolas" pitchFamily="49" charset="0"/>
-              </a:rPr>
-              <a:t>static void </a:t>
-            </a:r>
-            <a:r>
-              <a:rPr lang="en-GB" sz="2799" b="1" noProof="1">
-                <a:solidFill>
-                  <a:srgbClr val="FFA000"/>
-                </a:solidFill>
-                <a:latin typeface="Consolas" pitchFamily="49" charset="0"/>
-                <a:cs typeface="Consolas" pitchFamily="49" charset="0"/>
-              </a:rPr>
-              <a:t>PrintTriangle</a:t>
-            </a:r>
-            <a:r>
-              <a:rPr lang="en-GB" sz="2799" b="1" noProof="1">
-                <a:solidFill>
-                  <a:srgbClr val="234465"/>
-                </a:solidFill>
-                <a:latin typeface="Consolas" pitchFamily="49" charset="0"/>
-                <a:cs typeface="Consolas" pitchFamily="49" charset="0"/>
-              </a:rPr>
-              <a:t>(</a:t>
-            </a:r>
-            <a:r>
-              <a:rPr lang="en-GB" sz="2799" b="1" noProof="1">
-                <a:solidFill>
-                  <a:srgbClr val="FFA000"/>
-                </a:solidFill>
-                <a:latin typeface="Consolas" pitchFamily="49" charset="0"/>
-                <a:cs typeface="Consolas" pitchFamily="49" charset="0"/>
-              </a:rPr>
-              <a:t>int n</a:t>
-            </a:r>
-            <a:r>
-              <a:rPr lang="en-GB" sz="2799" b="1" noProof="1">
-                <a:solidFill>
-                  <a:srgbClr val="234465"/>
-                </a:solidFill>
-                <a:latin typeface="Consolas" pitchFamily="49" charset="0"/>
-                <a:cs typeface="Consolas" pitchFamily="49" charset="0"/>
-              </a:rPr>
-              <a:t>)</a:t>
-            </a:r>
-          </a:p>
-          <a:p>
-            <a:pPr eaLnBrk="0" hangingPunct="0">
-              <a:buClr>
-                <a:schemeClr val="accent5">
-                  <a:lumMod val="40000"/>
-                  <a:lumOff val="60000"/>
-                </a:schemeClr>
-              </a:buClr>
-              <a:buSzPct val="70000"/>
-            </a:pPr>
-            <a:r>
-              <a:rPr lang="en-GB" sz="2799" b="1" noProof="1">
-                <a:solidFill>
-                  <a:srgbClr val="234465"/>
-                </a:solidFill>
-                <a:latin typeface="Consolas" pitchFamily="49" charset="0"/>
-                <a:cs typeface="Consolas" pitchFamily="49" charset="0"/>
-              </a:rPr>
-              <a:t>{</a:t>
-            </a:r>
-          </a:p>
-          <a:p>
-            <a:pPr eaLnBrk="0" hangingPunct="0">
-              <a:buClr>
-                <a:schemeClr val="accent5">
-                  <a:lumMod val="40000"/>
-                  <a:lumOff val="60000"/>
-                </a:schemeClr>
-              </a:buClr>
-              <a:buSzPct val="70000"/>
-            </a:pPr>
-            <a:r>
-              <a:rPr lang="en-GB" sz="2799" b="1" noProof="1">
-                <a:solidFill>
-                  <a:srgbClr val="234465"/>
-                </a:solidFill>
-                <a:latin typeface="Consolas" pitchFamily="49" charset="0"/>
-                <a:cs typeface="Consolas" pitchFamily="49" charset="0"/>
-              </a:rPr>
-              <a:t>  for (int line = 1; line &lt;= n; line++)</a:t>
-            </a:r>
-          </a:p>
-          <a:p>
-            <a:pPr eaLnBrk="0" hangingPunct="0">
-              <a:buClr>
-                <a:schemeClr val="accent5">
-                  <a:lumMod val="40000"/>
-                  <a:lumOff val="60000"/>
-                </a:schemeClr>
-              </a:buClr>
-              <a:buSzPct val="70000"/>
-            </a:pPr>
-            <a:r>
-              <a:rPr lang="en-GB" sz="2799" b="1" noProof="1">
-                <a:solidFill>
-                  <a:srgbClr val="234465"/>
-                </a:solidFill>
-                <a:latin typeface="Consolas" pitchFamily="49" charset="0"/>
-                <a:cs typeface="Consolas" pitchFamily="49" charset="0"/>
-              </a:rPr>
-              <a:t>    </a:t>
-            </a:r>
-            <a:r>
-              <a:rPr lang="en-GB" sz="2799" b="1" noProof="1">
-                <a:solidFill>
-                  <a:srgbClr val="FFA000"/>
-                </a:solidFill>
-                <a:latin typeface="Consolas" pitchFamily="49" charset="0"/>
-                <a:cs typeface="Consolas" pitchFamily="49" charset="0"/>
-              </a:rPr>
-              <a:t>PrintLine</a:t>
-            </a:r>
-            <a:r>
-              <a:rPr lang="en-GB" sz="2799" b="1" noProof="1">
-                <a:solidFill>
-                  <a:srgbClr val="234465"/>
-                </a:solidFill>
-                <a:latin typeface="Consolas" pitchFamily="49" charset="0"/>
-                <a:cs typeface="Consolas" pitchFamily="49" charset="0"/>
-              </a:rPr>
-              <a:t>(1, line);</a:t>
-            </a:r>
-          </a:p>
-          <a:p>
-            <a:pPr eaLnBrk="0" hangingPunct="0">
-              <a:buClr>
-                <a:schemeClr val="accent5">
-                  <a:lumMod val="40000"/>
-                  <a:lumOff val="60000"/>
-                </a:schemeClr>
-              </a:buClr>
-              <a:buSzPct val="70000"/>
-            </a:pPr>
-            <a:r>
-              <a:rPr lang="en-GB" sz="2799" b="1" noProof="1">
-                <a:solidFill>
-                  <a:srgbClr val="234465"/>
-                </a:solidFill>
-                <a:latin typeface="Consolas" pitchFamily="49" charset="0"/>
-                <a:cs typeface="Consolas" pitchFamily="49" charset="0"/>
-              </a:rPr>
-              <a:t> </a:t>
-            </a:r>
-          </a:p>
-          <a:p>
-            <a:pPr eaLnBrk="0" hangingPunct="0">
-              <a:buClr>
-                <a:schemeClr val="accent5">
-                  <a:lumMod val="40000"/>
-                  <a:lumOff val="60000"/>
-                </a:schemeClr>
-              </a:buClr>
-              <a:buSzPct val="70000"/>
-            </a:pPr>
-            <a:r>
-              <a:rPr lang="en-GB" sz="2799" b="1" noProof="1">
-                <a:solidFill>
-                  <a:srgbClr val="234465"/>
-                </a:solidFill>
-                <a:latin typeface="Consolas" pitchFamily="49" charset="0"/>
-                <a:cs typeface="Consolas" pitchFamily="49" charset="0"/>
-              </a:rPr>
-              <a:t>  for (int line = n - 1; line &gt;= 1; line--)</a:t>
-            </a:r>
-          </a:p>
-          <a:p>
-            <a:pPr eaLnBrk="0" hangingPunct="0">
-              <a:buClr>
-                <a:schemeClr val="accent5">
-                  <a:lumMod val="40000"/>
-                  <a:lumOff val="60000"/>
-                </a:schemeClr>
-              </a:buClr>
-              <a:buSzPct val="70000"/>
-            </a:pPr>
-            <a:r>
-              <a:rPr lang="en-GB" sz="2799" b="1" noProof="1">
-                <a:solidFill>
-                  <a:srgbClr val="234465"/>
-                </a:solidFill>
-                <a:latin typeface="Consolas" pitchFamily="49" charset="0"/>
-                <a:cs typeface="Consolas" pitchFamily="49" charset="0"/>
-              </a:rPr>
-              <a:t>    </a:t>
-            </a:r>
-            <a:r>
-              <a:rPr lang="en-GB" sz="2799" b="1" noProof="1">
-                <a:solidFill>
-                  <a:srgbClr val="FFA000"/>
-                </a:solidFill>
-                <a:latin typeface="Consolas" pitchFamily="49" charset="0"/>
-                <a:cs typeface="Consolas" pitchFamily="49" charset="0"/>
-              </a:rPr>
-              <a:t>PrintLine</a:t>
-            </a:r>
-            <a:r>
-              <a:rPr lang="en-GB" sz="2799" b="1" noProof="1">
-                <a:solidFill>
-                  <a:srgbClr val="234465"/>
-                </a:solidFill>
-                <a:latin typeface="Consolas" pitchFamily="49" charset="0"/>
-                <a:cs typeface="Consolas" pitchFamily="49" charset="0"/>
-              </a:rPr>
-              <a:t>(1, line);</a:t>
-            </a:r>
-          </a:p>
-          <a:p>
-            <a:pPr eaLnBrk="0" hangingPunct="0">
-              <a:buClr>
-                <a:schemeClr val="accent5">
-                  <a:lumMod val="40000"/>
-                  <a:lumOff val="60000"/>
-                </a:schemeClr>
-              </a:buClr>
-              <a:buSzPct val="70000"/>
-            </a:pPr>
-            <a:r>
-              <a:rPr lang="en-GB" sz="2799" b="1" noProof="1">
-                <a:solidFill>
-                  <a:srgbClr val="234465"/>
-                </a:solidFill>
-                <a:latin typeface="Consolas" pitchFamily="49" charset="0"/>
-                <a:cs typeface="Consolas" pitchFamily="49" charset="0"/>
-              </a:rPr>
-              <a:t>}</a:t>
-            </a:r>
-            <a:endParaRPr lang="en-US" sz="2799" b="1" noProof="1">
-              <a:solidFill>
-                <a:srgbClr val="234465"/>
-              </a:solidFill>
-              <a:latin typeface="Consolas" pitchFamily="49" charset="0"/>
-              <a:cs typeface="Consolas" pitchFamily="49" charset="0"/>
-            </a:endParaRPr>
-          </a:p>
-        </p:txBody>
-      </p:sp>
-      <p:sp>
-        <p:nvSpPr>
-          <p:cNvPr id="7" name="AutoShape 23"/>
-          <p:cNvSpPr>
-            <a:spLocks noChangeArrowheads="1"/>
-          </p:cNvSpPr>
-          <p:nvPr/>
-        </p:nvSpPr>
-        <p:spPr bwMode="auto">
-          <a:xfrm>
-            <a:off x="8849742" y="2431306"/>
-            <a:ext cx="2275064" cy="978061"/>
-          </a:xfrm>
-          <a:prstGeom prst="wedgeRoundRectCallout">
-            <a:avLst>
-              <a:gd name="adj1" fmla="val -82489"/>
-              <a:gd name="adj2" fmla="val 1118"/>
-              <a:gd name="adj3" fmla="val 16667"/>
-            </a:avLst>
-          </a:prstGeom>
-          <a:solidFill>
-            <a:schemeClr val="dk2">
-              <a:alpha val="80000"/>
-            </a:schemeClr>
-          </a:solidFill>
-          <a:ln w="19050">
-            <a:solidFill>
-              <a:schemeClr val="tx1">
-                <a:lumMod val="75000"/>
-                <a:alpha val="80000"/>
-              </a:schemeClr>
-            </a:solidFill>
-          </a:ln>
-          <a:effectLst/>
-        </p:spPr>
-        <p:style>
-          <a:lnRef idx="2">
-            <a:schemeClr val="accent1">
-              <a:shade val="50000"/>
-            </a:schemeClr>
-          </a:lnRef>
-          <a:fillRef idx="1001">
-            <a:schemeClr val="dk2"/>
-          </a:fillRef>
-          <a:effectRef idx="0">
-            <a:schemeClr val="accent1"/>
-          </a:effectRef>
-          <a:fontRef idx="minor">
-            <a:schemeClr val="lt1"/>
-          </a:fontRef>
-        </p:style>
-        <p:txBody>
-          <a:bodyPr rot="0" spcFirstLastPara="0" vertOverflow="overflow" horzOverflow="overflow" vert="horz" wrap="square" lIns="91416" tIns="45708" rIns="91416" bIns="45708" numCol="1" spcCol="0" rtlCol="0" fromWordArt="0" anchor="ctr" anchorCtr="0" forceAA="0" compatLnSpc="1">
-            <a:prstTxWarp prst="textNoShape">
-              <a:avLst/>
-            </a:prstTxWarp>
-            <a:noAutofit/>
-          </a:bodyPr>
-          <a:lstStyle/>
-          <a:p>
-            <a:pPr algn="ctr"/>
-            <a:r>
-              <a:rPr lang="bg-BG" sz="2799" b="1" dirty="0">
-                <a:solidFill>
-                  <a:schemeClr val="bg2"/>
-                </a:solidFill>
-              </a:rPr>
-              <a:t>Метод с </a:t>
-            </a:r>
-            <a:r>
-              <a:rPr lang="bg-BG" sz="2799" b="1" dirty="0">
-                <a:solidFill>
-                  <a:schemeClr val="bg1">
-                    <a:lumMod val="60000"/>
-                    <a:lumOff val="40000"/>
-                  </a:schemeClr>
-                </a:solidFill>
-              </a:rPr>
-              <a:t>параметър </a:t>
-            </a:r>
-            <a:r>
-              <a:rPr lang="en-US" sz="2799" b="1" dirty="0">
-                <a:solidFill>
-                  <a:schemeClr val="bg1">
-                    <a:lumMod val="60000"/>
-                    <a:lumOff val="40000"/>
-                  </a:schemeClr>
-                </a:solidFill>
-              </a:rPr>
-              <a:t>n</a:t>
-            </a:r>
-            <a:endParaRPr lang="en-US" sz="2799" b="1" noProof="1">
-              <a:solidFill>
-                <a:schemeClr val="bg1">
-                  <a:lumMod val="60000"/>
-                  <a:lumOff val="40000"/>
-                </a:schemeClr>
-              </a:solidFill>
-            </a:endParaRPr>
-          </a:p>
-        </p:txBody>
-      </p:sp>
-      <p:sp>
-        <p:nvSpPr>
-          <p:cNvPr id="9" name="AutoShape 23"/>
-          <p:cNvSpPr>
-            <a:spLocks noChangeArrowheads="1"/>
-          </p:cNvSpPr>
-          <p:nvPr/>
-        </p:nvSpPr>
-        <p:spPr bwMode="auto">
-          <a:xfrm>
-            <a:off x="6763369" y="4033663"/>
-            <a:ext cx="2133044" cy="604202"/>
-          </a:xfrm>
-          <a:prstGeom prst="wedgeRoundRectCallout">
-            <a:avLst>
-              <a:gd name="adj1" fmla="val -62657"/>
-              <a:gd name="adj2" fmla="val -60818"/>
-              <a:gd name="adj3" fmla="val 16667"/>
-            </a:avLst>
-          </a:prstGeom>
-          <a:solidFill>
-            <a:schemeClr val="dk2">
-              <a:alpha val="80000"/>
-            </a:schemeClr>
-          </a:solidFill>
-          <a:ln w="19050">
-            <a:solidFill>
-              <a:schemeClr val="tx1">
-                <a:lumMod val="75000"/>
-                <a:alpha val="80000"/>
-              </a:schemeClr>
-            </a:solidFill>
-          </a:ln>
-          <a:effectLst/>
-        </p:spPr>
-        <p:style>
-          <a:lnRef idx="2">
-            <a:schemeClr val="accent1">
-              <a:shade val="50000"/>
-            </a:schemeClr>
-          </a:lnRef>
-          <a:fillRef idx="1001">
-            <a:schemeClr val="dk2"/>
-          </a:fillRef>
-          <a:effectRef idx="0">
-            <a:schemeClr val="accent1"/>
-          </a:effectRef>
-          <a:fontRef idx="minor">
-            <a:schemeClr val="lt1"/>
-          </a:fontRef>
-        </p:style>
-        <p:txBody>
-          <a:bodyPr rot="0" spcFirstLastPara="0" vertOverflow="overflow" horzOverflow="overflow" vert="horz" wrap="square" lIns="91416" tIns="45708" rIns="91416" bIns="45708" numCol="1" spcCol="0" rtlCol="0" fromWordArt="0" anchor="ctr" anchorCtr="0" forceAA="0" compatLnSpc="1">
-            <a:prstTxWarp prst="textNoShape">
-              <a:avLst/>
-            </a:prstTxWarp>
-            <a:noAutofit/>
-          </a:bodyPr>
-          <a:lstStyle/>
-          <a:p>
-            <a:pPr algn="ctr"/>
-            <a:r>
-              <a:rPr lang="bg-BG" sz="2799" b="1" dirty="0">
-                <a:solidFill>
-                  <a:schemeClr val="bg2"/>
-                </a:solidFill>
-              </a:rPr>
-              <a:t>Редове</a:t>
-            </a:r>
-            <a:r>
-              <a:rPr lang="en-US" sz="2799" b="1" dirty="0">
-                <a:solidFill>
-                  <a:schemeClr val="bg2"/>
-                </a:solidFill>
-              </a:rPr>
-              <a:t> 1...n</a:t>
-            </a:r>
-            <a:endParaRPr lang="en-US" sz="2799" b="1" noProof="1">
-              <a:solidFill>
-                <a:schemeClr val="bg2"/>
-              </a:solidFill>
-            </a:endParaRPr>
-          </a:p>
-        </p:txBody>
-      </p:sp>
-      <p:sp>
-        <p:nvSpPr>
-          <p:cNvPr id="10" name="AutoShape 23"/>
-          <p:cNvSpPr>
-            <a:spLocks noChangeArrowheads="1"/>
-          </p:cNvSpPr>
-          <p:nvPr/>
-        </p:nvSpPr>
-        <p:spPr bwMode="auto">
-          <a:xfrm>
-            <a:off x="6763368" y="5392889"/>
-            <a:ext cx="2613613" cy="604202"/>
-          </a:xfrm>
-          <a:prstGeom prst="wedgeRoundRectCallout">
-            <a:avLst>
-              <a:gd name="adj1" fmla="val -63107"/>
-              <a:gd name="adj2" fmla="val -57006"/>
-              <a:gd name="adj3" fmla="val 16667"/>
-            </a:avLst>
-          </a:prstGeom>
-          <a:solidFill>
-            <a:schemeClr val="dk2">
-              <a:alpha val="80000"/>
-            </a:schemeClr>
-          </a:solidFill>
-          <a:ln w="19050">
-            <a:solidFill>
-              <a:schemeClr val="tx1">
-                <a:lumMod val="75000"/>
-                <a:alpha val="80000"/>
-              </a:schemeClr>
-            </a:solidFill>
-          </a:ln>
-          <a:effectLst/>
-        </p:spPr>
-        <p:style>
-          <a:lnRef idx="2">
-            <a:schemeClr val="accent1">
-              <a:shade val="50000"/>
-            </a:schemeClr>
-          </a:lnRef>
-          <a:fillRef idx="1001">
-            <a:schemeClr val="dk2"/>
-          </a:fillRef>
-          <a:effectRef idx="0">
-            <a:schemeClr val="accent1"/>
-          </a:effectRef>
-          <a:fontRef idx="minor">
-            <a:schemeClr val="lt1"/>
-          </a:fontRef>
-        </p:style>
-        <p:txBody>
-          <a:bodyPr rot="0" spcFirstLastPara="0" vertOverflow="overflow" horzOverflow="overflow" vert="horz" wrap="square" lIns="91416" tIns="45708" rIns="91416" bIns="45708" numCol="1" spcCol="0" rtlCol="0" fromWordArt="0" anchor="ctr" anchorCtr="0" forceAA="0" compatLnSpc="1">
-            <a:prstTxWarp prst="textNoShape">
-              <a:avLst/>
-            </a:prstTxWarp>
-            <a:noAutofit/>
-          </a:bodyPr>
-          <a:lstStyle/>
-          <a:p>
-            <a:pPr algn="ctr"/>
-            <a:r>
-              <a:rPr lang="bg-BG" sz="2799" b="1" dirty="0">
-                <a:solidFill>
-                  <a:schemeClr val="bg2"/>
-                </a:solidFill>
-              </a:rPr>
-              <a:t>Редове</a:t>
-            </a:r>
-            <a:r>
-              <a:rPr lang="en-US" sz="2799" b="1" dirty="0">
-                <a:solidFill>
-                  <a:schemeClr val="bg2"/>
-                </a:solidFill>
-              </a:rPr>
-              <a:t> n - 1…1</a:t>
-            </a:r>
-            <a:endParaRPr lang="en-US" sz="2799" b="1" noProof="1">
-              <a:solidFill>
-                <a:schemeClr val="bg2"/>
-              </a:solidFill>
-            </a:endParaRPr>
-          </a:p>
-        </p:txBody>
-      </p:sp>
-      <p:sp>
-        <p:nvSpPr>
-          <p:cNvPr id="12" name="TextBox 11">
-            <a:extLst>
-              <a:ext uri="{FF2B5EF4-FFF2-40B4-BE49-F238E27FC236}">
-                <a16:creationId xmlns:a16="http://schemas.microsoft.com/office/drawing/2014/main" id="{E884311B-6D18-43C3-AFFF-041E4455E8E2}"/>
-              </a:ext>
-            </a:extLst>
-          </p:cNvPr>
-          <p:cNvSpPr txBox="1"/>
-          <p:nvPr/>
-        </p:nvSpPr>
-        <p:spPr>
-          <a:xfrm>
-            <a:off x="801479" y="6396418"/>
-            <a:ext cx="10589042" cy="400006"/>
-          </a:xfrm>
-          <a:prstGeom prst="rect">
-            <a:avLst/>
-          </a:prstGeom>
-          <a:noFill/>
-        </p:spPr>
-        <p:txBody>
-          <a:bodyPr wrap="square" rtlCol="0">
-            <a:spAutoFit/>
-          </a:bodyPr>
-          <a:lstStyle/>
-          <a:p>
-            <a:pPr algn="ctr"/>
-            <a:r>
-              <a:rPr lang="bg-BG" sz="1999" dirty="0"/>
-              <a:t>Проверете решението си тук</a:t>
-            </a:r>
-            <a:r>
-              <a:rPr lang="en-US" sz="1999" dirty="0"/>
-              <a:t>: </a:t>
-            </a:r>
-            <a:r>
-              <a:rPr lang="en-US" sz="1999" dirty="0">
-                <a:hlinkClick r:id="rId2"/>
-              </a:rPr>
-              <a:t>https://judge.softuni.bg/Contests/Practice/Index/3160#3</a:t>
-            </a:r>
-            <a:endParaRPr lang="en-US" sz="1999" dirty="0"/>
-          </a:p>
-        </p:txBody>
-      </p:sp>
-      <p:sp>
-        <p:nvSpPr>
-          <p:cNvPr id="11" name="Slide Number">
-            <a:extLst>
-              <a:ext uri="{FF2B5EF4-FFF2-40B4-BE49-F238E27FC236}">
-                <a16:creationId xmlns:a16="http://schemas.microsoft.com/office/drawing/2014/main" id="{9A0A7452-6CC5-4E7F-ABBB-4D8E0379EA23}"/>
-              </a:ext>
-            </a:extLst>
-          </p:cNvPr>
-          <p:cNvSpPr>
-            <a:spLocks noGrp="1"/>
-          </p:cNvSpPr>
-          <p:nvPr>
-            <p:ph type="sldNum" sz="quarter" idx="5"/>
-          </p:nvPr>
-        </p:nvSpPr>
-        <p:spPr>
-          <a:xfrm>
-            <a:off x="11753030" y="6507000"/>
-            <a:ext cx="367414" cy="297000"/>
-          </a:xfrm>
-          <a:prstGeom prst="rect">
-            <a:avLst/>
-          </a:prstGeom>
-        </p:spPr>
-        <p:txBody>
-          <a:bodyPr vert="horz" lIns="91440" tIns="45720" rIns="91440" bIns="45720" rtlCol="0" anchor="b"/>
-          <a:lstStyle>
-            <a:lvl1pPr algn="r">
-              <a:defRPr sz="1000"/>
-            </a:lvl1pPr>
-          </a:lstStyle>
-          <a:p>
-            <a:fld id="{2BF067CD-8E6B-4360-9AA8-C5DF2A48A6D1}" type="slidenum">
-              <a:rPr lang="en-US" noProof="0" smtClean="0"/>
-              <a:pPr/>
-              <a:t>11</a:t>
-            </a:fld>
-            <a:endParaRPr lang="en-US" noProof="0" dirty="0"/>
-          </a:p>
-        </p:txBody>
-      </p:sp>
-    </p:spTree>
-    <p:extLst>
-      <p:ext uri="{BB962C8B-B14F-4D97-AF65-F5344CB8AC3E}">
-        <p14:creationId xmlns:p14="http://schemas.microsoft.com/office/powerpoint/2010/main" val="697347793"/>
-      </p:ext>
-    </p:extLst>
-  </p:cSld>
-  <p:clrMapOvr>
-    <a:masterClrMapping/>
-  </p:clrMapOvr>
-  <mc:AlternateContent xmlns:mc="http://schemas.openxmlformats.org/markup-compatibility/2006" xmlns:p14="http://schemas.microsoft.com/office/powerpoint/2010/main">
-    <mc:Choice Requires="p14">
-      <p:transition spd="slow" p14:dur="2000" advClick="0" advTm="5000"/>
-    </mc:Choice>
-    <mc:Fallback xmlns="">
-      <p:transition spd="slow" advClick="0" advTm="5000"/>
-    </mc:Fallback>
-  </mc:AlternateContent>
-  <p:timing>
-    <p:tnLst>
-      <p:par>
-        <p:cTn id="1" dur="indefinite" restart="never" nodeType="tmRoot">
-          <p:childTnLst>
-            <p:seq concurrent="1" nextAc="seek">
-              <p:cTn id="2" dur="indefinite" nodeType="mainSeq">
-                <p:childTnLst>
-                  <p:par>
-                    <p:cTn id="3" fill="hold">
-                      <p:stCondLst>
-                        <p:cond delay="indefinite"/>
-                      </p:stCondLst>
-                      <p:childTnLst>
-                        <p:par>
-                          <p:cTn id="4" fill="hold">
-                            <p:stCondLst>
-                              <p:cond delay="0"/>
-                            </p:stCondLst>
-                            <p:childTnLst>
-                              <p:par>
-                                <p:cTn id="5" presetID="1" presetClass="entr" presetSubtype="0" fill="hold" grpId="0" nodeType="clickEffect">
-                                  <p:stCondLst>
-                                    <p:cond delay="0"/>
-                                  </p:stCondLst>
-                                  <p:childTnLst>
-                                    <p:set>
-                                      <p:cBhvr>
-                                        <p:cTn id="6" dur="1" fill="hold">
-                                          <p:stCondLst>
-                                            <p:cond delay="0"/>
-                                          </p:stCondLst>
-                                        </p:cTn>
-                                        <p:tgtEl>
-                                          <p:spTgt spid="7"/>
-                                        </p:tgtEl>
-                                        <p:attrNameLst>
-                                          <p:attrName>style.visibility</p:attrName>
-                                        </p:attrNameLst>
-                                      </p:cBhvr>
-                                      <p:to>
-                                        <p:strVal val="visible"/>
-                                      </p:to>
-                                    </p:set>
-                                  </p:childTnLst>
-                                </p:cTn>
-                              </p:par>
-                            </p:childTnLst>
-                          </p:cTn>
-                        </p:par>
-                      </p:childTnLst>
-                    </p:cTn>
-                  </p:par>
-                  <p:par>
-                    <p:cTn id="7" fill="hold">
-                      <p:stCondLst>
-                        <p:cond delay="indefinite"/>
-                      </p:stCondLst>
-                      <p:childTnLst>
-                        <p:par>
-                          <p:cTn id="8" fill="hold">
-                            <p:stCondLst>
-                              <p:cond delay="0"/>
-                            </p:stCondLst>
-                            <p:childTnLst>
-                              <p:par>
-                                <p:cTn id="9" presetID="1" presetClass="entr" presetSubtype="0" fill="hold" nodeType="clickEffect">
-                                  <p:stCondLst>
-                                    <p:cond delay="0"/>
-                                  </p:stCondLst>
-                                  <p:childTnLst>
-                                    <p:set>
-                                      <p:cBhvr>
-                                        <p:cTn id="10" dur="1" fill="hold">
-                                          <p:stCondLst>
-                                            <p:cond delay="0"/>
-                                          </p:stCondLst>
-                                        </p:cTn>
-                                        <p:tgtEl>
-                                          <p:spTgt spid="21">
-                                            <p:txEl>
-                                              <p:pRg st="2" end="2"/>
-                                            </p:txEl>
-                                          </p:spTgt>
-                                        </p:tgtEl>
-                                        <p:attrNameLst>
-                                          <p:attrName>style.visibility</p:attrName>
-                                        </p:attrNameLst>
-                                      </p:cBhvr>
-                                      <p:to>
-                                        <p:strVal val="visible"/>
-                                      </p:to>
-                                    </p:set>
-                                  </p:childTnLst>
-                                </p:cTn>
-                              </p:par>
-                              <p:par>
-                                <p:cTn id="11" presetID="1" presetClass="entr" presetSubtype="0" fill="hold" nodeType="withEffect">
-                                  <p:stCondLst>
-                                    <p:cond delay="0"/>
-                                  </p:stCondLst>
-                                  <p:childTnLst>
-                                    <p:set>
-                                      <p:cBhvr>
-                                        <p:cTn id="12" dur="1" fill="hold">
-                                          <p:stCondLst>
-                                            <p:cond delay="0"/>
-                                          </p:stCondLst>
-                                        </p:cTn>
-                                        <p:tgtEl>
-                                          <p:spTgt spid="21">
-                                            <p:txEl>
-                                              <p:pRg st="3" end="3"/>
-                                            </p:txEl>
-                                          </p:spTgt>
-                                        </p:tgtEl>
-                                        <p:attrNameLst>
-                                          <p:attrName>style.visibility</p:attrName>
-                                        </p:attrNameLst>
-                                      </p:cBhvr>
-                                      <p:to>
-                                        <p:strVal val="visible"/>
-                                      </p:to>
-                                    </p:set>
-                                  </p:childTnLst>
-                                </p:cTn>
-                              </p:par>
-                              <p:par>
-                                <p:cTn id="13" presetID="1" presetClass="entr" presetSubtype="0" fill="hold" grpId="0" nodeType="withEffect">
-                                  <p:stCondLst>
-                                    <p:cond delay="0"/>
-                                  </p:stCondLst>
-                                  <p:childTnLst>
-                                    <p:set>
-                                      <p:cBhvr>
-                                        <p:cTn id="14" dur="1" fill="hold">
-                                          <p:stCondLst>
-                                            <p:cond delay="0"/>
-                                          </p:stCondLst>
-                                        </p:cTn>
-                                        <p:tgtEl>
-                                          <p:spTgt spid="9"/>
-                                        </p:tgtEl>
-                                        <p:attrNameLst>
-                                          <p:attrName>style.visibility</p:attrName>
-                                        </p:attrNameLst>
-                                      </p:cBhvr>
-                                      <p:to>
-                                        <p:strVal val="visible"/>
-                                      </p:to>
-                                    </p:set>
-                                  </p:childTnLst>
-                                </p:cTn>
-                              </p:par>
-                            </p:childTnLst>
-                          </p:cTn>
-                        </p:par>
-                      </p:childTnLst>
-                    </p:cTn>
-                  </p:par>
-                  <p:par>
-                    <p:cTn id="15" fill="hold">
-                      <p:stCondLst>
-                        <p:cond delay="indefinite"/>
-                      </p:stCondLst>
-                      <p:childTnLst>
-                        <p:par>
-                          <p:cTn id="16" fill="hold">
-                            <p:stCondLst>
-                              <p:cond delay="0"/>
-                            </p:stCondLst>
-                            <p:childTnLst>
-                              <p:par>
-                                <p:cTn id="17" presetID="1" presetClass="entr" presetSubtype="0" fill="hold" nodeType="clickEffect">
-                                  <p:stCondLst>
-                                    <p:cond delay="0"/>
-                                  </p:stCondLst>
-                                  <p:childTnLst>
-                                    <p:set>
-                                      <p:cBhvr>
-                                        <p:cTn id="18" dur="1" fill="hold">
-                                          <p:stCondLst>
-                                            <p:cond delay="0"/>
-                                          </p:stCondLst>
-                                        </p:cTn>
-                                        <p:tgtEl>
-                                          <p:spTgt spid="21">
-                                            <p:txEl>
-                                              <p:pRg st="5" end="5"/>
-                                            </p:txEl>
-                                          </p:spTgt>
-                                        </p:tgtEl>
-                                        <p:attrNameLst>
-                                          <p:attrName>style.visibility</p:attrName>
-                                        </p:attrNameLst>
-                                      </p:cBhvr>
-                                      <p:to>
-                                        <p:strVal val="visible"/>
-                                      </p:to>
-                                    </p:set>
-                                  </p:childTnLst>
-                                </p:cTn>
-                              </p:par>
-                              <p:par>
-                                <p:cTn id="19" presetID="1" presetClass="entr" presetSubtype="0" fill="hold" nodeType="withEffect">
-                                  <p:stCondLst>
-                                    <p:cond delay="0"/>
-                                  </p:stCondLst>
-                                  <p:childTnLst>
-                                    <p:set>
-                                      <p:cBhvr>
-                                        <p:cTn id="20" dur="1" fill="hold">
-                                          <p:stCondLst>
-                                            <p:cond delay="0"/>
-                                          </p:stCondLst>
-                                        </p:cTn>
-                                        <p:tgtEl>
-                                          <p:spTgt spid="21">
-                                            <p:txEl>
-                                              <p:pRg st="6" end="6"/>
-                                            </p:txEl>
-                                          </p:spTgt>
-                                        </p:tgtEl>
-                                        <p:attrNameLst>
-                                          <p:attrName>style.visibility</p:attrName>
-                                        </p:attrNameLst>
-                                      </p:cBhvr>
-                                      <p:to>
-                                        <p:strVal val="visible"/>
-                                      </p:to>
-                                    </p:set>
-                                  </p:childTnLst>
-                                </p:cTn>
-                              </p:par>
-                              <p:par>
-                                <p:cTn id="21" presetID="1" presetClass="entr" presetSubtype="0" fill="hold" grpId="0" nodeType="withEffect">
-                                  <p:stCondLst>
-                                    <p:cond delay="0"/>
-                                  </p:stCondLst>
-                                  <p:childTnLst>
-                                    <p:set>
-                                      <p:cBhvr>
-                                        <p:cTn id="22" dur="1" fill="hold">
-                                          <p:stCondLst>
-                                            <p:cond delay="0"/>
-                                          </p:stCondLst>
-                                        </p:cTn>
-                                        <p:tgtEl>
-                                          <p:spTgt spid="10"/>
-                                        </p:tgtEl>
-                                        <p:attrNameLst>
-                                          <p:attrName>style.visibility</p:attrName>
-                                        </p:attrNameLst>
-                                      </p:cBhvr>
-                                      <p:to>
-                                        <p:strVal val="visible"/>
-                                      </p:to>
-                                    </p:set>
-                                  </p:childTnLst>
-                                </p:cTn>
-                              </p:par>
-                            </p:childTnLst>
-                          </p:cTn>
-                        </p:par>
-                      </p:childTnLst>
-                    </p:cTn>
-                  </p:par>
-                </p:childTnLst>
-              </p:cTn>
-              <p:prevCondLst>
-                <p:cond evt="onPrev" delay="0">
-                  <p:tgtEl>
-                    <p:sldTgt/>
-                  </p:tgtEl>
-                </p:cond>
-              </p:prevCondLst>
-              <p:nextCondLst>
-                <p:cond evt="onNext" delay="0">
-                  <p:tgtEl>
-                    <p:sldTgt/>
-                  </p:tgtEl>
-                </p:cond>
-              </p:nextCondLst>
-            </p:seq>
-          </p:childTnLst>
-        </p:cTn>
-      </p:par>
-    </p:tnLst>
-    <p:bldLst>
-      <p:bldP spid="7" grpId="0" animBg="1"/>
-      <p:bldP spid="9" grpId="0" animBg="1"/>
-      <p:bldP spid="10" grpId="0" animBg="1"/>
-    </p:bldLst>
-  </p:timing>
-</p:sld>
-</file>
-
-<file path=ppt/slides/slide12.xml><?xml version="1.0" encoding="utf-8"?>
-<p:sld xmlns:a="http://schemas.openxmlformats.org/drawingml/2006/main" xmlns:r="http://schemas.openxmlformats.org/officeDocument/2006/relationships" xmlns:p="http://schemas.openxmlformats.org/presentationml/2006/main">
-  <p:cSld>
-    <p:spTree>
-      <p:nvGrpSpPr>
-        <p:cNvPr id="1" name=""/>
-        <p:cNvGrpSpPr/>
-        <p:nvPr/>
-      </p:nvGrpSpPr>
-      <p:grpSpPr>
-        <a:xfrm>
-          <a:off x="0" y="0"/>
-          <a:ext cx="0" cy="0"/>
-          <a:chOff x="0" y="0"/>
-          <a:chExt cx="0" cy="0"/>
-        </a:xfrm>
-      </p:grpSpPr>
-      <p:sp>
-        <p:nvSpPr>
-          <p:cNvPr id="2" name="Заглавие 1">
-            <a:extLst>
-              <a:ext uri="{FF2B5EF4-FFF2-40B4-BE49-F238E27FC236}">
-                <a16:creationId xmlns:a16="http://schemas.microsoft.com/office/drawing/2014/main" id="{24ECB8A6-A89F-4CDB-8A98-639A227C910B}"/>
-              </a:ext>
-            </a:extLst>
-          </p:cNvPr>
-          <p:cNvSpPr>
-            <a:spLocks noGrp="1"/>
-          </p:cNvSpPr>
-          <p:nvPr>
-            <p:ph type="title" sz="quarter" idx="10"/>
-          </p:nvPr>
-        </p:nvSpPr>
-        <p:spPr/>
-        <p:txBody>
-          <a:bodyPr/>
-          <a:lstStyle/>
-          <a:p>
-            <a:r>
-              <a:rPr lang="bg-BG" dirty="0"/>
-              <a:t>Стек и динамична памет</a:t>
-            </a:r>
-          </a:p>
-        </p:txBody>
-      </p:sp>
-      <p:pic>
-        <p:nvPicPr>
-          <p:cNvPr id="6" name="Picture 5">
-            <a:extLst>
-              <a:ext uri="{FF2B5EF4-FFF2-40B4-BE49-F238E27FC236}">
-                <a16:creationId xmlns:a16="http://schemas.microsoft.com/office/drawing/2014/main" id="{98D66E65-1E18-4EF1-9AFB-D44F2B4DD917}"/>
-              </a:ext>
-            </a:extLst>
-          </p:cNvPr>
-          <p:cNvPicPr>
-            <a:picLocks noChangeAspect="1"/>
-          </p:cNvPicPr>
-          <p:nvPr/>
-        </p:nvPicPr>
-        <p:blipFill rotWithShape="1">
-          <a:blip r:embed="rId3" cstate="print">
-            <a:extLst>
-              <a:ext uri="{28A0092B-C50C-407E-A947-70E740481C1C}">
-                <a14:useLocalDpi xmlns:a14="http://schemas.microsoft.com/office/drawing/2010/main" val="0"/>
-              </a:ext>
-            </a:extLst>
-          </a:blip>
-          <a:srcRect/>
-          <a:stretch/>
-        </p:blipFill>
-        <p:spPr>
-          <a:xfrm>
-            <a:off x="4800937" y="1524496"/>
-            <a:ext cx="2818666" cy="2248698"/>
-          </a:xfrm>
-          <a:prstGeom prst="rect">
-            <a:avLst/>
-          </a:prstGeom>
-        </p:spPr>
-      </p:pic>
-    </p:spTree>
-    <p:extLst>
-      <p:ext uri="{BB962C8B-B14F-4D97-AF65-F5344CB8AC3E}">
-        <p14:creationId xmlns:p14="http://schemas.microsoft.com/office/powerpoint/2010/main" val="262827095"/>
-      </p:ext>
-    </p:extLst>
-  </p:cSld>
-  <p:clrMapOvr>
-    <a:masterClrMapping/>
-  </p:clrMapOvr>
-  <mc:AlternateContent xmlns:mc="http://schemas.openxmlformats.org/markup-compatibility/2006" xmlns:p14="http://schemas.microsoft.com/office/powerpoint/2010/main">
-    <mc:Choice Requires="p14">
-      <p:transition spd="slow" p14:dur="2000" advClick="0" advTm="5000"/>
-    </mc:Choice>
-    <mc:Fallback xmlns="">
-      <p:transition spd="slow" advClick="0" advTm="5000"/>
-    </mc:Fallback>
-  </mc:AlternateContent>
-</p:sld>
-</file>
-
-<file path=ppt/slides/slide13.xml><?xml version="1.0" encoding="utf-8"?>
-<p:sld xmlns:a="http://schemas.openxmlformats.org/drawingml/2006/main" xmlns:r="http://schemas.openxmlformats.org/officeDocument/2006/relationships" xmlns:p="http://schemas.openxmlformats.org/presentationml/2006/main">
-  <p:cSld>
-    <p:spTree>
-      <p:nvGrpSpPr>
-        <p:cNvPr id="1" name=""/>
-        <p:cNvGrpSpPr/>
-        <p:nvPr/>
-      </p:nvGrpSpPr>
-      <p:grpSpPr>
-        <a:xfrm>
-          <a:off x="0" y="0"/>
-          <a:ext cx="0" cy="0"/>
-          <a:chOff x="0" y="0"/>
-          <a:chExt cx="0" cy="0"/>
-        </a:xfrm>
-      </p:grpSpPr>
-      <p:sp>
-        <p:nvSpPr>
           <p:cNvPr id="6" name="Content Placeholder 5"/>
           <p:cNvSpPr>
             <a:spLocks noGrp="1"/>
@@ -12421,7 +10349,7 @@
             <a:fld id="{2BF067CD-8E6B-4360-9AA8-C5DF2A48A6D1}" type="slidenum">
               <a:rPr lang="en-US" smtClean="0"/>
               <a:pPr/>
-              <a:t>13</a:t>
+              <a:t>10</a:t>
             </a:fld>
             <a:endParaRPr lang="en-US" dirty="0"/>
           </a:p>
@@ -13004,7 +10932,7 @@
 </p:sld>
 </file>
 
-<file path=ppt/slides/slide14.xml><?xml version="1.0" encoding="utf-8"?>
+<file path=ppt/slides/slide11.xml><?xml version="1.0" encoding="utf-8"?>
 <p:sld xmlns:a="http://schemas.openxmlformats.org/drawingml/2006/main" xmlns:r="http://schemas.openxmlformats.org/officeDocument/2006/relationships" xmlns:p="http://schemas.openxmlformats.org/presentationml/2006/main">
   <p:cSld>
     <p:spTree>
@@ -13411,7 +11339,7 @@
             <a:fld id="{2BF067CD-8E6B-4360-9AA8-C5DF2A48A6D1}" type="slidenum">
               <a:rPr lang="en-US" smtClean="0"/>
               <a:pPr/>
-              <a:t>14</a:t>
+              <a:t>11</a:t>
             </a:fld>
             <a:endParaRPr lang="en-US" dirty="0"/>
           </a:p>
@@ -13918,7 +11846,7 @@
 </p:sld>
 </file>
 
-<file path=ppt/slides/slide15.xml><?xml version="1.0" encoding="utf-8"?>
+<file path=ppt/slides/slide12.xml><?xml version="1.0" encoding="utf-8"?>
 <p:sld xmlns:a="http://schemas.openxmlformats.org/drawingml/2006/main" xmlns:r="http://schemas.openxmlformats.org/officeDocument/2006/relationships" xmlns:p="http://schemas.openxmlformats.org/presentationml/2006/main">
   <p:cSld>
     <p:spTree>
@@ -16392,7 +14320,7 @@
             <a:fld id="{2BF067CD-8E6B-4360-9AA8-C5DF2A48A6D1}" type="slidenum">
               <a:rPr lang="en-US" noProof="0" smtClean="0"/>
               <a:pPr/>
-              <a:t>15</a:t>
+              <a:t>12</a:t>
             </a:fld>
             <a:endParaRPr lang="en-US" noProof="0" dirty="0"/>
           </a:p>
@@ -16919,7 +14847,7 @@
 </p:sld>
 </file>
 
-<file path=ppt/slides/slide16.xml><?xml version="1.0" encoding="utf-8"?>
+<file path=ppt/slides/slide13.xml><?xml version="1.0" encoding="utf-8"?>
 <p:sld xmlns:a="http://schemas.openxmlformats.org/drawingml/2006/main" xmlns:r="http://schemas.openxmlformats.org/officeDocument/2006/relationships" xmlns:p="http://schemas.openxmlformats.org/presentationml/2006/main">
   <p:cSld>
     <p:spTree>
@@ -17498,7 +15426,7 @@
             <a:fld id="{2BF067CD-8E6B-4360-9AA8-C5DF2A48A6D1}" type="slidenum">
               <a:rPr lang="en-US" noProof="0" smtClean="0"/>
               <a:pPr/>
-              <a:t>16</a:t>
+              <a:t>13</a:t>
             </a:fld>
             <a:endParaRPr lang="en-US" noProof="0" dirty="0"/>
           </a:p>
@@ -17858,7 +15786,7 @@
 </p:sld>
 </file>
 
-<file path=ppt/slides/slide17.xml><?xml version="1.0" encoding="utf-8"?>
+<file path=ppt/slides/slide14.xml><?xml version="1.0" encoding="utf-8"?>
 <p:sld xmlns:a="http://schemas.openxmlformats.org/drawingml/2006/main" xmlns:r="http://schemas.openxmlformats.org/officeDocument/2006/relationships" xmlns:p="http://schemas.openxmlformats.org/presentationml/2006/main">
   <p:cSld>
     <p:spTree>
@@ -18443,7 +16371,7 @@
             <a:fld id="{2BF067CD-8E6B-4360-9AA8-C5DF2A48A6D1}" type="slidenum">
               <a:rPr lang="en-US" noProof="0" smtClean="0"/>
               <a:pPr/>
-              <a:t>17</a:t>
+              <a:t>14</a:t>
             </a:fld>
             <a:endParaRPr lang="en-US" noProof="0" dirty="0"/>
           </a:p>
@@ -18852,7 +16780,7 @@
 </p:sld>
 </file>
 
-<file path=ppt/slides/slide18.xml><?xml version="1.0" encoding="utf-8"?>
+<file path=ppt/slides/slide15.xml><?xml version="1.0" encoding="utf-8"?>
 <p:sld xmlns:a="http://schemas.openxmlformats.org/drawingml/2006/main" xmlns:r="http://schemas.openxmlformats.org/officeDocument/2006/relationships" xmlns:p="http://schemas.openxmlformats.org/presentationml/2006/main">
   <p:cSld>
     <p:spTree>
@@ -19062,7 +16990,7 @@
             <a:fld id="{2BF067CD-8E6B-4360-9AA8-C5DF2A48A6D1}" type="slidenum">
               <a:rPr lang="en-US" noProof="0" smtClean="0"/>
               <a:pPr/>
-              <a:t>18</a:t>
+              <a:t>15</a:t>
             </a:fld>
             <a:endParaRPr lang="en-US" noProof="0" dirty="0"/>
           </a:p>
@@ -19082,7 +17010,7 @@
 </p:sld>
 </file>
 
-<file path=ppt/slides/slide19.xml><?xml version="1.0" encoding="utf-8"?>
+<file path=ppt/slides/slide16.xml><?xml version="1.0" encoding="utf-8"?>
 <p:sld xmlns:a="http://schemas.openxmlformats.org/drawingml/2006/main" xmlns:r="http://schemas.openxmlformats.org/officeDocument/2006/relationships" xmlns:p="http://schemas.openxmlformats.org/presentationml/2006/main">
   <p:cSld>
     <p:spTree>
@@ -19220,517 +17148,7 @@
 </p:sld>
 </file>
 
-<file path=ppt/slides/slide2.xml><?xml version="1.0" encoding="utf-8"?>
-<p:sld xmlns:a="http://schemas.openxmlformats.org/drawingml/2006/main" xmlns:r="http://schemas.openxmlformats.org/officeDocument/2006/relationships" xmlns:p="http://schemas.openxmlformats.org/presentationml/2006/main">
-  <p:cSld>
-    <p:spTree>
-      <p:nvGrpSpPr>
-        <p:cNvPr id="1" name=""/>
-        <p:cNvGrpSpPr/>
-        <p:nvPr/>
-      </p:nvGrpSpPr>
-      <p:grpSpPr>
-        <a:xfrm>
-          <a:off x="0" y="0"/>
-          <a:ext cx="0" cy="0"/>
-          <a:chOff x="0" y="0"/>
-          <a:chExt cx="0" cy="0"/>
-        </a:xfrm>
-      </p:grpSpPr>
-      <p:sp>
-        <p:nvSpPr>
-          <p:cNvPr id="3" name="Content Placeholder 2">
-            <a:extLst>
-              <a:ext uri="{FF2B5EF4-FFF2-40B4-BE49-F238E27FC236}">
-                <a16:creationId xmlns:a16="http://schemas.microsoft.com/office/drawing/2014/main" id="{ACAA566F-0E0E-4BF9-A3B0-6F01080380A3}"/>
-              </a:ext>
-            </a:extLst>
-          </p:cNvPr>
-          <p:cNvSpPr>
-            <a:spLocks noGrp="1"/>
-          </p:cNvSpPr>
-          <p:nvPr>
-            <p:ph type="body" sz="quarter" idx="13"/>
-          </p:nvPr>
-        </p:nvSpPr>
-        <p:spPr/>
-        <p:txBody>
-          <a:bodyPr>
-            <a:noAutofit/>
-          </a:bodyPr>
-          <a:lstStyle/>
-          <a:p>
-            <a:pPr>
-              <a:buClr>
-                <a:schemeClr val="tx1"/>
-              </a:buClr>
-            </a:pPr>
-            <a:r>
-              <a:rPr lang="bg-BG" sz="3200" dirty="0"/>
-              <a:t>Съкратен синтаксис за дефиниране на методи</a:t>
-            </a:r>
-            <a:endParaRPr lang="en-US" sz="3200" dirty="0"/>
-          </a:p>
-          <a:p>
-            <a:pPr>
-              <a:buClr>
-                <a:schemeClr val="tx1"/>
-              </a:buClr>
-            </a:pPr>
-            <a:r>
-              <a:rPr lang="bg-BG" sz="3200" dirty="0"/>
-              <a:t>Опционални параметри</a:t>
-            </a:r>
-          </a:p>
-          <a:p>
-            <a:pPr>
-              <a:buClr>
-                <a:schemeClr val="tx1"/>
-              </a:buClr>
-            </a:pPr>
-            <a:r>
-              <a:rPr lang="bg-BG" sz="3200" dirty="0"/>
-              <a:t>Употреба на върнатите стойности от методите</a:t>
-            </a:r>
-            <a:endParaRPr lang="en-GB" sz="3200" dirty="0"/>
-          </a:p>
-          <a:p>
-            <a:pPr>
-              <a:buClr>
-                <a:schemeClr val="tx1"/>
-              </a:buClr>
-            </a:pPr>
-            <a:r>
-              <a:rPr lang="bg-BG" sz="3200" dirty="0"/>
-              <a:t>Варианти на методи (</a:t>
-            </a:r>
-            <a:r>
-              <a:rPr lang="en-US" sz="3200" dirty="0"/>
-              <a:t>overloading methods)</a:t>
-            </a:r>
-            <a:endParaRPr lang="en-GB" sz="3200" dirty="0"/>
-          </a:p>
-          <a:p>
-            <a:pPr>
-              <a:buClr>
-                <a:schemeClr val="tx1"/>
-              </a:buClr>
-            </a:pPr>
-            <a:r>
-              <a:rPr lang="bg-BG" sz="3200" dirty="0"/>
-              <a:t>Стойностни и референтни типове</a:t>
-            </a:r>
-            <a:endParaRPr lang="en-US" sz="3200" dirty="0"/>
-          </a:p>
-        </p:txBody>
-      </p:sp>
-      <p:sp>
-        <p:nvSpPr>
-          <p:cNvPr id="4" name="Title 3">
-            <a:extLst>
-              <a:ext uri="{FF2B5EF4-FFF2-40B4-BE49-F238E27FC236}">
-                <a16:creationId xmlns:a16="http://schemas.microsoft.com/office/drawing/2014/main" id="{DC603285-689A-4E41-8F77-BD9FEA5C433A}"/>
-              </a:ext>
-            </a:extLst>
-          </p:cNvPr>
-          <p:cNvSpPr>
-            <a:spLocks noGrp="1"/>
-          </p:cNvSpPr>
-          <p:nvPr>
-            <p:ph type="title"/>
-          </p:nvPr>
-        </p:nvSpPr>
-        <p:spPr/>
-        <p:txBody>
-          <a:bodyPr/>
-          <a:lstStyle/>
-          <a:p>
-            <a:r>
-              <a:rPr lang="bg-BG" dirty="0"/>
-              <a:t>Съдържание</a:t>
-            </a:r>
-            <a:endParaRPr lang="en-US" dirty="0"/>
-          </a:p>
-        </p:txBody>
-      </p:sp>
-      <p:sp>
-        <p:nvSpPr>
-          <p:cNvPr id="5" name="Slide Number">
-            <a:extLst>
-              <a:ext uri="{FF2B5EF4-FFF2-40B4-BE49-F238E27FC236}">
-                <a16:creationId xmlns:a16="http://schemas.microsoft.com/office/drawing/2014/main" id="{332F67DE-7BFE-440C-9919-F2D9FE6DC9A8}"/>
-              </a:ext>
-            </a:extLst>
-          </p:cNvPr>
-          <p:cNvSpPr txBox="1">
-            <a:spLocks/>
-          </p:cNvSpPr>
-          <p:nvPr/>
-        </p:nvSpPr>
-        <p:spPr>
-          <a:xfrm>
-            <a:off x="11753030" y="6507000"/>
-            <a:ext cx="367414" cy="297000"/>
-          </a:xfrm>
-          <a:prstGeom prst="rect">
-            <a:avLst/>
-          </a:prstGeom>
-        </p:spPr>
-        <p:txBody>
-          <a:bodyPr vert="horz" lIns="91440" tIns="45720" rIns="91440" bIns="45720" rtlCol="0" anchor="b"/>
-          <a:lstStyle>
-            <a:defPPr>
-              <a:defRPr lang="en-US"/>
-            </a:defPPr>
-            <a:lvl1pPr marL="0" algn="r" defTabSz="914400" rtl="0" eaLnBrk="1" latinLnBrk="0" hangingPunct="1">
-              <a:defRPr sz="1000" kern="1200">
-                <a:solidFill>
-                  <a:schemeClr val="tx1"/>
-                </a:solidFill>
-                <a:latin typeface="+mn-lt"/>
-                <a:ea typeface="+mn-ea"/>
-                <a:cs typeface="+mn-cs"/>
-              </a:defRPr>
-            </a:lvl1pPr>
-            <a:lvl2pPr marL="457200" algn="l" defTabSz="914400" rtl="0" eaLnBrk="1" latinLnBrk="0" hangingPunct="1">
-              <a:defRPr sz="1800" kern="1200">
-                <a:solidFill>
-                  <a:schemeClr val="tx1"/>
-                </a:solidFill>
-                <a:latin typeface="+mn-lt"/>
-                <a:ea typeface="+mn-ea"/>
-                <a:cs typeface="+mn-cs"/>
-              </a:defRPr>
-            </a:lvl2pPr>
-            <a:lvl3pPr marL="914400" algn="l" defTabSz="914400" rtl="0" eaLnBrk="1" latinLnBrk="0" hangingPunct="1">
-              <a:defRPr sz="1800" kern="1200">
-                <a:solidFill>
-                  <a:schemeClr val="tx1"/>
-                </a:solidFill>
-                <a:latin typeface="+mn-lt"/>
-                <a:ea typeface="+mn-ea"/>
-                <a:cs typeface="+mn-cs"/>
-              </a:defRPr>
-            </a:lvl3pPr>
-            <a:lvl4pPr marL="1371600" algn="l" defTabSz="914400" rtl="0" eaLnBrk="1" latinLnBrk="0" hangingPunct="1">
-              <a:defRPr sz="1800" kern="1200">
-                <a:solidFill>
-                  <a:schemeClr val="tx1"/>
-                </a:solidFill>
-                <a:latin typeface="+mn-lt"/>
-                <a:ea typeface="+mn-ea"/>
-                <a:cs typeface="+mn-cs"/>
-              </a:defRPr>
-            </a:lvl4pPr>
-            <a:lvl5pPr marL="1828800" algn="l" defTabSz="914400" rtl="0" eaLnBrk="1" latinLnBrk="0" hangingPunct="1">
-              <a:defRPr sz="1800" kern="1200">
-                <a:solidFill>
-                  <a:schemeClr val="tx1"/>
-                </a:solidFill>
-                <a:latin typeface="+mn-lt"/>
-                <a:ea typeface="+mn-ea"/>
-                <a:cs typeface="+mn-cs"/>
-              </a:defRPr>
-            </a:lvl5pPr>
-            <a:lvl6pPr marL="2286000" algn="l" defTabSz="914400" rtl="0" eaLnBrk="1" latinLnBrk="0" hangingPunct="1">
-              <a:defRPr sz="1800" kern="1200">
-                <a:solidFill>
-                  <a:schemeClr val="tx1"/>
-                </a:solidFill>
-                <a:latin typeface="+mn-lt"/>
-                <a:ea typeface="+mn-ea"/>
-                <a:cs typeface="+mn-cs"/>
-              </a:defRPr>
-            </a:lvl6pPr>
-            <a:lvl7pPr marL="2743200" algn="l" defTabSz="914400" rtl="0" eaLnBrk="1" latinLnBrk="0" hangingPunct="1">
-              <a:defRPr sz="1800" kern="1200">
-                <a:solidFill>
-                  <a:schemeClr val="tx1"/>
-                </a:solidFill>
-                <a:latin typeface="+mn-lt"/>
-                <a:ea typeface="+mn-ea"/>
-                <a:cs typeface="+mn-cs"/>
-              </a:defRPr>
-            </a:lvl7pPr>
-            <a:lvl8pPr marL="3200400" algn="l" defTabSz="914400" rtl="0" eaLnBrk="1" latinLnBrk="0" hangingPunct="1">
-              <a:defRPr sz="1800" kern="1200">
-                <a:solidFill>
-                  <a:schemeClr val="tx1"/>
-                </a:solidFill>
-                <a:latin typeface="+mn-lt"/>
-                <a:ea typeface="+mn-ea"/>
-                <a:cs typeface="+mn-cs"/>
-              </a:defRPr>
-            </a:lvl8pPr>
-            <a:lvl9pPr marL="3657600" algn="l" defTabSz="914400" rtl="0" eaLnBrk="1" latinLnBrk="0" hangingPunct="1">
-              <a:defRPr sz="1800" kern="1200">
-                <a:solidFill>
-                  <a:schemeClr val="tx1"/>
-                </a:solidFill>
-                <a:latin typeface="+mn-lt"/>
-                <a:ea typeface="+mn-ea"/>
-                <a:cs typeface="+mn-cs"/>
-              </a:defRPr>
-            </a:lvl9pPr>
-          </a:lstStyle>
-          <a:p>
-            <a:fld id="{2BF067CD-8E6B-4360-9AA8-C5DF2A48A6D1}" type="slidenum">
-              <a:rPr lang="en-US" smtClean="0"/>
-              <a:pPr/>
-              <a:t>2</a:t>
-            </a:fld>
-            <a:endParaRPr lang="en-US" dirty="0"/>
-          </a:p>
-        </p:txBody>
-      </p:sp>
-    </p:spTree>
-    <p:extLst>
-      <p:ext uri="{BB962C8B-B14F-4D97-AF65-F5344CB8AC3E}">
-        <p14:creationId xmlns:p14="http://schemas.microsoft.com/office/powerpoint/2010/main" val="4149011240"/>
-      </p:ext>
-    </p:extLst>
-  </p:cSld>
-  <p:clrMapOvr>
-    <a:masterClrMapping/>
-  </p:clrMapOvr>
-  <mc:AlternateContent xmlns:mc="http://schemas.openxmlformats.org/markup-compatibility/2006" xmlns:p14="http://schemas.microsoft.com/office/powerpoint/2010/main">
-    <mc:Choice Requires="p14">
-      <p:transition spd="slow" p14:dur="2000" advClick="0" advTm="5000"/>
-    </mc:Choice>
-    <mc:Fallback xmlns="">
-      <p:transition spd="slow" advClick="0" advTm="5000"/>
-    </mc:Fallback>
-  </mc:AlternateContent>
-  <p:timing>
-    <p:tnLst>
-      <p:par>
-        <p:cTn id="1" dur="indefinite" restart="never" nodeType="tmRoot">
-          <p:childTnLst>
-            <p:seq concurrent="1" nextAc="seek">
-              <p:cTn id="2" dur="indefinite" nodeType="mainSeq">
-                <p:childTnLst>
-                  <p:par>
-                    <p:cTn id="3" fill="hold">
-                      <p:stCondLst>
-                        <p:cond delay="indefinite"/>
-                      </p:stCondLst>
-                      <p:childTnLst>
-                        <p:par>
-                          <p:cTn id="4" fill="hold">
-                            <p:stCondLst>
-                              <p:cond delay="0"/>
-                            </p:stCondLst>
-                            <p:childTnLst>
-                              <p:par>
-                                <p:cTn id="5" presetID="1" presetClass="entr" presetSubtype="0" fill="hold" nodeType="clickEffect">
-                                  <p:stCondLst>
-                                    <p:cond delay="0"/>
-                                  </p:stCondLst>
-                                  <p:childTnLst>
-                                    <p:set>
-                                      <p:cBhvr>
-                                        <p:cTn id="6" dur="1" fill="hold">
-                                          <p:stCondLst>
-                                            <p:cond delay="0"/>
-                                          </p:stCondLst>
-                                        </p:cTn>
-                                        <p:tgtEl>
-                                          <p:spTgt spid="3">
-                                            <p:txEl>
-                                              <p:pRg st="1" end="1"/>
-                                            </p:txEl>
-                                          </p:spTgt>
-                                        </p:tgtEl>
-                                        <p:attrNameLst>
-                                          <p:attrName>style.visibility</p:attrName>
-                                        </p:attrNameLst>
-                                      </p:cBhvr>
-                                      <p:to>
-                                        <p:strVal val="visible"/>
-                                      </p:to>
-                                    </p:set>
-                                  </p:childTnLst>
-                                </p:cTn>
-                              </p:par>
-                            </p:childTnLst>
-                          </p:cTn>
-                        </p:par>
-                      </p:childTnLst>
-                    </p:cTn>
-                  </p:par>
-                  <p:par>
-                    <p:cTn id="7" fill="hold">
-                      <p:stCondLst>
-                        <p:cond delay="indefinite"/>
-                      </p:stCondLst>
-                      <p:childTnLst>
-                        <p:par>
-                          <p:cTn id="8" fill="hold">
-                            <p:stCondLst>
-                              <p:cond delay="0"/>
-                            </p:stCondLst>
-                            <p:childTnLst>
-                              <p:par>
-                                <p:cTn id="9" presetID="1" presetClass="entr" presetSubtype="0" fill="hold" nodeType="clickEffect">
-                                  <p:stCondLst>
-                                    <p:cond delay="0"/>
-                                  </p:stCondLst>
-                                  <p:childTnLst>
-                                    <p:set>
-                                      <p:cBhvr>
-                                        <p:cTn id="10" dur="1" fill="hold">
-                                          <p:stCondLst>
-                                            <p:cond delay="0"/>
-                                          </p:stCondLst>
-                                        </p:cTn>
-                                        <p:tgtEl>
-                                          <p:spTgt spid="3">
-                                            <p:txEl>
-                                              <p:pRg st="2" end="2"/>
-                                            </p:txEl>
-                                          </p:spTgt>
-                                        </p:tgtEl>
-                                        <p:attrNameLst>
-                                          <p:attrName>style.visibility</p:attrName>
-                                        </p:attrNameLst>
-                                      </p:cBhvr>
-                                      <p:to>
-                                        <p:strVal val="visible"/>
-                                      </p:to>
-                                    </p:set>
-                                  </p:childTnLst>
-                                </p:cTn>
-                              </p:par>
-                            </p:childTnLst>
-                          </p:cTn>
-                        </p:par>
-                      </p:childTnLst>
-                    </p:cTn>
-                  </p:par>
-                  <p:par>
-                    <p:cTn id="11" fill="hold">
-                      <p:stCondLst>
-                        <p:cond delay="indefinite"/>
-                      </p:stCondLst>
-                      <p:childTnLst>
-                        <p:par>
-                          <p:cTn id="12" fill="hold">
-                            <p:stCondLst>
-                              <p:cond delay="0"/>
-                            </p:stCondLst>
-                            <p:childTnLst>
-                              <p:par>
-                                <p:cTn id="13" presetID="1" presetClass="entr" presetSubtype="0" fill="hold" nodeType="clickEffect">
-                                  <p:stCondLst>
-                                    <p:cond delay="0"/>
-                                  </p:stCondLst>
-                                  <p:childTnLst>
-                                    <p:set>
-                                      <p:cBhvr>
-                                        <p:cTn id="14" dur="1" fill="hold">
-                                          <p:stCondLst>
-                                            <p:cond delay="0"/>
-                                          </p:stCondLst>
-                                        </p:cTn>
-                                        <p:tgtEl>
-                                          <p:spTgt spid="3">
-                                            <p:txEl>
-                                              <p:pRg st="3" end="3"/>
-                                            </p:txEl>
-                                          </p:spTgt>
-                                        </p:tgtEl>
-                                        <p:attrNameLst>
-                                          <p:attrName>style.visibility</p:attrName>
-                                        </p:attrNameLst>
-                                      </p:cBhvr>
-                                      <p:to>
-                                        <p:strVal val="visible"/>
-                                      </p:to>
-                                    </p:set>
-                                  </p:childTnLst>
-                                </p:cTn>
-                              </p:par>
-                            </p:childTnLst>
-                          </p:cTn>
-                        </p:par>
-                      </p:childTnLst>
-                    </p:cTn>
-                  </p:par>
-                  <p:par>
-                    <p:cTn id="15" fill="hold">
-                      <p:stCondLst>
-                        <p:cond delay="indefinite"/>
-                      </p:stCondLst>
-                      <p:childTnLst>
-                        <p:par>
-                          <p:cTn id="16" fill="hold">
-                            <p:stCondLst>
-                              <p:cond delay="0"/>
-                            </p:stCondLst>
-                            <p:childTnLst>
-                              <p:par>
-                                <p:cTn id="17" presetID="1" presetClass="entr" presetSubtype="0" fill="hold" nodeType="clickEffect">
-                                  <p:stCondLst>
-                                    <p:cond delay="0"/>
-                                  </p:stCondLst>
-                                  <p:childTnLst>
-                                    <p:set>
-                                      <p:cBhvr>
-                                        <p:cTn id="18" dur="1" fill="hold">
-                                          <p:stCondLst>
-                                            <p:cond delay="0"/>
-                                          </p:stCondLst>
-                                        </p:cTn>
-                                        <p:tgtEl>
-                                          <p:spTgt spid="3">
-                                            <p:txEl>
-                                              <p:pRg st="4" end="4"/>
-                                            </p:txEl>
-                                          </p:spTgt>
-                                        </p:tgtEl>
-                                        <p:attrNameLst>
-                                          <p:attrName>style.visibility</p:attrName>
-                                        </p:attrNameLst>
-                                      </p:cBhvr>
-                                      <p:to>
-                                        <p:strVal val="visible"/>
-                                      </p:to>
-                                    </p:set>
-                                  </p:childTnLst>
-                                </p:cTn>
-                              </p:par>
-                            </p:childTnLst>
-                          </p:cTn>
-                        </p:par>
-                      </p:childTnLst>
-                    </p:cTn>
-                  </p:par>
-                </p:childTnLst>
-              </p:cTn>
-              <p:prevCondLst>
-                <p:cond evt="onPrev" delay="0">
-                  <p:tgtEl>
-                    <p:sldTgt/>
-                  </p:tgtEl>
-                </p:cond>
-              </p:prevCondLst>
-              <p:nextCondLst>
-                <p:cond evt="onNext" delay="0">
-                  <p:tgtEl>
-                    <p:sldTgt/>
-                  </p:tgtEl>
-                </p:cond>
-              </p:nextCondLst>
-            </p:seq>
-          </p:childTnLst>
-        </p:cTn>
-      </p:par>
-    </p:tnLst>
-  </p:timing>
-</p:sld>
-</file>
-
-<file path=ppt/slides/slide20.xml><?xml version="1.0" encoding="utf-8"?>
+<file path=ppt/slides/slide17.xml><?xml version="1.0" encoding="utf-8"?>
 <p:sld xmlns:a="http://schemas.openxmlformats.org/drawingml/2006/main" xmlns:r="http://schemas.openxmlformats.org/officeDocument/2006/relationships" xmlns:p="http://schemas.openxmlformats.org/presentationml/2006/main">
   <p:cSld>
     <p:spTree>
@@ -19771,7 +17189,7 @@
             <a:fld id="{2BF067CD-8E6B-4360-9AA8-C5DF2A48A6D1}" type="slidenum">
               <a:rPr lang="en-US" noProof="0" smtClean="0"/>
               <a:pPr/>
-              <a:t>20</a:t>
+              <a:t>17</a:t>
             </a:fld>
             <a:endParaRPr lang="en-US" noProof="0" dirty="0"/>
           </a:p>
@@ -20552,7 +17970,7 @@
 </p:sld>
 </file>
 
-<file path=ppt/slides/slide21.xml><?xml version="1.0" encoding="utf-8"?>
+<file path=ppt/slides/slide18.xml><?xml version="1.0" encoding="utf-8"?>
 <p:sld xmlns:a="http://schemas.openxmlformats.org/drawingml/2006/main" xmlns:r="http://schemas.openxmlformats.org/officeDocument/2006/relationships" xmlns:p="http://schemas.openxmlformats.org/presentationml/2006/main">
   <p:cSld>
     <p:spTree>
@@ -21491,7 +18909,7 @@
             <a:fld id="{2BF067CD-8E6B-4360-9AA8-C5DF2A48A6D1}" type="slidenum">
               <a:rPr lang="en-US" smtClean="0"/>
               <a:pPr/>
-              <a:t>21</a:t>
+              <a:t>18</a:t>
             </a:fld>
             <a:endParaRPr lang="en-US" dirty="0"/>
           </a:p>
@@ -21781,7 +19199,7 @@
 </p:sld>
 </file>
 
-<file path=ppt/slides/slide22.xml><?xml version="1.0" encoding="utf-8"?>
+<file path=ppt/slides/slide19.xml><?xml version="1.0" encoding="utf-8"?>
 <p:sld xmlns:a="http://schemas.openxmlformats.org/drawingml/2006/main" xmlns:r="http://schemas.openxmlformats.org/officeDocument/2006/relationships" xmlns:p="http://schemas.openxmlformats.org/presentationml/2006/main">
   <p:cSld>
     <p:spTree>
@@ -22701,7 +20119,7 @@
               <a:rPr lang="en-US" sz="1999" dirty="0">
                 <a:hlinkClick r:id="rId2"/>
               </a:rPr>
-              <a:t>https://judge.softuni.bg/Contests/Practice/Index/3160#6</a:t>
+              <a:t>https://judge.softuni.org/Contests/Practice/Index/3902#3</a:t>
             </a:r>
             <a:endParaRPr lang="en-US" sz="1999" dirty="0"/>
           </a:p>
@@ -22743,7 +20161,7 @@
             <a:fld id="{2BF067CD-8E6B-4360-9AA8-C5DF2A48A6D1}" type="slidenum">
               <a:rPr lang="en-US" noProof="0" smtClean="0"/>
               <a:pPr/>
-              <a:t>22</a:t>
+              <a:t>19</a:t>
             </a:fld>
             <a:endParaRPr lang="en-US" noProof="0" dirty="0"/>
           </a:p>
@@ -22848,7 +20266,517 @@
 </p:sld>
 </file>
 
-<file path=ppt/slides/slide23.xml><?xml version="1.0" encoding="utf-8"?>
+<file path=ppt/slides/slide2.xml><?xml version="1.0" encoding="utf-8"?>
+<p:sld xmlns:a="http://schemas.openxmlformats.org/drawingml/2006/main" xmlns:r="http://schemas.openxmlformats.org/officeDocument/2006/relationships" xmlns:p="http://schemas.openxmlformats.org/presentationml/2006/main">
+  <p:cSld>
+    <p:spTree>
+      <p:nvGrpSpPr>
+        <p:cNvPr id="1" name=""/>
+        <p:cNvGrpSpPr/>
+        <p:nvPr/>
+      </p:nvGrpSpPr>
+      <p:grpSpPr>
+        <a:xfrm>
+          <a:off x="0" y="0"/>
+          <a:ext cx="0" cy="0"/>
+          <a:chOff x="0" y="0"/>
+          <a:chExt cx="0" cy="0"/>
+        </a:xfrm>
+      </p:grpSpPr>
+      <p:sp>
+        <p:nvSpPr>
+          <p:cNvPr id="3" name="Content Placeholder 2">
+            <a:extLst>
+              <a:ext uri="{FF2B5EF4-FFF2-40B4-BE49-F238E27FC236}">
+                <a16:creationId xmlns:a16="http://schemas.microsoft.com/office/drawing/2014/main" id="{ACAA566F-0E0E-4BF9-A3B0-6F01080380A3}"/>
+              </a:ext>
+            </a:extLst>
+          </p:cNvPr>
+          <p:cNvSpPr>
+            <a:spLocks noGrp="1"/>
+          </p:cNvSpPr>
+          <p:nvPr>
+            <p:ph type="body" sz="quarter" idx="13"/>
+          </p:nvPr>
+        </p:nvSpPr>
+        <p:spPr/>
+        <p:txBody>
+          <a:bodyPr>
+            <a:noAutofit/>
+          </a:bodyPr>
+          <a:lstStyle/>
+          <a:p>
+            <a:pPr>
+              <a:buClr>
+                <a:schemeClr val="tx1"/>
+              </a:buClr>
+            </a:pPr>
+            <a:r>
+              <a:rPr lang="bg-BG" sz="3200" dirty="0"/>
+              <a:t>Съкратен синтаксис за дефиниране на методи</a:t>
+            </a:r>
+            <a:endParaRPr lang="en-US" sz="3200" dirty="0"/>
+          </a:p>
+          <a:p>
+            <a:pPr>
+              <a:buClr>
+                <a:schemeClr val="tx1"/>
+              </a:buClr>
+            </a:pPr>
+            <a:r>
+              <a:rPr lang="bg-BG" sz="3200" dirty="0"/>
+              <a:t>Опционални параметри</a:t>
+            </a:r>
+          </a:p>
+          <a:p>
+            <a:pPr>
+              <a:buClr>
+                <a:schemeClr val="tx1"/>
+              </a:buClr>
+            </a:pPr>
+            <a:r>
+              <a:rPr lang="bg-BG" sz="3200" dirty="0"/>
+              <a:t>Употреба на върнатите стойности от методите</a:t>
+            </a:r>
+            <a:endParaRPr lang="en-GB" sz="3200" dirty="0"/>
+          </a:p>
+          <a:p>
+            <a:pPr>
+              <a:buClr>
+                <a:schemeClr val="tx1"/>
+              </a:buClr>
+            </a:pPr>
+            <a:r>
+              <a:rPr lang="bg-BG" sz="3200" dirty="0"/>
+              <a:t>Варианти на методи (</a:t>
+            </a:r>
+            <a:r>
+              <a:rPr lang="en-US" sz="3200" dirty="0"/>
+              <a:t>overloading methods)</a:t>
+            </a:r>
+            <a:endParaRPr lang="en-GB" sz="3200" dirty="0"/>
+          </a:p>
+          <a:p>
+            <a:pPr>
+              <a:buClr>
+                <a:schemeClr val="tx1"/>
+              </a:buClr>
+            </a:pPr>
+            <a:r>
+              <a:rPr lang="bg-BG" sz="3200" dirty="0"/>
+              <a:t>Стойностни и референтни типове</a:t>
+            </a:r>
+            <a:endParaRPr lang="en-US" sz="3200" dirty="0"/>
+          </a:p>
+        </p:txBody>
+      </p:sp>
+      <p:sp>
+        <p:nvSpPr>
+          <p:cNvPr id="4" name="Title 3">
+            <a:extLst>
+              <a:ext uri="{FF2B5EF4-FFF2-40B4-BE49-F238E27FC236}">
+                <a16:creationId xmlns:a16="http://schemas.microsoft.com/office/drawing/2014/main" id="{DC603285-689A-4E41-8F77-BD9FEA5C433A}"/>
+              </a:ext>
+            </a:extLst>
+          </p:cNvPr>
+          <p:cNvSpPr>
+            <a:spLocks noGrp="1"/>
+          </p:cNvSpPr>
+          <p:nvPr>
+            <p:ph type="title"/>
+          </p:nvPr>
+        </p:nvSpPr>
+        <p:spPr/>
+        <p:txBody>
+          <a:bodyPr/>
+          <a:lstStyle/>
+          <a:p>
+            <a:r>
+              <a:rPr lang="bg-BG" dirty="0"/>
+              <a:t>Съдържание</a:t>
+            </a:r>
+            <a:endParaRPr lang="en-US" dirty="0"/>
+          </a:p>
+        </p:txBody>
+      </p:sp>
+      <p:sp>
+        <p:nvSpPr>
+          <p:cNvPr id="5" name="Slide Number">
+            <a:extLst>
+              <a:ext uri="{FF2B5EF4-FFF2-40B4-BE49-F238E27FC236}">
+                <a16:creationId xmlns:a16="http://schemas.microsoft.com/office/drawing/2014/main" id="{332F67DE-7BFE-440C-9919-F2D9FE6DC9A8}"/>
+              </a:ext>
+            </a:extLst>
+          </p:cNvPr>
+          <p:cNvSpPr txBox="1">
+            <a:spLocks/>
+          </p:cNvSpPr>
+          <p:nvPr/>
+        </p:nvSpPr>
+        <p:spPr>
+          <a:xfrm>
+            <a:off x="11753030" y="6507000"/>
+            <a:ext cx="367414" cy="297000"/>
+          </a:xfrm>
+          <a:prstGeom prst="rect">
+            <a:avLst/>
+          </a:prstGeom>
+        </p:spPr>
+        <p:txBody>
+          <a:bodyPr vert="horz" lIns="91440" tIns="45720" rIns="91440" bIns="45720" rtlCol="0" anchor="b"/>
+          <a:lstStyle>
+            <a:defPPr>
+              <a:defRPr lang="en-US"/>
+            </a:defPPr>
+            <a:lvl1pPr marL="0" algn="r" defTabSz="914400" rtl="0" eaLnBrk="1" latinLnBrk="0" hangingPunct="1">
+              <a:defRPr sz="1000" kern="1200">
+                <a:solidFill>
+                  <a:schemeClr val="tx1"/>
+                </a:solidFill>
+                <a:latin typeface="+mn-lt"/>
+                <a:ea typeface="+mn-ea"/>
+                <a:cs typeface="+mn-cs"/>
+              </a:defRPr>
+            </a:lvl1pPr>
+            <a:lvl2pPr marL="457200" algn="l" defTabSz="914400" rtl="0" eaLnBrk="1" latinLnBrk="0" hangingPunct="1">
+              <a:defRPr sz="1800" kern="1200">
+                <a:solidFill>
+                  <a:schemeClr val="tx1"/>
+                </a:solidFill>
+                <a:latin typeface="+mn-lt"/>
+                <a:ea typeface="+mn-ea"/>
+                <a:cs typeface="+mn-cs"/>
+              </a:defRPr>
+            </a:lvl2pPr>
+            <a:lvl3pPr marL="914400" algn="l" defTabSz="914400" rtl="0" eaLnBrk="1" latinLnBrk="0" hangingPunct="1">
+              <a:defRPr sz="1800" kern="1200">
+                <a:solidFill>
+                  <a:schemeClr val="tx1"/>
+                </a:solidFill>
+                <a:latin typeface="+mn-lt"/>
+                <a:ea typeface="+mn-ea"/>
+                <a:cs typeface="+mn-cs"/>
+              </a:defRPr>
+            </a:lvl3pPr>
+            <a:lvl4pPr marL="1371600" algn="l" defTabSz="914400" rtl="0" eaLnBrk="1" latinLnBrk="0" hangingPunct="1">
+              <a:defRPr sz="1800" kern="1200">
+                <a:solidFill>
+                  <a:schemeClr val="tx1"/>
+                </a:solidFill>
+                <a:latin typeface="+mn-lt"/>
+                <a:ea typeface="+mn-ea"/>
+                <a:cs typeface="+mn-cs"/>
+              </a:defRPr>
+            </a:lvl4pPr>
+            <a:lvl5pPr marL="1828800" algn="l" defTabSz="914400" rtl="0" eaLnBrk="1" latinLnBrk="0" hangingPunct="1">
+              <a:defRPr sz="1800" kern="1200">
+                <a:solidFill>
+                  <a:schemeClr val="tx1"/>
+                </a:solidFill>
+                <a:latin typeface="+mn-lt"/>
+                <a:ea typeface="+mn-ea"/>
+                <a:cs typeface="+mn-cs"/>
+              </a:defRPr>
+            </a:lvl5pPr>
+            <a:lvl6pPr marL="2286000" algn="l" defTabSz="914400" rtl="0" eaLnBrk="1" latinLnBrk="0" hangingPunct="1">
+              <a:defRPr sz="1800" kern="1200">
+                <a:solidFill>
+                  <a:schemeClr val="tx1"/>
+                </a:solidFill>
+                <a:latin typeface="+mn-lt"/>
+                <a:ea typeface="+mn-ea"/>
+                <a:cs typeface="+mn-cs"/>
+              </a:defRPr>
+            </a:lvl6pPr>
+            <a:lvl7pPr marL="2743200" algn="l" defTabSz="914400" rtl="0" eaLnBrk="1" latinLnBrk="0" hangingPunct="1">
+              <a:defRPr sz="1800" kern="1200">
+                <a:solidFill>
+                  <a:schemeClr val="tx1"/>
+                </a:solidFill>
+                <a:latin typeface="+mn-lt"/>
+                <a:ea typeface="+mn-ea"/>
+                <a:cs typeface="+mn-cs"/>
+              </a:defRPr>
+            </a:lvl7pPr>
+            <a:lvl8pPr marL="3200400" algn="l" defTabSz="914400" rtl="0" eaLnBrk="1" latinLnBrk="0" hangingPunct="1">
+              <a:defRPr sz="1800" kern="1200">
+                <a:solidFill>
+                  <a:schemeClr val="tx1"/>
+                </a:solidFill>
+                <a:latin typeface="+mn-lt"/>
+                <a:ea typeface="+mn-ea"/>
+                <a:cs typeface="+mn-cs"/>
+              </a:defRPr>
+            </a:lvl8pPr>
+            <a:lvl9pPr marL="3657600" algn="l" defTabSz="914400" rtl="0" eaLnBrk="1" latinLnBrk="0" hangingPunct="1">
+              <a:defRPr sz="1800" kern="1200">
+                <a:solidFill>
+                  <a:schemeClr val="tx1"/>
+                </a:solidFill>
+                <a:latin typeface="+mn-lt"/>
+                <a:ea typeface="+mn-ea"/>
+                <a:cs typeface="+mn-cs"/>
+              </a:defRPr>
+            </a:lvl9pPr>
+          </a:lstStyle>
+          <a:p>
+            <a:fld id="{2BF067CD-8E6B-4360-9AA8-C5DF2A48A6D1}" type="slidenum">
+              <a:rPr lang="en-US" smtClean="0"/>
+              <a:pPr/>
+              <a:t>2</a:t>
+            </a:fld>
+            <a:endParaRPr lang="en-US" dirty="0"/>
+          </a:p>
+        </p:txBody>
+      </p:sp>
+    </p:spTree>
+    <p:extLst>
+      <p:ext uri="{BB962C8B-B14F-4D97-AF65-F5344CB8AC3E}">
+        <p14:creationId xmlns:p14="http://schemas.microsoft.com/office/powerpoint/2010/main" val="4149011240"/>
+      </p:ext>
+    </p:extLst>
+  </p:cSld>
+  <p:clrMapOvr>
+    <a:masterClrMapping/>
+  </p:clrMapOvr>
+  <mc:AlternateContent xmlns:mc="http://schemas.openxmlformats.org/markup-compatibility/2006" xmlns:p14="http://schemas.microsoft.com/office/powerpoint/2010/main">
+    <mc:Choice Requires="p14">
+      <p:transition spd="slow" p14:dur="2000" advClick="0" advTm="5000"/>
+    </mc:Choice>
+    <mc:Fallback xmlns="">
+      <p:transition spd="slow" advClick="0" advTm="5000"/>
+    </mc:Fallback>
+  </mc:AlternateContent>
+  <p:timing>
+    <p:tnLst>
+      <p:par>
+        <p:cTn id="1" dur="indefinite" restart="never" nodeType="tmRoot">
+          <p:childTnLst>
+            <p:seq concurrent="1" nextAc="seek">
+              <p:cTn id="2" dur="indefinite" nodeType="mainSeq">
+                <p:childTnLst>
+                  <p:par>
+                    <p:cTn id="3" fill="hold">
+                      <p:stCondLst>
+                        <p:cond delay="indefinite"/>
+                      </p:stCondLst>
+                      <p:childTnLst>
+                        <p:par>
+                          <p:cTn id="4" fill="hold">
+                            <p:stCondLst>
+                              <p:cond delay="0"/>
+                            </p:stCondLst>
+                            <p:childTnLst>
+                              <p:par>
+                                <p:cTn id="5" presetID="1" presetClass="entr" presetSubtype="0" fill="hold" nodeType="clickEffect">
+                                  <p:stCondLst>
+                                    <p:cond delay="0"/>
+                                  </p:stCondLst>
+                                  <p:childTnLst>
+                                    <p:set>
+                                      <p:cBhvr>
+                                        <p:cTn id="6" dur="1" fill="hold">
+                                          <p:stCondLst>
+                                            <p:cond delay="0"/>
+                                          </p:stCondLst>
+                                        </p:cTn>
+                                        <p:tgtEl>
+                                          <p:spTgt spid="3">
+                                            <p:txEl>
+                                              <p:pRg st="1" end="1"/>
+                                            </p:txEl>
+                                          </p:spTgt>
+                                        </p:tgtEl>
+                                        <p:attrNameLst>
+                                          <p:attrName>style.visibility</p:attrName>
+                                        </p:attrNameLst>
+                                      </p:cBhvr>
+                                      <p:to>
+                                        <p:strVal val="visible"/>
+                                      </p:to>
+                                    </p:set>
+                                  </p:childTnLst>
+                                </p:cTn>
+                              </p:par>
+                            </p:childTnLst>
+                          </p:cTn>
+                        </p:par>
+                      </p:childTnLst>
+                    </p:cTn>
+                  </p:par>
+                  <p:par>
+                    <p:cTn id="7" fill="hold">
+                      <p:stCondLst>
+                        <p:cond delay="indefinite"/>
+                      </p:stCondLst>
+                      <p:childTnLst>
+                        <p:par>
+                          <p:cTn id="8" fill="hold">
+                            <p:stCondLst>
+                              <p:cond delay="0"/>
+                            </p:stCondLst>
+                            <p:childTnLst>
+                              <p:par>
+                                <p:cTn id="9" presetID="1" presetClass="entr" presetSubtype="0" fill="hold" nodeType="clickEffect">
+                                  <p:stCondLst>
+                                    <p:cond delay="0"/>
+                                  </p:stCondLst>
+                                  <p:childTnLst>
+                                    <p:set>
+                                      <p:cBhvr>
+                                        <p:cTn id="10" dur="1" fill="hold">
+                                          <p:stCondLst>
+                                            <p:cond delay="0"/>
+                                          </p:stCondLst>
+                                        </p:cTn>
+                                        <p:tgtEl>
+                                          <p:spTgt spid="3">
+                                            <p:txEl>
+                                              <p:pRg st="2" end="2"/>
+                                            </p:txEl>
+                                          </p:spTgt>
+                                        </p:tgtEl>
+                                        <p:attrNameLst>
+                                          <p:attrName>style.visibility</p:attrName>
+                                        </p:attrNameLst>
+                                      </p:cBhvr>
+                                      <p:to>
+                                        <p:strVal val="visible"/>
+                                      </p:to>
+                                    </p:set>
+                                  </p:childTnLst>
+                                </p:cTn>
+                              </p:par>
+                            </p:childTnLst>
+                          </p:cTn>
+                        </p:par>
+                      </p:childTnLst>
+                    </p:cTn>
+                  </p:par>
+                  <p:par>
+                    <p:cTn id="11" fill="hold">
+                      <p:stCondLst>
+                        <p:cond delay="indefinite"/>
+                      </p:stCondLst>
+                      <p:childTnLst>
+                        <p:par>
+                          <p:cTn id="12" fill="hold">
+                            <p:stCondLst>
+                              <p:cond delay="0"/>
+                            </p:stCondLst>
+                            <p:childTnLst>
+                              <p:par>
+                                <p:cTn id="13" presetID="1" presetClass="entr" presetSubtype="0" fill="hold" nodeType="clickEffect">
+                                  <p:stCondLst>
+                                    <p:cond delay="0"/>
+                                  </p:stCondLst>
+                                  <p:childTnLst>
+                                    <p:set>
+                                      <p:cBhvr>
+                                        <p:cTn id="14" dur="1" fill="hold">
+                                          <p:stCondLst>
+                                            <p:cond delay="0"/>
+                                          </p:stCondLst>
+                                        </p:cTn>
+                                        <p:tgtEl>
+                                          <p:spTgt spid="3">
+                                            <p:txEl>
+                                              <p:pRg st="3" end="3"/>
+                                            </p:txEl>
+                                          </p:spTgt>
+                                        </p:tgtEl>
+                                        <p:attrNameLst>
+                                          <p:attrName>style.visibility</p:attrName>
+                                        </p:attrNameLst>
+                                      </p:cBhvr>
+                                      <p:to>
+                                        <p:strVal val="visible"/>
+                                      </p:to>
+                                    </p:set>
+                                  </p:childTnLst>
+                                </p:cTn>
+                              </p:par>
+                            </p:childTnLst>
+                          </p:cTn>
+                        </p:par>
+                      </p:childTnLst>
+                    </p:cTn>
+                  </p:par>
+                  <p:par>
+                    <p:cTn id="15" fill="hold">
+                      <p:stCondLst>
+                        <p:cond delay="indefinite"/>
+                      </p:stCondLst>
+                      <p:childTnLst>
+                        <p:par>
+                          <p:cTn id="16" fill="hold">
+                            <p:stCondLst>
+                              <p:cond delay="0"/>
+                            </p:stCondLst>
+                            <p:childTnLst>
+                              <p:par>
+                                <p:cTn id="17" presetID="1" presetClass="entr" presetSubtype="0" fill="hold" nodeType="clickEffect">
+                                  <p:stCondLst>
+                                    <p:cond delay="0"/>
+                                  </p:stCondLst>
+                                  <p:childTnLst>
+                                    <p:set>
+                                      <p:cBhvr>
+                                        <p:cTn id="18" dur="1" fill="hold">
+                                          <p:stCondLst>
+                                            <p:cond delay="0"/>
+                                          </p:stCondLst>
+                                        </p:cTn>
+                                        <p:tgtEl>
+                                          <p:spTgt spid="3">
+                                            <p:txEl>
+                                              <p:pRg st="4" end="4"/>
+                                            </p:txEl>
+                                          </p:spTgt>
+                                        </p:tgtEl>
+                                        <p:attrNameLst>
+                                          <p:attrName>style.visibility</p:attrName>
+                                        </p:attrNameLst>
+                                      </p:cBhvr>
+                                      <p:to>
+                                        <p:strVal val="visible"/>
+                                      </p:to>
+                                    </p:set>
+                                  </p:childTnLst>
+                                </p:cTn>
+                              </p:par>
+                            </p:childTnLst>
+                          </p:cTn>
+                        </p:par>
+                      </p:childTnLst>
+                    </p:cTn>
+                  </p:par>
+                </p:childTnLst>
+              </p:cTn>
+              <p:prevCondLst>
+                <p:cond evt="onPrev" delay="0">
+                  <p:tgtEl>
+                    <p:sldTgt/>
+                  </p:tgtEl>
+                </p:cond>
+              </p:prevCondLst>
+              <p:nextCondLst>
+                <p:cond evt="onNext" delay="0">
+                  <p:tgtEl>
+                    <p:sldTgt/>
+                  </p:tgtEl>
+                </p:cond>
+              </p:nextCondLst>
+            </p:seq>
+          </p:childTnLst>
+        </p:cTn>
+      </p:par>
+    </p:tnLst>
+  </p:timing>
+</p:sld>
+</file>
+
+<file path=ppt/slides/slide20.xml><?xml version="1.0" encoding="utf-8"?>
 <p:sld xmlns:a="http://schemas.openxmlformats.org/drawingml/2006/main" xmlns:r="http://schemas.openxmlformats.org/officeDocument/2006/relationships" xmlns:p="http://schemas.openxmlformats.org/presentationml/2006/main">
   <p:cSld>
     <p:spTree>
@@ -22965,7 +20893,7 @@
 </p:sld>
 </file>
 
-<file path=ppt/slides/slide24.xml><?xml version="1.0" encoding="utf-8"?>
+<file path=ppt/slides/slide21.xml><?xml version="1.0" encoding="utf-8"?>
 <p:sld xmlns:a="http://schemas.openxmlformats.org/drawingml/2006/main" xmlns:r="http://schemas.openxmlformats.org/officeDocument/2006/relationships" xmlns:p="http://schemas.openxmlformats.org/presentationml/2006/main">
   <p:cSld>
     <p:spTree>
@@ -23513,7 +21441,7 @@
             <a:fld id="{2BF067CD-8E6B-4360-9AA8-C5DF2A48A6D1}" type="slidenum">
               <a:rPr lang="en-US" noProof="0" smtClean="0"/>
               <a:pPr/>
-              <a:t>24</a:t>
+              <a:t>21</a:t>
             </a:fld>
             <a:endParaRPr lang="en-US" noProof="0" dirty="0"/>
           </a:p>
@@ -23716,7 +21644,7 @@
 </p:sld>
 </file>
 
-<file path=ppt/slides/slide25.xml><?xml version="1.0" encoding="utf-8"?>
+<file path=ppt/slides/slide22.xml><?xml version="1.0" encoding="utf-8"?>
 <p:sld xmlns:a="http://schemas.openxmlformats.org/drawingml/2006/main" xmlns:r="http://schemas.openxmlformats.org/officeDocument/2006/relationships" xmlns:p="http://schemas.openxmlformats.org/presentationml/2006/main">
   <p:cSld>
     <p:spTree>
@@ -24356,7 +22284,7 @@
             <a:fld id="{2BF067CD-8E6B-4360-9AA8-C5DF2A48A6D1}" type="slidenum">
               <a:rPr lang="en-US" noProof="0" smtClean="0"/>
               <a:pPr/>
-              <a:t>25</a:t>
+              <a:t>22</a:t>
             </a:fld>
             <a:endParaRPr lang="en-US" noProof="0" dirty="0"/>
           </a:p>
@@ -24907,7 +22835,7 @@
 </p:sld>
 </file>
 
-<file path=ppt/slides/slide26.xml><?xml version="1.0" encoding="utf-8"?>
+<file path=ppt/slides/slide23.xml><?xml version="1.0" encoding="utf-8"?>
 <p:sld xmlns:a="http://schemas.openxmlformats.org/drawingml/2006/main" xmlns:r="http://schemas.openxmlformats.org/officeDocument/2006/relationships" xmlns:p="http://schemas.openxmlformats.org/presentationml/2006/main">
   <p:cSld>
     <p:spTree>
@@ -25549,7 +23477,7 @@
             <a:fld id="{2BF067CD-8E6B-4360-9AA8-C5DF2A48A6D1}" type="slidenum">
               <a:rPr lang="en-US" noProof="0" smtClean="0"/>
               <a:pPr/>
-              <a:t>26</a:t>
+              <a:t>23</a:t>
             </a:fld>
             <a:endParaRPr lang="en-US" noProof="0" dirty="0"/>
           </a:p>
@@ -25749,7 +23677,7 @@
 </p:sld>
 </file>
 
-<file path=ppt/slides/slide27.xml><?xml version="1.0" encoding="utf-8"?>
+<file path=ppt/slides/slide24.xml><?xml version="1.0" encoding="utf-8"?>
 <p:sld xmlns:a="http://schemas.openxmlformats.org/drawingml/2006/main" xmlns:r="http://schemas.openxmlformats.org/officeDocument/2006/relationships" xmlns:p="http://schemas.openxmlformats.org/presentationml/2006/main">
   <p:cSld>
     <p:spTree>
@@ -26490,7 +24418,7 @@
             <a:fld id="{2BF067CD-8E6B-4360-9AA8-C5DF2A48A6D1}" type="slidenum">
               <a:rPr lang="en-US" noProof="0" smtClean="0"/>
               <a:pPr/>
-              <a:t>27</a:t>
+              <a:t>24</a:t>
             </a:fld>
             <a:endParaRPr lang="en-US" noProof="0" dirty="0"/>
           </a:p>
@@ -26743,7 +24671,7 @@
 </p:sld>
 </file>
 
-<file path=ppt/slides/slide28.xml><?xml version="1.0" encoding="utf-8"?>
+<file path=ppt/slides/slide25.xml><?xml version="1.0" encoding="utf-8"?>
 <p:sld xmlns:a="http://schemas.openxmlformats.org/drawingml/2006/main" xmlns:r="http://schemas.openxmlformats.org/officeDocument/2006/relationships" xmlns:p="http://schemas.openxmlformats.org/presentationml/2006/main">
   <p:cSld>
     <p:spTree>
@@ -26843,7 +24771,7 @@
               <a:rPr lang="en-US" sz="1999" dirty="0">
                 <a:hlinkClick r:id="rId2"/>
               </a:rPr>
-              <a:t>https://judge.softuni.bg/Contests/Practice/Index/3160#8</a:t>
+              <a:t>https://judge.softuni.org/Contests/Practice/Index/3902#4</a:t>
             </a:r>
             <a:endParaRPr lang="en-US" sz="1999" dirty="0"/>
           </a:p>
@@ -27499,7 +25427,7 @@
             <a:fld id="{2BF067CD-8E6B-4360-9AA8-C5DF2A48A6D1}" type="slidenum">
               <a:rPr lang="en-US" noProof="0" smtClean="0"/>
               <a:pPr/>
-              <a:t>28</a:t>
+              <a:t>25</a:t>
             </a:fld>
             <a:endParaRPr lang="en-US" noProof="0" dirty="0"/>
           </a:p>
@@ -28105,7 +26033,7 @@
 </p:sld>
 </file>
 
-<file path=ppt/slides/slide29.xml><?xml version="1.0" encoding="utf-8"?>
+<file path=ppt/slides/slide26.xml><?xml version="1.0" encoding="utf-8"?>
 <p:sld xmlns:a="http://schemas.openxmlformats.org/drawingml/2006/main" xmlns:r="http://schemas.openxmlformats.org/officeDocument/2006/relationships" xmlns:p="http://schemas.openxmlformats.org/presentationml/2006/main">
   <p:cSld>
     <p:spTree>
@@ -28200,7 +26128,7 @@
               <a:rPr lang="en-US" sz="1999" dirty="0">
                 <a:hlinkClick r:id="rId2"/>
               </a:rPr>
-              <a:t>https://judge.softuni.bg/Contests/Practice/Index/3160#8</a:t>
+              <a:t>https://judge.softuni.org/Contests/Practice/Index/3902#4</a:t>
             </a:r>
             <a:endParaRPr lang="en-US" sz="1999" dirty="0"/>
           </a:p>
@@ -28869,7 +26797,7 @@
             <a:fld id="{2BF067CD-8E6B-4360-9AA8-C5DF2A48A6D1}" type="slidenum">
               <a:rPr lang="en-US" noProof="0" smtClean="0"/>
               <a:pPr/>
-              <a:t>29</a:t>
+              <a:t>26</a:t>
             </a:fld>
             <a:endParaRPr lang="en-US" noProof="0" dirty="0"/>
           </a:p>
@@ -29459,724 +27387,7 @@
 </p:sld>
 </file>
 
-<file path=ppt/slides/slide3.xml><?xml version="1.0" encoding="utf-8"?>
-<p:sld xmlns:a="http://schemas.openxmlformats.org/drawingml/2006/main" xmlns:r="http://schemas.openxmlformats.org/officeDocument/2006/relationships" xmlns:p="http://schemas.openxmlformats.org/presentationml/2006/main">
-  <p:cSld>
-    <p:spTree>
-      <p:nvGrpSpPr>
-        <p:cNvPr id="1" name=""/>
-        <p:cNvGrpSpPr/>
-        <p:nvPr/>
-      </p:nvGrpSpPr>
-      <p:grpSpPr>
-        <a:xfrm>
-          <a:off x="0" y="0"/>
-          <a:ext cx="0" cy="0"/>
-          <a:chOff x="0" y="0"/>
-          <a:chExt cx="0" cy="0"/>
-        </a:xfrm>
-      </p:grpSpPr>
-      <p:sp>
-        <p:nvSpPr>
-          <p:cNvPr id="3" name="Text Placeholder 2">
-            <a:extLst>
-              <a:ext uri="{FF2B5EF4-FFF2-40B4-BE49-F238E27FC236}">
-                <a16:creationId xmlns:a16="http://schemas.microsoft.com/office/drawing/2014/main" id="{791261C7-ED2C-46EA-BAC3-A969A6FCC16A}"/>
-              </a:ext>
-            </a:extLst>
-          </p:cNvPr>
-          <p:cNvSpPr>
-            <a:spLocks noGrp="1"/>
-          </p:cNvSpPr>
-          <p:nvPr>
-            <p:ph type="body" sz="quarter" idx="10"/>
-          </p:nvPr>
-        </p:nvSpPr>
-        <p:spPr/>
-        <p:txBody>
-          <a:bodyPr/>
-          <a:lstStyle/>
-          <a:p>
-            <a:r>
-              <a:rPr lang="bg-BG" dirty="0"/>
-              <a:t>Методи</a:t>
-            </a:r>
-            <a:r>
-              <a:rPr lang="en-US" dirty="0"/>
-              <a:t> </a:t>
-            </a:r>
-            <a:r>
-              <a:rPr lang="bg-BG" dirty="0"/>
-              <a:t>с кратко тяло може да се дефинират с оператора </a:t>
-            </a:r>
-            <a:r>
-              <a:rPr lang="en-US" b="1" dirty="0">
-                <a:solidFill>
-                  <a:schemeClr val="bg1"/>
-                </a:solidFill>
-              </a:rPr>
-              <a:t>=&gt;</a:t>
-            </a:r>
-            <a:r>
-              <a:rPr lang="en-US" dirty="0"/>
-              <a:t>:</a:t>
-            </a:r>
-          </a:p>
-          <a:p>
-            <a:endParaRPr lang="en-US" dirty="0"/>
-          </a:p>
-          <a:p>
-            <a:r>
-              <a:rPr lang="bg-BG" dirty="0"/>
-              <a:t>Този синтаксис е идентичен с</a:t>
-            </a:r>
-            <a:r>
-              <a:rPr lang="en-US" dirty="0"/>
-              <a:t>:</a:t>
-            </a:r>
-          </a:p>
-          <a:p>
-            <a:pPr>
-              <a:spcBef>
-                <a:spcPts val="0"/>
-              </a:spcBef>
-            </a:pPr>
-            <a:endParaRPr lang="en-US" dirty="0"/>
-          </a:p>
-          <a:p>
-            <a:pPr>
-              <a:spcBef>
-                <a:spcPts val="0"/>
-              </a:spcBef>
-            </a:pPr>
-            <a:endParaRPr lang="en-US" dirty="0"/>
-          </a:p>
-          <a:p>
-            <a:pPr>
-              <a:spcBef>
-                <a:spcPts val="0"/>
-              </a:spcBef>
-            </a:pPr>
-            <a:endParaRPr lang="en-US" dirty="0"/>
-          </a:p>
-          <a:p>
-            <a:r>
-              <a:rPr lang="bg-BG" dirty="0"/>
-              <a:t>Друг пример</a:t>
-            </a:r>
-            <a:r>
-              <a:rPr lang="en-US" dirty="0"/>
-              <a:t>:</a:t>
-            </a:r>
-          </a:p>
-        </p:txBody>
-      </p:sp>
-      <p:sp>
-        <p:nvSpPr>
-          <p:cNvPr id="4" name="Title 3">
-            <a:extLst>
-              <a:ext uri="{FF2B5EF4-FFF2-40B4-BE49-F238E27FC236}">
-                <a16:creationId xmlns:a16="http://schemas.microsoft.com/office/drawing/2014/main" id="{8FE4E9F0-1B3A-4CA8-B82D-8433950FD4DA}"/>
-              </a:ext>
-            </a:extLst>
-          </p:cNvPr>
-          <p:cNvSpPr>
-            <a:spLocks noGrp="1"/>
-          </p:cNvSpPr>
-          <p:nvPr>
-            <p:ph type="title"/>
-          </p:nvPr>
-        </p:nvSpPr>
-        <p:spPr/>
-        <p:txBody>
-          <a:bodyPr>
-            <a:normAutofit fontScale="90000"/>
-          </a:bodyPr>
-          <a:lstStyle/>
-          <a:p>
-            <a:r>
-              <a:rPr lang="bg-BG" dirty="0"/>
-              <a:t>Съкратен синтаксис за дефиниране на методи</a:t>
-            </a:r>
-            <a:endParaRPr lang="en-US" dirty="0"/>
-          </a:p>
-        </p:txBody>
-      </p:sp>
-      <p:sp>
-        <p:nvSpPr>
-          <p:cNvPr id="5" name="Rectangle 4">
-            <a:extLst>
-              <a:ext uri="{FF2B5EF4-FFF2-40B4-BE49-F238E27FC236}">
-                <a16:creationId xmlns:a16="http://schemas.microsoft.com/office/drawing/2014/main" id="{2ABA8E5C-FDEE-43EF-A245-96F3AE5FDCE5}"/>
-              </a:ext>
-            </a:extLst>
-          </p:cNvPr>
-          <p:cNvSpPr>
-            <a:spLocks noChangeArrowheads="1"/>
-          </p:cNvSpPr>
-          <p:nvPr/>
-        </p:nvSpPr>
-        <p:spPr bwMode="auto">
-          <a:xfrm>
-            <a:off x="695400" y="1899398"/>
-            <a:ext cx="10565048" cy="545374"/>
-          </a:xfrm>
-          <a:prstGeom prst="rect">
-            <a:avLst/>
-          </a:prstGeom>
-          <a:solidFill>
-            <a:srgbClr val="A3ABBC">
-              <a:alpha val="15000"/>
-            </a:srgbClr>
-          </a:solidFill>
-          <a:ln w="12700">
-            <a:solidFill>
-              <a:schemeClr val="accent5">
-                <a:lumMod val="60000"/>
-                <a:lumOff val="40000"/>
-              </a:schemeClr>
-            </a:solidFill>
-          </a:ln>
-        </p:spPr>
-        <p:txBody>
-          <a:bodyPr wrap="square" tIns="71981" bIns="71981">
-            <a:spAutoFit/>
-          </a:bodyPr>
-          <a:lstStyle/>
-          <a:p>
-            <a:pPr eaLnBrk="0" hangingPunct="0">
-              <a:buClr>
-                <a:schemeClr val="accent5">
-                  <a:lumMod val="40000"/>
-                  <a:lumOff val="60000"/>
-                </a:schemeClr>
-              </a:buClr>
-              <a:buSzPct val="70000"/>
-            </a:pPr>
-            <a:r>
-              <a:rPr lang="en-US" sz="2599" b="1" noProof="1">
-                <a:latin typeface="Consolas" pitchFamily="49" charset="0"/>
-                <a:cs typeface="Consolas" pitchFamily="49" charset="0"/>
-              </a:rPr>
-              <a:t>static int Sum(int a, int b) </a:t>
-            </a:r>
-            <a:r>
-              <a:rPr lang="en-US" sz="2599" b="1" noProof="1">
-                <a:solidFill>
-                  <a:srgbClr val="FFA000"/>
-                </a:solidFill>
-                <a:latin typeface="Consolas" pitchFamily="49" charset="0"/>
-                <a:cs typeface="Consolas" pitchFamily="49" charset="0"/>
-              </a:rPr>
-              <a:t>=&gt;</a:t>
-            </a:r>
-            <a:r>
-              <a:rPr lang="en-US" sz="2599" b="1" noProof="1">
-                <a:solidFill>
-                  <a:srgbClr val="234465"/>
-                </a:solidFill>
-                <a:latin typeface="Consolas" pitchFamily="49" charset="0"/>
-                <a:cs typeface="Consolas" pitchFamily="49" charset="0"/>
-              </a:rPr>
-              <a:t> </a:t>
-            </a:r>
-            <a:r>
-              <a:rPr lang="en-US" sz="2599" b="1" noProof="1">
-                <a:latin typeface="Consolas" pitchFamily="49" charset="0"/>
-                <a:cs typeface="Consolas" pitchFamily="49" charset="0"/>
-              </a:rPr>
-              <a:t>a + b;</a:t>
-            </a:r>
-          </a:p>
-        </p:txBody>
-      </p:sp>
-      <p:sp>
-        <p:nvSpPr>
-          <p:cNvPr id="13" name="Rectangle 12">
-            <a:extLst>
-              <a:ext uri="{FF2B5EF4-FFF2-40B4-BE49-F238E27FC236}">
-                <a16:creationId xmlns:a16="http://schemas.microsoft.com/office/drawing/2014/main" id="{2D1C7741-B523-404D-8841-3DDD2FE971DB}"/>
-              </a:ext>
-            </a:extLst>
-          </p:cNvPr>
-          <p:cNvSpPr>
-            <a:spLocks noChangeArrowheads="1"/>
-          </p:cNvSpPr>
-          <p:nvPr/>
-        </p:nvSpPr>
-        <p:spPr bwMode="auto">
-          <a:xfrm>
-            <a:off x="715528" y="3267788"/>
-            <a:ext cx="10565048" cy="1745389"/>
-          </a:xfrm>
-          <a:prstGeom prst="rect">
-            <a:avLst/>
-          </a:prstGeom>
-          <a:solidFill>
-            <a:srgbClr val="A3ABBC">
-              <a:alpha val="15000"/>
-            </a:srgbClr>
-          </a:solidFill>
-          <a:ln w="12700">
-            <a:solidFill>
-              <a:schemeClr val="accent5">
-                <a:lumMod val="60000"/>
-                <a:lumOff val="40000"/>
-              </a:schemeClr>
-            </a:solidFill>
-          </a:ln>
-        </p:spPr>
-        <p:txBody>
-          <a:bodyPr wrap="square" tIns="71981" bIns="71981">
-            <a:spAutoFit/>
-          </a:bodyPr>
-          <a:lstStyle/>
-          <a:p>
-            <a:pPr eaLnBrk="0" hangingPunct="0">
-              <a:buClr>
-                <a:schemeClr val="accent5">
-                  <a:lumMod val="40000"/>
-                  <a:lumOff val="60000"/>
-                </a:schemeClr>
-              </a:buClr>
-              <a:buSzPct val="70000"/>
-            </a:pPr>
-            <a:r>
-              <a:rPr lang="en-US" sz="2599" b="1" noProof="1">
-                <a:latin typeface="Consolas" pitchFamily="49" charset="0"/>
-                <a:cs typeface="Consolas" pitchFamily="49" charset="0"/>
-              </a:rPr>
-              <a:t>static int Sum(int a, int b) </a:t>
-            </a:r>
-            <a:br>
-              <a:rPr lang="en-US" sz="2599" b="1" noProof="1">
-                <a:solidFill>
-                  <a:srgbClr val="234465"/>
-                </a:solidFill>
-                <a:latin typeface="Consolas" pitchFamily="49" charset="0"/>
-                <a:cs typeface="Consolas" pitchFamily="49" charset="0"/>
-              </a:rPr>
-            </a:br>
-            <a:r>
-              <a:rPr lang="en-US" sz="2599" b="1" noProof="1">
-                <a:solidFill>
-                  <a:schemeClr val="bg1"/>
-                </a:solidFill>
-                <a:latin typeface="Consolas" pitchFamily="49" charset="0"/>
-                <a:cs typeface="Consolas" pitchFamily="49" charset="0"/>
-              </a:rPr>
-              <a:t>{</a:t>
-            </a:r>
-          </a:p>
-          <a:p>
-            <a:pPr eaLnBrk="0" hangingPunct="0">
-              <a:buClr>
-                <a:schemeClr val="accent5">
-                  <a:lumMod val="40000"/>
-                  <a:lumOff val="60000"/>
-                </a:schemeClr>
-              </a:buClr>
-              <a:buSzPct val="70000"/>
-            </a:pPr>
-            <a:r>
-              <a:rPr lang="en-US" sz="2599" b="1" noProof="1">
-                <a:solidFill>
-                  <a:srgbClr val="234465"/>
-                </a:solidFill>
-                <a:latin typeface="Consolas" pitchFamily="49" charset="0"/>
-                <a:cs typeface="Consolas" pitchFamily="49" charset="0"/>
-              </a:rPr>
-              <a:t>  </a:t>
-            </a:r>
-            <a:r>
-              <a:rPr lang="en-US" sz="2599" b="1" noProof="1">
-                <a:solidFill>
-                  <a:schemeClr val="bg1"/>
-                </a:solidFill>
-                <a:latin typeface="Consolas" pitchFamily="49" charset="0"/>
-                <a:cs typeface="Consolas" pitchFamily="49" charset="0"/>
-              </a:rPr>
-              <a:t>return</a:t>
-            </a:r>
-            <a:r>
-              <a:rPr lang="en-US" sz="2599" b="1" noProof="1">
-                <a:solidFill>
-                  <a:srgbClr val="234465"/>
-                </a:solidFill>
-                <a:latin typeface="Consolas" pitchFamily="49" charset="0"/>
-                <a:cs typeface="Consolas" pitchFamily="49" charset="0"/>
-              </a:rPr>
-              <a:t> </a:t>
-            </a:r>
-            <a:r>
-              <a:rPr lang="en-US" sz="2599" b="1" noProof="1">
-                <a:latin typeface="Consolas" pitchFamily="49" charset="0"/>
-                <a:cs typeface="Consolas" pitchFamily="49" charset="0"/>
-              </a:rPr>
-              <a:t>a + b;</a:t>
-            </a:r>
-          </a:p>
-          <a:p>
-            <a:pPr eaLnBrk="0" hangingPunct="0">
-              <a:buClr>
-                <a:schemeClr val="accent5">
-                  <a:lumMod val="40000"/>
-                  <a:lumOff val="60000"/>
-                </a:schemeClr>
-              </a:buClr>
-              <a:buSzPct val="70000"/>
-            </a:pPr>
-            <a:r>
-              <a:rPr lang="en-US" sz="2599" b="1" noProof="1">
-                <a:solidFill>
-                  <a:schemeClr val="bg1"/>
-                </a:solidFill>
-                <a:latin typeface="Consolas" pitchFamily="49" charset="0"/>
-                <a:cs typeface="Consolas" pitchFamily="49" charset="0"/>
-              </a:rPr>
-              <a:t>}</a:t>
-            </a:r>
-          </a:p>
-        </p:txBody>
-      </p:sp>
-      <p:sp>
-        <p:nvSpPr>
-          <p:cNvPr id="14" name="Rectangle 13">
-            <a:extLst>
-              <a:ext uri="{FF2B5EF4-FFF2-40B4-BE49-F238E27FC236}">
-                <a16:creationId xmlns:a16="http://schemas.microsoft.com/office/drawing/2014/main" id="{E2E20A75-6A46-4CD4-8C51-9D2C7621373C}"/>
-              </a:ext>
-            </a:extLst>
-          </p:cNvPr>
-          <p:cNvSpPr>
-            <a:spLocks noChangeArrowheads="1"/>
-          </p:cNvSpPr>
-          <p:nvPr/>
-        </p:nvSpPr>
-        <p:spPr bwMode="auto">
-          <a:xfrm>
-            <a:off x="715528" y="5858367"/>
-            <a:ext cx="10565048" cy="545374"/>
-          </a:xfrm>
-          <a:prstGeom prst="rect">
-            <a:avLst/>
-          </a:prstGeom>
-          <a:solidFill>
-            <a:srgbClr val="A3ABBC">
-              <a:alpha val="15000"/>
-            </a:srgbClr>
-          </a:solidFill>
-          <a:ln w="12700">
-            <a:solidFill>
-              <a:schemeClr val="accent5">
-                <a:lumMod val="60000"/>
-                <a:lumOff val="40000"/>
-              </a:schemeClr>
-            </a:solidFill>
-          </a:ln>
-        </p:spPr>
-        <p:txBody>
-          <a:bodyPr wrap="square" tIns="71981" bIns="71981">
-            <a:spAutoFit/>
-          </a:bodyPr>
-          <a:lstStyle/>
-          <a:p>
-            <a:pPr eaLnBrk="0" hangingPunct="0">
-              <a:buClr>
-                <a:schemeClr val="accent5">
-                  <a:lumMod val="40000"/>
-                  <a:lumOff val="60000"/>
-                </a:schemeClr>
-              </a:buClr>
-              <a:buSzPct val="70000"/>
-            </a:pPr>
-            <a:r>
-              <a:rPr lang="en-US" sz="2599" b="1" noProof="1">
-                <a:latin typeface="Consolas" pitchFamily="49" charset="0"/>
-                <a:cs typeface="Consolas" pitchFamily="49" charset="0"/>
-              </a:rPr>
-              <a:t>static void Print(int x) </a:t>
-            </a:r>
-            <a:r>
-              <a:rPr lang="en-US" sz="2599" b="1" noProof="1">
-                <a:solidFill>
-                  <a:srgbClr val="FFA000"/>
-                </a:solidFill>
-                <a:latin typeface="Consolas" pitchFamily="49" charset="0"/>
-                <a:cs typeface="Consolas" pitchFamily="49" charset="0"/>
-              </a:rPr>
-              <a:t>=&gt;</a:t>
-            </a:r>
-            <a:r>
-              <a:rPr lang="en-US" sz="2599" b="1" noProof="1">
-                <a:solidFill>
-                  <a:srgbClr val="234465"/>
-                </a:solidFill>
-                <a:latin typeface="Consolas" pitchFamily="49" charset="0"/>
-                <a:cs typeface="Consolas" pitchFamily="49" charset="0"/>
-              </a:rPr>
-              <a:t> </a:t>
-            </a:r>
-            <a:r>
-              <a:rPr lang="en-US" sz="2599" b="1" noProof="1">
-                <a:latin typeface="Consolas" pitchFamily="49" charset="0"/>
-                <a:cs typeface="Consolas" pitchFamily="49" charset="0"/>
-              </a:rPr>
-              <a:t>Console.WriteLine(x);</a:t>
-            </a:r>
-          </a:p>
-        </p:txBody>
-      </p:sp>
-      <p:sp>
-        <p:nvSpPr>
-          <p:cNvPr id="9" name="Slide Number">
-            <a:extLst>
-              <a:ext uri="{FF2B5EF4-FFF2-40B4-BE49-F238E27FC236}">
-                <a16:creationId xmlns:a16="http://schemas.microsoft.com/office/drawing/2014/main" id="{3642D210-84E4-4AC7-A90A-24F83835E316}"/>
-              </a:ext>
-            </a:extLst>
-          </p:cNvPr>
-          <p:cNvSpPr>
-            <a:spLocks noGrp="1"/>
-          </p:cNvSpPr>
-          <p:nvPr>
-            <p:ph type="sldNum" sz="quarter" idx="5"/>
-          </p:nvPr>
-        </p:nvSpPr>
-        <p:spPr>
-          <a:xfrm>
-            <a:off x="11753030" y="6507000"/>
-            <a:ext cx="367414" cy="297000"/>
-          </a:xfrm>
-          <a:prstGeom prst="rect">
-            <a:avLst/>
-          </a:prstGeom>
-        </p:spPr>
-        <p:txBody>
-          <a:bodyPr vert="horz" lIns="91440" tIns="45720" rIns="91440" bIns="45720" rtlCol="0" anchor="b"/>
-          <a:lstStyle>
-            <a:lvl1pPr algn="r">
-              <a:defRPr sz="1000"/>
-            </a:lvl1pPr>
-          </a:lstStyle>
-          <a:p>
-            <a:fld id="{2BF067CD-8E6B-4360-9AA8-C5DF2A48A6D1}" type="slidenum">
-              <a:rPr lang="en-US" noProof="0" smtClean="0"/>
-              <a:pPr/>
-              <a:t>3</a:t>
-            </a:fld>
-            <a:endParaRPr lang="en-US" noProof="0" dirty="0"/>
-          </a:p>
-        </p:txBody>
-      </p:sp>
-    </p:spTree>
-    <p:extLst>
-      <p:ext uri="{BB962C8B-B14F-4D97-AF65-F5344CB8AC3E}">
-        <p14:creationId xmlns:p14="http://schemas.microsoft.com/office/powerpoint/2010/main" val="2918585832"/>
-      </p:ext>
-    </p:extLst>
-  </p:cSld>
-  <p:clrMapOvr>
-    <a:masterClrMapping/>
-  </p:clrMapOvr>
-  <mc:AlternateContent xmlns:mc="http://schemas.openxmlformats.org/markup-compatibility/2006" xmlns:p14="http://schemas.microsoft.com/office/powerpoint/2010/main">
-    <mc:Choice Requires="p14">
-      <p:transition spd="slow" p14:dur="2000" advClick="0" advTm="5000"/>
-    </mc:Choice>
-    <mc:Fallback xmlns="">
-      <p:transition spd="slow" advClick="0" advTm="5000"/>
-    </mc:Fallback>
-  </mc:AlternateContent>
-  <p:timing>
-    <p:tnLst>
-      <p:par>
-        <p:cTn id="1" dur="indefinite" restart="never" nodeType="tmRoot">
-          <p:childTnLst>
-            <p:seq concurrent="1" nextAc="seek">
-              <p:cTn id="2" dur="indefinite" nodeType="mainSeq">
-                <p:childTnLst>
-                  <p:par>
-                    <p:cTn id="3" fill="hold">
-                      <p:stCondLst>
-                        <p:cond delay="indefinite"/>
-                      </p:stCondLst>
-                      <p:childTnLst>
-                        <p:par>
-                          <p:cTn id="4" fill="hold">
-                            <p:stCondLst>
-                              <p:cond delay="0"/>
-                            </p:stCondLst>
-                            <p:childTnLst>
-                              <p:par>
-                                <p:cTn id="5" presetID="1" presetClass="entr" presetSubtype="0" fill="hold" nodeType="clickEffect">
-                                  <p:stCondLst>
-                                    <p:cond delay="0"/>
-                                  </p:stCondLst>
-                                  <p:childTnLst>
-                                    <p:set>
-                                      <p:cBhvr>
-                                        <p:cTn id="6" dur="1" fill="hold">
-                                          <p:stCondLst>
-                                            <p:cond delay="0"/>
-                                          </p:stCondLst>
-                                        </p:cTn>
-                                        <p:tgtEl>
-                                          <p:spTgt spid="3">
-                                            <p:txEl>
-                                              <p:pRg st="2" end="2"/>
-                                            </p:txEl>
-                                          </p:spTgt>
-                                        </p:tgtEl>
-                                        <p:attrNameLst>
-                                          <p:attrName>style.visibility</p:attrName>
-                                        </p:attrNameLst>
-                                      </p:cBhvr>
-                                      <p:to>
-                                        <p:strVal val="visible"/>
-                                      </p:to>
-                                    </p:set>
-                                  </p:childTnLst>
-                                </p:cTn>
-                              </p:par>
-                              <p:par>
-                                <p:cTn id="7" presetID="1" presetClass="entr" presetSubtype="0" fill="hold" grpId="0" nodeType="withEffect">
-                                  <p:stCondLst>
-                                    <p:cond delay="0"/>
-                                  </p:stCondLst>
-                                  <p:childTnLst>
-                                    <p:set>
-                                      <p:cBhvr>
-                                        <p:cTn id="8" dur="1" fill="hold">
-                                          <p:stCondLst>
-                                            <p:cond delay="0"/>
-                                          </p:stCondLst>
-                                        </p:cTn>
-                                        <p:tgtEl>
-                                          <p:spTgt spid="13"/>
-                                        </p:tgtEl>
-                                        <p:attrNameLst>
-                                          <p:attrName>style.visibility</p:attrName>
-                                        </p:attrNameLst>
-                                      </p:cBhvr>
-                                      <p:to>
-                                        <p:strVal val="visible"/>
-                                      </p:to>
-                                    </p:set>
-                                  </p:childTnLst>
-                                </p:cTn>
-                              </p:par>
-                            </p:childTnLst>
-                          </p:cTn>
-                        </p:par>
-                      </p:childTnLst>
-                    </p:cTn>
-                  </p:par>
-                  <p:par>
-                    <p:cTn id="9" fill="hold">
-                      <p:stCondLst>
-                        <p:cond delay="indefinite"/>
-                      </p:stCondLst>
-                      <p:childTnLst>
-                        <p:par>
-                          <p:cTn id="10" fill="hold">
-                            <p:stCondLst>
-                              <p:cond delay="0"/>
-                            </p:stCondLst>
-                            <p:childTnLst>
-                              <p:par>
-                                <p:cTn id="11" presetID="1" presetClass="entr" presetSubtype="0" fill="hold" nodeType="clickEffect">
-                                  <p:stCondLst>
-                                    <p:cond delay="0"/>
-                                  </p:stCondLst>
-                                  <p:childTnLst>
-                                    <p:set>
-                                      <p:cBhvr>
-                                        <p:cTn id="12" dur="1" fill="hold">
-                                          <p:stCondLst>
-                                            <p:cond delay="0"/>
-                                          </p:stCondLst>
-                                        </p:cTn>
-                                        <p:tgtEl>
-                                          <p:spTgt spid="3">
-                                            <p:txEl>
-                                              <p:pRg st="6" end="6"/>
-                                            </p:txEl>
-                                          </p:spTgt>
-                                        </p:tgtEl>
-                                        <p:attrNameLst>
-                                          <p:attrName>style.visibility</p:attrName>
-                                        </p:attrNameLst>
-                                      </p:cBhvr>
-                                      <p:to>
-                                        <p:strVal val="visible"/>
-                                      </p:to>
-                                    </p:set>
-                                  </p:childTnLst>
-                                </p:cTn>
-                              </p:par>
-                              <p:par>
-                                <p:cTn id="13" presetID="1" presetClass="entr" presetSubtype="0" fill="hold" grpId="0" nodeType="withEffect">
-                                  <p:stCondLst>
-                                    <p:cond delay="0"/>
-                                  </p:stCondLst>
-                                  <p:childTnLst>
-                                    <p:set>
-                                      <p:cBhvr>
-                                        <p:cTn id="14" dur="1" fill="hold">
-                                          <p:stCondLst>
-                                            <p:cond delay="0"/>
-                                          </p:stCondLst>
-                                        </p:cTn>
-                                        <p:tgtEl>
-                                          <p:spTgt spid="14"/>
-                                        </p:tgtEl>
-                                        <p:attrNameLst>
-                                          <p:attrName>style.visibility</p:attrName>
-                                        </p:attrNameLst>
-                                      </p:cBhvr>
-                                      <p:to>
-                                        <p:strVal val="visible"/>
-                                      </p:to>
-                                    </p:set>
-                                  </p:childTnLst>
-                                </p:cTn>
-                              </p:par>
-                            </p:childTnLst>
-                          </p:cTn>
-                        </p:par>
-                      </p:childTnLst>
-                    </p:cTn>
-                  </p:par>
-                </p:childTnLst>
-              </p:cTn>
-              <p:prevCondLst>
-                <p:cond evt="onPrev" delay="0">
-                  <p:tgtEl>
-                    <p:sldTgt/>
-                  </p:tgtEl>
-                </p:cond>
-              </p:prevCondLst>
-              <p:nextCondLst>
-                <p:cond evt="onNext" delay="0">
-                  <p:tgtEl>
-                    <p:sldTgt/>
-                  </p:tgtEl>
-                </p:cond>
-              </p:nextCondLst>
-            </p:seq>
-          </p:childTnLst>
-        </p:cTn>
-      </p:par>
-    </p:tnLst>
-    <p:bldLst>
-      <p:bldP spid="13" grpId="0" animBg="1"/>
-      <p:bldP spid="14" grpId="0" animBg="1"/>
-    </p:bldLst>
-  </p:timing>
-</p:sld>
-</file>
-
-<file path=ppt/slides/slide30.xml><?xml version="1.0" encoding="utf-8"?>
+<file path=ppt/slides/slide27.xml><?xml version="1.0" encoding="utf-8"?>
 <p:sld xmlns:a="http://schemas.openxmlformats.org/drawingml/2006/main" xmlns:r="http://schemas.openxmlformats.org/officeDocument/2006/relationships" xmlns:p="http://schemas.openxmlformats.org/presentationml/2006/main">
   <p:cSld>
     <p:spTree>
@@ -30967,7 +28178,7 @@
             <a:fld id="{2BF067CD-8E6B-4360-9AA8-C5DF2A48A6D1}" type="slidenum">
               <a:rPr lang="en-US" noProof="0" smtClean="0"/>
               <a:pPr/>
-              <a:t>30</a:t>
+              <a:t>27</a:t>
             </a:fld>
             <a:endParaRPr lang="en-US" noProof="0" dirty="0"/>
           </a:p>
@@ -31318,7 +28529,7 @@
 </p:sld>
 </file>
 
-<file path=ppt/slides/slide31.xml><?xml version="1.0" encoding="utf-8"?>
+<file path=ppt/slides/slide28.xml><?xml version="1.0" encoding="utf-8"?>
 <p:sld xmlns:a="http://schemas.openxmlformats.org/drawingml/2006/main" xmlns:r="http://schemas.openxmlformats.org/officeDocument/2006/relationships" xmlns:p="http://schemas.openxmlformats.org/presentationml/2006/main">
   <p:cSld>
     <p:spTree>
@@ -31397,7 +28608,7 @@
 </p:sld>
 </file>
 
-<file path=ppt/slides/slide32.xml><?xml version="1.0" encoding="utf-8"?>
+<file path=ppt/slides/slide29.xml><?xml version="1.0" encoding="utf-8"?>
 <p:sld xmlns:a="http://schemas.openxmlformats.org/drawingml/2006/main" xmlns:r="http://schemas.openxmlformats.org/officeDocument/2006/relationships" xmlns:p="http://schemas.openxmlformats.org/presentationml/2006/main">
   <p:cSld>
     <p:spTree>
@@ -31661,7 +28872,7 @@
             <a:fld id="{2BF067CD-8E6B-4360-9AA8-C5DF2A48A6D1}" type="slidenum">
               <a:rPr lang="en-US" noProof="0" smtClean="0"/>
               <a:pPr/>
-              <a:t>32</a:t>
+              <a:t>29</a:t>
             </a:fld>
             <a:endParaRPr lang="en-US" noProof="0" dirty="0"/>
           </a:p>
@@ -31685,6 +28896,723 @@
       <p:transition spd="slow" advClick="0" advTm="5000"/>
     </mc:Fallback>
   </mc:AlternateContent>
+</p:sld>
+</file>
+
+<file path=ppt/slides/slide3.xml><?xml version="1.0" encoding="utf-8"?>
+<p:sld xmlns:a="http://schemas.openxmlformats.org/drawingml/2006/main" xmlns:r="http://schemas.openxmlformats.org/officeDocument/2006/relationships" xmlns:p="http://schemas.openxmlformats.org/presentationml/2006/main">
+  <p:cSld>
+    <p:spTree>
+      <p:nvGrpSpPr>
+        <p:cNvPr id="1" name=""/>
+        <p:cNvGrpSpPr/>
+        <p:nvPr/>
+      </p:nvGrpSpPr>
+      <p:grpSpPr>
+        <a:xfrm>
+          <a:off x="0" y="0"/>
+          <a:ext cx="0" cy="0"/>
+          <a:chOff x="0" y="0"/>
+          <a:chExt cx="0" cy="0"/>
+        </a:xfrm>
+      </p:grpSpPr>
+      <p:sp>
+        <p:nvSpPr>
+          <p:cNvPr id="3" name="Text Placeholder 2">
+            <a:extLst>
+              <a:ext uri="{FF2B5EF4-FFF2-40B4-BE49-F238E27FC236}">
+                <a16:creationId xmlns:a16="http://schemas.microsoft.com/office/drawing/2014/main" id="{791261C7-ED2C-46EA-BAC3-A969A6FCC16A}"/>
+              </a:ext>
+            </a:extLst>
+          </p:cNvPr>
+          <p:cNvSpPr>
+            <a:spLocks noGrp="1"/>
+          </p:cNvSpPr>
+          <p:nvPr>
+            <p:ph type="body" sz="quarter" idx="10"/>
+          </p:nvPr>
+        </p:nvSpPr>
+        <p:spPr/>
+        <p:txBody>
+          <a:bodyPr/>
+          <a:lstStyle/>
+          <a:p>
+            <a:r>
+              <a:rPr lang="bg-BG" dirty="0"/>
+              <a:t>Методи</a:t>
+            </a:r>
+            <a:r>
+              <a:rPr lang="en-US" dirty="0"/>
+              <a:t> </a:t>
+            </a:r>
+            <a:r>
+              <a:rPr lang="bg-BG" dirty="0"/>
+              <a:t>с кратко тяло може да се дефинират с оператора </a:t>
+            </a:r>
+            <a:r>
+              <a:rPr lang="en-US" b="1" dirty="0">
+                <a:solidFill>
+                  <a:schemeClr val="bg1"/>
+                </a:solidFill>
+              </a:rPr>
+              <a:t>=&gt;</a:t>
+            </a:r>
+            <a:r>
+              <a:rPr lang="en-US" dirty="0"/>
+              <a:t>:</a:t>
+            </a:r>
+          </a:p>
+          <a:p>
+            <a:endParaRPr lang="en-US" dirty="0"/>
+          </a:p>
+          <a:p>
+            <a:r>
+              <a:rPr lang="bg-BG" dirty="0"/>
+              <a:t>Този синтаксис е идентичен с</a:t>
+            </a:r>
+            <a:r>
+              <a:rPr lang="en-US" dirty="0"/>
+              <a:t>:</a:t>
+            </a:r>
+          </a:p>
+          <a:p>
+            <a:pPr>
+              <a:spcBef>
+                <a:spcPts val="0"/>
+              </a:spcBef>
+            </a:pPr>
+            <a:endParaRPr lang="en-US" dirty="0"/>
+          </a:p>
+          <a:p>
+            <a:pPr>
+              <a:spcBef>
+                <a:spcPts val="0"/>
+              </a:spcBef>
+            </a:pPr>
+            <a:endParaRPr lang="en-US" dirty="0"/>
+          </a:p>
+          <a:p>
+            <a:pPr>
+              <a:spcBef>
+                <a:spcPts val="0"/>
+              </a:spcBef>
+            </a:pPr>
+            <a:endParaRPr lang="en-US" dirty="0"/>
+          </a:p>
+          <a:p>
+            <a:r>
+              <a:rPr lang="bg-BG" dirty="0"/>
+              <a:t>Друг пример</a:t>
+            </a:r>
+            <a:r>
+              <a:rPr lang="en-US" dirty="0"/>
+              <a:t>:</a:t>
+            </a:r>
+          </a:p>
+        </p:txBody>
+      </p:sp>
+      <p:sp>
+        <p:nvSpPr>
+          <p:cNvPr id="4" name="Title 3">
+            <a:extLst>
+              <a:ext uri="{FF2B5EF4-FFF2-40B4-BE49-F238E27FC236}">
+                <a16:creationId xmlns:a16="http://schemas.microsoft.com/office/drawing/2014/main" id="{8FE4E9F0-1B3A-4CA8-B82D-8433950FD4DA}"/>
+              </a:ext>
+            </a:extLst>
+          </p:cNvPr>
+          <p:cNvSpPr>
+            <a:spLocks noGrp="1"/>
+          </p:cNvSpPr>
+          <p:nvPr>
+            <p:ph type="title"/>
+          </p:nvPr>
+        </p:nvSpPr>
+        <p:spPr/>
+        <p:txBody>
+          <a:bodyPr>
+            <a:normAutofit fontScale="90000"/>
+          </a:bodyPr>
+          <a:lstStyle/>
+          <a:p>
+            <a:r>
+              <a:rPr lang="bg-BG" dirty="0"/>
+              <a:t>Съкратен синтаксис за дефиниране на методи</a:t>
+            </a:r>
+            <a:endParaRPr lang="en-US" dirty="0"/>
+          </a:p>
+        </p:txBody>
+      </p:sp>
+      <p:sp>
+        <p:nvSpPr>
+          <p:cNvPr id="5" name="Rectangle 4">
+            <a:extLst>
+              <a:ext uri="{FF2B5EF4-FFF2-40B4-BE49-F238E27FC236}">
+                <a16:creationId xmlns:a16="http://schemas.microsoft.com/office/drawing/2014/main" id="{2ABA8E5C-FDEE-43EF-A245-96F3AE5FDCE5}"/>
+              </a:ext>
+            </a:extLst>
+          </p:cNvPr>
+          <p:cNvSpPr>
+            <a:spLocks noChangeArrowheads="1"/>
+          </p:cNvSpPr>
+          <p:nvPr/>
+        </p:nvSpPr>
+        <p:spPr bwMode="auto">
+          <a:xfrm>
+            <a:off x="695400" y="1899398"/>
+            <a:ext cx="10565048" cy="545374"/>
+          </a:xfrm>
+          <a:prstGeom prst="rect">
+            <a:avLst/>
+          </a:prstGeom>
+          <a:solidFill>
+            <a:srgbClr val="A3ABBC">
+              <a:alpha val="15000"/>
+            </a:srgbClr>
+          </a:solidFill>
+          <a:ln w="12700">
+            <a:solidFill>
+              <a:schemeClr val="accent5">
+                <a:lumMod val="60000"/>
+                <a:lumOff val="40000"/>
+              </a:schemeClr>
+            </a:solidFill>
+          </a:ln>
+        </p:spPr>
+        <p:txBody>
+          <a:bodyPr wrap="square" tIns="71981" bIns="71981">
+            <a:spAutoFit/>
+          </a:bodyPr>
+          <a:lstStyle/>
+          <a:p>
+            <a:pPr eaLnBrk="0" hangingPunct="0">
+              <a:buClr>
+                <a:schemeClr val="accent5">
+                  <a:lumMod val="40000"/>
+                  <a:lumOff val="60000"/>
+                </a:schemeClr>
+              </a:buClr>
+              <a:buSzPct val="70000"/>
+            </a:pPr>
+            <a:r>
+              <a:rPr lang="en-US" sz="2599" b="1" noProof="1">
+                <a:latin typeface="Consolas" pitchFamily="49" charset="0"/>
+                <a:cs typeface="Consolas" pitchFamily="49" charset="0"/>
+              </a:rPr>
+              <a:t>static int Sum(int a, int b) </a:t>
+            </a:r>
+            <a:r>
+              <a:rPr lang="en-US" sz="2599" b="1" noProof="1">
+                <a:solidFill>
+                  <a:srgbClr val="FFA000"/>
+                </a:solidFill>
+                <a:latin typeface="Consolas" pitchFamily="49" charset="0"/>
+                <a:cs typeface="Consolas" pitchFamily="49" charset="0"/>
+              </a:rPr>
+              <a:t>=&gt;</a:t>
+            </a:r>
+            <a:r>
+              <a:rPr lang="en-US" sz="2599" b="1" noProof="1">
+                <a:solidFill>
+                  <a:srgbClr val="234465"/>
+                </a:solidFill>
+                <a:latin typeface="Consolas" pitchFamily="49" charset="0"/>
+                <a:cs typeface="Consolas" pitchFamily="49" charset="0"/>
+              </a:rPr>
+              <a:t> </a:t>
+            </a:r>
+            <a:r>
+              <a:rPr lang="en-US" sz="2599" b="1" noProof="1">
+                <a:latin typeface="Consolas" pitchFamily="49" charset="0"/>
+                <a:cs typeface="Consolas" pitchFamily="49" charset="0"/>
+              </a:rPr>
+              <a:t>a + b;</a:t>
+            </a:r>
+          </a:p>
+        </p:txBody>
+      </p:sp>
+      <p:sp>
+        <p:nvSpPr>
+          <p:cNvPr id="13" name="Rectangle 12">
+            <a:extLst>
+              <a:ext uri="{FF2B5EF4-FFF2-40B4-BE49-F238E27FC236}">
+                <a16:creationId xmlns:a16="http://schemas.microsoft.com/office/drawing/2014/main" id="{2D1C7741-B523-404D-8841-3DDD2FE971DB}"/>
+              </a:ext>
+            </a:extLst>
+          </p:cNvPr>
+          <p:cNvSpPr>
+            <a:spLocks noChangeArrowheads="1"/>
+          </p:cNvSpPr>
+          <p:nvPr/>
+        </p:nvSpPr>
+        <p:spPr bwMode="auto">
+          <a:xfrm>
+            <a:off x="715528" y="3267788"/>
+            <a:ext cx="10565048" cy="1745389"/>
+          </a:xfrm>
+          <a:prstGeom prst="rect">
+            <a:avLst/>
+          </a:prstGeom>
+          <a:solidFill>
+            <a:srgbClr val="A3ABBC">
+              <a:alpha val="15000"/>
+            </a:srgbClr>
+          </a:solidFill>
+          <a:ln w="12700">
+            <a:solidFill>
+              <a:schemeClr val="accent5">
+                <a:lumMod val="60000"/>
+                <a:lumOff val="40000"/>
+              </a:schemeClr>
+            </a:solidFill>
+          </a:ln>
+        </p:spPr>
+        <p:txBody>
+          <a:bodyPr wrap="square" tIns="71981" bIns="71981">
+            <a:spAutoFit/>
+          </a:bodyPr>
+          <a:lstStyle/>
+          <a:p>
+            <a:pPr eaLnBrk="0" hangingPunct="0">
+              <a:buClr>
+                <a:schemeClr val="accent5">
+                  <a:lumMod val="40000"/>
+                  <a:lumOff val="60000"/>
+                </a:schemeClr>
+              </a:buClr>
+              <a:buSzPct val="70000"/>
+            </a:pPr>
+            <a:r>
+              <a:rPr lang="en-US" sz="2599" b="1" noProof="1">
+                <a:latin typeface="Consolas" pitchFamily="49" charset="0"/>
+                <a:cs typeface="Consolas" pitchFamily="49" charset="0"/>
+              </a:rPr>
+              <a:t>static int Sum(int a, int b) </a:t>
+            </a:r>
+            <a:br>
+              <a:rPr lang="en-US" sz="2599" b="1" noProof="1">
+                <a:solidFill>
+                  <a:srgbClr val="234465"/>
+                </a:solidFill>
+                <a:latin typeface="Consolas" pitchFamily="49" charset="0"/>
+                <a:cs typeface="Consolas" pitchFamily="49" charset="0"/>
+              </a:rPr>
+            </a:br>
+            <a:r>
+              <a:rPr lang="en-US" sz="2599" b="1" noProof="1">
+                <a:solidFill>
+                  <a:schemeClr val="bg1"/>
+                </a:solidFill>
+                <a:latin typeface="Consolas" pitchFamily="49" charset="0"/>
+                <a:cs typeface="Consolas" pitchFamily="49" charset="0"/>
+              </a:rPr>
+              <a:t>{</a:t>
+            </a:r>
+          </a:p>
+          <a:p>
+            <a:pPr eaLnBrk="0" hangingPunct="0">
+              <a:buClr>
+                <a:schemeClr val="accent5">
+                  <a:lumMod val="40000"/>
+                  <a:lumOff val="60000"/>
+                </a:schemeClr>
+              </a:buClr>
+              <a:buSzPct val="70000"/>
+            </a:pPr>
+            <a:r>
+              <a:rPr lang="en-US" sz="2599" b="1" noProof="1">
+                <a:solidFill>
+                  <a:srgbClr val="234465"/>
+                </a:solidFill>
+                <a:latin typeface="Consolas" pitchFamily="49" charset="0"/>
+                <a:cs typeface="Consolas" pitchFamily="49" charset="0"/>
+              </a:rPr>
+              <a:t>  </a:t>
+            </a:r>
+            <a:r>
+              <a:rPr lang="en-US" sz="2599" b="1" noProof="1">
+                <a:solidFill>
+                  <a:schemeClr val="bg1"/>
+                </a:solidFill>
+                <a:latin typeface="Consolas" pitchFamily="49" charset="0"/>
+                <a:cs typeface="Consolas" pitchFamily="49" charset="0"/>
+              </a:rPr>
+              <a:t>return</a:t>
+            </a:r>
+            <a:r>
+              <a:rPr lang="en-US" sz="2599" b="1" noProof="1">
+                <a:solidFill>
+                  <a:srgbClr val="234465"/>
+                </a:solidFill>
+                <a:latin typeface="Consolas" pitchFamily="49" charset="0"/>
+                <a:cs typeface="Consolas" pitchFamily="49" charset="0"/>
+              </a:rPr>
+              <a:t> </a:t>
+            </a:r>
+            <a:r>
+              <a:rPr lang="en-US" sz="2599" b="1" noProof="1">
+                <a:latin typeface="Consolas" pitchFamily="49" charset="0"/>
+                <a:cs typeface="Consolas" pitchFamily="49" charset="0"/>
+              </a:rPr>
+              <a:t>a + b;</a:t>
+            </a:r>
+          </a:p>
+          <a:p>
+            <a:pPr eaLnBrk="0" hangingPunct="0">
+              <a:buClr>
+                <a:schemeClr val="accent5">
+                  <a:lumMod val="40000"/>
+                  <a:lumOff val="60000"/>
+                </a:schemeClr>
+              </a:buClr>
+              <a:buSzPct val="70000"/>
+            </a:pPr>
+            <a:r>
+              <a:rPr lang="en-US" sz="2599" b="1" noProof="1">
+                <a:solidFill>
+                  <a:schemeClr val="bg1"/>
+                </a:solidFill>
+                <a:latin typeface="Consolas" pitchFamily="49" charset="0"/>
+                <a:cs typeface="Consolas" pitchFamily="49" charset="0"/>
+              </a:rPr>
+              <a:t>}</a:t>
+            </a:r>
+          </a:p>
+        </p:txBody>
+      </p:sp>
+      <p:sp>
+        <p:nvSpPr>
+          <p:cNvPr id="14" name="Rectangle 13">
+            <a:extLst>
+              <a:ext uri="{FF2B5EF4-FFF2-40B4-BE49-F238E27FC236}">
+                <a16:creationId xmlns:a16="http://schemas.microsoft.com/office/drawing/2014/main" id="{E2E20A75-6A46-4CD4-8C51-9D2C7621373C}"/>
+              </a:ext>
+            </a:extLst>
+          </p:cNvPr>
+          <p:cNvSpPr>
+            <a:spLocks noChangeArrowheads="1"/>
+          </p:cNvSpPr>
+          <p:nvPr/>
+        </p:nvSpPr>
+        <p:spPr bwMode="auto">
+          <a:xfrm>
+            <a:off x="715528" y="5858367"/>
+            <a:ext cx="10565048" cy="545374"/>
+          </a:xfrm>
+          <a:prstGeom prst="rect">
+            <a:avLst/>
+          </a:prstGeom>
+          <a:solidFill>
+            <a:srgbClr val="A3ABBC">
+              <a:alpha val="15000"/>
+            </a:srgbClr>
+          </a:solidFill>
+          <a:ln w="12700">
+            <a:solidFill>
+              <a:schemeClr val="accent5">
+                <a:lumMod val="60000"/>
+                <a:lumOff val="40000"/>
+              </a:schemeClr>
+            </a:solidFill>
+          </a:ln>
+        </p:spPr>
+        <p:txBody>
+          <a:bodyPr wrap="square" tIns="71981" bIns="71981">
+            <a:spAutoFit/>
+          </a:bodyPr>
+          <a:lstStyle/>
+          <a:p>
+            <a:pPr eaLnBrk="0" hangingPunct="0">
+              <a:buClr>
+                <a:schemeClr val="accent5">
+                  <a:lumMod val="40000"/>
+                  <a:lumOff val="60000"/>
+                </a:schemeClr>
+              </a:buClr>
+              <a:buSzPct val="70000"/>
+            </a:pPr>
+            <a:r>
+              <a:rPr lang="en-US" sz="2599" b="1" noProof="1">
+                <a:latin typeface="Consolas" pitchFamily="49" charset="0"/>
+                <a:cs typeface="Consolas" pitchFamily="49" charset="0"/>
+              </a:rPr>
+              <a:t>static void Print(int x) </a:t>
+            </a:r>
+            <a:r>
+              <a:rPr lang="en-US" sz="2599" b="1" noProof="1">
+                <a:solidFill>
+                  <a:srgbClr val="FFA000"/>
+                </a:solidFill>
+                <a:latin typeface="Consolas" pitchFamily="49" charset="0"/>
+                <a:cs typeface="Consolas" pitchFamily="49" charset="0"/>
+              </a:rPr>
+              <a:t>=&gt;</a:t>
+            </a:r>
+            <a:r>
+              <a:rPr lang="en-US" sz="2599" b="1" noProof="1">
+                <a:solidFill>
+                  <a:srgbClr val="234465"/>
+                </a:solidFill>
+                <a:latin typeface="Consolas" pitchFamily="49" charset="0"/>
+                <a:cs typeface="Consolas" pitchFamily="49" charset="0"/>
+              </a:rPr>
+              <a:t> </a:t>
+            </a:r>
+            <a:r>
+              <a:rPr lang="en-US" sz="2599" b="1" noProof="1">
+                <a:latin typeface="Consolas" pitchFamily="49" charset="0"/>
+                <a:cs typeface="Consolas" pitchFamily="49" charset="0"/>
+              </a:rPr>
+              <a:t>Console.WriteLine(x);</a:t>
+            </a:r>
+          </a:p>
+        </p:txBody>
+      </p:sp>
+      <p:sp>
+        <p:nvSpPr>
+          <p:cNvPr id="9" name="Slide Number">
+            <a:extLst>
+              <a:ext uri="{FF2B5EF4-FFF2-40B4-BE49-F238E27FC236}">
+                <a16:creationId xmlns:a16="http://schemas.microsoft.com/office/drawing/2014/main" id="{3642D210-84E4-4AC7-A90A-24F83835E316}"/>
+              </a:ext>
+            </a:extLst>
+          </p:cNvPr>
+          <p:cNvSpPr>
+            <a:spLocks noGrp="1"/>
+          </p:cNvSpPr>
+          <p:nvPr>
+            <p:ph type="sldNum" sz="quarter" idx="5"/>
+          </p:nvPr>
+        </p:nvSpPr>
+        <p:spPr>
+          <a:xfrm>
+            <a:off x="11753030" y="6507000"/>
+            <a:ext cx="367414" cy="297000"/>
+          </a:xfrm>
+          <a:prstGeom prst="rect">
+            <a:avLst/>
+          </a:prstGeom>
+        </p:spPr>
+        <p:txBody>
+          <a:bodyPr vert="horz" lIns="91440" tIns="45720" rIns="91440" bIns="45720" rtlCol="0" anchor="b"/>
+          <a:lstStyle>
+            <a:lvl1pPr algn="r">
+              <a:defRPr sz="1000"/>
+            </a:lvl1pPr>
+          </a:lstStyle>
+          <a:p>
+            <a:fld id="{2BF067CD-8E6B-4360-9AA8-C5DF2A48A6D1}" type="slidenum">
+              <a:rPr lang="en-US" noProof="0" smtClean="0"/>
+              <a:pPr/>
+              <a:t>3</a:t>
+            </a:fld>
+            <a:endParaRPr lang="en-US" noProof="0" dirty="0"/>
+          </a:p>
+        </p:txBody>
+      </p:sp>
+    </p:spTree>
+    <p:extLst>
+      <p:ext uri="{BB962C8B-B14F-4D97-AF65-F5344CB8AC3E}">
+        <p14:creationId xmlns:p14="http://schemas.microsoft.com/office/powerpoint/2010/main" val="2918585832"/>
+      </p:ext>
+    </p:extLst>
+  </p:cSld>
+  <p:clrMapOvr>
+    <a:masterClrMapping/>
+  </p:clrMapOvr>
+  <mc:AlternateContent xmlns:mc="http://schemas.openxmlformats.org/markup-compatibility/2006" xmlns:p14="http://schemas.microsoft.com/office/powerpoint/2010/main">
+    <mc:Choice Requires="p14">
+      <p:transition spd="slow" p14:dur="2000" advClick="0" advTm="5000"/>
+    </mc:Choice>
+    <mc:Fallback xmlns="">
+      <p:transition spd="slow" advClick="0" advTm="5000"/>
+    </mc:Fallback>
+  </mc:AlternateContent>
+  <p:timing>
+    <p:tnLst>
+      <p:par>
+        <p:cTn id="1" dur="indefinite" restart="never" nodeType="tmRoot">
+          <p:childTnLst>
+            <p:seq concurrent="1" nextAc="seek">
+              <p:cTn id="2" dur="indefinite" nodeType="mainSeq">
+                <p:childTnLst>
+                  <p:par>
+                    <p:cTn id="3" fill="hold">
+                      <p:stCondLst>
+                        <p:cond delay="indefinite"/>
+                      </p:stCondLst>
+                      <p:childTnLst>
+                        <p:par>
+                          <p:cTn id="4" fill="hold">
+                            <p:stCondLst>
+                              <p:cond delay="0"/>
+                            </p:stCondLst>
+                            <p:childTnLst>
+                              <p:par>
+                                <p:cTn id="5" presetID="1" presetClass="entr" presetSubtype="0" fill="hold" nodeType="clickEffect">
+                                  <p:stCondLst>
+                                    <p:cond delay="0"/>
+                                  </p:stCondLst>
+                                  <p:childTnLst>
+                                    <p:set>
+                                      <p:cBhvr>
+                                        <p:cTn id="6" dur="1" fill="hold">
+                                          <p:stCondLst>
+                                            <p:cond delay="0"/>
+                                          </p:stCondLst>
+                                        </p:cTn>
+                                        <p:tgtEl>
+                                          <p:spTgt spid="3">
+                                            <p:txEl>
+                                              <p:pRg st="2" end="2"/>
+                                            </p:txEl>
+                                          </p:spTgt>
+                                        </p:tgtEl>
+                                        <p:attrNameLst>
+                                          <p:attrName>style.visibility</p:attrName>
+                                        </p:attrNameLst>
+                                      </p:cBhvr>
+                                      <p:to>
+                                        <p:strVal val="visible"/>
+                                      </p:to>
+                                    </p:set>
+                                  </p:childTnLst>
+                                </p:cTn>
+                              </p:par>
+                              <p:par>
+                                <p:cTn id="7" presetID="1" presetClass="entr" presetSubtype="0" fill="hold" grpId="0" nodeType="withEffect">
+                                  <p:stCondLst>
+                                    <p:cond delay="0"/>
+                                  </p:stCondLst>
+                                  <p:childTnLst>
+                                    <p:set>
+                                      <p:cBhvr>
+                                        <p:cTn id="8" dur="1" fill="hold">
+                                          <p:stCondLst>
+                                            <p:cond delay="0"/>
+                                          </p:stCondLst>
+                                        </p:cTn>
+                                        <p:tgtEl>
+                                          <p:spTgt spid="13"/>
+                                        </p:tgtEl>
+                                        <p:attrNameLst>
+                                          <p:attrName>style.visibility</p:attrName>
+                                        </p:attrNameLst>
+                                      </p:cBhvr>
+                                      <p:to>
+                                        <p:strVal val="visible"/>
+                                      </p:to>
+                                    </p:set>
+                                  </p:childTnLst>
+                                </p:cTn>
+                              </p:par>
+                            </p:childTnLst>
+                          </p:cTn>
+                        </p:par>
+                      </p:childTnLst>
+                    </p:cTn>
+                  </p:par>
+                  <p:par>
+                    <p:cTn id="9" fill="hold">
+                      <p:stCondLst>
+                        <p:cond delay="indefinite"/>
+                      </p:stCondLst>
+                      <p:childTnLst>
+                        <p:par>
+                          <p:cTn id="10" fill="hold">
+                            <p:stCondLst>
+                              <p:cond delay="0"/>
+                            </p:stCondLst>
+                            <p:childTnLst>
+                              <p:par>
+                                <p:cTn id="11" presetID="1" presetClass="entr" presetSubtype="0" fill="hold" nodeType="clickEffect">
+                                  <p:stCondLst>
+                                    <p:cond delay="0"/>
+                                  </p:stCondLst>
+                                  <p:childTnLst>
+                                    <p:set>
+                                      <p:cBhvr>
+                                        <p:cTn id="12" dur="1" fill="hold">
+                                          <p:stCondLst>
+                                            <p:cond delay="0"/>
+                                          </p:stCondLst>
+                                        </p:cTn>
+                                        <p:tgtEl>
+                                          <p:spTgt spid="3">
+                                            <p:txEl>
+                                              <p:pRg st="6" end="6"/>
+                                            </p:txEl>
+                                          </p:spTgt>
+                                        </p:tgtEl>
+                                        <p:attrNameLst>
+                                          <p:attrName>style.visibility</p:attrName>
+                                        </p:attrNameLst>
+                                      </p:cBhvr>
+                                      <p:to>
+                                        <p:strVal val="visible"/>
+                                      </p:to>
+                                    </p:set>
+                                  </p:childTnLst>
+                                </p:cTn>
+                              </p:par>
+                              <p:par>
+                                <p:cTn id="13" presetID="1" presetClass="entr" presetSubtype="0" fill="hold" grpId="0" nodeType="withEffect">
+                                  <p:stCondLst>
+                                    <p:cond delay="0"/>
+                                  </p:stCondLst>
+                                  <p:childTnLst>
+                                    <p:set>
+                                      <p:cBhvr>
+                                        <p:cTn id="14" dur="1" fill="hold">
+                                          <p:stCondLst>
+                                            <p:cond delay="0"/>
+                                          </p:stCondLst>
+                                        </p:cTn>
+                                        <p:tgtEl>
+                                          <p:spTgt spid="14"/>
+                                        </p:tgtEl>
+                                        <p:attrNameLst>
+                                          <p:attrName>style.visibility</p:attrName>
+                                        </p:attrNameLst>
+                                      </p:cBhvr>
+                                      <p:to>
+                                        <p:strVal val="visible"/>
+                                      </p:to>
+                                    </p:set>
+                                  </p:childTnLst>
+                                </p:cTn>
+                              </p:par>
+                            </p:childTnLst>
+                          </p:cTn>
+                        </p:par>
+                      </p:childTnLst>
+                    </p:cTn>
+                  </p:par>
+                </p:childTnLst>
+              </p:cTn>
+              <p:prevCondLst>
+                <p:cond evt="onPrev" delay="0">
+                  <p:tgtEl>
+                    <p:sldTgt/>
+                  </p:tgtEl>
+                </p:cond>
+              </p:prevCondLst>
+              <p:nextCondLst>
+                <p:cond evt="onNext" delay="0">
+                  <p:tgtEl>
+                    <p:sldTgt/>
+                  </p:tgtEl>
+                </p:cond>
+              </p:nextCondLst>
+            </p:seq>
+          </p:childTnLst>
+        </p:cTn>
+      </p:par>
+    </p:tnLst>
+    <p:bldLst>
+      <p:bldP spid="13" grpId="0" animBg="1"/>
+      <p:bldP spid="14" grpId="0" animBg="1"/>
+    </p:bldLst>
+  </p:timing>
 </p:sld>
 </file>
 
@@ -31856,7 +29784,7 @@
         </p:nvSpPr>
         <p:spPr bwMode="auto">
           <a:xfrm>
-            <a:off x="1036064" y="3708622"/>
+            <a:off x="1036064" y="3455648"/>
             <a:ext cx="2248817" cy="953851"/>
           </a:xfrm>
           <a:prstGeom prst="rect">
@@ -31927,7 +29855,7 @@
         </p:nvSpPr>
         <p:spPr>
           <a:xfrm>
-            <a:off x="3629400" y="3995096"/>
+            <a:off x="3629400" y="3742122"/>
             <a:ext cx="457081" cy="380901"/>
           </a:xfrm>
           <a:prstGeom prst="rightArrow">
@@ -32047,7 +29975,7 @@
         </p:nvSpPr>
         <p:spPr bwMode="auto">
           <a:xfrm>
-            <a:off x="4431000" y="3924000"/>
+            <a:off x="4431000" y="3671026"/>
             <a:ext cx="7020000" cy="523092"/>
           </a:xfrm>
           <a:prstGeom prst="rect">
@@ -32109,7 +30037,7 @@
         </p:nvSpPr>
         <p:spPr bwMode="auto">
           <a:xfrm>
-            <a:off x="289153" y="5442567"/>
+            <a:off x="291000" y="4858413"/>
             <a:ext cx="11707520" cy="953851"/>
           </a:xfrm>
           <a:prstGeom prst="rect">
@@ -32182,6 +30110,53 @@
               </a:rPr>
               <a:t> Console.WriteLine($"{name} is studying in {grade} grade.");</a:t>
             </a:r>
+          </a:p>
+        </p:txBody>
+      </p:sp>
+      <p:sp>
+        <p:nvSpPr>
+          <p:cNvPr id="3" name="TextBox 2">
+            <a:extLst>
+              <a:ext uri="{FF2B5EF4-FFF2-40B4-BE49-F238E27FC236}">
+                <a16:creationId xmlns:a16="http://schemas.microsoft.com/office/drawing/2014/main" id="{3224BA17-A714-9A87-D88C-1923C8B825A5}"/>
+              </a:ext>
+            </a:extLst>
+          </p:cNvPr>
+          <p:cNvSpPr txBox="1"/>
+          <p:nvPr/>
+        </p:nvSpPr>
+        <p:spPr>
+          <a:xfrm>
+            <a:off x="801479" y="6209077"/>
+            <a:ext cx="10589042" cy="400006"/>
+          </a:xfrm>
+          <a:prstGeom prst="rect">
+            <a:avLst/>
+          </a:prstGeom>
+          <a:noFill/>
+        </p:spPr>
+        <p:txBody>
+          <a:bodyPr wrap="square" rtlCol="0">
+            <a:spAutoFit/>
+          </a:bodyPr>
+          <a:lstStyle/>
+          <a:p>
+            <a:pPr algn="ctr"/>
+            <a:r>
+              <a:rPr lang="bg-BG" sz="1999" dirty="0"/>
+              <a:t>Проверете решението си тук</a:t>
+            </a:r>
+            <a:r>
+              <a:rPr lang="en-US" sz="1999" dirty="0"/>
+              <a:t>: </a:t>
+            </a:r>
+            <a:r>
+              <a:rPr lang="en-US" sz="1999" dirty="0">
+                <a:hlinkClick r:id="rId2"/>
+              </a:rPr>
+              <a:t>https://judge.softuni.org/Contests/Practice/Index/3902#0</a:t>
+            </a:r>
+            <a:endParaRPr lang="en-US" sz="1999" dirty="0"/>
           </a:p>
         </p:txBody>
       </p:sp>
@@ -34015,63 +31990,33 @@
           <a:lstStyle/>
           <a:p>
             <a:r>
-              <a:rPr lang="bg-BG" dirty="0"/>
-              <a:t>Напишете метод, който получава</a:t>
-            </a:r>
-            <a:r>
-              <a:rPr lang="bg-BG" b="1" dirty="0"/>
-              <a:t> име</a:t>
-            </a:r>
-            <a:r>
-              <a:rPr lang="bg-BG" dirty="0"/>
-              <a:t>, </a:t>
-            </a:r>
-            <a:r>
-              <a:rPr lang="bg-BG" b="1" dirty="0"/>
-              <a:t>базова заплата</a:t>
-            </a:r>
-            <a:r>
-              <a:rPr lang="bg-BG" dirty="0"/>
-              <a:t> и </a:t>
-            </a:r>
-            <a:r>
-              <a:rPr lang="bg-BG" b="1" dirty="0"/>
-              <a:t>бонус заплащане </a:t>
-            </a:r>
-            <a:r>
-              <a:rPr lang="bg-BG" dirty="0"/>
-              <a:t>за даден служител</a:t>
-            </a:r>
-          </a:p>
-          <a:p>
-            <a:r>
               <a:rPr lang="bg-BG" sz="3600" dirty="0"/>
-              <a:t>Бонусът е </a:t>
-            </a:r>
-            <a:r>
-              <a:rPr lang="bg-BG" sz="3600" b="1" dirty="0"/>
-              <a:t>опционален</a:t>
+              <a:t>Създайте метод, който да </a:t>
+            </a:r>
+            <a:r>
+              <a:rPr lang="bg-BG" sz="3600" b="1" dirty="0">
+                <a:solidFill>
+                  <a:srgbClr val="FFA000"/>
+                </a:solidFill>
+              </a:rPr>
+              <a:t>отпечатва</a:t>
             </a:r>
             <a:r>
               <a:rPr lang="bg-BG" sz="3600" dirty="0"/>
-              <a:t>, т.е. може и да няма такъв, ако служителят не е постигнал достатъчно високи резултати</a:t>
-            </a:r>
-          </a:p>
-          <a:p>
+              <a:t> </a:t>
+            </a:r>
+            <a:r>
+              <a:rPr lang="bg-BG" sz="3600" b="1" dirty="0">
+                <a:solidFill>
+                  <a:srgbClr val="FFA000"/>
+                </a:solidFill>
+              </a:rPr>
+              <a:t>триъгълник</a:t>
+            </a:r>
             <a:r>
               <a:rPr lang="bg-BG" sz="3600" dirty="0"/>
-              <a:t>Отпечатайте </a:t>
-            </a:r>
-            <a:r>
-              <a:rPr lang="bg-BG" sz="3600" b="1" dirty="0"/>
-              <a:t>финалната заплата</a:t>
-            </a:r>
-            <a:r>
-              <a:rPr lang="bg-BG" sz="3600" dirty="0"/>
-              <a:t>, която е равна на сумата от базовата заплата и бонуса (ако има такъв)</a:t>
-            </a:r>
-          </a:p>
-          <a:p>
+              <a:t>, както е показано в следните примери:</a:t>
+            </a:r>
             <a:endParaRPr lang="en-US" sz="3600" dirty="0"/>
           </a:p>
         </p:txBody>
@@ -34106,380 +32051,14 @@
             </a:r>
             <a:r>
               <a:rPr lang="bg-BG" dirty="0"/>
-              <a:t>Бонус заплащане (1)</a:t>
+              <a:t>Отпечатване на триъгълник</a:t>
             </a:r>
           </a:p>
         </p:txBody>
       </p:sp>
       <p:sp>
         <p:nvSpPr>
-          <p:cNvPr id="15" name="Slide Number">
-            <a:extLst>
-              <a:ext uri="{FF2B5EF4-FFF2-40B4-BE49-F238E27FC236}">
-                <a16:creationId xmlns:a16="http://schemas.microsoft.com/office/drawing/2014/main" id="{1B4C30EF-4A85-4D85-B899-EE299D09CBB2}"/>
-              </a:ext>
-            </a:extLst>
-          </p:cNvPr>
-          <p:cNvSpPr>
-            <a:spLocks noGrp="1"/>
-          </p:cNvSpPr>
-          <p:nvPr>
-            <p:ph type="sldNum" sz="quarter" idx="5"/>
-          </p:nvPr>
-        </p:nvSpPr>
-        <p:spPr>
-          <a:xfrm>
-            <a:off x="11753030" y="6507000"/>
-            <a:ext cx="367414" cy="297000"/>
-          </a:xfrm>
-          <a:prstGeom prst="rect">
-            <a:avLst/>
-          </a:prstGeom>
-        </p:spPr>
-        <p:txBody>
-          <a:bodyPr vert="horz" lIns="91440" tIns="45720" rIns="91440" bIns="45720" rtlCol="0" anchor="b"/>
-          <a:lstStyle>
-            <a:lvl1pPr algn="r">
-              <a:defRPr sz="1000"/>
-            </a:lvl1pPr>
-          </a:lstStyle>
-          <a:p>
-            <a:fld id="{2BF067CD-8E6B-4360-9AA8-C5DF2A48A6D1}" type="slidenum">
-              <a:rPr lang="en-US" noProof="0" smtClean="0"/>
-              <a:pPr/>
-              <a:t>6</a:t>
-            </a:fld>
-            <a:endParaRPr lang="en-US" noProof="0" dirty="0"/>
-          </a:p>
-        </p:txBody>
-      </p:sp>
-    </p:spTree>
-    <p:extLst>
-      <p:ext uri="{BB962C8B-B14F-4D97-AF65-F5344CB8AC3E}">
-        <p14:creationId xmlns:p14="http://schemas.microsoft.com/office/powerpoint/2010/main" val="256090656"/>
-      </p:ext>
-    </p:extLst>
-  </p:cSld>
-  <p:clrMapOvr>
-    <a:masterClrMapping/>
-  </p:clrMapOvr>
-  <p:transition/>
-  <p:timing>
-    <p:tnLst>
-      <p:par>
-        <p:cTn id="1" dur="indefinite" restart="never" nodeType="tmRoot">
-          <p:childTnLst>
-            <p:seq concurrent="1" nextAc="seek">
-              <p:cTn id="2" dur="indefinite" nodeType="mainSeq">
-                <p:childTnLst>
-                  <p:par>
-                    <p:cTn id="3" fill="hold">
-                      <p:stCondLst>
-                        <p:cond delay="indefinite"/>
-                      </p:stCondLst>
-                      <p:childTnLst>
-                        <p:par>
-                          <p:cTn id="4" fill="hold">
-                            <p:stCondLst>
-                              <p:cond delay="0"/>
-                            </p:stCondLst>
-                            <p:childTnLst>
-                              <p:par>
-                                <p:cTn id="5" presetID="1" presetClass="entr" presetSubtype="0" fill="hold" nodeType="clickEffect">
-                                  <p:stCondLst>
-                                    <p:cond delay="0"/>
-                                  </p:stCondLst>
-                                  <p:childTnLst>
-                                    <p:set>
-                                      <p:cBhvr>
-                                        <p:cTn id="6" dur="1" fill="hold">
-                                          <p:stCondLst>
-                                            <p:cond delay="0"/>
-                                          </p:stCondLst>
-                                        </p:cTn>
-                                        <p:tgtEl>
-                                          <p:spTgt spid="576515">
-                                            <p:txEl>
-                                              <p:pRg st="0" end="0"/>
-                                            </p:txEl>
-                                          </p:spTgt>
-                                        </p:tgtEl>
-                                        <p:attrNameLst>
-                                          <p:attrName>style.visibility</p:attrName>
-                                        </p:attrNameLst>
-                                      </p:cBhvr>
-                                      <p:to>
-                                        <p:strVal val="visible"/>
-                                      </p:to>
-                                    </p:set>
-                                  </p:childTnLst>
-                                </p:cTn>
-                              </p:par>
-                            </p:childTnLst>
-                          </p:cTn>
-                        </p:par>
-                      </p:childTnLst>
-                    </p:cTn>
-                  </p:par>
-                  <p:par>
-                    <p:cTn id="7" fill="hold">
-                      <p:stCondLst>
-                        <p:cond delay="indefinite"/>
-                      </p:stCondLst>
-                      <p:childTnLst>
-                        <p:par>
-                          <p:cTn id="8" fill="hold">
-                            <p:stCondLst>
-                              <p:cond delay="0"/>
-                            </p:stCondLst>
-                            <p:childTnLst>
-                              <p:par>
-                                <p:cTn id="9" presetID="1" presetClass="entr" presetSubtype="0" fill="hold" nodeType="clickEffect">
-                                  <p:stCondLst>
-                                    <p:cond delay="0"/>
-                                  </p:stCondLst>
-                                  <p:childTnLst>
-                                    <p:set>
-                                      <p:cBhvr>
-                                        <p:cTn id="10" dur="1" fill="hold">
-                                          <p:stCondLst>
-                                            <p:cond delay="0"/>
-                                          </p:stCondLst>
-                                        </p:cTn>
-                                        <p:tgtEl>
-                                          <p:spTgt spid="576515">
-                                            <p:txEl>
-                                              <p:pRg st="1" end="1"/>
-                                            </p:txEl>
-                                          </p:spTgt>
-                                        </p:tgtEl>
-                                        <p:attrNameLst>
-                                          <p:attrName>style.visibility</p:attrName>
-                                        </p:attrNameLst>
-                                      </p:cBhvr>
-                                      <p:to>
-                                        <p:strVal val="visible"/>
-                                      </p:to>
-                                    </p:set>
-                                  </p:childTnLst>
-                                </p:cTn>
-                              </p:par>
-                            </p:childTnLst>
-                          </p:cTn>
-                        </p:par>
-                      </p:childTnLst>
-                    </p:cTn>
-                  </p:par>
-                  <p:par>
-                    <p:cTn id="11" fill="hold">
-                      <p:stCondLst>
-                        <p:cond delay="indefinite"/>
-                      </p:stCondLst>
-                      <p:childTnLst>
-                        <p:par>
-                          <p:cTn id="12" fill="hold">
-                            <p:stCondLst>
-                              <p:cond delay="0"/>
-                            </p:stCondLst>
-                            <p:childTnLst>
-                              <p:par>
-                                <p:cTn id="13" presetID="1" presetClass="entr" presetSubtype="0" fill="hold" nodeType="clickEffect">
-                                  <p:stCondLst>
-                                    <p:cond delay="0"/>
-                                  </p:stCondLst>
-                                  <p:childTnLst>
-                                    <p:set>
-                                      <p:cBhvr>
-                                        <p:cTn id="14" dur="1" fill="hold">
-                                          <p:stCondLst>
-                                            <p:cond delay="0"/>
-                                          </p:stCondLst>
-                                        </p:cTn>
-                                        <p:tgtEl>
-                                          <p:spTgt spid="576515">
-                                            <p:txEl>
-                                              <p:pRg st="2" end="2"/>
-                                            </p:txEl>
-                                          </p:spTgt>
-                                        </p:tgtEl>
-                                        <p:attrNameLst>
-                                          <p:attrName>style.visibility</p:attrName>
-                                        </p:attrNameLst>
-                                      </p:cBhvr>
-                                      <p:to>
-                                        <p:strVal val="visible"/>
-                                      </p:to>
-                                    </p:set>
-                                  </p:childTnLst>
-                                </p:cTn>
-                              </p:par>
-                            </p:childTnLst>
-                          </p:cTn>
-                        </p:par>
-                      </p:childTnLst>
-                    </p:cTn>
-                  </p:par>
-                </p:childTnLst>
-              </p:cTn>
-              <p:prevCondLst>
-                <p:cond evt="onPrev" delay="0">
-                  <p:tgtEl>
-                    <p:sldTgt/>
-                  </p:tgtEl>
-                </p:cond>
-              </p:prevCondLst>
-              <p:nextCondLst>
-                <p:cond evt="onNext" delay="0">
-                  <p:tgtEl>
-                    <p:sldTgt/>
-                  </p:tgtEl>
-                </p:cond>
-              </p:nextCondLst>
-            </p:seq>
-          </p:childTnLst>
-        </p:cTn>
-      </p:par>
-    </p:tnLst>
-  </p:timing>
-</p:sld>
-</file>
-
-<file path=ppt/slides/slide7.xml><?xml version="1.0" encoding="utf-8"?>
-<p:sld xmlns:a="http://schemas.openxmlformats.org/drawingml/2006/main" xmlns:r="http://schemas.openxmlformats.org/officeDocument/2006/relationships" xmlns:p="http://schemas.openxmlformats.org/presentationml/2006/main">
-  <p:cSld>
-    <p:spTree>
-      <p:nvGrpSpPr>
-        <p:cNvPr id="1" name=""/>
-        <p:cNvGrpSpPr/>
-        <p:nvPr/>
-      </p:nvGrpSpPr>
-      <p:grpSpPr>
-        <a:xfrm>
-          <a:off x="0" y="0"/>
-          <a:ext cx="0" cy="0"/>
-          <a:chOff x="0" y="0"/>
-          <a:chExt cx="0" cy="0"/>
-        </a:xfrm>
-      </p:grpSpPr>
-      <p:sp>
-        <p:nvSpPr>
-          <p:cNvPr id="576515" name="Rectangle 3"/>
-          <p:cNvSpPr>
-            <a:spLocks noGrp="1" noChangeArrowheads="1"/>
-          </p:cNvSpPr>
-          <p:nvPr>
-            <p:ph type="body" sz="quarter" idx="10"/>
-          </p:nvPr>
-        </p:nvSpPr>
-        <p:spPr>
-          <a:xfrm>
-            <a:off x="193480" y="1196706"/>
-            <a:ext cx="11811941" cy="5199712"/>
-          </a:xfrm>
-        </p:spPr>
-        <p:txBody>
-          <a:bodyPr>
-            <a:normAutofit/>
-          </a:bodyPr>
-          <a:lstStyle/>
-          <a:p>
-            <a:r>
-              <a:rPr lang="bg-BG" dirty="0"/>
-              <a:t>Примерен вход и изход:</a:t>
-            </a:r>
-            <a:endParaRPr lang="bg-BG" sz="3600" dirty="0"/>
-          </a:p>
-          <a:p>
-            <a:endParaRPr lang="en-US" sz="3600" dirty="0"/>
-          </a:p>
-        </p:txBody>
-      </p:sp>
-      <p:sp>
-        <p:nvSpPr>
-          <p:cNvPr id="576514" name="Rectangle 2"/>
-          <p:cNvSpPr>
-            <a:spLocks noGrp="1" noChangeArrowheads="1"/>
-          </p:cNvSpPr>
-          <p:nvPr>
-            <p:ph type="title"/>
-          </p:nvPr>
-        </p:nvSpPr>
-        <p:spPr>
-          <a:xfrm>
-            <a:off x="193483" y="101617"/>
-            <a:ext cx="9501096" cy="882424"/>
-          </a:xfrm>
-        </p:spPr>
-        <p:txBody>
-          <a:bodyPr/>
-          <a:lstStyle/>
-          <a:p>
-            <a:r>
-              <a:rPr lang="bg-BG" dirty="0"/>
-              <a:t>Задача</a:t>
-            </a:r>
-            <a:r>
-              <a:rPr lang="en-US" dirty="0"/>
-              <a:t>: </a:t>
-            </a:r>
-            <a:r>
-              <a:rPr lang="bg-BG" dirty="0"/>
-              <a:t>Бонус заплащане (2)</a:t>
-            </a:r>
-          </a:p>
-        </p:txBody>
-      </p:sp>
-      <p:sp>
-        <p:nvSpPr>
-          <p:cNvPr id="15" name="Slide Number">
-            <a:extLst>
-              <a:ext uri="{FF2B5EF4-FFF2-40B4-BE49-F238E27FC236}">
-                <a16:creationId xmlns:a16="http://schemas.microsoft.com/office/drawing/2014/main" id="{1B4C30EF-4A85-4D85-B899-EE299D09CBB2}"/>
-              </a:ext>
-            </a:extLst>
-          </p:cNvPr>
-          <p:cNvSpPr>
-            <a:spLocks noGrp="1"/>
-          </p:cNvSpPr>
-          <p:nvPr>
-            <p:ph type="sldNum" sz="quarter" idx="5"/>
-          </p:nvPr>
-        </p:nvSpPr>
-        <p:spPr>
-          <a:xfrm>
-            <a:off x="11753030" y="6507000"/>
-            <a:ext cx="367414" cy="297000"/>
-          </a:xfrm>
-          <a:prstGeom prst="rect">
-            <a:avLst/>
-          </a:prstGeom>
-        </p:spPr>
-        <p:txBody>
-          <a:bodyPr vert="horz" lIns="91440" tIns="45720" rIns="91440" bIns="45720" rtlCol="0" anchor="b"/>
-          <a:lstStyle>
-            <a:lvl1pPr algn="r">
-              <a:defRPr sz="1000"/>
-            </a:lvl1pPr>
-          </a:lstStyle>
-          <a:p>
-            <a:fld id="{2BF067CD-8E6B-4360-9AA8-C5DF2A48A6D1}" type="slidenum">
-              <a:rPr lang="en-US" noProof="0" smtClean="0"/>
-              <a:pPr/>
-              <a:t>7</a:t>
-            </a:fld>
-            <a:endParaRPr lang="en-US" noProof="0" dirty="0"/>
-          </a:p>
-        </p:txBody>
-      </p:sp>
-      <p:sp>
-        <p:nvSpPr>
-          <p:cNvPr id="2" name="Rectangle 1">
-            <a:extLst>
-              <a:ext uri="{FF2B5EF4-FFF2-40B4-BE49-F238E27FC236}">
-                <a16:creationId xmlns:a16="http://schemas.microsoft.com/office/drawing/2014/main" id="{DF64924D-43C3-9BA1-BAC6-E4412B977FE4}"/>
-              </a:ext>
-            </a:extLst>
-          </p:cNvPr>
+          <p:cNvPr id="7" name="Rectangle 6"/>
           <p:cNvSpPr>
             <a:spLocks noChangeArrowheads="1"/>
           </p:cNvSpPr>
@@ -34487,8 +32066,8 @@
         </p:nvSpPr>
         <p:spPr bwMode="auto">
           <a:xfrm>
-            <a:off x="495746" y="2501710"/>
-            <a:ext cx="3165920" cy="1384610"/>
+            <a:off x="3666685" y="3426452"/>
+            <a:ext cx="1447423" cy="2246184"/>
           </a:xfrm>
           <a:prstGeom prst="rect">
             <a:avLst/>
@@ -34515,7 +32094,7 @@
           </a:bodyPr>
           <a:lstStyle/>
           <a:p>
-            <a:pPr algn="ctr" eaLnBrk="0" hangingPunct="0">
+            <a:pPr eaLnBrk="0" hangingPunct="0">
               <a:buClr>
                 <a:schemeClr val="accent5">
                   <a:lumMod val="40000"/>
@@ -34525,14 +32104,14 @@
               <a:buSzPct val="70000"/>
             </a:pPr>
             <a:r>
-              <a:rPr lang="en-US" sz="2799" b="1" noProof="1">
+              <a:rPr lang="bg-BG" sz="2799" b="1" noProof="1">
                 <a:latin typeface="Consolas" panose="020B0609020204030204" pitchFamily="49" charset="0"/>
               </a:rPr>
-              <a:t>Peter Johnson</a:t>
-            </a:r>
-          </a:p>
-          <a:p>
-            <a:pPr algn="ctr" eaLnBrk="0" hangingPunct="0">
+              <a:t>1</a:t>
+            </a:r>
+          </a:p>
+          <a:p>
+            <a:pPr eaLnBrk="0" hangingPunct="0">
               <a:buClr>
                 <a:schemeClr val="accent5">
                   <a:lumMod val="40000"/>
@@ -34542,14 +32121,14 @@
               <a:buSzPct val="70000"/>
             </a:pPr>
             <a:r>
-              <a:rPr lang="en-US" sz="2799" b="1" noProof="1">
+              <a:rPr lang="bg-BG" sz="2799" b="1" noProof="1">
                 <a:latin typeface="Consolas" panose="020B0609020204030204" pitchFamily="49" charset="0"/>
               </a:rPr>
-              <a:t>1800</a:t>
-            </a:r>
-          </a:p>
-          <a:p>
-            <a:pPr algn="ctr" eaLnBrk="0" hangingPunct="0">
+              <a:t>1 2</a:t>
+            </a:r>
+          </a:p>
+          <a:p>
+            <a:pPr eaLnBrk="0" hangingPunct="0">
               <a:buClr>
                 <a:schemeClr val="accent5">
                   <a:lumMod val="40000"/>
@@ -34559,29 +32138,218 @@
               <a:buSzPct val="70000"/>
             </a:pPr>
             <a:r>
-              <a:rPr lang="en-US" sz="2799" b="1" noProof="1">
+              <a:rPr lang="bg-BG" sz="2799" b="1" noProof="1">
                 <a:latin typeface="Consolas" panose="020B0609020204030204" pitchFamily="49" charset="0"/>
               </a:rPr>
-              <a:t>100</a:t>
+              <a:t>1 2 3 </a:t>
+            </a:r>
+          </a:p>
+          <a:p>
+            <a:pPr eaLnBrk="0" hangingPunct="0">
+              <a:buClr>
+                <a:schemeClr val="accent5">
+                  <a:lumMod val="40000"/>
+                  <a:lumOff val="60000"/>
+                </a:schemeClr>
+              </a:buClr>
+              <a:buSzPct val="70000"/>
+            </a:pPr>
+            <a:r>
+              <a:rPr lang="bg-BG" sz="2799" b="1" noProof="1">
+                <a:latin typeface="Consolas" panose="020B0609020204030204" pitchFamily="49" charset="0"/>
+              </a:rPr>
+              <a:t>1 2 </a:t>
+            </a:r>
+          </a:p>
+          <a:p>
+            <a:pPr eaLnBrk="0" hangingPunct="0">
+              <a:buClr>
+                <a:schemeClr val="accent5">
+                  <a:lumMod val="40000"/>
+                  <a:lumOff val="60000"/>
+                </a:schemeClr>
+              </a:buClr>
+              <a:buSzPct val="70000"/>
+            </a:pPr>
+            <a:r>
+              <a:rPr lang="bg-BG" sz="2799" b="1" noProof="1">
+                <a:latin typeface="Consolas" panose="020B0609020204030204" pitchFamily="49" charset="0"/>
+              </a:rPr>
+              <a:t>1</a:t>
             </a:r>
           </a:p>
         </p:txBody>
       </p:sp>
       <p:sp>
         <p:nvSpPr>
-          <p:cNvPr id="3" name="Right Arrow 2">
-            <a:extLst>
-              <a:ext uri="{FF2B5EF4-FFF2-40B4-BE49-F238E27FC236}">
-                <a16:creationId xmlns:a16="http://schemas.microsoft.com/office/drawing/2014/main" id="{62F462B1-38C2-8A3E-D0E4-8A4B9AE74516}"/>
-              </a:ext>
-            </a:extLst>
-          </p:cNvPr>
+          <p:cNvPr id="9" name="Rectangle 8"/>
+          <p:cNvSpPr>
+            <a:spLocks noChangeArrowheads="1"/>
+          </p:cNvSpPr>
+          <p:nvPr/>
+        </p:nvSpPr>
+        <p:spPr bwMode="auto">
+          <a:xfrm>
+            <a:off x="8500842" y="3011351"/>
+            <a:ext cx="1791734" cy="3107733"/>
+          </a:xfrm>
+          <a:prstGeom prst="rect">
+            <a:avLst/>
+          </a:prstGeom>
+          <a:solidFill>
+            <a:schemeClr val="accent5">
+              <a:lumMod val="40000"/>
+              <a:lumOff val="60000"/>
+              <a:alpha val="20000"/>
+            </a:schemeClr>
+          </a:solidFill>
+          <a:ln w="12700">
+            <a:solidFill>
+              <a:schemeClr val="accent5">
+                <a:lumMod val="60000"/>
+                <a:lumOff val="40000"/>
+              </a:schemeClr>
+            </a:solidFill>
+          </a:ln>
+        </p:spPr>
+        <p:txBody>
+          <a:bodyPr wrap="square">
+            <a:spAutoFit/>
+          </a:bodyPr>
+          <a:lstStyle/>
+          <a:p>
+            <a:pPr eaLnBrk="0" hangingPunct="0">
+              <a:buClr>
+                <a:schemeClr val="accent5">
+                  <a:lumMod val="40000"/>
+                  <a:lumOff val="60000"/>
+                </a:schemeClr>
+              </a:buClr>
+              <a:buSzPct val="70000"/>
+            </a:pPr>
+            <a:r>
+              <a:rPr lang="bg-BG" sz="2799" b="1" noProof="1">
+                <a:latin typeface="Consolas" panose="020B0609020204030204" pitchFamily="49" charset="0"/>
+              </a:rPr>
+              <a:t>1</a:t>
+            </a:r>
+          </a:p>
+          <a:p>
+            <a:pPr eaLnBrk="0" hangingPunct="0">
+              <a:buClr>
+                <a:schemeClr val="accent5">
+                  <a:lumMod val="40000"/>
+                  <a:lumOff val="60000"/>
+                </a:schemeClr>
+              </a:buClr>
+              <a:buSzPct val="70000"/>
+            </a:pPr>
+            <a:r>
+              <a:rPr lang="bg-BG" sz="2799" b="1" noProof="1">
+                <a:latin typeface="Consolas" panose="020B0609020204030204" pitchFamily="49" charset="0"/>
+              </a:rPr>
+              <a:t>1 2</a:t>
+            </a:r>
+          </a:p>
+          <a:p>
+            <a:pPr eaLnBrk="0" hangingPunct="0">
+              <a:buClr>
+                <a:schemeClr val="accent5">
+                  <a:lumMod val="40000"/>
+                  <a:lumOff val="60000"/>
+                </a:schemeClr>
+              </a:buClr>
+              <a:buSzPct val="70000"/>
+            </a:pPr>
+            <a:r>
+              <a:rPr lang="bg-BG" sz="2799" b="1" noProof="1">
+                <a:latin typeface="Consolas" panose="020B0609020204030204" pitchFamily="49" charset="0"/>
+              </a:rPr>
+              <a:t>1 2 3 </a:t>
+            </a:r>
+          </a:p>
+          <a:p>
+            <a:pPr eaLnBrk="0" hangingPunct="0">
+              <a:buClr>
+                <a:schemeClr val="accent5">
+                  <a:lumMod val="40000"/>
+                  <a:lumOff val="60000"/>
+                </a:schemeClr>
+              </a:buClr>
+              <a:buSzPct val="70000"/>
+            </a:pPr>
+            <a:r>
+              <a:rPr lang="bg-BG" sz="2799" b="1" noProof="1">
+                <a:latin typeface="Consolas" panose="020B0609020204030204" pitchFamily="49" charset="0"/>
+              </a:rPr>
+              <a:t>1 2 3 4</a:t>
+            </a:r>
+          </a:p>
+          <a:p>
+            <a:pPr eaLnBrk="0" hangingPunct="0">
+              <a:buClr>
+                <a:schemeClr val="accent5">
+                  <a:lumMod val="40000"/>
+                  <a:lumOff val="60000"/>
+                </a:schemeClr>
+              </a:buClr>
+              <a:buSzPct val="70000"/>
+            </a:pPr>
+            <a:r>
+              <a:rPr lang="bg-BG" sz="2799" b="1" noProof="1">
+                <a:latin typeface="Consolas" panose="020B0609020204030204" pitchFamily="49" charset="0"/>
+              </a:rPr>
+              <a:t>1 2 3</a:t>
+            </a:r>
+          </a:p>
+          <a:p>
+            <a:pPr eaLnBrk="0" hangingPunct="0">
+              <a:buClr>
+                <a:schemeClr val="accent5">
+                  <a:lumMod val="40000"/>
+                  <a:lumOff val="60000"/>
+                </a:schemeClr>
+              </a:buClr>
+              <a:buSzPct val="70000"/>
+            </a:pPr>
+            <a:r>
+              <a:rPr lang="bg-BG" sz="2799" b="1" noProof="1">
+                <a:latin typeface="Consolas" panose="020B0609020204030204" pitchFamily="49" charset="0"/>
+              </a:rPr>
+              <a:t>1 2</a:t>
+            </a:r>
+          </a:p>
+          <a:p>
+            <a:pPr eaLnBrk="0" hangingPunct="0">
+              <a:buClr>
+                <a:schemeClr val="accent5">
+                  <a:lumMod val="40000"/>
+                  <a:lumOff val="60000"/>
+                </a:schemeClr>
+              </a:buClr>
+              <a:buSzPct val="70000"/>
+            </a:pPr>
+            <a:r>
+              <a:rPr lang="bg-BG" sz="2799" b="1" noProof="1">
+                <a:latin typeface="Consolas" panose="020B0609020204030204" pitchFamily="49" charset="0"/>
+              </a:rPr>
+              <a:t>1 </a:t>
+            </a:r>
+            <a:endParaRPr lang="en-US" sz="2799" b="1" noProof="1">
+              <a:latin typeface="Consolas" panose="020B0609020204030204" pitchFamily="49" charset="0"/>
+            </a:endParaRPr>
+          </a:p>
+        </p:txBody>
+      </p:sp>
+      <p:sp>
+        <p:nvSpPr>
+          <p:cNvPr id="11" name="Right Arrow 12"/>
           <p:cNvSpPr/>
           <p:nvPr/>
         </p:nvSpPr>
         <p:spPr>
           <a:xfrm>
-            <a:off x="3938876" y="3003564"/>
+            <a:off x="2916894" y="4445857"/>
             <a:ext cx="457081" cy="380901"/>
           </a:xfrm>
           <a:prstGeom prst="rightArrow">
@@ -34645,13 +32413,7 @@
       </p:sp>
       <p:sp>
         <p:nvSpPr>
-          <p:cNvPr id="4" name="Rectangle 3">
-            <a:extLst>
-              <a:ext uri="{FF2B5EF4-FFF2-40B4-BE49-F238E27FC236}">
-                <a16:creationId xmlns:a16="http://schemas.microsoft.com/office/drawing/2014/main" id="{1D21CF66-74D8-E1F4-1860-BB1072880A46}"/>
-              </a:ext>
-            </a:extLst>
-          </p:cNvPr>
+          <p:cNvPr id="12" name="Rectangle 11"/>
           <p:cNvSpPr>
             <a:spLocks noChangeArrowheads="1"/>
           </p:cNvSpPr>
@@ -34659,8 +32421,8 @@
         </p:nvSpPr>
         <p:spPr bwMode="auto">
           <a:xfrm>
-            <a:off x="4740475" y="2717090"/>
-            <a:ext cx="7020000" cy="953851"/>
+            <a:off x="6465138" y="4303673"/>
+            <a:ext cx="914162" cy="523084"/>
           </a:xfrm>
           <a:prstGeom prst="rect">
             <a:avLst/>
@@ -34687,68 +32449,6 @@
           </a:bodyPr>
           <a:lstStyle/>
           <a:p>
-            <a:pPr eaLnBrk="0" hangingPunct="0">
-              <a:buClr>
-                <a:schemeClr val="accent5">
-                  <a:lumMod val="40000"/>
-                  <a:lumOff val="60000"/>
-                </a:schemeClr>
-              </a:buClr>
-              <a:buSzPct val="70000"/>
-            </a:pPr>
-            <a:r>
-              <a:rPr lang="en-US" sz="2799" b="1" noProof="1">
-                <a:latin typeface="Consolas" panose="020B0609020204030204" pitchFamily="49" charset="0"/>
-              </a:rPr>
-              <a:t>Peter Johnson’s total salary is 1900 lv.</a:t>
-            </a:r>
-          </a:p>
-        </p:txBody>
-      </p:sp>
-      <p:sp>
-        <p:nvSpPr>
-          <p:cNvPr id="5" name="Rectangle 4">
-            <a:extLst>
-              <a:ext uri="{FF2B5EF4-FFF2-40B4-BE49-F238E27FC236}">
-                <a16:creationId xmlns:a16="http://schemas.microsoft.com/office/drawing/2014/main" id="{381A2A46-964E-6DB7-9CC6-E9E7AD0CD41D}"/>
-              </a:ext>
-            </a:extLst>
-          </p:cNvPr>
-          <p:cNvSpPr>
-            <a:spLocks noChangeArrowheads="1"/>
-          </p:cNvSpPr>
-          <p:nvPr/>
-        </p:nvSpPr>
-        <p:spPr bwMode="auto">
-          <a:xfrm>
-            <a:off x="502647" y="4689772"/>
-            <a:ext cx="3159019" cy="953851"/>
-          </a:xfrm>
-          <a:prstGeom prst="rect">
-            <a:avLst/>
-          </a:prstGeom>
-          <a:solidFill>
-            <a:schemeClr val="accent5">
-              <a:lumMod val="40000"/>
-              <a:lumOff val="60000"/>
-              <a:alpha val="20000"/>
-            </a:schemeClr>
-          </a:solidFill>
-          <a:ln w="12700">
-            <a:solidFill>
-              <a:schemeClr val="accent5">
-                <a:lumMod val="60000"/>
-                <a:lumOff val="40000"/>
-              </a:schemeClr>
-            </a:solidFill>
-          </a:ln>
-        </p:spPr>
-        <p:txBody>
-          <a:bodyPr wrap="square">
-            <a:spAutoFit/>
-          </a:bodyPr>
-          <a:lstStyle/>
-          <a:p>
             <a:pPr algn="ctr" eaLnBrk="0" hangingPunct="0">
               <a:buClr>
                 <a:schemeClr val="accent5">
@@ -34759,46 +32459,26 @@
               <a:buSzPct val="70000"/>
             </a:pPr>
             <a:r>
-              <a:rPr lang="en-US" sz="2799" b="1" noProof="1">
+              <a:rPr lang="bg-BG" sz="2799" b="1" noProof="1">
                 <a:latin typeface="Consolas" panose="020B0609020204030204" pitchFamily="49" charset="0"/>
               </a:rPr>
-              <a:t>Jayden Edwards</a:t>
-            </a:r>
-          </a:p>
-          <a:p>
-            <a:pPr algn="ctr" eaLnBrk="0" hangingPunct="0">
-              <a:buClr>
-                <a:schemeClr val="accent5">
-                  <a:lumMod val="40000"/>
-                  <a:lumOff val="60000"/>
-                </a:schemeClr>
-              </a:buClr>
-              <a:buSzPct val="70000"/>
-            </a:pPr>
-            <a:r>
-              <a:rPr lang="en-US" sz="2799" b="1" noProof="1">
-                <a:latin typeface="Consolas" panose="020B0609020204030204" pitchFamily="49" charset="0"/>
-              </a:rPr>
-              <a:t>5000</a:t>
-            </a:r>
+              <a:t>4</a:t>
+            </a:r>
+            <a:endParaRPr lang="en-US" sz="2799" b="1" noProof="1">
+              <a:latin typeface="Consolas" panose="020B0609020204030204" pitchFamily="49" charset="0"/>
+            </a:endParaRPr>
           </a:p>
         </p:txBody>
       </p:sp>
       <p:sp>
         <p:nvSpPr>
-          <p:cNvPr id="6" name="Right Arrow 5">
-            <a:extLst>
-              <a:ext uri="{FF2B5EF4-FFF2-40B4-BE49-F238E27FC236}">
-                <a16:creationId xmlns:a16="http://schemas.microsoft.com/office/drawing/2014/main" id="{5ADF87CC-125B-2C01-F117-6F61C651716F}"/>
-              </a:ext>
-            </a:extLst>
-          </p:cNvPr>
+          <p:cNvPr id="13" name="Right Arrow 12"/>
           <p:cNvSpPr/>
           <p:nvPr/>
         </p:nvSpPr>
         <p:spPr>
           <a:xfrm>
-            <a:off x="3938876" y="4976248"/>
+            <a:off x="7674332" y="4374766"/>
             <a:ext cx="457081" cy="380901"/>
           </a:xfrm>
           <a:prstGeom prst="rightArrow">
@@ -34862,13 +32542,7 @@
       </p:sp>
       <p:sp>
         <p:nvSpPr>
-          <p:cNvPr id="7" name="Rectangle 6">
-            <a:extLst>
-              <a:ext uri="{FF2B5EF4-FFF2-40B4-BE49-F238E27FC236}">
-                <a16:creationId xmlns:a16="http://schemas.microsoft.com/office/drawing/2014/main" id="{F8814129-98FD-ACDE-CEBD-AA1AD5B8FBB6}"/>
-              </a:ext>
-            </a:extLst>
-          </p:cNvPr>
+          <p:cNvPr id="16" name="Rectangle 15"/>
           <p:cNvSpPr>
             <a:spLocks noChangeArrowheads="1"/>
           </p:cNvSpPr>
@@ -34876,8 +32550,8 @@
         </p:nvSpPr>
         <p:spPr bwMode="auto">
           <a:xfrm>
-            <a:off x="4740475" y="4689774"/>
-            <a:ext cx="7020000" cy="953851"/>
+            <a:off x="1686000" y="4374759"/>
+            <a:ext cx="914162" cy="523084"/>
           </a:xfrm>
           <a:prstGeom prst="rect">
             <a:avLst/>
@@ -34904,7 +32578,7 @@
           </a:bodyPr>
           <a:lstStyle/>
           <a:p>
-            <a:pPr eaLnBrk="0" hangingPunct="0">
+            <a:pPr algn="ctr" eaLnBrk="0" hangingPunct="0">
               <a:buClr>
                 <a:schemeClr val="accent5">
                   <a:lumMod val="40000"/>
@@ -34917,15 +32591,57 @@
               <a:rPr lang="en-US" sz="2799" b="1" noProof="1">
                 <a:latin typeface="Consolas" panose="020B0609020204030204" pitchFamily="49" charset="0"/>
               </a:rPr>
-              <a:t>Peter Johnson’s total salary is 1900 lv.</a:t>
-            </a:r>
+              <a:t>3</a:t>
+            </a:r>
+          </a:p>
+        </p:txBody>
+      </p:sp>
+      <p:sp>
+        <p:nvSpPr>
+          <p:cNvPr id="15" name="Slide Number">
+            <a:extLst>
+              <a:ext uri="{FF2B5EF4-FFF2-40B4-BE49-F238E27FC236}">
+                <a16:creationId xmlns:a16="http://schemas.microsoft.com/office/drawing/2014/main" id="{1B4C30EF-4A85-4D85-B899-EE299D09CBB2}"/>
+              </a:ext>
+            </a:extLst>
+          </p:cNvPr>
+          <p:cNvSpPr>
+            <a:spLocks noGrp="1"/>
+          </p:cNvSpPr>
+          <p:nvPr>
+            <p:ph type="sldNum" sz="quarter" idx="5"/>
+          </p:nvPr>
+        </p:nvSpPr>
+        <p:spPr>
+          <a:xfrm>
+            <a:off x="11753030" y="6507000"/>
+            <a:ext cx="367414" cy="297000"/>
+          </a:xfrm>
+          <a:prstGeom prst="rect">
+            <a:avLst/>
+          </a:prstGeom>
+        </p:spPr>
+        <p:txBody>
+          <a:bodyPr vert="horz" lIns="91440" tIns="45720" rIns="91440" bIns="45720" rtlCol="0" anchor="b"/>
+          <a:lstStyle>
+            <a:lvl1pPr algn="r">
+              <a:defRPr sz="1000"/>
+            </a:lvl1pPr>
+          </a:lstStyle>
+          <a:p>
+            <a:fld id="{2BF067CD-8E6B-4360-9AA8-C5DF2A48A6D1}" type="slidenum">
+              <a:rPr lang="en-US" noProof="0" smtClean="0"/>
+              <a:pPr/>
+              <a:t>6</a:t>
+            </a:fld>
+            <a:endParaRPr lang="en-US" noProof="0" dirty="0"/>
           </a:p>
         </p:txBody>
       </p:sp>
     </p:spTree>
     <p:extLst>
       <p:ext uri="{BB962C8B-B14F-4D97-AF65-F5344CB8AC3E}">
-        <p14:creationId xmlns:p14="http://schemas.microsoft.com/office/powerpoint/2010/main" val="1728754680"/>
+        <p14:creationId xmlns:p14="http://schemas.microsoft.com/office/powerpoint/2010/main" val="3168709462"/>
       </p:ext>
     </p:extLst>
   </p:cSld>
@@ -34933,295 +32649,10 @@
     <a:masterClrMapping/>
   </p:clrMapOvr>
   <p:transition/>
-  <p:timing>
-    <p:tnLst>
-      <p:par>
-        <p:cTn id="1" dur="indefinite" restart="never" nodeType="tmRoot">
-          <p:childTnLst>
-            <p:seq concurrent="1" nextAc="seek">
-              <p:cTn id="2" dur="indefinite" nodeType="mainSeq">
-                <p:childTnLst>
-                  <p:par>
-                    <p:cTn id="3" fill="hold">
-                      <p:stCondLst>
-                        <p:cond delay="indefinite"/>
-                      </p:stCondLst>
-                      <p:childTnLst>
-                        <p:par>
-                          <p:cTn id="4" fill="hold">
-                            <p:stCondLst>
-                              <p:cond delay="0"/>
-                            </p:stCondLst>
-                            <p:childTnLst>
-                              <p:par>
-                                <p:cTn id="5" presetID="1" presetClass="entr" presetSubtype="0" fill="hold" nodeType="clickEffect">
-                                  <p:stCondLst>
-                                    <p:cond delay="0"/>
-                                  </p:stCondLst>
-                                  <p:childTnLst>
-                                    <p:set>
-                                      <p:cBhvr>
-                                        <p:cTn id="6" dur="1" fill="hold">
-                                          <p:stCondLst>
-                                            <p:cond delay="0"/>
-                                          </p:stCondLst>
-                                        </p:cTn>
-                                        <p:tgtEl>
-                                          <p:spTgt spid="576515">
-                                            <p:txEl>
-                                              <p:pRg st="0" end="0"/>
-                                            </p:txEl>
-                                          </p:spTgt>
-                                        </p:tgtEl>
-                                        <p:attrNameLst>
-                                          <p:attrName>style.visibility</p:attrName>
-                                        </p:attrNameLst>
-                                      </p:cBhvr>
-                                      <p:to>
-                                        <p:strVal val="visible"/>
-                                      </p:to>
-                                    </p:set>
-                                  </p:childTnLst>
-                                </p:cTn>
-                              </p:par>
-                            </p:childTnLst>
-                          </p:cTn>
-                        </p:par>
-                      </p:childTnLst>
-                    </p:cTn>
-                  </p:par>
-                  <p:par>
-                    <p:cTn id="7" fill="hold">
-                      <p:stCondLst>
-                        <p:cond delay="indefinite"/>
-                      </p:stCondLst>
-                      <p:childTnLst>
-                        <p:par>
-                          <p:cTn id="8" fill="hold">
-                            <p:stCondLst>
-                              <p:cond delay="0"/>
-                            </p:stCondLst>
-                            <p:childTnLst>
-                              <p:par>
-                                <p:cTn id="9" presetID="1" presetClass="entr" presetSubtype="0" fill="hold" grpId="0" nodeType="clickEffect">
-                                  <p:stCondLst>
-                                    <p:cond delay="0"/>
-                                  </p:stCondLst>
-                                  <p:childTnLst>
-                                    <p:set>
-                                      <p:cBhvr>
-                                        <p:cTn id="10" dur="1" fill="hold">
-                                          <p:stCondLst>
-                                            <p:cond delay="0"/>
-                                          </p:stCondLst>
-                                        </p:cTn>
-                                        <p:tgtEl>
-                                          <p:spTgt spid="2"/>
-                                        </p:tgtEl>
-                                        <p:attrNameLst>
-                                          <p:attrName>style.visibility</p:attrName>
-                                        </p:attrNameLst>
-                                      </p:cBhvr>
-                                      <p:to>
-                                        <p:strVal val="visible"/>
-                                      </p:to>
-                                    </p:set>
-                                  </p:childTnLst>
-                                </p:cTn>
-                              </p:par>
-                              <p:par>
-                                <p:cTn id="11" presetID="1" presetClass="entr" presetSubtype="0" fill="hold" grpId="0" nodeType="withEffect">
-                                  <p:stCondLst>
-                                    <p:cond delay="0"/>
-                                  </p:stCondLst>
-                                  <p:childTnLst>
-                                    <p:set>
-                                      <p:cBhvr>
-                                        <p:cTn id="12" dur="1" fill="hold">
-                                          <p:stCondLst>
-                                            <p:cond delay="0"/>
-                                          </p:stCondLst>
-                                        </p:cTn>
-                                        <p:tgtEl>
-                                          <p:spTgt spid="3"/>
-                                        </p:tgtEl>
-                                        <p:attrNameLst>
-                                          <p:attrName>style.visibility</p:attrName>
-                                        </p:attrNameLst>
-                                      </p:cBhvr>
-                                      <p:to>
-                                        <p:strVal val="visible"/>
-                                      </p:to>
-                                    </p:set>
-                                  </p:childTnLst>
-                                </p:cTn>
-                              </p:par>
-                              <p:par>
-                                <p:cTn id="13" presetID="1" presetClass="entr" presetSubtype="0" fill="hold" grpId="0" nodeType="withEffect">
-                                  <p:stCondLst>
-                                    <p:cond delay="0"/>
-                                  </p:stCondLst>
-                                  <p:childTnLst>
-                                    <p:set>
-                                      <p:cBhvr>
-                                        <p:cTn id="14" dur="1" fill="hold">
-                                          <p:stCondLst>
-                                            <p:cond delay="0"/>
-                                          </p:stCondLst>
-                                        </p:cTn>
-                                        <p:tgtEl>
-                                          <p:spTgt spid="4"/>
-                                        </p:tgtEl>
-                                        <p:attrNameLst>
-                                          <p:attrName>style.visibility</p:attrName>
-                                        </p:attrNameLst>
-                                      </p:cBhvr>
-                                      <p:to>
-                                        <p:strVal val="visible"/>
-                                      </p:to>
-                                    </p:set>
-                                  </p:childTnLst>
-                                </p:cTn>
-                              </p:par>
-                            </p:childTnLst>
-                          </p:cTn>
-                        </p:par>
-                      </p:childTnLst>
-                    </p:cTn>
-                  </p:par>
-                  <p:par>
-                    <p:cTn id="15" fill="hold">
-                      <p:stCondLst>
-                        <p:cond delay="indefinite"/>
-                      </p:stCondLst>
-                      <p:childTnLst>
-                        <p:par>
-                          <p:cTn id="16" fill="hold">
-                            <p:stCondLst>
-                              <p:cond delay="0"/>
-                            </p:stCondLst>
-                            <p:childTnLst>
-                              <p:par>
-                                <p:cTn id="17" presetID="1" presetClass="entr" presetSubtype="0" fill="hold" grpId="0" nodeType="clickEffect">
-                                  <p:stCondLst>
-                                    <p:cond delay="0"/>
-                                  </p:stCondLst>
-                                  <p:childTnLst>
-                                    <p:set>
-                                      <p:cBhvr>
-                                        <p:cTn id="18" dur="1" fill="hold">
-                                          <p:stCondLst>
-                                            <p:cond delay="0"/>
-                                          </p:stCondLst>
-                                        </p:cTn>
-                                        <p:tgtEl>
-                                          <p:spTgt spid="5"/>
-                                        </p:tgtEl>
-                                        <p:attrNameLst>
-                                          <p:attrName>style.visibility</p:attrName>
-                                        </p:attrNameLst>
-                                      </p:cBhvr>
-                                      <p:to>
-                                        <p:strVal val="visible"/>
-                                      </p:to>
-                                    </p:set>
-                                  </p:childTnLst>
-                                </p:cTn>
-                              </p:par>
-                              <p:par>
-                                <p:cTn id="19" presetID="1" presetClass="entr" presetSubtype="0" fill="hold" grpId="0" nodeType="withEffect">
-                                  <p:stCondLst>
-                                    <p:cond delay="0"/>
-                                  </p:stCondLst>
-                                  <p:childTnLst>
-                                    <p:set>
-                                      <p:cBhvr>
-                                        <p:cTn id="20" dur="1" fill="hold">
-                                          <p:stCondLst>
-                                            <p:cond delay="0"/>
-                                          </p:stCondLst>
-                                        </p:cTn>
-                                        <p:tgtEl>
-                                          <p:spTgt spid="6"/>
-                                        </p:tgtEl>
-                                        <p:attrNameLst>
-                                          <p:attrName>style.visibility</p:attrName>
-                                        </p:attrNameLst>
-                                      </p:cBhvr>
-                                      <p:to>
-                                        <p:strVal val="visible"/>
-                                      </p:to>
-                                    </p:set>
-                                  </p:childTnLst>
-                                </p:cTn>
-                              </p:par>
-                              <p:par>
-                                <p:cTn id="21" presetID="1" presetClass="entr" presetSubtype="0" fill="hold" grpId="0" nodeType="withEffect">
-                                  <p:stCondLst>
-                                    <p:cond delay="0"/>
-                                  </p:stCondLst>
-                                  <p:childTnLst>
-                                    <p:set>
-                                      <p:cBhvr>
-                                        <p:cTn id="22" dur="1" fill="hold">
-                                          <p:stCondLst>
-                                            <p:cond delay="0"/>
-                                          </p:stCondLst>
-                                        </p:cTn>
-                                        <p:tgtEl>
-                                          <p:spTgt spid="7"/>
-                                        </p:tgtEl>
-                                        <p:attrNameLst>
-                                          <p:attrName>style.visibility</p:attrName>
-                                        </p:attrNameLst>
-                                      </p:cBhvr>
-                                      <p:to>
-                                        <p:strVal val="visible"/>
-                                      </p:to>
-                                    </p:set>
-                                  </p:childTnLst>
-                                </p:cTn>
-                              </p:par>
-                            </p:childTnLst>
-                          </p:cTn>
-                        </p:par>
-                      </p:childTnLst>
-                    </p:cTn>
-                  </p:par>
-                </p:childTnLst>
-              </p:cTn>
-              <p:prevCondLst>
-                <p:cond evt="onPrev" delay="0">
-                  <p:tgtEl>
-                    <p:sldTgt/>
-                  </p:tgtEl>
-                </p:cond>
-              </p:prevCondLst>
-              <p:nextCondLst>
-                <p:cond evt="onNext" delay="0">
-                  <p:tgtEl>
-                    <p:sldTgt/>
-                  </p:tgtEl>
-                </p:cond>
-              </p:nextCondLst>
-            </p:seq>
-          </p:childTnLst>
-        </p:cTn>
-      </p:par>
-    </p:tnLst>
-    <p:bldLst>
-      <p:bldP spid="2" grpId="0" animBg="1"/>
-      <p:bldP spid="3" grpId="0" animBg="1"/>
-      <p:bldP spid="4" grpId="0" animBg="1"/>
-      <p:bldP spid="5" grpId="0" animBg="1"/>
-      <p:bldP spid="6" grpId="0" animBg="1"/>
-      <p:bldP spid="7" grpId="0" animBg="1"/>
-    </p:bldLst>
-  </p:timing>
 </p:sld>
 </file>
 
-<file path=ppt/slides/slide8.xml><?xml version="1.0" encoding="utf-8"?>
+<file path=ppt/slides/slide7.xml><?xml version="1.0" encoding="utf-8"?>
 <p:sld xmlns:a="http://schemas.openxmlformats.org/drawingml/2006/main" xmlns:r="http://schemas.openxmlformats.org/officeDocument/2006/relationships" xmlns:p="http://schemas.openxmlformats.org/presentationml/2006/main">
   <p:cSld>
     <p:spTree>
@@ -35372,19 +32803,7 @@
             </a:r>
             <a:r>
               <a:rPr lang="bg-BG" dirty="0"/>
-              <a:t>Бонус заплащане</a:t>
-            </a:r>
-            <a:r>
-              <a:rPr lang="en-US"/>
-              <a:t> </a:t>
-            </a:r>
-            <a:r>
-              <a:rPr lang="bg-BG"/>
-              <a:t>(</a:t>
-            </a:r>
-            <a:r>
-              <a:rPr lang="bg-BG" dirty="0"/>
-              <a:t>1)</a:t>
+              <a:t>Отпечатване на триъгълник (1)</a:t>
             </a:r>
             <a:endParaRPr lang="en-US" dirty="0"/>
           </a:p>
@@ -35820,7 +33239,7 @@
             <a:fld id="{2BF067CD-8E6B-4360-9AA8-C5DF2A48A6D1}" type="slidenum">
               <a:rPr lang="en-US" noProof="0" smtClean="0"/>
               <a:pPr/>
-              <a:t>8</a:t>
+              <a:t>7</a:t>
             </a:fld>
             <a:endParaRPr lang="en-US" noProof="0" dirty="0"/>
           </a:p>
@@ -35829,18 +33248,18 @@
     </p:spTree>
     <p:extLst>
       <p:ext uri="{BB962C8B-B14F-4D97-AF65-F5344CB8AC3E}">
-        <p14:creationId xmlns:p14="http://schemas.microsoft.com/office/powerpoint/2010/main" val="1920385080"/>
+        <p14:creationId xmlns:p14="http://schemas.microsoft.com/office/powerpoint/2010/main" val="300414193"/>
       </p:ext>
     </p:extLst>
   </p:cSld>
   <p:clrMapOvr>
     <a:masterClrMapping/>
   </p:clrMapOvr>
-  <mc:AlternateContent xmlns:mc="http://schemas.openxmlformats.org/markup-compatibility/2006">
-    <mc:Choice xmlns:p14="http://schemas.microsoft.com/office/powerpoint/2010/main" Requires="p14">
+  <mc:AlternateContent xmlns:mc="http://schemas.openxmlformats.org/markup-compatibility/2006" xmlns:p14="http://schemas.microsoft.com/office/powerpoint/2010/main">
+    <mc:Choice Requires="p14">
       <p:transition spd="slow" p14:dur="2000" advClick="0" advTm="5000"/>
     </mc:Choice>
-    <mc:Fallback>
+    <mc:Fallback xmlns="">
       <p:transition spd="slow" advClick="0" advTm="5000"/>
     </mc:Fallback>
   </mc:AlternateContent>
@@ -36098,7 +33517,7 @@
 </p:sld>
 </file>
 
-<file path=ppt/slides/slide9.xml><?xml version="1.0" encoding="utf-8"?>
+<file path=ppt/slides/slide8.xml><?xml version="1.0" encoding="utf-8"?>
 <p:sld xmlns:a="http://schemas.openxmlformats.org/drawingml/2006/main" xmlns:r="http://schemas.openxmlformats.org/officeDocument/2006/relationships" xmlns:p="http://schemas.openxmlformats.org/presentationml/2006/main">
   <p:cSld>
     <p:spTree>
@@ -36117,9 +33536,9 @@
       </p:grpSpPr>
       <p:sp>
         <p:nvSpPr>
-          <p:cNvPr id="576515" name="Rectangle 3"/>
+          <p:cNvPr id="3" name="Content Placeholder 2"/>
           <p:cNvSpPr>
-            <a:spLocks noGrp="1" noChangeArrowheads="1"/>
+            <a:spLocks noGrp="1"/>
           </p:cNvSpPr>
           <p:nvPr>
             <p:ph type="body" sz="quarter" idx="10"/>
@@ -36128,70 +33547,91 @@
         <p:spPr>
           <a:xfrm>
             <a:off x="193480" y="1196706"/>
-            <a:ext cx="11811941" cy="5199712"/>
+            <a:ext cx="11662520" cy="5199712"/>
           </a:xfrm>
         </p:spPr>
         <p:txBody>
-          <a:bodyPr>
-            <a:normAutofit/>
-          </a:bodyPr>
+          <a:bodyPr/>
           <a:lstStyle/>
           <a:p>
             <a:r>
-              <a:rPr lang="bg-BG" sz="3600" dirty="0"/>
-              <a:t>Създайте метод, който да </a:t>
-            </a:r>
-            <a:r>
-              <a:rPr lang="bg-BG" sz="3600" b="1" dirty="0">
+              <a:rPr lang="bg-BG" sz="3200" dirty="0"/>
+              <a:t>Създайте метод, който отпечатва </a:t>
+            </a:r>
+            <a:r>
+              <a:rPr lang="bg-BG" sz="3200" b="1" dirty="0">
                 <a:solidFill>
                   <a:srgbClr val="FFA000"/>
                 </a:solidFill>
               </a:rPr>
-              <a:t>отпечатва</a:t>
-            </a:r>
-            <a:r>
-              <a:rPr lang="bg-BG" sz="3600" dirty="0"/>
-              <a:t> </a:t>
-            </a:r>
-            <a:r>
-              <a:rPr lang="bg-BG" sz="3600" b="1" dirty="0">
+              <a:t>първата половина </a:t>
+            </a:r>
+            <a:r>
+              <a:rPr lang="bg-BG" sz="3200" dirty="0"/>
+              <a:t>(от </a:t>
+            </a:r>
+            <a:r>
+              <a:rPr lang="en-US" sz="3200" dirty="0"/>
+              <a:t>1 </a:t>
+            </a:r>
+            <a:r>
+              <a:rPr lang="bg-BG" sz="3200" dirty="0"/>
+              <a:t>до </a:t>
+            </a:r>
+            <a:r>
+              <a:rPr lang="en-US" sz="3200" dirty="0"/>
+              <a:t>n</a:t>
+            </a:r>
+            <a:r>
+              <a:rPr lang="bg-BG" sz="3200" dirty="0"/>
+              <a:t>) и след това </a:t>
+            </a:r>
+            <a:r>
+              <a:rPr lang="bg-BG" sz="3200" b="1" dirty="0">
                 <a:solidFill>
                   <a:srgbClr val="FFA000"/>
                 </a:solidFill>
               </a:rPr>
-              <a:t>триъгълник</a:t>
-            </a:r>
-            <a:r>
-              <a:rPr lang="bg-BG" sz="3600" dirty="0"/>
-              <a:t>, както е показано в следните примери:</a:t>
-            </a:r>
-            <a:endParaRPr lang="en-US" sz="3600" dirty="0"/>
+              <a:t>втората половина </a:t>
+            </a:r>
+            <a:r>
+              <a:rPr lang="bg-BG" sz="3200" dirty="0"/>
+              <a:t>(от </a:t>
+            </a:r>
+            <a:r>
+              <a:rPr lang="en-US" sz="3200" dirty="0"/>
+              <a:t>n – 1 </a:t>
+            </a:r>
+            <a:r>
+              <a:rPr lang="bg-BG" sz="3200" dirty="0"/>
+              <a:t>до 1) от триъгълника</a:t>
+            </a:r>
+            <a:r>
+              <a:rPr lang="en-US" sz="3200" dirty="0"/>
+              <a:t>:</a:t>
+            </a:r>
+            <a:endParaRPr lang="en-US" dirty="0"/>
           </a:p>
         </p:txBody>
       </p:sp>
       <p:sp>
         <p:nvSpPr>
-          <p:cNvPr id="576514" name="Rectangle 2"/>
+          <p:cNvPr id="4" name="Title 3"/>
           <p:cNvSpPr>
-            <a:spLocks noGrp="1" noChangeArrowheads="1"/>
+            <a:spLocks noGrp="1"/>
           </p:cNvSpPr>
           <p:nvPr>
             <p:ph type="title"/>
           </p:nvPr>
         </p:nvSpPr>
-        <p:spPr>
-          <a:xfrm>
-            <a:off x="193483" y="101617"/>
-            <a:ext cx="9501096" cy="882424"/>
-          </a:xfrm>
-        </p:spPr>
+        <p:spPr/>
         <p:txBody>
           <a:bodyPr/>
           <a:lstStyle/>
           <a:p>
             <a:r>
               <a:rPr lang="bg-BG" dirty="0"/>
-              <a:t>Задача</a:t>
+              <a:t>Решение</a:t>
             </a:r>
             <a:r>
               <a:rPr lang="en-US" dirty="0"/>
@@ -36199,14 +33639,19 @@
             </a:r>
             <a:r>
               <a:rPr lang="bg-BG" dirty="0"/>
-              <a:t>Отпечатване на триъгълник</a:t>
-            </a:r>
+              <a:t>Отпечатване на триъгълник </a:t>
+            </a:r>
+            <a:r>
+              <a:rPr lang="en-GB" dirty="0"/>
+              <a:t>(2)</a:t>
+            </a:r>
+            <a:endParaRPr lang="en-US" dirty="0"/>
           </a:p>
         </p:txBody>
       </p:sp>
       <p:sp>
         <p:nvSpPr>
-          <p:cNvPr id="7" name="Rectangle 6"/>
+          <p:cNvPr id="21" name="Rectangle 4"/>
           <p:cNvSpPr>
             <a:spLocks noChangeArrowheads="1"/>
           </p:cNvSpPr>
@@ -36214,18 +33659,16 @@
         </p:nvSpPr>
         <p:spPr bwMode="auto">
           <a:xfrm>
-            <a:off x="3666685" y="3426452"/>
-            <a:ext cx="1447423" cy="2246184"/>
+            <a:off x="1771982" y="2644608"/>
+            <a:ext cx="8648035" cy="3538508"/>
           </a:xfrm>
           <a:prstGeom prst="rect">
             <a:avLst/>
           </a:prstGeom>
           <a:solidFill>
-            <a:schemeClr val="accent5">
-              <a:lumMod val="40000"/>
-              <a:lumOff val="60000"/>
-              <a:alpha val="20000"/>
-            </a:schemeClr>
+            <a:srgbClr val="A3ABBC">
+              <a:alpha val="15000"/>
+            </a:srgbClr>
           </a:solidFill>
           <a:ln w="12700">
             <a:solidFill>
@@ -36252,10 +33695,54 @@
               <a:buSzPct val="70000"/>
             </a:pPr>
             <a:r>
-              <a:rPr lang="bg-BG" sz="2799" b="1" noProof="1">
-                <a:latin typeface="Consolas" panose="020B0609020204030204" pitchFamily="49" charset="0"/>
-              </a:rPr>
-              <a:t>1</a:t>
+              <a:rPr lang="en-GB" sz="2799" b="1" noProof="1">
+                <a:solidFill>
+                  <a:srgbClr val="234465"/>
+                </a:solidFill>
+                <a:latin typeface="Consolas" pitchFamily="49" charset="0"/>
+                <a:cs typeface="Consolas" pitchFamily="49" charset="0"/>
+              </a:rPr>
+              <a:t>static void </a:t>
+            </a:r>
+            <a:r>
+              <a:rPr lang="en-GB" sz="2799" b="1" noProof="1">
+                <a:solidFill>
+                  <a:srgbClr val="FFA000"/>
+                </a:solidFill>
+                <a:latin typeface="Consolas" pitchFamily="49" charset="0"/>
+                <a:cs typeface="Consolas" pitchFamily="49" charset="0"/>
+              </a:rPr>
+              <a:t>PrintTriangle</a:t>
+            </a:r>
+            <a:r>
+              <a:rPr lang="en-GB" sz="2799" b="1" noProof="1">
+                <a:solidFill>
+                  <a:srgbClr val="234465"/>
+                </a:solidFill>
+                <a:latin typeface="Consolas" pitchFamily="49" charset="0"/>
+                <a:cs typeface="Consolas" pitchFamily="49" charset="0"/>
+              </a:rPr>
+              <a:t>(</a:t>
+            </a:r>
+            <a:r>
+              <a:rPr lang="en-GB" sz="2799" b="1" noProof="1">
+                <a:solidFill>
+                  <a:srgbClr val="FFA000"/>
+                </a:solidFill>
+                <a:latin typeface="Consolas" pitchFamily="49" charset="0"/>
+                <a:cs typeface="Consolas" pitchFamily="49" charset="0"/>
+              </a:rPr>
+              <a:t>int n</a:t>
+            </a:r>
+            <a:r>
+              <a:rPr lang="en-GB" sz="2799" b="1" noProof="1">
+                <a:solidFill>
+                  <a:srgbClr val="234465"/>
+                </a:solidFill>
+                <a:latin typeface="Consolas" pitchFamily="49" charset="0"/>
+                <a:cs typeface="Consolas" pitchFamily="49" charset="0"/>
+              </a:rPr>
+              <a:t>)</a:t>
             </a:r>
           </a:p>
           <a:p>
@@ -36269,10 +33756,14 @@
               <a:buSzPct val="70000"/>
             </a:pPr>
             <a:r>
-              <a:rPr lang="bg-BG" sz="2799" b="1" noProof="1">
-                <a:latin typeface="Consolas" panose="020B0609020204030204" pitchFamily="49" charset="0"/>
-              </a:rPr>
-              <a:t>1 2</a:t>
+              <a:rPr lang="en-GB" sz="2799" b="1" noProof="1">
+                <a:solidFill>
+                  <a:srgbClr val="234465"/>
+                </a:solidFill>
+                <a:latin typeface="Consolas" pitchFamily="49" charset="0"/>
+                <a:cs typeface="Consolas" pitchFamily="49" charset="0"/>
+              </a:rPr>
+              <a:t>{</a:t>
             </a:r>
           </a:p>
           <a:p>
@@ -36286,10 +33777,14 @@
               <a:buSzPct val="70000"/>
             </a:pPr>
             <a:r>
-              <a:rPr lang="bg-BG" sz="2799" b="1" noProof="1">
-                <a:latin typeface="Consolas" panose="020B0609020204030204" pitchFamily="49" charset="0"/>
-              </a:rPr>
-              <a:t>1 2 3 </a:t>
+              <a:rPr lang="en-GB" sz="2799" b="1" noProof="1">
+                <a:solidFill>
+                  <a:srgbClr val="234465"/>
+                </a:solidFill>
+                <a:latin typeface="Consolas" pitchFamily="49" charset="0"/>
+                <a:cs typeface="Consolas" pitchFamily="49" charset="0"/>
+              </a:rPr>
+              <a:t>  for (int line = 1; line &lt;= n; line++)</a:t>
             </a:r>
           </a:p>
           <a:p>
@@ -36303,10 +33798,34 @@
               <a:buSzPct val="70000"/>
             </a:pPr>
             <a:r>
-              <a:rPr lang="bg-BG" sz="2799" b="1" noProof="1">
-                <a:latin typeface="Consolas" panose="020B0609020204030204" pitchFamily="49" charset="0"/>
-              </a:rPr>
-              <a:t>1 2 </a:t>
+              <a:rPr lang="en-GB" sz="2799" b="1" noProof="1">
+                <a:solidFill>
+                  <a:srgbClr val="234465"/>
+                </a:solidFill>
+                <a:latin typeface="Consolas" pitchFamily="49" charset="0"/>
+                <a:cs typeface="Consolas" pitchFamily="49" charset="0"/>
+              </a:rPr>
+              <a:t>    </a:t>
+            </a:r>
+            <a:r>
+              <a:rPr lang="en-GB" sz="2799" b="1" noProof="1">
+                <a:solidFill>
+                  <a:srgbClr val="FFA000"/>
+                </a:solidFill>
+                <a:latin typeface="Consolas" pitchFamily="49" charset="0"/>
+                <a:cs typeface="Consolas" pitchFamily="49" charset="0"/>
+              </a:rPr>
+              <a:t>PrintLine</a:t>
+            </a:r>
+            <a:r>
+              <a:rPr lang="en-GB" sz="2799" b="1" noProof="1">
+                <a:solidFill>
+                  <a:srgbClr val="234465"/>
+                </a:solidFill>
+                <a:latin typeface="Consolas" pitchFamily="49" charset="0"/>
+                <a:cs typeface="Consolas" pitchFamily="49" charset="0"/>
+              </a:rPr>
+              <a:t>(1, line);</a:t>
             </a:r>
           </a:p>
           <a:p>
@@ -36320,51 +33839,16 @@
               <a:buSzPct val="70000"/>
             </a:pPr>
             <a:r>
-              <a:rPr lang="bg-BG" sz="2799" b="1" noProof="1">
-                <a:latin typeface="Consolas" panose="020B0609020204030204" pitchFamily="49" charset="0"/>
-              </a:rPr>
-              <a:t>1</a:t>
-            </a:r>
-          </a:p>
-        </p:txBody>
-      </p:sp>
-      <p:sp>
-        <p:nvSpPr>
-          <p:cNvPr id="9" name="Rectangle 8"/>
-          <p:cNvSpPr>
-            <a:spLocks noChangeArrowheads="1"/>
-          </p:cNvSpPr>
-          <p:nvPr/>
-        </p:nvSpPr>
-        <p:spPr bwMode="auto">
-          <a:xfrm>
-            <a:off x="8500842" y="3011351"/>
-            <a:ext cx="1791734" cy="3107733"/>
-          </a:xfrm>
-          <a:prstGeom prst="rect">
-            <a:avLst/>
-          </a:prstGeom>
-          <a:solidFill>
-            <a:schemeClr val="accent5">
-              <a:lumMod val="40000"/>
-              <a:lumOff val="60000"/>
-              <a:alpha val="20000"/>
-            </a:schemeClr>
-          </a:solidFill>
-          <a:ln w="12700">
-            <a:solidFill>
-              <a:schemeClr val="accent5">
-                <a:lumMod val="60000"/>
-                <a:lumOff val="40000"/>
-              </a:schemeClr>
-            </a:solidFill>
-          </a:ln>
-        </p:spPr>
-        <p:txBody>
-          <a:bodyPr wrap="square">
-            <a:spAutoFit/>
-          </a:bodyPr>
-          <a:lstStyle/>
+              <a:rPr lang="en-GB" sz="2799" b="1" noProof="1">
+                <a:solidFill>
+                  <a:srgbClr val="234465"/>
+                </a:solidFill>
+                <a:latin typeface="Consolas" pitchFamily="49" charset="0"/>
+                <a:cs typeface="Consolas" pitchFamily="49" charset="0"/>
+              </a:rPr>
+              <a:t> </a:t>
+            </a:r>
+          </a:p>
           <a:p>
             <a:pPr eaLnBrk="0" hangingPunct="0">
               <a:buClr>
@@ -36376,10 +33860,14 @@
               <a:buSzPct val="70000"/>
             </a:pPr>
             <a:r>
-              <a:rPr lang="bg-BG" sz="2799" b="1" noProof="1">
-                <a:latin typeface="Consolas" panose="020B0609020204030204" pitchFamily="49" charset="0"/>
-              </a:rPr>
-              <a:t>1</a:t>
+              <a:rPr lang="en-GB" sz="2799" b="1" noProof="1">
+                <a:solidFill>
+                  <a:srgbClr val="234465"/>
+                </a:solidFill>
+                <a:latin typeface="Consolas" pitchFamily="49" charset="0"/>
+                <a:cs typeface="Consolas" pitchFamily="49" charset="0"/>
+              </a:rPr>
+              <a:t>  for (int line = n - 1; line &gt;= 1; line--)</a:t>
             </a:r>
           </a:p>
           <a:p>
@@ -36393,10 +33881,34 @@
               <a:buSzPct val="70000"/>
             </a:pPr>
             <a:r>
-              <a:rPr lang="bg-BG" sz="2799" b="1" noProof="1">
-                <a:latin typeface="Consolas" panose="020B0609020204030204" pitchFamily="49" charset="0"/>
-              </a:rPr>
-              <a:t>1 2</a:t>
+              <a:rPr lang="en-GB" sz="2799" b="1" noProof="1">
+                <a:solidFill>
+                  <a:srgbClr val="234465"/>
+                </a:solidFill>
+                <a:latin typeface="Consolas" pitchFamily="49" charset="0"/>
+                <a:cs typeface="Consolas" pitchFamily="49" charset="0"/>
+              </a:rPr>
+              <a:t>    </a:t>
+            </a:r>
+            <a:r>
+              <a:rPr lang="en-GB" sz="2799" b="1" noProof="1">
+                <a:solidFill>
+                  <a:srgbClr val="FFA000"/>
+                </a:solidFill>
+                <a:latin typeface="Consolas" pitchFamily="49" charset="0"/>
+                <a:cs typeface="Consolas" pitchFamily="49" charset="0"/>
+              </a:rPr>
+              <a:t>PrintLine</a:t>
+            </a:r>
+            <a:r>
+              <a:rPr lang="en-GB" sz="2799" b="1" noProof="1">
+                <a:solidFill>
+                  <a:srgbClr val="234465"/>
+                </a:solidFill>
+                <a:latin typeface="Consolas" pitchFamily="49" charset="0"/>
+                <a:cs typeface="Consolas" pitchFamily="49" charset="0"/>
+              </a:rPr>
+              <a:t>(1, line);</a:t>
             </a:r>
           </a:p>
           <a:p>
@@ -36410,98 +33922,44 @@
               <a:buSzPct val="70000"/>
             </a:pPr>
             <a:r>
-              <a:rPr lang="bg-BG" sz="2799" b="1" noProof="1">
-                <a:latin typeface="Consolas" panose="020B0609020204030204" pitchFamily="49" charset="0"/>
-              </a:rPr>
-              <a:t>1 2 3 </a:t>
-            </a:r>
-          </a:p>
-          <a:p>
-            <a:pPr eaLnBrk="0" hangingPunct="0">
-              <a:buClr>
-                <a:schemeClr val="accent5">
-                  <a:lumMod val="40000"/>
-                  <a:lumOff val="60000"/>
-                </a:schemeClr>
-              </a:buClr>
-              <a:buSzPct val="70000"/>
-            </a:pPr>
-            <a:r>
-              <a:rPr lang="bg-BG" sz="2799" b="1" noProof="1">
-                <a:latin typeface="Consolas" panose="020B0609020204030204" pitchFamily="49" charset="0"/>
-              </a:rPr>
-              <a:t>1 2 3 4</a:t>
-            </a:r>
-          </a:p>
-          <a:p>
-            <a:pPr eaLnBrk="0" hangingPunct="0">
-              <a:buClr>
-                <a:schemeClr val="accent5">
-                  <a:lumMod val="40000"/>
-                  <a:lumOff val="60000"/>
-                </a:schemeClr>
-              </a:buClr>
-              <a:buSzPct val="70000"/>
-            </a:pPr>
-            <a:r>
-              <a:rPr lang="bg-BG" sz="2799" b="1" noProof="1">
-                <a:latin typeface="Consolas" panose="020B0609020204030204" pitchFamily="49" charset="0"/>
-              </a:rPr>
-              <a:t>1 2 3</a:t>
-            </a:r>
-          </a:p>
-          <a:p>
-            <a:pPr eaLnBrk="0" hangingPunct="0">
-              <a:buClr>
-                <a:schemeClr val="accent5">
-                  <a:lumMod val="40000"/>
-                  <a:lumOff val="60000"/>
-                </a:schemeClr>
-              </a:buClr>
-              <a:buSzPct val="70000"/>
-            </a:pPr>
-            <a:r>
-              <a:rPr lang="bg-BG" sz="2799" b="1" noProof="1">
-                <a:latin typeface="Consolas" panose="020B0609020204030204" pitchFamily="49" charset="0"/>
-              </a:rPr>
-              <a:t>1 2</a:t>
-            </a:r>
-          </a:p>
-          <a:p>
-            <a:pPr eaLnBrk="0" hangingPunct="0">
-              <a:buClr>
-                <a:schemeClr val="accent5">
-                  <a:lumMod val="40000"/>
-                  <a:lumOff val="60000"/>
-                </a:schemeClr>
-              </a:buClr>
-              <a:buSzPct val="70000"/>
-            </a:pPr>
-            <a:r>
-              <a:rPr lang="bg-BG" sz="2799" b="1" noProof="1">
-                <a:latin typeface="Consolas" panose="020B0609020204030204" pitchFamily="49" charset="0"/>
-              </a:rPr>
-              <a:t>1 </a:t>
+              <a:rPr lang="en-GB" sz="2799" b="1" noProof="1">
+                <a:solidFill>
+                  <a:srgbClr val="234465"/>
+                </a:solidFill>
+                <a:latin typeface="Consolas" pitchFamily="49" charset="0"/>
+                <a:cs typeface="Consolas" pitchFamily="49" charset="0"/>
+              </a:rPr>
+              <a:t>}</a:t>
             </a:r>
             <a:endParaRPr lang="en-US" sz="2799" b="1" noProof="1">
-              <a:latin typeface="Consolas" panose="020B0609020204030204" pitchFamily="49" charset="0"/>
+              <a:solidFill>
+                <a:srgbClr val="234465"/>
+              </a:solidFill>
+              <a:latin typeface="Consolas" pitchFamily="49" charset="0"/>
+              <a:cs typeface="Consolas" pitchFamily="49" charset="0"/>
             </a:endParaRPr>
           </a:p>
         </p:txBody>
       </p:sp>
       <p:sp>
         <p:nvSpPr>
-          <p:cNvPr id="11" name="Right Arrow 12"/>
-          <p:cNvSpPr/>
+          <p:cNvPr id="7" name="AutoShape 23"/>
+          <p:cNvSpPr>
+            <a:spLocks noChangeArrowheads="1"/>
+          </p:cNvSpPr>
           <p:nvPr/>
         </p:nvSpPr>
-        <p:spPr>
+        <p:spPr bwMode="auto">
           <a:xfrm>
-            <a:off x="2916894" y="4445857"/>
-            <a:ext cx="457081" cy="380901"/>
+            <a:off x="8849742" y="2431306"/>
+            <a:ext cx="2275064" cy="978061"/>
           </a:xfrm>
-          <a:prstGeom prst="rightArrow">
-            <a:avLst/>
+          <a:prstGeom prst="wedgeRoundRectCallout">
+            <a:avLst>
+              <a:gd name="adj1" fmla="val -82489"/>
+              <a:gd name="adj2" fmla="val 1118"/>
+              <a:gd name="adj3" fmla="val 16667"/>
+            </a:avLst>
           </a:prstGeom>
           <a:solidFill>
             <a:schemeClr val="dk2">
@@ -36544,24 +34002,50 @@
           <a:lstStyle/>
           <a:p>
             <a:pPr algn="ctr"/>
-            <a:endParaRPr lang="en-US" sz="2799" b="1">
+            <a:r>
+              <a:rPr lang="bg-BG" sz="2799" b="1" dirty="0">
+                <a:solidFill>
+                  <a:schemeClr val="bg2"/>
+                </a:solidFill>
+              </a:rPr>
+              <a:t>Метод с </a:t>
+            </a:r>
+            <a:r>
+              <a:rPr lang="bg-BG" sz="2799" b="1" dirty="0">
+                <a:solidFill>
+                  <a:schemeClr val="bg1">
+                    <a:lumMod val="60000"/>
+                    <a:lumOff val="40000"/>
+                  </a:schemeClr>
+                </a:solidFill>
+              </a:rPr>
+              <a:t>параметър </a:t>
+            </a:r>
+            <a:r>
+              <a:rPr lang="en-US" sz="2799" b="1" dirty="0">
+                <a:solidFill>
+                  <a:schemeClr val="bg1">
+                    <a:lumMod val="60000"/>
+                    <a:lumOff val="40000"/>
+                  </a:schemeClr>
+                </a:solidFill>
+              </a:rPr>
+              <a:t>n</a:t>
+            </a:r>
+            <a:endParaRPr lang="en-US" sz="2799" b="1" noProof="1">
               <a:solidFill>
-                <a:srgbClr val="FFFFFF"/>
+                <a:schemeClr val="bg1">
+                  <a:lumMod val="60000"/>
+                  <a:lumOff val="40000"/>
+                </a:schemeClr>
               </a:solidFill>
-              <a:effectLst>
-                <a:outerShdw blurRad="38100" dist="38100" dir="2700000" algn="tl">
-                  <a:srgbClr val="000000">
-                    <a:alpha val="43137"/>
-                  </a:srgbClr>
-                </a:outerShdw>
-              </a:effectLst>
             </a:endParaRPr>
           </a:p>
         </p:txBody>
       </p:sp>
       <p:sp>
         <p:nvSpPr>
-          <p:cNvPr id="12" name="Rectangle 11"/>
+          <p:cNvPr id="9" name="AutoShape 23"/>
           <p:cNvSpPr>
             <a:spLocks noChangeArrowheads="1"/>
           </p:cNvSpPr>
@@ -36569,68 +34053,15 @@
         </p:nvSpPr>
         <p:spPr bwMode="auto">
           <a:xfrm>
-            <a:off x="6465138" y="4303673"/>
-            <a:ext cx="914162" cy="523084"/>
+            <a:off x="6763369" y="4033663"/>
+            <a:ext cx="2133044" cy="604202"/>
           </a:xfrm>
-          <a:prstGeom prst="rect">
-            <a:avLst/>
-          </a:prstGeom>
-          <a:solidFill>
-            <a:schemeClr val="accent5">
-              <a:lumMod val="40000"/>
-              <a:lumOff val="60000"/>
-              <a:alpha val="20000"/>
-            </a:schemeClr>
-          </a:solidFill>
-          <a:ln w="12700">
-            <a:solidFill>
-              <a:schemeClr val="accent5">
-                <a:lumMod val="60000"/>
-                <a:lumOff val="40000"/>
-              </a:schemeClr>
-            </a:solidFill>
-          </a:ln>
-        </p:spPr>
-        <p:txBody>
-          <a:bodyPr wrap="square">
-            <a:spAutoFit/>
-          </a:bodyPr>
-          <a:lstStyle/>
-          <a:p>
-            <a:pPr algn="ctr" eaLnBrk="0" hangingPunct="0">
-              <a:buClr>
-                <a:schemeClr val="accent5">
-                  <a:lumMod val="40000"/>
-                  <a:lumOff val="60000"/>
-                </a:schemeClr>
-              </a:buClr>
-              <a:buSzPct val="70000"/>
-            </a:pPr>
-            <a:r>
-              <a:rPr lang="bg-BG" sz="2799" b="1" noProof="1">
-                <a:latin typeface="Consolas" panose="020B0609020204030204" pitchFamily="49" charset="0"/>
-              </a:rPr>
-              <a:t>4</a:t>
-            </a:r>
-            <a:endParaRPr lang="en-US" sz="2799" b="1" noProof="1">
-              <a:latin typeface="Consolas" panose="020B0609020204030204" pitchFamily="49" charset="0"/>
-            </a:endParaRPr>
-          </a:p>
-        </p:txBody>
-      </p:sp>
-      <p:sp>
-        <p:nvSpPr>
-          <p:cNvPr id="13" name="Right Arrow 12"/>
-          <p:cNvSpPr/>
-          <p:nvPr/>
-        </p:nvSpPr>
-        <p:spPr>
-          <a:xfrm>
-            <a:off x="7674332" y="4374766"/>
-            <a:ext cx="457081" cy="380901"/>
-          </a:xfrm>
-          <a:prstGeom prst="rightArrow">
-            <a:avLst/>
+          <a:prstGeom prst="wedgeRoundRectCallout">
+            <a:avLst>
+              <a:gd name="adj1" fmla="val -62657"/>
+              <a:gd name="adj2" fmla="val -60818"/>
+              <a:gd name="adj3" fmla="val 16667"/>
+            </a:avLst>
           </a:prstGeom>
           <a:solidFill>
             <a:schemeClr val="dk2">
@@ -36673,24 +34104,33 @@
           <a:lstStyle/>
           <a:p>
             <a:pPr algn="ctr"/>
-            <a:endParaRPr lang="en-US" sz="2799" b="1">
+            <a:r>
+              <a:rPr lang="bg-BG" sz="2799" b="1" dirty="0">
+                <a:solidFill>
+                  <a:schemeClr val="bg2"/>
+                </a:solidFill>
+              </a:rPr>
+              <a:t>Редове</a:t>
+            </a:r>
+            <a:r>
+              <a:rPr lang="en-US" sz="2799" b="1" dirty="0">
+                <a:solidFill>
+                  <a:schemeClr val="bg2"/>
+                </a:solidFill>
+              </a:rPr>
+              <a:t> 1...n</a:t>
+            </a:r>
+            <a:endParaRPr lang="en-US" sz="2799" b="1" noProof="1">
               <a:solidFill>
-                <a:srgbClr val="FFFFFF"/>
+                <a:schemeClr val="bg2"/>
               </a:solidFill>
-              <a:effectLst>
-                <a:outerShdw blurRad="38100" dist="38100" dir="2700000" algn="tl">
-                  <a:srgbClr val="000000">
-                    <a:alpha val="43137"/>
-                  </a:srgbClr>
-                </a:outerShdw>
-              </a:effectLst>
             </a:endParaRPr>
           </a:p>
         </p:txBody>
       </p:sp>
       <p:sp>
         <p:nvSpPr>
-          <p:cNvPr id="16" name="Rectangle 15"/>
+          <p:cNvPr id="10" name="AutoShape 23"/>
           <p:cNvSpPr>
             <a:spLocks noChangeArrowheads="1"/>
           </p:cNvSpPr>
@@ -36698,58 +34138,134 @@
         </p:nvSpPr>
         <p:spPr bwMode="auto">
           <a:xfrm>
-            <a:off x="1686000" y="4374759"/>
-            <a:ext cx="914162" cy="523084"/>
+            <a:off x="6763368" y="5392889"/>
+            <a:ext cx="2613613" cy="604202"/>
+          </a:xfrm>
+          <a:prstGeom prst="wedgeRoundRectCallout">
+            <a:avLst>
+              <a:gd name="adj1" fmla="val -63107"/>
+              <a:gd name="adj2" fmla="val -57006"/>
+              <a:gd name="adj3" fmla="val 16667"/>
+            </a:avLst>
+          </a:prstGeom>
+          <a:solidFill>
+            <a:schemeClr val="dk2">
+              <a:alpha val="80000"/>
+            </a:schemeClr>
+          </a:solidFill>
+          <a:ln w="19050">
+            <a:solidFill>
+              <a:schemeClr val="tx1">
+                <a:lumMod val="75000"/>
+                <a:alpha val="80000"/>
+              </a:schemeClr>
+            </a:solidFill>
+          </a:ln>
+          <a:effectLst/>
+        </p:spPr>
+        <p:style>
+          <a:lnRef idx="2">
+            <a:schemeClr val="accent1">
+              <a:shade val="50000"/>
+            </a:schemeClr>
+          </a:lnRef>
+          <a:fillRef idx="1001">
+            <a:schemeClr val="dk2"/>
+          </a:fillRef>
+          <a:effectRef idx="0">
+            <a:schemeClr val="accent1"/>
+          </a:effectRef>
+          <a:fontRef idx="minor">
+            <a:schemeClr val="lt1"/>
+          </a:fontRef>
+        </p:style>
+        <p:txBody>
+          <a:bodyPr rot="0" spcFirstLastPara="0" vertOverflow="overflow" horzOverflow="overflow" vert="horz" wrap="square" lIns="91416" tIns="45708" rIns="91416" bIns="45708" numCol="1" spcCol="0" rtlCol="0" fromWordArt="0" anchor="ctr" anchorCtr="0" forceAA="0" compatLnSpc="1">
+            <a:prstTxWarp prst="textNoShape">
+              <a:avLst/>
+            </a:prstTxWarp>
+            <a:noAutofit/>
+          </a:bodyPr>
+          <a:lstStyle/>
+          <a:p>
+            <a:pPr algn="ctr"/>
+            <a:r>
+              <a:rPr lang="bg-BG" sz="2799" b="1" dirty="0">
+                <a:solidFill>
+                  <a:schemeClr val="bg2"/>
+                </a:solidFill>
+              </a:rPr>
+              <a:t>Редове</a:t>
+            </a:r>
+            <a:r>
+              <a:rPr lang="en-US" sz="2799" b="1" dirty="0">
+                <a:solidFill>
+                  <a:schemeClr val="bg2"/>
+                </a:solidFill>
+              </a:rPr>
+              <a:t> n - 1…1</a:t>
+            </a:r>
+            <a:endParaRPr lang="en-US" sz="2799" b="1" noProof="1">
+              <a:solidFill>
+                <a:schemeClr val="bg2"/>
+              </a:solidFill>
+            </a:endParaRPr>
+          </a:p>
+        </p:txBody>
+      </p:sp>
+      <p:sp>
+        <p:nvSpPr>
+          <p:cNvPr id="12" name="TextBox 11">
+            <a:extLst>
+              <a:ext uri="{FF2B5EF4-FFF2-40B4-BE49-F238E27FC236}">
+                <a16:creationId xmlns:a16="http://schemas.microsoft.com/office/drawing/2014/main" id="{E884311B-6D18-43C3-AFFF-041E4455E8E2}"/>
+              </a:ext>
+            </a:extLst>
+          </p:cNvPr>
+          <p:cNvSpPr txBox="1"/>
+          <p:nvPr/>
+        </p:nvSpPr>
+        <p:spPr>
+          <a:xfrm>
+            <a:off x="801479" y="6396418"/>
+            <a:ext cx="10589042" cy="400006"/>
           </a:xfrm>
           <a:prstGeom prst="rect">
             <a:avLst/>
           </a:prstGeom>
-          <a:solidFill>
-            <a:schemeClr val="accent5">
-              <a:lumMod val="40000"/>
-              <a:lumOff val="60000"/>
-              <a:alpha val="20000"/>
-            </a:schemeClr>
-          </a:solidFill>
-          <a:ln w="12700">
-            <a:solidFill>
-              <a:schemeClr val="accent5">
-                <a:lumMod val="60000"/>
-                <a:lumOff val="40000"/>
-              </a:schemeClr>
-            </a:solidFill>
-          </a:ln>
+          <a:noFill/>
         </p:spPr>
         <p:txBody>
-          <a:bodyPr wrap="square">
+          <a:bodyPr wrap="square" rtlCol="0">
             <a:spAutoFit/>
           </a:bodyPr>
           <a:lstStyle/>
           <a:p>
-            <a:pPr algn="ctr" eaLnBrk="0" hangingPunct="0">
-              <a:buClr>
-                <a:schemeClr val="accent5">
-                  <a:lumMod val="40000"/>
-                  <a:lumOff val="60000"/>
-                </a:schemeClr>
-              </a:buClr>
-              <a:buSzPct val="70000"/>
-            </a:pPr>
-            <a:r>
-              <a:rPr lang="en-US" sz="2799" b="1" noProof="1">
-                <a:latin typeface="Consolas" panose="020B0609020204030204" pitchFamily="49" charset="0"/>
-              </a:rPr>
-              <a:t>3</a:t>
-            </a:r>
+            <a:pPr algn="ctr"/>
+            <a:r>
+              <a:rPr lang="bg-BG" sz="1999" dirty="0"/>
+              <a:t>Проверете решението си тук</a:t>
+            </a:r>
+            <a:r>
+              <a:rPr lang="en-US" sz="1999" dirty="0"/>
+              <a:t>: </a:t>
+            </a:r>
+            <a:r>
+              <a:rPr lang="en-US" sz="1999" dirty="0">
+                <a:hlinkClick r:id="rId2"/>
+              </a:rPr>
+              <a:t>https://judge.softuni.org/Contests/Practice/Index/3902#2</a:t>
+            </a:r>
+            <a:endParaRPr lang="en-US" sz="1999" dirty="0"/>
           </a:p>
         </p:txBody>
       </p:sp>
       <p:sp>
         <p:nvSpPr>
-          <p:cNvPr id="15" name="Slide Number">
+          <p:cNvPr id="11" name="Slide Number">
             <a:extLst>
               <a:ext uri="{FF2B5EF4-FFF2-40B4-BE49-F238E27FC236}">
-                <a16:creationId xmlns:a16="http://schemas.microsoft.com/office/drawing/2014/main" id="{1B4C30EF-4A85-4D85-B899-EE299D09CBB2}"/>
+                <a16:creationId xmlns:a16="http://schemas.microsoft.com/office/drawing/2014/main" id="{9A0A7452-6CC5-4E7F-ABBB-4D8E0379EA23}"/>
               </a:ext>
             </a:extLst>
           </p:cNvPr>
@@ -36780,7 +34296,7 @@
             <a:fld id="{2BF067CD-8E6B-4360-9AA8-C5DF2A48A6D1}" type="slidenum">
               <a:rPr lang="en-US" noProof="0" smtClean="0"/>
               <a:pPr/>
-              <a:t>9</a:t>
+              <a:t>8</a:t>
             </a:fld>
             <a:endParaRPr lang="en-US" noProof="0" dirty="0"/>
           </a:p>
@@ -36789,14 +34305,416 @@
     </p:spTree>
     <p:extLst>
       <p:ext uri="{BB962C8B-B14F-4D97-AF65-F5344CB8AC3E}">
-        <p14:creationId xmlns:p14="http://schemas.microsoft.com/office/powerpoint/2010/main" val="3168709462"/>
+        <p14:creationId xmlns:p14="http://schemas.microsoft.com/office/powerpoint/2010/main" val="697347793"/>
       </p:ext>
     </p:extLst>
   </p:cSld>
   <p:clrMapOvr>
     <a:masterClrMapping/>
   </p:clrMapOvr>
-  <p:transition/>
+  <mc:AlternateContent xmlns:mc="http://schemas.openxmlformats.org/markup-compatibility/2006" xmlns:p14="http://schemas.microsoft.com/office/powerpoint/2010/main">
+    <mc:Choice Requires="p14">
+      <p:transition spd="slow" p14:dur="2000" advClick="0" advTm="5000"/>
+    </mc:Choice>
+    <mc:Fallback xmlns="">
+      <p:transition spd="slow" advClick="0" advTm="5000"/>
+    </mc:Fallback>
+  </mc:AlternateContent>
+  <p:timing>
+    <p:tnLst>
+      <p:par>
+        <p:cTn id="1" dur="indefinite" restart="never" nodeType="tmRoot">
+          <p:childTnLst>
+            <p:seq concurrent="1" nextAc="seek">
+              <p:cTn id="2" dur="indefinite" nodeType="mainSeq">
+                <p:childTnLst>
+                  <p:par>
+                    <p:cTn id="3" fill="hold">
+                      <p:stCondLst>
+                        <p:cond delay="indefinite"/>
+                      </p:stCondLst>
+                      <p:childTnLst>
+                        <p:par>
+                          <p:cTn id="4" fill="hold">
+                            <p:stCondLst>
+                              <p:cond delay="0"/>
+                            </p:stCondLst>
+                            <p:childTnLst>
+                              <p:par>
+                                <p:cTn id="5" presetID="1" presetClass="entr" presetSubtype="0" fill="hold" grpId="0" nodeType="clickEffect">
+                                  <p:stCondLst>
+                                    <p:cond delay="0"/>
+                                  </p:stCondLst>
+                                  <p:childTnLst>
+                                    <p:set>
+                                      <p:cBhvr>
+                                        <p:cTn id="6" dur="1" fill="hold">
+                                          <p:stCondLst>
+                                            <p:cond delay="0"/>
+                                          </p:stCondLst>
+                                        </p:cTn>
+                                        <p:tgtEl>
+                                          <p:spTgt spid="7"/>
+                                        </p:tgtEl>
+                                        <p:attrNameLst>
+                                          <p:attrName>style.visibility</p:attrName>
+                                        </p:attrNameLst>
+                                      </p:cBhvr>
+                                      <p:to>
+                                        <p:strVal val="visible"/>
+                                      </p:to>
+                                    </p:set>
+                                  </p:childTnLst>
+                                </p:cTn>
+                              </p:par>
+                            </p:childTnLst>
+                          </p:cTn>
+                        </p:par>
+                      </p:childTnLst>
+                    </p:cTn>
+                  </p:par>
+                  <p:par>
+                    <p:cTn id="7" fill="hold">
+                      <p:stCondLst>
+                        <p:cond delay="indefinite"/>
+                      </p:stCondLst>
+                      <p:childTnLst>
+                        <p:par>
+                          <p:cTn id="8" fill="hold">
+                            <p:stCondLst>
+                              <p:cond delay="0"/>
+                            </p:stCondLst>
+                            <p:childTnLst>
+                              <p:par>
+                                <p:cTn id="9" presetID="1" presetClass="entr" presetSubtype="0" fill="hold" nodeType="clickEffect">
+                                  <p:stCondLst>
+                                    <p:cond delay="0"/>
+                                  </p:stCondLst>
+                                  <p:childTnLst>
+                                    <p:set>
+                                      <p:cBhvr>
+                                        <p:cTn id="10" dur="1" fill="hold">
+                                          <p:stCondLst>
+                                            <p:cond delay="0"/>
+                                          </p:stCondLst>
+                                        </p:cTn>
+                                        <p:tgtEl>
+                                          <p:spTgt spid="21">
+                                            <p:txEl>
+                                              <p:pRg st="2" end="2"/>
+                                            </p:txEl>
+                                          </p:spTgt>
+                                        </p:tgtEl>
+                                        <p:attrNameLst>
+                                          <p:attrName>style.visibility</p:attrName>
+                                        </p:attrNameLst>
+                                      </p:cBhvr>
+                                      <p:to>
+                                        <p:strVal val="visible"/>
+                                      </p:to>
+                                    </p:set>
+                                  </p:childTnLst>
+                                </p:cTn>
+                              </p:par>
+                              <p:par>
+                                <p:cTn id="11" presetID="1" presetClass="entr" presetSubtype="0" fill="hold" nodeType="withEffect">
+                                  <p:stCondLst>
+                                    <p:cond delay="0"/>
+                                  </p:stCondLst>
+                                  <p:childTnLst>
+                                    <p:set>
+                                      <p:cBhvr>
+                                        <p:cTn id="12" dur="1" fill="hold">
+                                          <p:stCondLst>
+                                            <p:cond delay="0"/>
+                                          </p:stCondLst>
+                                        </p:cTn>
+                                        <p:tgtEl>
+                                          <p:spTgt spid="21">
+                                            <p:txEl>
+                                              <p:pRg st="3" end="3"/>
+                                            </p:txEl>
+                                          </p:spTgt>
+                                        </p:tgtEl>
+                                        <p:attrNameLst>
+                                          <p:attrName>style.visibility</p:attrName>
+                                        </p:attrNameLst>
+                                      </p:cBhvr>
+                                      <p:to>
+                                        <p:strVal val="visible"/>
+                                      </p:to>
+                                    </p:set>
+                                  </p:childTnLst>
+                                </p:cTn>
+                              </p:par>
+                              <p:par>
+                                <p:cTn id="13" presetID="1" presetClass="entr" presetSubtype="0" fill="hold" grpId="0" nodeType="withEffect">
+                                  <p:stCondLst>
+                                    <p:cond delay="0"/>
+                                  </p:stCondLst>
+                                  <p:childTnLst>
+                                    <p:set>
+                                      <p:cBhvr>
+                                        <p:cTn id="14" dur="1" fill="hold">
+                                          <p:stCondLst>
+                                            <p:cond delay="0"/>
+                                          </p:stCondLst>
+                                        </p:cTn>
+                                        <p:tgtEl>
+                                          <p:spTgt spid="9"/>
+                                        </p:tgtEl>
+                                        <p:attrNameLst>
+                                          <p:attrName>style.visibility</p:attrName>
+                                        </p:attrNameLst>
+                                      </p:cBhvr>
+                                      <p:to>
+                                        <p:strVal val="visible"/>
+                                      </p:to>
+                                    </p:set>
+                                  </p:childTnLst>
+                                </p:cTn>
+                              </p:par>
+                            </p:childTnLst>
+                          </p:cTn>
+                        </p:par>
+                      </p:childTnLst>
+                    </p:cTn>
+                  </p:par>
+                  <p:par>
+                    <p:cTn id="15" fill="hold">
+                      <p:stCondLst>
+                        <p:cond delay="indefinite"/>
+                      </p:stCondLst>
+                      <p:childTnLst>
+                        <p:par>
+                          <p:cTn id="16" fill="hold">
+                            <p:stCondLst>
+                              <p:cond delay="0"/>
+                            </p:stCondLst>
+                            <p:childTnLst>
+                              <p:par>
+                                <p:cTn id="17" presetID="1" presetClass="entr" presetSubtype="0" fill="hold" nodeType="clickEffect">
+                                  <p:stCondLst>
+                                    <p:cond delay="0"/>
+                                  </p:stCondLst>
+                                  <p:childTnLst>
+                                    <p:set>
+                                      <p:cBhvr>
+                                        <p:cTn id="18" dur="1" fill="hold">
+                                          <p:stCondLst>
+                                            <p:cond delay="0"/>
+                                          </p:stCondLst>
+                                        </p:cTn>
+                                        <p:tgtEl>
+                                          <p:spTgt spid="21">
+                                            <p:txEl>
+                                              <p:pRg st="5" end="5"/>
+                                            </p:txEl>
+                                          </p:spTgt>
+                                        </p:tgtEl>
+                                        <p:attrNameLst>
+                                          <p:attrName>style.visibility</p:attrName>
+                                        </p:attrNameLst>
+                                      </p:cBhvr>
+                                      <p:to>
+                                        <p:strVal val="visible"/>
+                                      </p:to>
+                                    </p:set>
+                                  </p:childTnLst>
+                                </p:cTn>
+                              </p:par>
+                              <p:par>
+                                <p:cTn id="19" presetID="1" presetClass="entr" presetSubtype="0" fill="hold" nodeType="withEffect">
+                                  <p:stCondLst>
+                                    <p:cond delay="0"/>
+                                  </p:stCondLst>
+                                  <p:childTnLst>
+                                    <p:set>
+                                      <p:cBhvr>
+                                        <p:cTn id="20" dur="1" fill="hold">
+                                          <p:stCondLst>
+                                            <p:cond delay="0"/>
+                                          </p:stCondLst>
+                                        </p:cTn>
+                                        <p:tgtEl>
+                                          <p:spTgt spid="21">
+                                            <p:txEl>
+                                              <p:pRg st="6" end="6"/>
+                                            </p:txEl>
+                                          </p:spTgt>
+                                        </p:tgtEl>
+                                        <p:attrNameLst>
+                                          <p:attrName>style.visibility</p:attrName>
+                                        </p:attrNameLst>
+                                      </p:cBhvr>
+                                      <p:to>
+                                        <p:strVal val="visible"/>
+                                      </p:to>
+                                    </p:set>
+                                  </p:childTnLst>
+                                </p:cTn>
+                              </p:par>
+                              <p:par>
+                                <p:cTn id="21" presetID="1" presetClass="entr" presetSubtype="0" fill="hold" grpId="0" nodeType="withEffect">
+                                  <p:stCondLst>
+                                    <p:cond delay="0"/>
+                                  </p:stCondLst>
+                                  <p:childTnLst>
+                                    <p:set>
+                                      <p:cBhvr>
+                                        <p:cTn id="22" dur="1" fill="hold">
+                                          <p:stCondLst>
+                                            <p:cond delay="0"/>
+                                          </p:stCondLst>
+                                        </p:cTn>
+                                        <p:tgtEl>
+                                          <p:spTgt spid="10"/>
+                                        </p:tgtEl>
+                                        <p:attrNameLst>
+                                          <p:attrName>style.visibility</p:attrName>
+                                        </p:attrNameLst>
+                                      </p:cBhvr>
+                                      <p:to>
+                                        <p:strVal val="visible"/>
+                                      </p:to>
+                                    </p:set>
+                                  </p:childTnLst>
+                                </p:cTn>
+                              </p:par>
+                            </p:childTnLst>
+                          </p:cTn>
+                        </p:par>
+                      </p:childTnLst>
+                    </p:cTn>
+                  </p:par>
+                </p:childTnLst>
+              </p:cTn>
+              <p:prevCondLst>
+                <p:cond evt="onPrev" delay="0">
+                  <p:tgtEl>
+                    <p:sldTgt/>
+                  </p:tgtEl>
+                </p:cond>
+              </p:prevCondLst>
+              <p:nextCondLst>
+                <p:cond evt="onNext" delay="0">
+                  <p:tgtEl>
+                    <p:sldTgt/>
+                  </p:tgtEl>
+                </p:cond>
+              </p:nextCondLst>
+            </p:seq>
+          </p:childTnLst>
+        </p:cTn>
+      </p:par>
+    </p:tnLst>
+    <p:bldLst>
+      <p:bldP spid="7" grpId="0" animBg="1"/>
+      <p:bldP spid="9" grpId="0" animBg="1"/>
+      <p:bldP spid="10" grpId="0" animBg="1"/>
+    </p:bldLst>
+  </p:timing>
+</p:sld>
+</file>
+
+<file path=ppt/slides/slide9.xml><?xml version="1.0" encoding="utf-8"?>
+<p:sld xmlns:a="http://schemas.openxmlformats.org/drawingml/2006/main" xmlns:r="http://schemas.openxmlformats.org/officeDocument/2006/relationships" xmlns:p="http://schemas.openxmlformats.org/presentationml/2006/main">
+  <p:cSld>
+    <p:spTree>
+      <p:nvGrpSpPr>
+        <p:cNvPr id="1" name=""/>
+        <p:cNvGrpSpPr/>
+        <p:nvPr/>
+      </p:nvGrpSpPr>
+      <p:grpSpPr>
+        <a:xfrm>
+          <a:off x="0" y="0"/>
+          <a:ext cx="0" cy="0"/>
+          <a:chOff x="0" y="0"/>
+          <a:chExt cx="0" cy="0"/>
+        </a:xfrm>
+      </p:grpSpPr>
+      <p:sp>
+        <p:nvSpPr>
+          <p:cNvPr id="2" name="Заглавие 1">
+            <a:extLst>
+              <a:ext uri="{FF2B5EF4-FFF2-40B4-BE49-F238E27FC236}">
+                <a16:creationId xmlns:a16="http://schemas.microsoft.com/office/drawing/2014/main" id="{24ECB8A6-A89F-4CDB-8A98-639A227C910B}"/>
+              </a:ext>
+            </a:extLst>
+          </p:cNvPr>
+          <p:cNvSpPr>
+            <a:spLocks noGrp="1"/>
+          </p:cNvSpPr>
+          <p:nvPr>
+            <p:ph type="title" sz="quarter" idx="10"/>
+          </p:nvPr>
+        </p:nvSpPr>
+        <p:spPr/>
+        <p:txBody>
+          <a:bodyPr/>
+          <a:lstStyle/>
+          <a:p>
+            <a:r>
+              <a:rPr lang="bg-BG" dirty="0"/>
+              <a:t>Стек и динамична памет</a:t>
+            </a:r>
+          </a:p>
+        </p:txBody>
+      </p:sp>
+      <p:pic>
+        <p:nvPicPr>
+          <p:cNvPr id="6" name="Picture 5">
+            <a:extLst>
+              <a:ext uri="{FF2B5EF4-FFF2-40B4-BE49-F238E27FC236}">
+                <a16:creationId xmlns:a16="http://schemas.microsoft.com/office/drawing/2014/main" id="{98D66E65-1E18-4EF1-9AFB-D44F2B4DD917}"/>
+              </a:ext>
+            </a:extLst>
+          </p:cNvPr>
+          <p:cNvPicPr>
+            <a:picLocks noChangeAspect="1"/>
+          </p:cNvPicPr>
+          <p:nvPr/>
+        </p:nvPicPr>
+        <p:blipFill rotWithShape="1">
+          <a:blip r:embed="rId3" cstate="print">
+            <a:extLst>
+              <a:ext uri="{28A0092B-C50C-407E-A947-70E740481C1C}">
+                <a14:useLocalDpi xmlns:a14="http://schemas.microsoft.com/office/drawing/2010/main" val="0"/>
+              </a:ext>
+            </a:extLst>
+          </a:blip>
+          <a:srcRect/>
+          <a:stretch/>
+        </p:blipFill>
+        <p:spPr>
+          <a:xfrm>
+            <a:off x="4800937" y="1524496"/>
+            <a:ext cx="2818666" cy="2248698"/>
+          </a:xfrm>
+          <a:prstGeom prst="rect">
+            <a:avLst/>
+          </a:prstGeom>
+        </p:spPr>
+      </p:pic>
+    </p:spTree>
+    <p:extLst>
+      <p:ext uri="{BB962C8B-B14F-4D97-AF65-F5344CB8AC3E}">
+        <p14:creationId xmlns:p14="http://schemas.microsoft.com/office/powerpoint/2010/main" val="262827095"/>
+      </p:ext>
+    </p:extLst>
+  </p:cSld>
+  <p:clrMapOvr>
+    <a:masterClrMapping/>
+  </p:clrMapOvr>
+  <mc:AlternateContent xmlns:mc="http://schemas.openxmlformats.org/markup-compatibility/2006" xmlns:p14="http://schemas.microsoft.com/office/powerpoint/2010/main">
+    <mc:Choice Requires="p14">
+      <p:transition spd="slow" p14:dur="2000" advClick="0" advTm="5000"/>
+    </mc:Choice>
+    <mc:Fallback xmlns="">
+      <p:transition spd="slow" advClick="0" advTm="5000"/>
+    </mc:Fallback>
+  </mc:AlternateContent>
 </p:sld>
 </file>
 

--- a/Courses/Software-Sciences/Module-1-OOP/05.2-Methods-Advanced/05.2-Methods-Advanced.pptx
+++ b/Courses/Software-Sciences/Module-1-OOP/05.2-Methods-Advanced/05.2-Methods-Advanced.pptx
@@ -315,7 +315,7 @@
           <a:p>
             <a:fld id="{4E087215-0C8F-4762-A664-737A353EC9A4}" type="datetimeFigureOut">
               <a:rPr lang="bg-BG" smtClean="0"/>
-              <a:t>11.05.23 г.</a:t>
+              <a:t>17.05.23 г.</a:t>
             </a:fld>
             <a:endParaRPr lang="bg-BG"/>
           </a:p>
@@ -506,7 +506,7 @@
           <a:p>
             <a:fld id="{72D84649-876A-46C9-8472-14CB09C070D8}" type="datetimeFigureOut">
               <a:rPr lang="en-US" smtClean="0"/>
-              <a:t>5/11/23</a:t>
+              <a:t>5/17/23</a:t>
             </a:fld>
             <a:endParaRPr lang="en-US"/>
           </a:p>
@@ -24727,53 +24727,6 @@
               <a:t>(1)</a:t>
             </a:r>
             <a:endParaRPr lang="bg-BG" sz="3200" dirty="0"/>
-          </a:p>
-        </p:txBody>
-      </p:sp>
-      <p:sp>
-        <p:nvSpPr>
-          <p:cNvPr id="9" name="TextBox 8">
-            <a:extLst>
-              <a:ext uri="{FF2B5EF4-FFF2-40B4-BE49-F238E27FC236}">
-                <a16:creationId xmlns:a16="http://schemas.microsoft.com/office/drawing/2014/main" id="{B9A719A5-3E09-4063-AEF5-D2A315964F31}"/>
-              </a:ext>
-            </a:extLst>
-          </p:cNvPr>
-          <p:cNvSpPr txBox="1"/>
-          <p:nvPr/>
-        </p:nvSpPr>
-        <p:spPr>
-          <a:xfrm>
-            <a:off x="801479" y="6381328"/>
-            <a:ext cx="10589042" cy="400006"/>
-          </a:xfrm>
-          <a:prstGeom prst="rect">
-            <a:avLst/>
-          </a:prstGeom>
-          <a:noFill/>
-        </p:spPr>
-        <p:txBody>
-          <a:bodyPr wrap="square" rtlCol="0">
-            <a:spAutoFit/>
-          </a:bodyPr>
-          <a:lstStyle/>
-          <a:p>
-            <a:pPr algn="ctr"/>
-            <a:r>
-              <a:rPr lang="bg-BG" sz="1999" dirty="0"/>
-              <a:t>Проверете решението си тук</a:t>
-            </a:r>
-            <a:r>
-              <a:rPr lang="en-US" sz="1999" dirty="0"/>
-              <a:t>: </a:t>
-            </a:r>
-            <a:r>
-              <a:rPr lang="en-US" sz="1999" dirty="0">
-                <a:hlinkClick r:id="rId2"/>
-              </a:rPr>
-              <a:t>https://judge.softuni.org/Contests/Practice/Index/3902#4</a:t>
-            </a:r>
-            <a:endParaRPr lang="en-US" sz="1999" dirty="0"/>
           </a:p>
         </p:txBody>
       </p:sp>

--- a/Courses/Software-Sciences/Module-1-OOP/05.2-Methods-Advanced/05.2-Methods-Advanced.pptx
+++ b/Courses/Software-Sciences/Module-1-OOP/05.2-Methods-Advanced/05.2-Methods-Advanced.pptx
@@ -11,7 +11,7 @@
     <p:handoutMasterId r:id="rId32"/>
   </p:handoutMasterIdLst>
   <p:sldIdLst>
-    <p:sldId id="528" r:id="rId2"/>
+    <p:sldId id="627" r:id="rId2"/>
     <p:sldId id="529" r:id="rId3"/>
     <p:sldId id="583" r:id="rId4"/>
     <p:sldId id="589" r:id="rId5"/>
@@ -38,8 +38,8 @@
     <p:sldId id="581" r:id="rId26"/>
     <p:sldId id="582" r:id="rId27"/>
     <p:sldId id="534" r:id="rId28"/>
-    <p:sldId id="401" r:id="rId29"/>
-    <p:sldId id="587" r:id="rId30"/>
+    <p:sldId id="504" r:id="rId29"/>
+    <p:sldId id="505" r:id="rId30"/>
   </p:sldIdLst>
   <p:sldSz cx="12192000" cy="6858000"/>
   <p:notesSz cx="6858000" cy="9144000"/>
@@ -141,13 +141,13 @@
   <p:extLst>
     <p:ext uri="{521415D9-36F7-43E2-AB2F-B90AF26B5E84}">
       <p14:sectionLst xmlns:p14="http://schemas.microsoft.com/office/powerpoint/2010/main">
-        <p14:section name="Въведение" id="{F25EA1A7-1F4F-4CC0-A72B-BECA3007E0F9}">
+        <p14:section name="Въведение" id="{C5CD5016-2FE0-4E49-9E76-85579213A2B6}">
           <p14:sldIdLst>
-            <p14:sldId id="528"/>
+            <p14:sldId id="627"/>
             <p14:sldId id="529"/>
           </p14:sldIdLst>
         </p14:section>
-        <p14:section name="Методи с параметри" id="{9DB0CA9E-E806-4B1B-8A75-A669274E433E}">
+        <p14:section name="Методи с параметри" id="{C55BC249-A076-4A2F-AE94-866C5778AA86}">
           <p14:sldIdLst>
             <p14:sldId id="583"/>
             <p14:sldId id="589"/>
@@ -157,7 +157,7 @@
             <p14:sldId id="483"/>
           </p14:sldIdLst>
         </p14:section>
-        <p14:section name="Стойностни и референтни типове" id="{C38B1384-0BCC-4C4D-BEEA-463FDB8169D7}">
+        <p14:section name="Стойностни и референтни типове" id="{1BD9ACAA-90E7-4F6B-A243-7F387C59B66F}">
           <p14:sldIdLst>
             <p14:sldId id="473"/>
             <p14:sldId id="474"/>
@@ -168,7 +168,7 @@
             <p14:sldId id="561"/>
           </p14:sldIdLst>
         </p14:section>
-        <p14:section name="Връщане на стойности в метода" id="{2D2FCCA4-C068-409E-BD38-11BD0AD8481B}">
+        <p14:section name="Връщане на стойности в метода" id="{C463C7F9-9FC9-4A26-96F7-83BEFB62021E}">
           <p14:sldIdLst>
             <p14:sldId id="486"/>
             <p14:sldId id="588"/>
@@ -176,7 +176,7 @@
             <p14:sldId id="493"/>
           </p14:sldIdLst>
         </p14:section>
-        <p14:section name="Варианти на методи" id="{90CD876B-E8CD-4A7C-9BA3-A9669E84FF6A}">
+        <p14:section name="Варианти на методи" id="{6D0AD879-1D80-4121-B4BE-7E936284DCA5}">
           <p14:sldIdLst>
             <p14:sldId id="494"/>
             <p14:sldId id="495"/>
@@ -184,18 +184,18 @@
             <p14:sldId id="497"/>
           </p14:sldIdLst>
         </p14:section>
-        <p14:section name="Ред на изпълнение в програмата" id="{172491D3-CC80-44C5-BDE8-DAFCA2406F2E}">
+        <p14:section name="Ред на изпълнение в програмата" id="{D3DCA5EB-ADB8-492E-B112-4DC910BB4F06}">
           <p14:sldIdLst>
             <p14:sldId id="503"/>
             <p14:sldId id="581"/>
             <p14:sldId id="582"/>
           </p14:sldIdLst>
         </p14:section>
-        <p14:section name="Обобщение" id="{6BEDF033-806E-4EC6-BE39-AFFDE4DE2C9F}">
+        <p14:section name="Обобщение" id="{9523CD3D-1B50-4E3D-8B0F-02490AC4B0FB}">
           <p14:sldIdLst>
             <p14:sldId id="534"/>
-            <p14:sldId id="401"/>
-            <p14:sldId id="587"/>
+            <p14:sldId id="504"/>
+            <p14:sldId id="505"/>
           </p14:sldIdLst>
         </p14:section>
       </p14:sectionLst>
@@ -315,7 +315,7 @@
           <a:p>
             <a:fld id="{4E087215-0C8F-4762-A664-737A353EC9A4}" type="datetimeFigureOut">
               <a:rPr lang="bg-BG" smtClean="0"/>
-              <a:t>17.05.23 г.</a:t>
+              <a:t>29.09.23 г.</a:t>
             </a:fld>
             <a:endParaRPr lang="bg-BG"/>
           </a:p>
@@ -339,8 +339,8 @@
         </p:nvSpPr>
         <p:spPr>
           <a:xfrm>
-            <a:off x="-1" y="8847000"/>
-            <a:ext cx="6443999" cy="297000"/>
+            <a:off x="-1" y="8892000"/>
+            <a:ext cx="6443999" cy="252000"/>
           </a:xfrm>
           <a:prstGeom prst="rect">
             <a:avLst/>
@@ -355,19 +355,24 @@
           </a:lstStyle>
           <a:p>
             <a:r>
-              <a:rPr lang="en-US" sz="1100" dirty="0"/>
-              <a:t>© SoftUni – </a:t>
-            </a:r>
-            <a:r>
-              <a:rPr lang="en-US" sz="1100" u="sng" dirty="0">
+              <a:rPr lang="bg-BG" sz="1100" dirty="0"/>
+              <a:t>Работна група </a:t>
+            </a:r>
+            <a:r>
+              <a:rPr lang="ru-RU" sz="1100" dirty="0"/>
+              <a:t>"Образование по програмиране и ИТ</a:t>
+            </a:r>
+            <a:r>
+              <a:rPr lang="bg-BG" sz="1100" dirty="0"/>
+              <a:t>", с подкрепата на </a:t>
+            </a:r>
+            <a:r>
+              <a:rPr lang="en-US" sz="1100" dirty="0">
                 <a:hlinkClick r:id="rId2"/>
               </a:rPr>
-              <a:t>https://softuni.org</a:t>
-            </a:r>
-            <a:r>
-              <a:rPr lang="en-US" sz="1100" dirty="0"/>
-              <a:t>. Copyrighted document. Unauthorized copy or reproduction is not permitted.</a:t>
-            </a:r>
+              <a:t>SoftUni</a:t>
+            </a:r>
+            <a:endParaRPr lang="en-US" sz="1100" dirty="0"/>
           </a:p>
         </p:txBody>
       </p:sp>
@@ -389,8 +394,8 @@
         </p:nvSpPr>
         <p:spPr>
           <a:xfrm>
-            <a:off x="6443999" y="8847000"/>
-            <a:ext cx="412413" cy="297000"/>
+            <a:off x="6443999" y="8892000"/>
+            <a:ext cx="412413" cy="252000"/>
           </a:xfrm>
           <a:prstGeom prst="rect">
             <a:avLst/>
@@ -506,7 +511,7 @@
           <a:p>
             <a:fld id="{72D84649-876A-46C9-8472-14CB09C070D8}" type="datetimeFigureOut">
               <a:rPr lang="en-US" smtClean="0"/>
-              <a:t>5/17/23</a:t>
+              <a:t>9/29/23</a:t>
             </a:fld>
             <a:endParaRPr lang="en-US"/>
           </a:p>
@@ -616,8 +621,8 @@
         </p:nvSpPr>
         <p:spPr>
           <a:xfrm>
-            <a:off x="6488999" y="8847000"/>
-            <a:ext cx="367414" cy="297000"/>
+            <a:off x="6488999" y="8892000"/>
+            <a:ext cx="367414" cy="252000"/>
           </a:xfrm>
           <a:prstGeom prst="rect">
             <a:avLst/>
@@ -657,8 +662,8 @@
         </p:nvSpPr>
         <p:spPr>
           <a:xfrm>
-            <a:off x="-1" y="8847000"/>
-            <a:ext cx="6488999" cy="297000"/>
+            <a:off x="-1" y="8892000"/>
+            <a:ext cx="6488999" cy="252000"/>
           </a:xfrm>
           <a:prstGeom prst="rect">
             <a:avLst/>
@@ -673,19 +678,24 @@
           </a:lstStyle>
           <a:p>
             <a:r>
-              <a:rPr lang="en-US" dirty="0"/>
-              <a:t>© SoftUni – </a:t>
-            </a:r>
-            <a:r>
-              <a:rPr lang="en-US" u="sng" dirty="0">
+              <a:rPr lang="bg-BG" sz="1100" dirty="0"/>
+              <a:t>Работна група </a:t>
+            </a:r>
+            <a:r>
+              <a:rPr lang="bg-BG" dirty="0"/>
+              <a:t>"Образование по програмиране и ИТ"</a:t>
+            </a:r>
+            <a:r>
+              <a:rPr lang="bg-BG" sz="1100" dirty="0"/>
+              <a:t>, с подкрепата на </a:t>
+            </a:r>
+            <a:r>
+              <a:rPr lang="en-US" sz="1100" dirty="0">
                 <a:hlinkClick r:id="rId2"/>
               </a:rPr>
-              <a:t>https://softuni.org</a:t>
-            </a:r>
-            <a:r>
-              <a:rPr lang="en-US" dirty="0"/>
-              <a:t>. Copyrighted document. Unauthorized copy or reproduction is not permitted.</a:t>
-            </a:r>
+              <a:t>SoftUni</a:t>
+            </a:r>
+            <a:endParaRPr lang="en-US" sz="1100" dirty="0"/>
           </a:p>
         </p:txBody>
       </p:sp>
@@ -867,10 +877,10 @@
       </p:sp>
       <p:sp>
         <p:nvSpPr>
-          <p:cNvPr id="7" name="Footer Placeholder 7">
+          <p:cNvPr id="4" name="Footer Placeholder 7">
             <a:extLst>
               <a:ext uri="{FF2B5EF4-FFF2-40B4-BE49-F238E27FC236}">
-                <a16:creationId xmlns:a16="http://schemas.microsoft.com/office/drawing/2014/main" id="{7F322076-2FFD-4365-B06C-6E76E3456590}"/>
+                <a16:creationId xmlns:a16="http://schemas.microsoft.com/office/drawing/2014/main" id="{C2D5B3F4-646B-5DA4-F973-7515905E5005}"/>
               </a:ext>
             </a:extLst>
           </p:cNvPr>
@@ -883,8 +893,8 @@
         </p:nvSpPr>
         <p:spPr>
           <a:xfrm>
-            <a:off x="-1" y="8847000"/>
-            <a:ext cx="6488999" cy="297000"/>
+            <a:off x="-1" y="8892000"/>
+            <a:ext cx="6488999" cy="252000"/>
           </a:xfrm>
           <a:prstGeom prst="rect">
             <a:avLst/>
@@ -899,26 +909,31 @@
           </a:lstStyle>
           <a:p>
             <a:r>
-              <a:rPr lang="en-US" dirty="0"/>
-              <a:t>© SoftUni – </a:t>
-            </a:r>
-            <a:r>
-              <a:rPr lang="en-US" u="sng" dirty="0">
+              <a:rPr lang="bg-BG" sz="1100" dirty="0"/>
+              <a:t>Работна група </a:t>
+            </a:r>
+            <a:r>
+              <a:rPr lang="bg-BG" dirty="0"/>
+              <a:t>"Образование по програмиране и ИТ"</a:t>
+            </a:r>
+            <a:r>
+              <a:rPr lang="bg-BG" sz="1100" dirty="0"/>
+              <a:t>, с подкрепата на </a:t>
+            </a:r>
+            <a:r>
+              <a:rPr lang="en-US" sz="1100" dirty="0">
                 <a:hlinkClick r:id="rId3"/>
               </a:rPr>
-              <a:t>https://softuni.org</a:t>
-            </a:r>
-            <a:r>
-              <a:rPr lang="en-US" dirty="0"/>
-              <a:t>. Copyrighted document. Unauthorized copy or reproduction is not permitted.</a:t>
-            </a:r>
+              <a:t>SoftUni</a:t>
+            </a:r>
+            <a:endParaRPr lang="en-US" sz="1100" dirty="0"/>
           </a:p>
         </p:txBody>
       </p:sp>
     </p:spTree>
     <p:extLst>
       <p:ext uri="{BB962C8B-B14F-4D97-AF65-F5344CB8AC3E}">
-        <p14:creationId xmlns:p14="http://schemas.microsoft.com/office/powerpoint/2010/main" val="969238880"/>
+        <p14:creationId xmlns:p14="http://schemas.microsoft.com/office/powerpoint/2010/main" val="3855554386"/>
       </p:ext>
     </p:extLst>
   </p:cSld>
@@ -1108,10 +1123,10 @@
       </p:sp>
       <p:sp>
         <p:nvSpPr>
-          <p:cNvPr id="7" name="Footer Placeholder 7">
+          <p:cNvPr id="5" name="Footer Placeholder 7">
             <a:extLst>
               <a:ext uri="{FF2B5EF4-FFF2-40B4-BE49-F238E27FC236}">
-                <a16:creationId xmlns:a16="http://schemas.microsoft.com/office/drawing/2014/main" id="{8ED29D0C-F9F7-4C69-9C07-F05074343750}"/>
+                <a16:creationId xmlns:a16="http://schemas.microsoft.com/office/drawing/2014/main" id="{A0AF374C-B850-9A32-183D-F6BE33335394}"/>
               </a:ext>
             </a:extLst>
           </p:cNvPr>
@@ -1124,8 +1139,8 @@
         </p:nvSpPr>
         <p:spPr>
           <a:xfrm>
-            <a:off x="-1" y="8847000"/>
-            <a:ext cx="6488999" cy="297000"/>
+            <a:off x="-1" y="8892000"/>
+            <a:ext cx="6488999" cy="252000"/>
           </a:xfrm>
           <a:prstGeom prst="rect">
             <a:avLst/>
@@ -1140,26 +1155,31 @@
           </a:lstStyle>
           <a:p>
             <a:r>
-              <a:rPr lang="en-US" dirty="0"/>
-              <a:t>© SoftUni – </a:t>
-            </a:r>
-            <a:r>
-              <a:rPr lang="en-US" u="sng" dirty="0">
+              <a:rPr lang="bg-BG" sz="1100" dirty="0"/>
+              <a:t>Работна група </a:t>
+            </a:r>
+            <a:r>
+              <a:rPr lang="bg-BG" dirty="0"/>
+              <a:t>"Образование по програмиране и ИТ"</a:t>
+            </a:r>
+            <a:r>
+              <a:rPr lang="bg-BG" sz="1100" dirty="0"/>
+              <a:t>, с подкрепата на </a:t>
+            </a:r>
+            <a:r>
+              <a:rPr lang="en-US" sz="1100" dirty="0">
                 <a:hlinkClick r:id="rId3"/>
               </a:rPr>
-              <a:t>https://softuni.org</a:t>
-            </a:r>
-            <a:r>
-              <a:rPr lang="en-US" dirty="0"/>
-              <a:t>. Copyrighted document. Unauthorized copy or reproduction is not permitted.</a:t>
-            </a:r>
+              <a:t>SoftUni</a:t>
+            </a:r>
+            <a:endParaRPr lang="en-US" sz="1100" dirty="0"/>
           </a:p>
         </p:txBody>
       </p:sp>
     </p:spTree>
     <p:extLst>
       <p:ext uri="{BB962C8B-B14F-4D97-AF65-F5344CB8AC3E}">
-        <p14:creationId xmlns:p14="http://schemas.microsoft.com/office/powerpoint/2010/main" val="4097972157"/>
+        <p14:creationId xmlns:p14="http://schemas.microsoft.com/office/powerpoint/2010/main" val="2515928619"/>
       </p:ext>
     </p:extLst>
   </p:cSld>
@@ -1243,10 +1263,10 @@
       </p:sp>
       <p:sp>
         <p:nvSpPr>
-          <p:cNvPr id="6" name="Footer Placeholder 7">
+          <p:cNvPr id="4" name="Footer Placeholder 7">
             <a:extLst>
               <a:ext uri="{FF2B5EF4-FFF2-40B4-BE49-F238E27FC236}">
-                <a16:creationId xmlns:a16="http://schemas.microsoft.com/office/drawing/2014/main" id="{8C9E8B0F-9B7B-4CE1-9439-45E418645237}"/>
+                <a16:creationId xmlns:a16="http://schemas.microsoft.com/office/drawing/2014/main" id="{440D30AF-3AAA-59F4-BCD4-EB3244CB6195}"/>
               </a:ext>
             </a:extLst>
           </p:cNvPr>
@@ -1259,8 +1279,8 @@
         </p:nvSpPr>
         <p:spPr>
           <a:xfrm>
-            <a:off x="-1" y="8847000"/>
-            <a:ext cx="6488999" cy="297000"/>
+            <a:off x="-1" y="8892000"/>
+            <a:ext cx="6488999" cy="252000"/>
           </a:xfrm>
           <a:prstGeom prst="rect">
             <a:avLst/>
@@ -1275,26 +1295,31 @@
           </a:lstStyle>
           <a:p>
             <a:r>
-              <a:rPr lang="en-US" dirty="0"/>
-              <a:t>© SoftUni – </a:t>
-            </a:r>
-            <a:r>
-              <a:rPr lang="en-US" u="sng" dirty="0">
+              <a:rPr lang="bg-BG" sz="1100" dirty="0"/>
+              <a:t>Работна група </a:t>
+            </a:r>
+            <a:r>
+              <a:rPr lang="bg-BG" dirty="0"/>
+              <a:t>"Образование по програмиране и ИТ"</a:t>
+            </a:r>
+            <a:r>
+              <a:rPr lang="bg-BG" sz="1100" dirty="0"/>
+              <a:t>, с подкрепата на </a:t>
+            </a:r>
+            <a:r>
+              <a:rPr lang="en-US" sz="1100" dirty="0">
                 <a:hlinkClick r:id="rId3"/>
               </a:rPr>
-              <a:t>https://softuni.org</a:t>
-            </a:r>
-            <a:r>
-              <a:rPr lang="en-US" dirty="0"/>
-              <a:t>. Copyrighted document. Unauthorized copy or reproduction is not permitted.</a:t>
-            </a:r>
+              <a:t>SoftUni</a:t>
+            </a:r>
+            <a:endParaRPr lang="en-US" sz="1100" dirty="0"/>
           </a:p>
         </p:txBody>
       </p:sp>
     </p:spTree>
     <p:extLst>
       <p:ext uri="{BB962C8B-B14F-4D97-AF65-F5344CB8AC3E}">
-        <p14:creationId xmlns:p14="http://schemas.microsoft.com/office/powerpoint/2010/main" val="695512077"/>
+        <p14:creationId xmlns:p14="http://schemas.microsoft.com/office/powerpoint/2010/main" val="555031563"/>
       </p:ext>
     </p:extLst>
   </p:cSld>
@@ -1378,10 +1403,10 @@
       </p:sp>
       <p:sp>
         <p:nvSpPr>
-          <p:cNvPr id="6" name="Footer Placeholder 7">
+          <p:cNvPr id="5" name="Footer Placeholder 7">
             <a:extLst>
               <a:ext uri="{FF2B5EF4-FFF2-40B4-BE49-F238E27FC236}">
-                <a16:creationId xmlns:a16="http://schemas.microsoft.com/office/drawing/2014/main" id="{108ACD0C-0A90-4B42-9109-03054805D3F5}"/>
+                <a16:creationId xmlns:a16="http://schemas.microsoft.com/office/drawing/2014/main" id="{AEAD4148-DAC1-7990-DF57-A0B79B64DDDE}"/>
               </a:ext>
             </a:extLst>
           </p:cNvPr>
@@ -1394,8 +1419,8 @@
         </p:nvSpPr>
         <p:spPr>
           <a:xfrm>
-            <a:off x="-1" y="8847000"/>
-            <a:ext cx="6488999" cy="297000"/>
+            <a:off x="-1" y="8892000"/>
+            <a:ext cx="6488999" cy="252000"/>
           </a:xfrm>
           <a:prstGeom prst="rect">
             <a:avLst/>
@@ -1410,26 +1435,31 @@
           </a:lstStyle>
           <a:p>
             <a:r>
-              <a:rPr lang="en-US" dirty="0"/>
-              <a:t>© SoftUni – </a:t>
-            </a:r>
-            <a:r>
-              <a:rPr lang="en-US" u="sng" dirty="0">
+              <a:rPr lang="bg-BG" sz="1100" dirty="0"/>
+              <a:t>Работна група </a:t>
+            </a:r>
+            <a:r>
+              <a:rPr lang="bg-BG" dirty="0"/>
+              <a:t>"Образование по програмиране и ИТ"</a:t>
+            </a:r>
+            <a:r>
+              <a:rPr lang="bg-BG" sz="1100" dirty="0"/>
+              <a:t>, с подкрепата на </a:t>
+            </a:r>
+            <a:r>
+              <a:rPr lang="en-US" sz="1100" dirty="0">
                 <a:hlinkClick r:id="rId3"/>
               </a:rPr>
-              <a:t>https://softuni.org</a:t>
-            </a:r>
-            <a:r>
-              <a:rPr lang="en-US" dirty="0"/>
-              <a:t>. Copyrighted document. Unauthorized copy or reproduction is not permitted.</a:t>
-            </a:r>
+              <a:t>SoftUni</a:t>
+            </a:r>
+            <a:endParaRPr lang="en-US" sz="1100" dirty="0"/>
           </a:p>
         </p:txBody>
       </p:sp>
     </p:spTree>
     <p:extLst>
       <p:ext uri="{BB962C8B-B14F-4D97-AF65-F5344CB8AC3E}">
-        <p14:creationId xmlns:p14="http://schemas.microsoft.com/office/powerpoint/2010/main" val="663754441"/>
+        <p14:creationId xmlns:p14="http://schemas.microsoft.com/office/powerpoint/2010/main" val="244279610"/>
       </p:ext>
     </p:extLst>
   </p:cSld>
@@ -1513,10 +1543,10 @@
       </p:sp>
       <p:sp>
         <p:nvSpPr>
-          <p:cNvPr id="6" name="Footer Placeholder 7">
+          <p:cNvPr id="4" name="Footer Placeholder 7">
             <a:extLst>
               <a:ext uri="{FF2B5EF4-FFF2-40B4-BE49-F238E27FC236}">
-                <a16:creationId xmlns:a16="http://schemas.microsoft.com/office/drawing/2014/main" id="{10ACE6CC-A9B2-4E7E-A71B-C29BC2BECC8D}"/>
+                <a16:creationId xmlns:a16="http://schemas.microsoft.com/office/drawing/2014/main" id="{341960B2-7049-74DC-A7C7-3FA4789B32D1}"/>
               </a:ext>
             </a:extLst>
           </p:cNvPr>
@@ -1529,8 +1559,8 @@
         </p:nvSpPr>
         <p:spPr>
           <a:xfrm>
-            <a:off x="-1" y="8847000"/>
-            <a:ext cx="6488999" cy="297000"/>
+            <a:off x="-1" y="8892000"/>
+            <a:ext cx="6488999" cy="252000"/>
           </a:xfrm>
           <a:prstGeom prst="rect">
             <a:avLst/>
@@ -1545,26 +1575,31 @@
           </a:lstStyle>
           <a:p>
             <a:r>
-              <a:rPr lang="en-US" dirty="0"/>
-              <a:t>© SoftUni – </a:t>
-            </a:r>
-            <a:r>
-              <a:rPr lang="en-US" u="sng" dirty="0">
+              <a:rPr lang="bg-BG" sz="1100" dirty="0"/>
+              <a:t>Работна група </a:t>
+            </a:r>
+            <a:r>
+              <a:rPr lang="bg-BG" dirty="0"/>
+              <a:t>"Образование по програмиране и ИТ"</a:t>
+            </a:r>
+            <a:r>
+              <a:rPr lang="bg-BG" sz="1100" dirty="0"/>
+              <a:t>, с подкрепата на </a:t>
+            </a:r>
+            <a:r>
+              <a:rPr lang="en-US" sz="1100" dirty="0">
                 <a:hlinkClick r:id="rId3"/>
               </a:rPr>
-              <a:t>https://softuni.org</a:t>
-            </a:r>
-            <a:r>
-              <a:rPr lang="en-US" dirty="0"/>
-              <a:t>. Copyrighted document. Unauthorized copy or reproduction is not permitted.</a:t>
-            </a:r>
+              <a:t>SoftUni</a:t>
+            </a:r>
+            <a:endParaRPr lang="en-US" sz="1100" dirty="0"/>
           </a:p>
         </p:txBody>
       </p:sp>
     </p:spTree>
     <p:extLst>
       <p:ext uri="{BB962C8B-B14F-4D97-AF65-F5344CB8AC3E}">
-        <p14:creationId xmlns:p14="http://schemas.microsoft.com/office/powerpoint/2010/main" val="3476086583"/>
+        <p14:creationId xmlns:p14="http://schemas.microsoft.com/office/powerpoint/2010/main" val="4066531016"/>
       </p:ext>
     </p:extLst>
   </p:cSld>
@@ -1648,10 +1683,10 @@
       </p:sp>
       <p:sp>
         <p:nvSpPr>
-          <p:cNvPr id="6" name="Footer Placeholder 7">
+          <p:cNvPr id="4" name="Footer Placeholder 7">
             <a:extLst>
               <a:ext uri="{FF2B5EF4-FFF2-40B4-BE49-F238E27FC236}">
-                <a16:creationId xmlns:a16="http://schemas.microsoft.com/office/drawing/2014/main" id="{D3B8CB54-28D2-4523-A301-8F6B78DB7F30}"/>
+                <a16:creationId xmlns:a16="http://schemas.microsoft.com/office/drawing/2014/main" id="{B2145E9A-F9B5-C5CA-5F7B-3A2265DC9C9D}"/>
               </a:ext>
             </a:extLst>
           </p:cNvPr>
@@ -1664,8 +1699,8 @@
         </p:nvSpPr>
         <p:spPr>
           <a:xfrm>
-            <a:off x="-1" y="8847000"/>
-            <a:ext cx="6488999" cy="297000"/>
+            <a:off x="-1" y="8892000"/>
+            <a:ext cx="6488999" cy="252000"/>
           </a:xfrm>
           <a:prstGeom prst="rect">
             <a:avLst/>
@@ -1680,26 +1715,31 @@
           </a:lstStyle>
           <a:p>
             <a:r>
-              <a:rPr lang="en-US" dirty="0"/>
-              <a:t>© SoftUni – </a:t>
-            </a:r>
-            <a:r>
-              <a:rPr lang="en-US" u="sng" dirty="0">
+              <a:rPr lang="bg-BG" sz="1100" dirty="0"/>
+              <a:t>Работна група </a:t>
+            </a:r>
+            <a:r>
+              <a:rPr lang="bg-BG" dirty="0"/>
+              <a:t>"Образование по програмиране и ИТ"</a:t>
+            </a:r>
+            <a:r>
+              <a:rPr lang="bg-BG" sz="1100" dirty="0"/>
+              <a:t>, с подкрепата на </a:t>
+            </a:r>
+            <a:r>
+              <a:rPr lang="en-US" sz="1100" dirty="0">
                 <a:hlinkClick r:id="rId3"/>
               </a:rPr>
-              <a:t>https://softuni.org</a:t>
-            </a:r>
-            <a:r>
-              <a:rPr lang="en-US" dirty="0"/>
-              <a:t>. Copyrighted document. Unauthorized copy or reproduction is not permitted.</a:t>
-            </a:r>
+              <a:t>SoftUni</a:t>
+            </a:r>
+            <a:endParaRPr lang="en-US" sz="1100" dirty="0"/>
           </a:p>
         </p:txBody>
       </p:sp>
     </p:spTree>
     <p:extLst>
       <p:ext uri="{BB962C8B-B14F-4D97-AF65-F5344CB8AC3E}">
-        <p14:creationId xmlns:p14="http://schemas.microsoft.com/office/powerpoint/2010/main" val="2327378140"/>
+        <p14:creationId xmlns:p14="http://schemas.microsoft.com/office/powerpoint/2010/main" val="1109446725"/>
       </p:ext>
     </p:extLst>
   </p:cSld>
@@ -1783,10 +1823,10 @@
       </p:sp>
       <p:sp>
         <p:nvSpPr>
-          <p:cNvPr id="6" name="Footer Placeholder 7">
+          <p:cNvPr id="4" name="Footer Placeholder 7">
             <a:extLst>
               <a:ext uri="{FF2B5EF4-FFF2-40B4-BE49-F238E27FC236}">
-                <a16:creationId xmlns:a16="http://schemas.microsoft.com/office/drawing/2014/main" id="{0BE8551C-4C1A-4428-9DF6-17C0DDEB702D}"/>
+                <a16:creationId xmlns:a16="http://schemas.microsoft.com/office/drawing/2014/main" id="{E07F2AD2-3234-0D0F-4FE2-D352A39BB3E5}"/>
               </a:ext>
             </a:extLst>
           </p:cNvPr>
@@ -1799,8 +1839,8 @@
         </p:nvSpPr>
         <p:spPr>
           <a:xfrm>
-            <a:off x="-1" y="8847000"/>
-            <a:ext cx="6488999" cy="297000"/>
+            <a:off x="-1" y="8892000"/>
+            <a:ext cx="6488999" cy="252000"/>
           </a:xfrm>
           <a:prstGeom prst="rect">
             <a:avLst/>
@@ -1815,26 +1855,31 @@
           </a:lstStyle>
           <a:p>
             <a:r>
-              <a:rPr lang="en-US" dirty="0"/>
-              <a:t>© SoftUni – </a:t>
-            </a:r>
-            <a:r>
-              <a:rPr lang="en-US" u="sng" dirty="0">
+              <a:rPr lang="bg-BG" sz="1100" dirty="0"/>
+              <a:t>Работна група </a:t>
+            </a:r>
+            <a:r>
+              <a:rPr lang="bg-BG" dirty="0"/>
+              <a:t>"Образование по програмиране и ИТ"</a:t>
+            </a:r>
+            <a:r>
+              <a:rPr lang="bg-BG" sz="1100" dirty="0"/>
+              <a:t>, с подкрепата на </a:t>
+            </a:r>
+            <a:r>
+              <a:rPr lang="en-US" sz="1100" dirty="0">
                 <a:hlinkClick r:id="rId3"/>
               </a:rPr>
-              <a:t>https://softuni.org</a:t>
-            </a:r>
-            <a:r>
-              <a:rPr lang="en-US" dirty="0"/>
-              <a:t>. Copyrighted document. Unauthorized copy or reproduction is not permitted.</a:t>
-            </a:r>
+              <a:t>SoftUni</a:t>
+            </a:r>
+            <a:endParaRPr lang="en-US" sz="1100" dirty="0"/>
           </a:p>
         </p:txBody>
       </p:sp>
     </p:spTree>
     <p:extLst>
       <p:ext uri="{BB962C8B-B14F-4D97-AF65-F5344CB8AC3E}">
-        <p14:creationId xmlns:p14="http://schemas.microsoft.com/office/powerpoint/2010/main" val="246004698"/>
+        <p14:creationId xmlns:p14="http://schemas.microsoft.com/office/powerpoint/2010/main" val="2501706553"/>
       </p:ext>
     </p:extLst>
   </p:cSld>
@@ -1949,10 +1994,10 @@
       </p:sp>
       <p:sp>
         <p:nvSpPr>
-          <p:cNvPr id="7" name="Footer Placeholder 7">
+          <p:cNvPr id="2" name="Footer Placeholder 7">
             <a:extLst>
               <a:ext uri="{FF2B5EF4-FFF2-40B4-BE49-F238E27FC236}">
-                <a16:creationId xmlns:a16="http://schemas.microsoft.com/office/drawing/2014/main" id="{E586BAB7-1B2E-4109-BCF5-DF7D37350848}"/>
+                <a16:creationId xmlns:a16="http://schemas.microsoft.com/office/drawing/2014/main" id="{5A125E4A-936C-9EA0-A40F-0316617CD51F}"/>
               </a:ext>
             </a:extLst>
           </p:cNvPr>
@@ -1965,8 +2010,8 @@
         </p:nvSpPr>
         <p:spPr>
           <a:xfrm>
-            <a:off x="-1" y="8847000"/>
-            <a:ext cx="6488999" cy="297000"/>
+            <a:off x="-1" y="8892000"/>
+            <a:ext cx="6488999" cy="252000"/>
           </a:xfrm>
           <a:prstGeom prst="rect">
             <a:avLst/>
@@ -1981,26 +2026,31 @@
           </a:lstStyle>
           <a:p>
             <a:r>
-              <a:rPr lang="en-US" dirty="0"/>
-              <a:t>© SoftUni – </a:t>
-            </a:r>
-            <a:r>
-              <a:rPr lang="en-US" u="sng" dirty="0">
+              <a:rPr lang="bg-BG" sz="1100" dirty="0"/>
+              <a:t>Работна група </a:t>
+            </a:r>
+            <a:r>
+              <a:rPr lang="bg-BG" dirty="0"/>
+              <a:t>"Образование по програмиране и ИТ"</a:t>
+            </a:r>
+            <a:r>
+              <a:rPr lang="bg-BG" sz="1100" dirty="0"/>
+              <a:t>, с подкрепата на </a:t>
+            </a:r>
+            <a:r>
+              <a:rPr lang="en-US" sz="1100" dirty="0">
                 <a:hlinkClick r:id="rId3"/>
               </a:rPr>
-              <a:t>https://softuni.org</a:t>
-            </a:r>
-            <a:r>
-              <a:rPr lang="en-US" dirty="0"/>
-              <a:t>. Copyrighted document. Unauthorized copy or reproduction is not permitted.</a:t>
-            </a:r>
+              <a:t>SoftUni</a:t>
+            </a:r>
+            <a:endParaRPr lang="en-US" sz="1100" dirty="0"/>
           </a:p>
         </p:txBody>
       </p:sp>
     </p:spTree>
     <p:extLst>
       <p:ext uri="{BB962C8B-B14F-4D97-AF65-F5344CB8AC3E}">
-        <p14:creationId xmlns:p14="http://schemas.microsoft.com/office/powerpoint/2010/main" val="3251890765"/>
+        <p14:creationId xmlns:p14="http://schemas.microsoft.com/office/powerpoint/2010/main" val="1117432626"/>
       </p:ext>
     </p:extLst>
   </p:cSld>
@@ -2084,10 +2134,10 @@
       </p:sp>
       <p:sp>
         <p:nvSpPr>
-          <p:cNvPr id="6" name="Footer Placeholder 7">
+          <p:cNvPr id="4" name="Footer Placeholder 7">
             <a:extLst>
               <a:ext uri="{FF2B5EF4-FFF2-40B4-BE49-F238E27FC236}">
-                <a16:creationId xmlns:a16="http://schemas.microsoft.com/office/drawing/2014/main" id="{C0C85935-F63A-4E6E-9391-BCDD465ED4D5}"/>
+                <a16:creationId xmlns:a16="http://schemas.microsoft.com/office/drawing/2014/main" id="{A6FE8027-8057-5B3A-9788-AF46F5E21F00}"/>
               </a:ext>
             </a:extLst>
           </p:cNvPr>
@@ -2100,8 +2150,8 @@
         </p:nvSpPr>
         <p:spPr>
           <a:xfrm>
-            <a:off x="-1" y="8847000"/>
-            <a:ext cx="6488999" cy="297000"/>
+            <a:off x="-1" y="8892000"/>
+            <a:ext cx="6488999" cy="252000"/>
           </a:xfrm>
           <a:prstGeom prst="rect">
             <a:avLst/>
@@ -2116,26 +2166,31 @@
           </a:lstStyle>
           <a:p>
             <a:r>
-              <a:rPr lang="en-US" dirty="0"/>
-              <a:t>© SoftUni – </a:t>
-            </a:r>
-            <a:r>
-              <a:rPr lang="en-US" u="sng" dirty="0">
+              <a:rPr lang="bg-BG" sz="1100" dirty="0"/>
+              <a:t>Работна група </a:t>
+            </a:r>
+            <a:r>
+              <a:rPr lang="bg-BG" dirty="0"/>
+              <a:t>"Образование по програмиране и ИТ"</a:t>
+            </a:r>
+            <a:r>
+              <a:rPr lang="bg-BG" sz="1100" dirty="0"/>
+              <a:t>, с подкрепата на </a:t>
+            </a:r>
+            <a:r>
+              <a:rPr lang="en-US" sz="1100" dirty="0">
                 <a:hlinkClick r:id="rId3"/>
               </a:rPr>
-              <a:t>https://softuni.org</a:t>
-            </a:r>
-            <a:r>
-              <a:rPr lang="en-US" dirty="0"/>
-              <a:t>. Copyrighted document. Unauthorized copy or reproduction is not permitted.</a:t>
-            </a:r>
+              <a:t>SoftUni</a:t>
+            </a:r>
+            <a:endParaRPr lang="en-US" sz="1100" dirty="0"/>
           </a:p>
         </p:txBody>
       </p:sp>
     </p:spTree>
     <p:extLst>
       <p:ext uri="{BB962C8B-B14F-4D97-AF65-F5344CB8AC3E}">
-        <p14:creationId xmlns:p14="http://schemas.microsoft.com/office/powerpoint/2010/main" val="462755717"/>
+        <p14:creationId xmlns:p14="http://schemas.microsoft.com/office/powerpoint/2010/main" val="2139144822"/>
       </p:ext>
     </p:extLst>
   </p:cSld>
@@ -2189,7 +2244,7 @@
           <a:bodyPr/>
           <a:lstStyle/>
           <a:p>
-            <a:endParaRPr lang="en-US"/>
+            <a:endParaRPr lang="en-US" dirty="0"/>
           </a:p>
         </p:txBody>
       </p:sp>
@@ -2325,10 +2380,10 @@
       </p:sp>
       <p:sp>
         <p:nvSpPr>
-          <p:cNvPr id="6" name="Footer Placeholder 7">
+          <p:cNvPr id="5" name="Footer Placeholder 7">
             <a:extLst>
               <a:ext uri="{FF2B5EF4-FFF2-40B4-BE49-F238E27FC236}">
-                <a16:creationId xmlns:a16="http://schemas.microsoft.com/office/drawing/2014/main" id="{CC48D5AA-1678-4D9E-8564-7EC2BD56C583}"/>
+                <a16:creationId xmlns:a16="http://schemas.microsoft.com/office/drawing/2014/main" id="{B75FE31D-6BB4-90D6-E4F6-59F039F02DBE}"/>
               </a:ext>
             </a:extLst>
           </p:cNvPr>
@@ -2341,8 +2396,8 @@
         </p:nvSpPr>
         <p:spPr>
           <a:xfrm>
-            <a:off x="-1" y="8847000"/>
-            <a:ext cx="6488999" cy="297000"/>
+            <a:off x="-1" y="8892000"/>
+            <a:ext cx="6488999" cy="252000"/>
           </a:xfrm>
           <a:prstGeom prst="rect">
             <a:avLst/>
@@ -2357,26 +2412,31 @@
           </a:lstStyle>
           <a:p>
             <a:r>
-              <a:rPr lang="en-US" dirty="0"/>
-              <a:t>© SoftUni – </a:t>
-            </a:r>
-            <a:r>
-              <a:rPr lang="en-US" u="sng" dirty="0">
+              <a:rPr lang="bg-BG" sz="1100" dirty="0"/>
+              <a:t>Работна група </a:t>
+            </a:r>
+            <a:r>
+              <a:rPr lang="bg-BG" dirty="0"/>
+              <a:t>"Образование по програмиране и ИТ"</a:t>
+            </a:r>
+            <a:r>
+              <a:rPr lang="bg-BG" sz="1100" dirty="0"/>
+              <a:t>, с подкрепата на </a:t>
+            </a:r>
+            <a:r>
+              <a:rPr lang="en-US" sz="1100" dirty="0">
                 <a:hlinkClick r:id="rId3"/>
               </a:rPr>
-              <a:t>https://softuni.org</a:t>
-            </a:r>
-            <a:r>
-              <a:rPr lang="en-US" dirty="0"/>
-              <a:t>. Copyrighted document. Unauthorized copy or reproduction is not permitted.</a:t>
-            </a:r>
+              <a:t>SoftUni</a:t>
+            </a:r>
+            <a:endParaRPr lang="en-US" sz="1100" dirty="0"/>
           </a:p>
         </p:txBody>
       </p:sp>
     </p:spTree>
     <p:extLst>
       <p:ext uri="{BB962C8B-B14F-4D97-AF65-F5344CB8AC3E}">
-        <p14:creationId xmlns:p14="http://schemas.microsoft.com/office/powerpoint/2010/main" val="3183977983"/>
+        <p14:creationId xmlns:p14="http://schemas.microsoft.com/office/powerpoint/2010/main" val="3111561981"/>
       </p:ext>
     </p:extLst>
   </p:cSld>
@@ -2387,7 +2447,7 @@
 </file>
 
 <file path=ppt/slideLayouts/slideLayout1.xml><?xml version="1.0" encoding="utf-8"?>
-<p:sldLayout xmlns:a="http://schemas.openxmlformats.org/drawingml/2006/main" xmlns:r="http://schemas.openxmlformats.org/officeDocument/2006/relationships" xmlns:p="http://schemas.openxmlformats.org/presentationml/2006/main" preserve="1">
+<p:sldLayout xmlns:a="http://schemas.openxmlformats.org/drawingml/2006/main" xmlns:r="http://schemas.openxmlformats.org/officeDocument/2006/relationships" xmlns:p="http://schemas.openxmlformats.org/presentationml/2006/main" preserve="1" userDrawn="1">
   <p:cSld name="Presentation Title Slide">
     <p:spTree>
       <p:nvGrpSpPr>
@@ -2413,7 +2473,7 @@
             </a:extLst>
           </p:cNvPr>
           <p:cNvSpPr/>
-          <p:nvPr/>
+          <p:nvPr userDrawn="1"/>
         </p:nvSpPr>
         <p:spPr>
           <a:xfrm>
@@ -2484,55 +2544,139 @@
           </a:p>
         </p:txBody>
       </p:sp>
-      <p:pic>
-        <p:nvPicPr>
-          <p:cNvPr id="14" name="Picture Logo SoftUni" descr="SoftUni logo">
+      <p:sp>
+        <p:nvSpPr>
+          <p:cNvPr id="33" name="Picture Placeholder Title Image">
             <a:extLst>
               <a:ext uri="{FF2B5EF4-FFF2-40B4-BE49-F238E27FC236}">
-                <a16:creationId xmlns:a16="http://schemas.microsoft.com/office/drawing/2014/main" id="{C4D6B2A2-DFF0-4712-BFEC-6676BEC99FEC}"/>
+                <a16:creationId xmlns:a16="http://schemas.microsoft.com/office/drawing/2014/main" id="{A04D819A-89E2-4714-8C56-1838BF467EF7}"/>
               </a:ext>
             </a:extLst>
           </p:cNvPr>
-          <p:cNvPicPr>
-            <a:picLocks noChangeAspect="1"/>
-          </p:cNvPicPr>
-          <p:nvPr userDrawn="1"/>
-        </p:nvPicPr>
-        <p:blipFill>
-          <a:blip r:embed="rId2">
-            <a:clrChange>
-              <a:clrFrom>
-                <a:srgbClr val="FFFFFF"/>
-              </a:clrFrom>
-              <a:clrTo>
-                <a:srgbClr val="FFFFFF">
-                  <a:alpha val="0"/>
-                </a:srgbClr>
-              </a:clrTo>
-            </a:clrChange>
+          <p:cNvSpPr>
+            <a:spLocks noGrp="1"/>
+          </p:cNvSpPr>
+          <p:nvPr>
+            <p:ph type="pic" sz="quarter" idx="10"/>
+          </p:nvPr>
+        </p:nvSpPr>
+        <p:spPr>
+          <a:xfrm>
+            <a:off x="6390123" y="3400017"/>
+            <a:ext cx="5248260" cy="2188983"/>
+          </a:xfrm>
+        </p:spPr>
+        <p:txBody>
+          <a:bodyPr/>
+          <a:lstStyle>
+            <a:lvl1pPr marL="0" indent="0" algn="ctr" latinLnBrk="0">
+              <a:buNone/>
+              <a:defRPr>
+                <a:solidFill>
+                  <a:schemeClr val="bg1"/>
+                </a:solidFill>
+              </a:defRPr>
+            </a:lvl1pPr>
+          </a:lstStyle>
+          <a:p>
+            <a:r>
+              <a:rPr lang="en-US" noProof="0" dirty="0"/>
+              <a:t>Click icon to add picture</a:t>
+            </a:r>
+          </a:p>
+        </p:txBody>
+      </p:sp>
+      <p:sp>
+        <p:nvSpPr>
+          <p:cNvPr id="10" name="Company Web Site">
             <a:extLst>
-              <a:ext uri="{28A0092B-C50C-407E-A947-70E740481C1C}">
-                <a14:useLocalDpi xmlns:a14="http://schemas.microsoft.com/office/drawing/2010/main" val="0"/>
+              <a:ext uri="{FF2B5EF4-FFF2-40B4-BE49-F238E27FC236}">
+                <a16:creationId xmlns:a16="http://schemas.microsoft.com/office/drawing/2014/main" id="{0B99B1EE-62FA-4AA4-920C-D444D6C0B778}"/>
               </a:ext>
             </a:extLst>
-          </a:blip>
-          <a:stretch>
-            <a:fillRect/>
-          </a:stretch>
-        </p:blipFill>
+          </p:cNvPr>
+          <p:cNvSpPr>
+            <a:spLocks noGrp="1"/>
+          </p:cNvSpPr>
+          <p:nvPr>
+            <p:ph type="body" sz="quarter" idx="22" hasCustomPrompt="1"/>
+          </p:nvPr>
+        </p:nvSpPr>
         <p:spPr>
           <a:xfrm>
-            <a:off x="4324460" y="5184000"/>
-            <a:ext cx="3751540" cy="1297655"/>
+            <a:off x="6390120" y="6086106"/>
+            <a:ext cx="5248260" cy="341313"/>
           </a:xfrm>
-          <a:prstGeom prst="rect">
-            <a:avLst/>
-          </a:prstGeom>
         </p:spPr>
-      </p:pic>
+        <p:txBody>
+          <a:bodyPr lIns="36000" rIns="36000" anchor="ctr" anchorCtr="0">
+            <a:noAutofit/>
+          </a:bodyPr>
+          <a:lstStyle>
+            <a:lvl1pPr marL="0" indent="0" algn="r">
+              <a:buNone/>
+              <a:defRPr sz="1800"/>
+            </a:lvl1pPr>
+          </a:lstStyle>
+          <a:p>
+            <a:pPr lvl="0"/>
+            <a:r>
+              <a:rPr lang="en-US" dirty="0"/>
+              <a:t>https://softuni.foundation  </a:t>
+            </a:r>
+          </a:p>
+        </p:txBody>
+      </p:sp>
       <p:sp>
         <p:nvSpPr>
-          <p:cNvPr id="31" name="Text Placeholder Company Site">
+          <p:cNvPr id="6" name="Company Name">
+            <a:extLst>
+              <a:ext uri="{FF2B5EF4-FFF2-40B4-BE49-F238E27FC236}">
+                <a16:creationId xmlns:a16="http://schemas.microsoft.com/office/drawing/2014/main" id="{2A76510A-0BAE-A827-E77C-BE88E38F52AA}"/>
+              </a:ext>
+            </a:extLst>
+          </p:cNvPr>
+          <p:cNvSpPr>
+            <a:spLocks noGrp="1"/>
+          </p:cNvSpPr>
+          <p:nvPr>
+            <p:ph type="body" sz="quarter" idx="21" hasCustomPrompt="1"/>
+          </p:nvPr>
+        </p:nvSpPr>
+        <p:spPr>
+          <a:xfrm>
+            <a:off x="6390122" y="5698189"/>
+            <a:ext cx="5248260" cy="374236"/>
+          </a:xfrm>
+        </p:spPr>
+        <p:txBody>
+          <a:bodyPr lIns="36000" rIns="36000" anchor="ctr" anchorCtr="0">
+            <a:normAutofit/>
+          </a:bodyPr>
+          <a:lstStyle>
+            <a:lvl1pPr marL="0" indent="0" algn="r">
+              <a:buNone/>
+              <a:defRPr sz="2000" b="1">
+                <a:solidFill>
+                  <a:schemeClr val="tx1">
+                    <a:lumMod val="75000"/>
+                  </a:schemeClr>
+                </a:solidFill>
+              </a:defRPr>
+            </a:lvl1pPr>
+          </a:lstStyle>
+          <a:p>
+            <a:pPr lvl="0"/>
+            <a:r>
+              <a:rPr lang="en-US" dirty="0"/>
+              <a:t>SoftUni Foundation</a:t>
+            </a:r>
+          </a:p>
+        </p:txBody>
+      </p:sp>
+      <p:sp>
+        <p:nvSpPr>
+          <p:cNvPr id="31" name="Author Position">
             <a:extLst>
               <a:ext uri="{FF2B5EF4-FFF2-40B4-BE49-F238E27FC236}">
                 <a16:creationId xmlns:a16="http://schemas.microsoft.com/office/drawing/2014/main" id="{3E6B87B7-9D33-4EBB-BD4F-C0436BA3FD72}"/>
@@ -2548,274 +2692,8 @@
         </p:nvSpPr>
         <p:spPr bwMode="auto">
           <a:xfrm>
-            <a:off x="8708505" y="6130863"/>
-            <a:ext cx="2951518" cy="341556"/>
-          </a:xfrm>
-          <a:prstGeom prst="rect">
-            <a:avLst/>
-          </a:prstGeom>
-          <a:noFill/>
-          <a:effectLst/>
-        </p:spPr>
-        <p:txBody>
-          <a:bodyPr wrap="square" lIns="36000" tIns="36000" rIns="36000" bIns="36000" rtlCol="0" anchor="ctr" anchorCtr="0">
-            <a:noAutofit/>
-          </a:bodyPr>
-          <a:lstStyle>
-            <a:lvl1pPr marL="0" indent="0" algn="r" rtl="0" fontAlgn="base" latinLnBrk="0">
-              <a:spcBef>
-                <a:spcPct val="0"/>
-              </a:spcBef>
-              <a:spcAft>
-                <a:spcPct val="0"/>
-              </a:spcAft>
-              <a:buNone/>
-              <a:defRPr lang="en-US" sz="1798" b="1" kern="1200" dirty="0" smtClean="0">
-                <a:solidFill>
-                  <a:schemeClr val="tx1">
-                    <a:lumMod val="75000"/>
-                  </a:schemeClr>
-                </a:solidFill>
-                <a:effectLst/>
-                <a:latin typeface="+mn-lt"/>
-                <a:ea typeface="+mn-ea"/>
-                <a:cs typeface="+mn-cs"/>
-              </a:defRPr>
-            </a:lvl1pPr>
-          </a:lstStyle>
-          <a:p>
-            <a:pPr lvl="0"/>
-            <a:r>
-              <a:rPr lang="en-US" noProof="0" dirty="0"/>
-              <a:t>Company Web Site</a:t>
-            </a:r>
-          </a:p>
-        </p:txBody>
-      </p:sp>
-      <p:sp>
-        <p:nvSpPr>
-          <p:cNvPr id="30" name="Text Placeholder Company Name">
-            <a:extLst>
-              <a:ext uri="{FF2B5EF4-FFF2-40B4-BE49-F238E27FC236}">
-                <a16:creationId xmlns:a16="http://schemas.microsoft.com/office/drawing/2014/main" id="{2EA92DCA-4DB5-4D03-ACD3-A6A296592D0C}"/>
-              </a:ext>
-            </a:extLst>
-          </p:cNvPr>
-          <p:cNvSpPr>
-            <a:spLocks noGrp="1"/>
-          </p:cNvSpPr>
-          <p:nvPr>
-            <p:ph type="body" sz="quarter" idx="17" hasCustomPrompt="1"/>
-          </p:nvPr>
-        </p:nvSpPr>
-        <p:spPr bwMode="auto">
-          <a:xfrm>
-            <a:off x="8708505" y="5756628"/>
-            <a:ext cx="2951518" cy="367080"/>
-          </a:xfrm>
-          <a:prstGeom prst="rect">
-            <a:avLst/>
-          </a:prstGeom>
-          <a:noFill/>
-          <a:effectLst/>
-        </p:spPr>
-        <p:txBody>
-          <a:bodyPr wrap="square" lIns="36000" tIns="36000" rIns="36000" bIns="36000" rtlCol="0" anchor="ctr" anchorCtr="0">
-            <a:noAutofit/>
-          </a:bodyPr>
-          <a:lstStyle>
-            <a:lvl1pPr marL="0" indent="0" algn="r" rtl="0" fontAlgn="base" latinLnBrk="0">
-              <a:spcBef>
-                <a:spcPct val="0"/>
-              </a:spcBef>
-              <a:spcAft>
-                <a:spcPct val="0"/>
-              </a:spcAft>
-              <a:buNone/>
-              <a:defRPr lang="en-US" sz="1998" b="1" kern="1200" dirty="0" smtClean="0">
-                <a:solidFill>
-                  <a:schemeClr val="tx1">
-                    <a:lumMod val="75000"/>
-                  </a:schemeClr>
-                </a:solidFill>
-                <a:effectLst/>
-                <a:latin typeface="+mn-lt"/>
-                <a:ea typeface="+mn-ea"/>
-                <a:cs typeface="+mn-cs"/>
-              </a:defRPr>
-            </a:lvl1pPr>
-          </a:lstStyle>
-          <a:p>
-            <a:pPr lvl="0"/>
-            <a:r>
-              <a:rPr lang="en-US" noProof="0" dirty="0"/>
-              <a:t>Company Name</a:t>
-            </a:r>
-          </a:p>
-        </p:txBody>
-      </p:sp>
-      <p:pic>
-        <p:nvPicPr>
-          <p:cNvPr id="35" name="Picture SoftUni Mascot" descr="SoftUni mascot">
-            <a:extLst>
-              <a:ext uri="{FF2B5EF4-FFF2-40B4-BE49-F238E27FC236}">
-                <a16:creationId xmlns:a16="http://schemas.microsoft.com/office/drawing/2014/main" id="{951E7DA9-C5F0-43D9-B013-3BDF9EEF029D}"/>
-              </a:ext>
-            </a:extLst>
-          </p:cNvPr>
-          <p:cNvPicPr>
-            <a:picLocks noChangeAspect="1"/>
-          </p:cNvPicPr>
-          <p:nvPr/>
-        </p:nvPicPr>
-        <p:blipFill rotWithShape="1">
-          <a:blip r:embed="rId3" cstate="print">
-            <a:extLst>
-              <a:ext uri="{28A0092B-C50C-407E-A947-70E740481C1C}">
-                <a14:useLocalDpi xmlns:a14="http://schemas.microsoft.com/office/drawing/2010/main" val="0"/>
-              </a:ext>
-            </a:extLst>
-          </a:blip>
-          <a:srcRect/>
-          <a:stretch/>
-        </p:blipFill>
-        <p:spPr>
-          <a:xfrm flipH="1">
-            <a:off x="8848924" y="2609644"/>
-            <a:ext cx="2788893" cy="3018284"/>
-          </a:xfrm>
-          <a:prstGeom prst="rect">
-            <a:avLst/>
-          </a:prstGeom>
-        </p:spPr>
-      </p:pic>
-      <p:pic>
-        <p:nvPicPr>
-          <p:cNvPr id="22" name="Picture Logo Software University" descr="Software University logo">
-            <a:hlinkClick r:id="rId4"/>
-            <a:extLst>
-              <a:ext uri="{FF2B5EF4-FFF2-40B4-BE49-F238E27FC236}">
-                <a16:creationId xmlns:a16="http://schemas.microsoft.com/office/drawing/2014/main" id="{F2315EB3-3FE4-4D3B-921E-5F209CEC13CB}"/>
-              </a:ext>
-            </a:extLst>
-          </p:cNvPr>
-          <p:cNvPicPr>
-            <a:picLocks noChangeAspect="1"/>
-          </p:cNvPicPr>
-          <p:nvPr userDrawn="1"/>
-        </p:nvPicPr>
-        <p:blipFill>
-          <a:blip r:embed="rId5">
-            <a:clrChange>
-              <a:clrFrom>
-                <a:srgbClr val="FFFFFF"/>
-              </a:clrFrom>
-              <a:clrTo>
-                <a:srgbClr val="FFFFFF">
-                  <a:alpha val="0"/>
-                </a:srgbClr>
-              </a:clrTo>
-            </a:clrChange>
-            <a:extLst>
-              <a:ext uri="{28A0092B-C50C-407E-A947-70E740481C1C}">
-                <a14:useLocalDpi xmlns:a14="http://schemas.microsoft.com/office/drawing/2010/main" val="0"/>
-              </a:ext>
-            </a:extLst>
-          </a:blip>
-          <a:stretch>
-            <a:fillRect/>
-          </a:stretch>
-        </p:blipFill>
-        <p:spPr>
-          <a:xfrm>
-            <a:off x="507944" y="5918567"/>
-            <a:ext cx="1830305" cy="628159"/>
-          </a:xfrm>
-          <a:prstGeom prst="rect">
-            <a:avLst/>
-          </a:prstGeom>
-        </p:spPr>
-      </p:pic>
-      <p:sp>
-        <p:nvSpPr>
-          <p:cNvPr id="40" name="Text Placeholder Author Position">
-            <a:extLst>
-              <a:ext uri="{FF2B5EF4-FFF2-40B4-BE49-F238E27FC236}">
-                <a16:creationId xmlns:a16="http://schemas.microsoft.com/office/drawing/2014/main" id="{CD940256-851E-46C8-8BFB-A5ECA6C7DA07}"/>
-              </a:ext>
-            </a:extLst>
-          </p:cNvPr>
-          <p:cNvSpPr>
-            <a:spLocks noGrp="1"/>
-          </p:cNvSpPr>
-          <p:nvPr>
-            <p:ph type="body" sz="quarter" idx="20" hasCustomPrompt="1"/>
-          </p:nvPr>
-        </p:nvSpPr>
-        <p:spPr bwMode="auto">
-          <a:xfrm>
-            <a:off x="553082" y="5344180"/>
-            <a:ext cx="2980696" cy="444793"/>
-          </a:xfrm>
-          <a:prstGeom prst="rect">
-            <a:avLst/>
-          </a:prstGeom>
-          <a:noFill/>
-          <a:effectLst/>
-        </p:spPr>
-        <p:txBody>
-          <a:bodyPr wrap="square" lIns="36000" tIns="36000" rIns="36000" bIns="36000" rtlCol="0" anchor="ctr" anchorCtr="0">
-            <a:spAutoFit/>
-          </a:bodyPr>
-          <a:lstStyle>
-            <a:lvl1pPr marL="0" indent="0" algn="l" rtl="0" fontAlgn="base" latinLnBrk="0">
-              <a:spcBef>
-                <a:spcPct val="0"/>
-              </a:spcBef>
-              <a:spcAft>
-                <a:spcPct val="0"/>
-              </a:spcAft>
-              <a:buNone/>
-              <a:defRPr lang="en-US" sz="2398" b="1" kern="1200" dirty="0" smtClean="0">
-                <a:solidFill>
-                  <a:schemeClr val="tx1"/>
-                </a:solidFill>
-                <a:effectLst/>
-                <a:latin typeface="+mn-lt"/>
-                <a:ea typeface="+mn-ea"/>
-                <a:cs typeface="+mn-cs"/>
-              </a:defRPr>
-            </a:lvl1pPr>
-          </a:lstStyle>
-          <a:p>
-            <a:pPr lvl="0"/>
-            <a:r>
-              <a:rPr lang="en-US" noProof="0" dirty="0"/>
-              <a:t>Position</a:t>
-            </a:r>
-          </a:p>
-        </p:txBody>
-      </p:sp>
-      <p:sp>
-        <p:nvSpPr>
-          <p:cNvPr id="36" name="Text Placeholder Author Name">
-            <a:extLst>
-              <a:ext uri="{FF2B5EF4-FFF2-40B4-BE49-F238E27FC236}">
-                <a16:creationId xmlns:a16="http://schemas.microsoft.com/office/drawing/2014/main" id="{3B21F47B-DE1F-442D-A2B7-6866F8786704}"/>
-              </a:ext>
-            </a:extLst>
-          </p:cNvPr>
-          <p:cNvSpPr>
-            <a:spLocks noGrp="1"/>
-          </p:cNvSpPr>
-          <p:nvPr>
-            <p:ph type="body" sz="quarter" idx="19" hasCustomPrompt="1"/>
-          </p:nvPr>
-        </p:nvSpPr>
-        <p:spPr bwMode="auto">
-          <a:xfrm>
-            <a:off x="553082" y="4851838"/>
-            <a:ext cx="2980696" cy="454398"/>
+            <a:off x="534045" y="6085863"/>
+            <a:ext cx="4751953" cy="341556"/>
           </a:xfrm>
           <a:prstGeom prst="rect">
             <a:avLst/>
@@ -2836,9 +2714,11 @@
                 <a:spcPct val="0"/>
               </a:spcAft>
               <a:buNone/>
-              <a:defRPr lang="en-US" sz="2798" b="1" kern="1200" dirty="0" smtClean="0">
-                <a:solidFill>
-                  <a:schemeClr val="tx1"/>
+              <a:defRPr lang="en-US" sz="1800" b="0" kern="1200" dirty="0" smtClean="0">
+                <a:solidFill>
+                  <a:schemeClr val="tx1">
+                    <a:lumMod val="75000"/>
+                  </a:schemeClr>
                 </a:solidFill>
                 <a:effectLst/>
                 <a:latin typeface="+mn-lt"/>
@@ -2851,17 +2731,17 @@
             <a:pPr lvl="0"/>
             <a:r>
               <a:rPr lang="en-US" noProof="0" dirty="0"/>
-              <a:t>Author Name</a:t>
+              <a:t>URL</a:t>
             </a:r>
           </a:p>
         </p:txBody>
       </p:sp>
       <p:sp>
         <p:nvSpPr>
-          <p:cNvPr id="33" name="Picture Placeholder Title Image">
+          <p:cNvPr id="30" name="Author Name">
             <a:extLst>
               <a:ext uri="{FF2B5EF4-FFF2-40B4-BE49-F238E27FC236}">
-                <a16:creationId xmlns:a16="http://schemas.microsoft.com/office/drawing/2014/main" id="{A04D819A-89E2-4714-8C56-1838BF467EF7}"/>
+                <a16:creationId xmlns:a16="http://schemas.microsoft.com/office/drawing/2014/main" id="{2EA92DCA-4DB5-4D03-ACD3-A6A296592D0C}"/>
               </a:ext>
             </a:extLst>
           </p:cNvPr>
@@ -2869,31 +2749,51 @@
             <a:spLocks noGrp="1"/>
           </p:cNvSpPr>
           <p:nvPr>
-            <p:ph type="pic" sz="quarter" idx="10"/>
+            <p:ph type="body" sz="quarter" idx="17" hasCustomPrompt="1"/>
           </p:nvPr>
         </p:nvSpPr>
-        <p:spPr>
+        <p:spPr bwMode="auto">
           <a:xfrm>
-            <a:off x="553082" y="2740913"/>
-            <a:ext cx="4642919" cy="1936503"/>
+            <a:off x="534046" y="5251106"/>
+            <a:ext cx="4751954" cy="724904"/>
           </a:xfrm>
+          <a:prstGeom prst="rect">
+            <a:avLst/>
+          </a:prstGeom>
+          <a:noFill/>
+          <a:effectLst/>
         </p:spPr>
         <p:txBody>
-          <a:bodyPr/>
+          <a:bodyPr wrap="square" lIns="36000" tIns="36000" rIns="36000" bIns="36000" rtlCol="0" anchor="ctr" anchorCtr="0">
+            <a:noAutofit/>
+          </a:bodyPr>
           <a:lstStyle>
-            <a:lvl1pPr marL="0" indent="0" algn="ctr" latinLnBrk="0">
+            <a:lvl1pPr marL="0" indent="0" algn="l" rtl="0" fontAlgn="base" latinLnBrk="0">
+              <a:spcBef>
+                <a:spcPct val="0"/>
+              </a:spcBef>
+              <a:spcAft>
+                <a:spcPct val="0"/>
+              </a:spcAft>
               <a:buNone/>
-              <a:defRPr>
-                <a:solidFill>
-                  <a:schemeClr val="bg1"/>
-                </a:solidFill>
+              <a:defRPr lang="en-US" sz="2000" b="1" kern="1200" dirty="0" smtClean="0">
+                <a:solidFill>
+                  <a:schemeClr val="tx1">
+                    <a:lumMod val="75000"/>
+                  </a:schemeClr>
+                </a:solidFill>
+                <a:effectLst/>
+                <a:latin typeface="+mn-lt"/>
+                <a:ea typeface="+mn-ea"/>
+                <a:cs typeface="+mn-cs"/>
               </a:defRPr>
             </a:lvl1pPr>
           </a:lstStyle>
           <a:p>
+            <a:pPr lvl="0"/>
             <a:r>
               <a:rPr lang="en-US" noProof="0" dirty="0"/>
-              <a:t>Click icon to add picture</a:t>
+              <a:t>Authors</a:t>
             </a:r>
           </a:p>
         </p:txBody>
@@ -2916,8 +2816,8 @@
         </p:nvSpPr>
         <p:spPr>
           <a:xfrm>
-            <a:off x="554182" y="1258272"/>
-            <a:ext cx="11083636" cy="1315728"/>
+            <a:off x="554746" y="1402942"/>
+            <a:ext cx="11083636" cy="1306057"/>
           </a:xfrm>
         </p:spPr>
         <p:txBody>
@@ -2927,7 +2827,7 @@
           <a:lstStyle>
             <a:lvl1pPr marL="0" indent="0" algn="ctr" latinLnBrk="0">
               <a:buNone/>
-              <a:defRPr sz="3598">
+              <a:defRPr sz="3600">
                 <a:solidFill>
                   <a:schemeClr val="tx1"/>
                 </a:solidFill>
@@ -2960,15 +2860,17 @@
         </p:nvSpPr>
         <p:spPr>
           <a:xfrm>
-            <a:off x="554182" y="321502"/>
-            <a:ext cx="11083636" cy="882654"/>
+            <a:off x="554746" y="321501"/>
+            <a:ext cx="11083636" cy="971589"/>
           </a:xfrm>
         </p:spPr>
         <p:txBody>
-          <a:bodyPr/>
+          <a:bodyPr>
+            <a:normAutofit/>
+          </a:bodyPr>
           <a:lstStyle>
             <a:lvl1pPr algn="ctr" latinLnBrk="0">
-              <a:defRPr sz="4798"/>
+              <a:defRPr sz="5400"/>
             </a:lvl1pPr>
           </a:lstStyle>
           <a:p>
@@ -2979,10 +2881,94 @@
           </a:p>
         </p:txBody>
       </p:sp>
+      <p:pic>
+        <p:nvPicPr>
+          <p:cNvPr id="4" name="Picture 3">
+            <a:extLst>
+              <a:ext uri="{FF2B5EF4-FFF2-40B4-BE49-F238E27FC236}">
+                <a16:creationId xmlns:a16="http://schemas.microsoft.com/office/drawing/2014/main" id="{324D0DB3-F60A-469B-7831-209CB666CCE4}"/>
+              </a:ext>
+            </a:extLst>
+          </p:cNvPr>
+          <p:cNvPicPr>
+            <a:picLocks noChangeAspect="1"/>
+          </p:cNvPicPr>
+          <p:nvPr userDrawn="1"/>
+        </p:nvPicPr>
+        <p:blipFill>
+          <a:blip r:embed="rId2" cstate="print">
+            <a:extLst>
+              <a:ext uri="{28A0092B-C50C-407E-A947-70E740481C1C}">
+                <a14:useLocalDpi xmlns:a14="http://schemas.microsoft.com/office/drawing/2010/main" val="0"/>
+              </a:ext>
+            </a:extLst>
+          </a:blip>
+          <a:stretch>
+            <a:fillRect/>
+          </a:stretch>
+        </p:blipFill>
+        <p:spPr>
+          <a:xfrm>
+            <a:off x="536549" y="4325954"/>
+            <a:ext cx="2538082" cy="633046"/>
+          </a:xfrm>
+          <a:prstGeom prst="rect">
+            <a:avLst/>
+          </a:prstGeom>
+        </p:spPr>
+      </p:pic>
+      <p:pic>
+        <p:nvPicPr>
+          <p:cNvPr id="5" name="Picture 4" title="CC-BY-NC-SA License">
+            <a:hlinkClick r:id="rId3" tooltip="This work is licensed under the &quot;Creative Commons Attribution-NonCommercial-ShareAlike 4.0 International&quot; license"/>
+            <a:extLst>
+              <a:ext uri="{FF2B5EF4-FFF2-40B4-BE49-F238E27FC236}">
+                <a16:creationId xmlns:a16="http://schemas.microsoft.com/office/drawing/2014/main" id="{2D40731C-0303-A69D-63FD-E048A73CA59F}"/>
+              </a:ext>
+            </a:extLst>
+          </p:cNvPr>
+          <p:cNvPicPr>
+            <a:picLocks noChangeAspect="1" noChangeArrowheads="1"/>
+          </p:cNvPicPr>
+          <p:nvPr userDrawn="1"/>
+        </p:nvPicPr>
+        <p:blipFill>
+          <a:blip r:embed="rId4">
+            <a:extLst>
+              <a:ext uri="{28A0092B-C50C-407E-A947-70E740481C1C}">
+                <a14:useLocalDpi xmlns:a14="http://schemas.microsoft.com/office/drawing/2010/main"/>
+              </a:ext>
+            </a:extLst>
+          </a:blip>
+          <a:srcRect/>
+          <a:stretch>
+            <a:fillRect/>
+          </a:stretch>
+        </p:blipFill>
+        <p:spPr bwMode="auto">
+          <a:xfrm>
+            <a:off x="3402682" y="4321352"/>
+            <a:ext cx="1809336" cy="633045"/>
+          </a:xfrm>
+          <a:prstGeom prst="roundRect">
+            <a:avLst>
+              <a:gd name="adj" fmla="val 3940"/>
+            </a:avLst>
+          </a:prstGeom>
+          <a:solidFill>
+            <a:srgbClr val="231F20">
+              <a:alpha val="50000"/>
+            </a:srgbClr>
+          </a:solidFill>
+          <a:ln>
+            <a:noFill/>
+          </a:ln>
+        </p:spPr>
+      </p:pic>
     </p:spTree>
     <p:extLst>
       <p:ext uri="{BB962C8B-B14F-4D97-AF65-F5344CB8AC3E}">
-        <p14:creationId xmlns:p14="http://schemas.microsoft.com/office/powerpoint/2010/main" val="970179299"/>
+        <p14:creationId xmlns:p14="http://schemas.microsoft.com/office/powerpoint/2010/main" val="370654144"/>
       </p:ext>
     </p:extLst>
   </p:cSld>
@@ -3236,42 +3222,6 @@
           </a:p>
         </p:txBody>
       </p:sp>
-      <p:pic>
-        <p:nvPicPr>
-          <p:cNvPr id="12" name="Logo Software University Down" descr="Software University logo">
-            <a:extLst>
-              <a:ext uri="{FF2B5EF4-FFF2-40B4-BE49-F238E27FC236}">
-                <a16:creationId xmlns:a16="http://schemas.microsoft.com/office/drawing/2014/main" id="{7028D2F0-1E67-414B-A93D-D3F8F131A132}"/>
-              </a:ext>
-            </a:extLst>
-          </p:cNvPr>
-          <p:cNvPicPr>
-            <a:picLocks noChangeAspect="1"/>
-          </p:cNvPicPr>
-          <p:nvPr/>
-        </p:nvPicPr>
-        <p:blipFill>
-          <a:blip r:embed="rId2" cstate="print">
-            <a:extLst>
-              <a:ext uri="{28A0092B-C50C-407E-A947-70E740481C1C}">
-                <a14:useLocalDpi xmlns:a14="http://schemas.microsoft.com/office/drawing/2010/main" val="0"/>
-              </a:ext>
-            </a:extLst>
-          </a:blip>
-          <a:stretch>
-            <a:fillRect/>
-          </a:stretch>
-        </p:blipFill>
-        <p:spPr>
-          <a:xfrm>
-            <a:off x="5616551" y="5206773"/>
-            <a:ext cx="958900" cy="1184869"/>
-          </a:xfrm>
-          <a:prstGeom prst="rect">
-            <a:avLst/>
-          </a:prstGeom>
-        </p:spPr>
-      </p:pic>
       <p:sp>
         <p:nvSpPr>
           <p:cNvPr id="10" name="Text Placeholder Right">
@@ -3509,42 +3459,6 @@
           </a:p>
         </p:txBody>
       </p:sp>
-      <p:pic>
-        <p:nvPicPr>
-          <p:cNvPr id="14" name="Logo Software University" descr="Software University logo">
-            <a:extLst>
-              <a:ext uri="{FF2B5EF4-FFF2-40B4-BE49-F238E27FC236}">
-                <a16:creationId xmlns:a16="http://schemas.microsoft.com/office/drawing/2014/main" id="{19A67BB9-D880-4EAD-B90E-89C4219BFC0B}"/>
-              </a:ext>
-            </a:extLst>
-          </p:cNvPr>
-          <p:cNvPicPr>
-            <a:picLocks noChangeAspect="1"/>
-          </p:cNvPicPr>
-          <p:nvPr userDrawn="1"/>
-        </p:nvPicPr>
-        <p:blipFill>
-          <a:blip r:embed="rId3">
-            <a:extLst>
-              <a:ext uri="{28A0092B-C50C-407E-A947-70E740481C1C}">
-                <a14:useLocalDpi xmlns:a14="http://schemas.microsoft.com/office/drawing/2010/main" val="0"/>
-              </a:ext>
-            </a:extLst>
-          </a:blip>
-          <a:stretch>
-            <a:fillRect/>
-          </a:stretch>
-        </p:blipFill>
-        <p:spPr>
-          <a:xfrm>
-            <a:off x="10067957" y="253936"/>
-            <a:ext cx="1915704" cy="559235"/>
-          </a:xfrm>
-          <a:prstGeom prst="rect">
-            <a:avLst/>
-          </a:prstGeom>
-        </p:spPr>
-      </p:pic>
       <p:sp>
         <p:nvSpPr>
           <p:cNvPr id="15" name="Slide Title">
@@ -3563,8 +3477,8 @@
         </p:nvSpPr>
         <p:spPr>
           <a:xfrm>
-            <a:off x="190406" y="100750"/>
-            <a:ext cx="9715594" cy="882654"/>
+            <a:off x="190405" y="100750"/>
+            <a:ext cx="10270595" cy="882654"/>
           </a:xfrm>
         </p:spPr>
         <p:txBody>
@@ -3586,6 +3500,72 @@
           </a:p>
         </p:txBody>
       </p:sp>
+      <p:pic>
+        <p:nvPicPr>
+          <p:cNvPr id="8" name="Picture 7">
+            <a:extLst>
+              <a:ext uri="{FF2B5EF4-FFF2-40B4-BE49-F238E27FC236}">
+                <a16:creationId xmlns:a16="http://schemas.microsoft.com/office/drawing/2014/main" id="{2C9792D8-D354-4699-B7D6-B8CB7F77594F}"/>
+              </a:ext>
+            </a:extLst>
+          </p:cNvPr>
+          <p:cNvPicPr>
+            <a:picLocks noChangeAspect="1"/>
+          </p:cNvPicPr>
+          <p:nvPr userDrawn="1"/>
+        </p:nvPicPr>
+        <p:blipFill>
+          <a:blip r:embed="rId2"/>
+          <a:stretch>
+            <a:fillRect/>
+          </a:stretch>
+        </p:blipFill>
+        <p:spPr>
+          <a:xfrm>
+            <a:off x="5398753" y="5340443"/>
+            <a:ext cx="1334859" cy="982867"/>
+          </a:xfrm>
+          <a:prstGeom prst="rect">
+            <a:avLst/>
+          </a:prstGeom>
+        </p:spPr>
+      </p:pic>
+      <p:pic>
+        <p:nvPicPr>
+          <p:cNvPr id="3" name="Picture 2">
+            <a:extLst>
+              <a:ext uri="{FF2B5EF4-FFF2-40B4-BE49-F238E27FC236}">
+                <a16:creationId xmlns:a16="http://schemas.microsoft.com/office/drawing/2014/main" id="{B6351E19-25DA-EAD2-9FBE-358B6135D728}"/>
+              </a:ext>
+            </a:extLst>
+          </p:cNvPr>
+          <p:cNvPicPr>
+            <a:picLocks noChangeAspect="1"/>
+          </p:cNvPicPr>
+          <p:nvPr userDrawn="1"/>
+        </p:nvPicPr>
+        <p:blipFill>
+          <a:blip r:embed="rId3" cstate="print">
+            <a:extLst>
+              <a:ext uri="{28A0092B-C50C-407E-A947-70E740481C1C}">
+                <a14:useLocalDpi xmlns:a14="http://schemas.microsoft.com/office/drawing/2010/main" val="0"/>
+              </a:ext>
+            </a:extLst>
+          </a:blip>
+          <a:stretch>
+            <a:fillRect/>
+          </a:stretch>
+        </p:blipFill>
+        <p:spPr>
+          <a:xfrm>
+            <a:off x="10553573" y="368999"/>
+            <a:ext cx="1443361" cy="360001"/>
+          </a:xfrm>
+          <a:prstGeom prst="rect">
+            <a:avLst/>
+          </a:prstGeom>
+        </p:spPr>
+      </p:pic>
     </p:spTree>
     <p:extLst>
       <p:ext uri="{BB962C8B-B14F-4D97-AF65-F5344CB8AC3E}">
@@ -4150,42 +4130,6 @@
           </a:p>
         </p:txBody>
       </p:sp>
-      <p:pic>
-        <p:nvPicPr>
-          <p:cNvPr id="12" name="Logo Software University" descr="Software University logo">
-            <a:extLst>
-              <a:ext uri="{FF2B5EF4-FFF2-40B4-BE49-F238E27FC236}">
-                <a16:creationId xmlns:a16="http://schemas.microsoft.com/office/drawing/2014/main" id="{233CBB95-791E-4630-B3D9-FADFCE7BCF52}"/>
-              </a:ext>
-            </a:extLst>
-          </p:cNvPr>
-          <p:cNvPicPr>
-            <a:picLocks noChangeAspect="1"/>
-          </p:cNvPicPr>
-          <p:nvPr userDrawn="1"/>
-        </p:nvPicPr>
-        <p:blipFill>
-          <a:blip r:embed="rId2">
-            <a:extLst>
-              <a:ext uri="{28A0092B-C50C-407E-A947-70E740481C1C}">
-                <a14:useLocalDpi xmlns:a14="http://schemas.microsoft.com/office/drawing/2010/main" val="0"/>
-              </a:ext>
-            </a:extLst>
-          </a:blip>
-          <a:stretch>
-            <a:fillRect/>
-          </a:stretch>
-        </p:blipFill>
-        <p:spPr>
-          <a:xfrm>
-            <a:off x="10067957" y="253936"/>
-            <a:ext cx="1915704" cy="559235"/>
-          </a:xfrm>
-          <a:prstGeom prst="rect">
-            <a:avLst/>
-          </a:prstGeom>
-        </p:spPr>
-      </p:pic>
       <p:sp>
         <p:nvSpPr>
           <p:cNvPr id="13" name="Slide Title">
@@ -4205,7 +4149,7 @@
         <p:spPr>
           <a:xfrm>
             <a:off x="190406" y="100750"/>
-            <a:ext cx="9715594" cy="882654"/>
+            <a:ext cx="10270594" cy="882654"/>
           </a:xfrm>
         </p:spPr>
         <p:txBody>
@@ -4227,6 +4171,42 @@
           </a:p>
         </p:txBody>
       </p:sp>
+      <p:pic>
+        <p:nvPicPr>
+          <p:cNvPr id="4" name="Picture 3">
+            <a:extLst>
+              <a:ext uri="{FF2B5EF4-FFF2-40B4-BE49-F238E27FC236}">
+                <a16:creationId xmlns:a16="http://schemas.microsoft.com/office/drawing/2014/main" id="{42F3DB3E-BDAA-8201-9A01-2F52640A84CA}"/>
+              </a:ext>
+            </a:extLst>
+          </p:cNvPr>
+          <p:cNvPicPr>
+            <a:picLocks noChangeAspect="1"/>
+          </p:cNvPicPr>
+          <p:nvPr userDrawn="1"/>
+        </p:nvPicPr>
+        <p:blipFill>
+          <a:blip r:embed="rId2" cstate="print">
+            <a:extLst>
+              <a:ext uri="{28A0092B-C50C-407E-A947-70E740481C1C}">
+                <a14:useLocalDpi xmlns:a14="http://schemas.microsoft.com/office/drawing/2010/main" val="0"/>
+              </a:ext>
+            </a:extLst>
+          </a:blip>
+          <a:stretch>
+            <a:fillRect/>
+          </a:stretch>
+        </p:blipFill>
+        <p:spPr>
+          <a:xfrm>
+            <a:off x="10553573" y="368999"/>
+            <a:ext cx="1443361" cy="360001"/>
+          </a:xfrm>
+          <a:prstGeom prst="rect">
+            <a:avLst/>
+          </a:prstGeom>
+        </p:spPr>
+      </p:pic>
     </p:spTree>
     <p:extLst>
       <p:ext uri="{BB962C8B-B14F-4D97-AF65-F5344CB8AC3E}">
@@ -4356,714 +4336,10 @@
       </p:sp>
       <p:sp>
         <p:nvSpPr>
-          <p:cNvPr id="53" name="Rectangle Bottom Copyright">
+          <p:cNvPr id="3" name="Title 2">
             <a:extLst>
               <a:ext uri="{FF2B5EF4-FFF2-40B4-BE49-F238E27FC236}">
-                <a16:creationId xmlns:a16="http://schemas.microsoft.com/office/drawing/2014/main" id="{B07FB7FB-DA6C-4F5D-B068-357F0FCE27D8}"/>
-              </a:ext>
-            </a:extLst>
-          </p:cNvPr>
-          <p:cNvSpPr/>
-          <p:nvPr userDrawn="1"/>
-        </p:nvSpPr>
-        <p:spPr>
-          <a:xfrm>
-            <a:off x="111000" y="6454758"/>
-            <a:ext cx="11970000" cy="258449"/>
-          </a:xfrm>
-          <a:prstGeom prst="rect">
-            <a:avLst/>
-          </a:prstGeom>
-        </p:spPr>
-        <p:txBody>
-          <a:bodyPr wrap="square">
-            <a:noAutofit/>
-          </a:bodyPr>
-          <a:lstStyle/>
-          <a:p>
-            <a:pPr algn="ctr">
-              <a:lnSpc>
-                <a:spcPct val="100000"/>
-              </a:lnSpc>
-              <a:spcBef>
-                <a:spcPts val="0"/>
-              </a:spcBef>
-              <a:spcAft>
-                <a:spcPts val="0"/>
-              </a:spcAft>
-            </a:pPr>
-            <a:r>
-              <a:rPr lang="en-US" sz="1600" noProof="0" dirty="0">
-                <a:solidFill>
-                  <a:schemeClr val="bg2"/>
-                </a:solidFill>
-                <a:effectLst/>
-                <a:latin typeface="Calibri" panose="020F0502020204030204" pitchFamily="34" charset="0"/>
-                <a:ea typeface="Calibri" panose="020F0502020204030204" pitchFamily="34" charset="0"/>
-                <a:cs typeface="Arial" panose="020B0604020202020204" pitchFamily="34" charset="0"/>
-              </a:rPr>
-              <a:t>© SoftUni – </a:t>
-            </a:r>
-            <a:r>
-              <a:rPr lang="en-US" sz="1600" u="sng" noProof="0" dirty="0">
-                <a:solidFill>
-                  <a:schemeClr val="bg2"/>
-                </a:solidFill>
-                <a:effectLst/>
-                <a:latin typeface="Calibri" panose="020F0502020204030204" pitchFamily="34" charset="0"/>
-                <a:ea typeface="Calibri" panose="020F0502020204030204" pitchFamily="34" charset="0"/>
-                <a:cs typeface="Arial" panose="020B0604020202020204" pitchFamily="34" charset="0"/>
-                <a:hlinkClick r:id="rId2">
-                  <a:extLst>
-                    <a:ext uri="{A12FA001-AC4F-418D-AE19-62706E023703}">
-                      <ahyp:hlinkClr xmlns:ahyp="http://schemas.microsoft.com/office/drawing/2018/hyperlinkcolor" val="tx"/>
-                    </a:ext>
-                  </a:extLst>
-                </a:hlinkClick>
-              </a:rPr>
-              <a:t>https://softuni.org</a:t>
-            </a:r>
-            <a:r>
-              <a:rPr lang="en-US" sz="1600" noProof="0" dirty="0">
-                <a:solidFill>
-                  <a:schemeClr val="bg2"/>
-                </a:solidFill>
-                <a:effectLst/>
-                <a:latin typeface="Calibri" panose="020F0502020204030204" pitchFamily="34" charset="0"/>
-                <a:ea typeface="Calibri" panose="020F0502020204030204" pitchFamily="34" charset="0"/>
-                <a:cs typeface="Arial" panose="020B0604020202020204" pitchFamily="34" charset="0"/>
-              </a:rPr>
-              <a:t>. Copyrighted document. Unauthorized copy, reproduction or use is not permitted.</a:t>
-            </a:r>
-            <a:endParaRPr lang="en-US" sz="2400" noProof="0" dirty="0">
-              <a:solidFill>
-                <a:schemeClr val="bg2"/>
-              </a:solidFill>
-              <a:effectLst/>
-              <a:latin typeface="Calibri" panose="020F0502020204030204" pitchFamily="34" charset="0"/>
-              <a:ea typeface="Calibri" panose="020F0502020204030204" pitchFamily="34" charset="0"/>
-              <a:cs typeface="Arial" panose="020B0604020202020204" pitchFamily="34" charset="0"/>
-            </a:endParaRPr>
-          </a:p>
-        </p:txBody>
-      </p:sp>
-      <p:pic>
-        <p:nvPicPr>
-          <p:cNvPr id="26" name="Picture SoftUni Mascot" descr="SoftUni mascot with open hand">
-            <a:extLst>
-              <a:ext uri="{FF2B5EF4-FFF2-40B4-BE49-F238E27FC236}">
-                <a16:creationId xmlns:a16="http://schemas.microsoft.com/office/drawing/2014/main" id="{247CFF3C-C4FA-493D-8505-DF469F4D36A4}"/>
-              </a:ext>
-            </a:extLst>
-          </p:cNvPr>
-          <p:cNvPicPr>
-            <a:picLocks noChangeAspect="1"/>
-          </p:cNvPicPr>
-          <p:nvPr/>
-        </p:nvPicPr>
-        <p:blipFill>
-          <a:blip r:embed="rId3" cstate="print">
-            <a:extLst>
-              <a:ext uri="{28A0092B-C50C-407E-A947-70E740481C1C}">
-                <a14:useLocalDpi xmlns:a14="http://schemas.microsoft.com/office/drawing/2010/main" val="0"/>
-              </a:ext>
-            </a:extLst>
-          </a:blip>
-          <a:stretch>
-            <a:fillRect/>
-          </a:stretch>
-        </p:blipFill>
-        <p:spPr>
-          <a:xfrm>
-            <a:off x="642586" y="2898830"/>
-            <a:ext cx="2451608" cy="2959741"/>
-          </a:xfrm>
-          <a:prstGeom prst="rect">
-            <a:avLst/>
-          </a:prstGeom>
-        </p:spPr>
-      </p:pic>
-      <p:grpSp>
-        <p:nvGrpSpPr>
-          <p:cNvPr id="2" name="Group SoftUni Brands">
-            <a:extLst>
-              <a:ext uri="{FF2B5EF4-FFF2-40B4-BE49-F238E27FC236}">
-                <a16:creationId xmlns:a16="http://schemas.microsoft.com/office/drawing/2014/main" id="{418FAE34-C1F8-46C7-A4AE-F270D1E70F25}"/>
-              </a:ext>
-            </a:extLst>
-          </p:cNvPr>
-          <p:cNvGrpSpPr/>
-          <p:nvPr userDrawn="1"/>
-        </p:nvGrpSpPr>
-        <p:grpSpPr>
-          <a:xfrm>
-            <a:off x="3332216" y="1702473"/>
-            <a:ext cx="8314909" cy="3543782"/>
-            <a:chOff x="3332216" y="1702473"/>
-            <a:chExt cx="8314909" cy="3543782"/>
-          </a:xfrm>
-        </p:grpSpPr>
-        <p:pic>
-          <p:nvPicPr>
-            <p:cNvPr id="24" name="Picture SoftUni Kids Logo" descr="SoftUni Kids logo">
-              <a:extLst>
-                <a:ext uri="{FF2B5EF4-FFF2-40B4-BE49-F238E27FC236}">
-                  <a16:creationId xmlns:a16="http://schemas.microsoft.com/office/drawing/2014/main" id="{B0812936-74B6-4265-8C08-AEDC8C798702}"/>
-                </a:ext>
-              </a:extLst>
-            </p:cNvPr>
-            <p:cNvPicPr>
-              <a:picLocks noChangeAspect="1"/>
-            </p:cNvPicPr>
-            <p:nvPr/>
-          </p:nvPicPr>
-          <p:blipFill>
-            <a:blip r:embed="rId4" cstate="print">
-              <a:extLst>
-                <a:ext uri="{28A0092B-C50C-407E-A947-70E740481C1C}">
-                  <a14:useLocalDpi xmlns:a14="http://schemas.microsoft.com/office/drawing/2010/main" val="0"/>
-                </a:ext>
-              </a:extLst>
-            </a:blip>
-            <a:stretch>
-              <a:fillRect/>
-            </a:stretch>
-          </p:blipFill>
-          <p:spPr>
-            <a:xfrm>
-              <a:off x="10516883" y="3776294"/>
-              <a:ext cx="1130242" cy="1389256"/>
-            </a:xfrm>
-            <a:prstGeom prst="rect">
-              <a:avLst/>
-            </a:prstGeom>
-          </p:spPr>
-        </p:pic>
-        <p:pic>
-          <p:nvPicPr>
-            <p:cNvPr id="23" name="Picture SoftUni Foundation Logo" descr="SoftUni Foundation logo">
-              <a:extLst>
-                <a:ext uri="{FF2B5EF4-FFF2-40B4-BE49-F238E27FC236}">
-                  <a16:creationId xmlns:a16="http://schemas.microsoft.com/office/drawing/2014/main" id="{6643F71A-2013-433A-8322-FBAAED3162D8}"/>
-                </a:ext>
-              </a:extLst>
-            </p:cNvPr>
-            <p:cNvPicPr>
-              <a:picLocks noChangeAspect="1"/>
-            </p:cNvPicPr>
-            <p:nvPr userDrawn="1"/>
-          </p:nvPicPr>
-          <p:blipFill>
-            <a:blip r:embed="rId5" cstate="print">
-              <a:extLst>
-                <a:ext uri="{28A0092B-C50C-407E-A947-70E740481C1C}">
-                  <a14:useLocalDpi xmlns:a14="http://schemas.microsoft.com/office/drawing/2010/main" val="0"/>
-                </a:ext>
-              </a:extLst>
-            </a:blip>
-            <a:stretch>
-              <a:fillRect/>
-            </a:stretch>
-          </p:blipFill>
-          <p:spPr>
-            <a:xfrm>
-              <a:off x="9053913" y="3788231"/>
-              <a:ext cx="1166400" cy="1350756"/>
-            </a:xfrm>
-            <a:prstGeom prst="rect">
-              <a:avLst/>
-            </a:prstGeom>
-          </p:spPr>
-        </p:pic>
-        <p:pic>
-          <p:nvPicPr>
-            <p:cNvPr id="22" name="Picture SoftUni Digital Logo" descr="SoftUni Digital logo">
-              <a:extLst>
-                <a:ext uri="{FF2B5EF4-FFF2-40B4-BE49-F238E27FC236}">
-                  <a16:creationId xmlns:a16="http://schemas.microsoft.com/office/drawing/2014/main" id="{0A83D66F-855B-463B-920B-BF239B01A206}"/>
-                </a:ext>
-              </a:extLst>
-            </p:cNvPr>
-            <p:cNvPicPr>
-              <a:picLocks noChangeAspect="1"/>
-            </p:cNvPicPr>
-            <p:nvPr userDrawn="1"/>
-          </p:nvPicPr>
-          <p:blipFill>
-            <a:blip r:embed="rId6" cstate="print">
-              <a:extLst>
-                <a:ext uri="{28A0092B-C50C-407E-A947-70E740481C1C}">
-                  <a14:useLocalDpi xmlns:a14="http://schemas.microsoft.com/office/drawing/2010/main" val="0"/>
-                </a:ext>
-              </a:extLst>
-            </a:blip>
-            <a:stretch>
-              <a:fillRect/>
-            </a:stretch>
-          </p:blipFill>
-          <p:spPr>
-            <a:xfrm>
-              <a:off x="7657695" y="3789000"/>
-              <a:ext cx="1084614" cy="1457255"/>
-            </a:xfrm>
-            <a:prstGeom prst="rect">
-              <a:avLst/>
-            </a:prstGeom>
-          </p:spPr>
-        </p:pic>
-        <p:pic>
-          <p:nvPicPr>
-            <p:cNvPr id="21" name="Picture SoftUni Creative Logo" descr="SoftUni Creative logo">
-              <a:extLst>
-                <a:ext uri="{FF2B5EF4-FFF2-40B4-BE49-F238E27FC236}">
-                  <a16:creationId xmlns:a16="http://schemas.microsoft.com/office/drawing/2014/main" id="{EA755AAE-BA08-481C-9224-0061170EE4B8}"/>
-                </a:ext>
-              </a:extLst>
-            </p:cNvPr>
-            <p:cNvPicPr>
-              <a:picLocks noChangeAspect="1"/>
-            </p:cNvPicPr>
-            <p:nvPr/>
-          </p:nvPicPr>
-          <p:blipFill>
-            <a:blip r:embed="rId7" cstate="print">
-              <a:extLst>
-                <a:ext uri="{28A0092B-C50C-407E-A947-70E740481C1C}">
-                  <a14:useLocalDpi xmlns:a14="http://schemas.microsoft.com/office/drawing/2010/main" val="0"/>
-                </a:ext>
-              </a:extLst>
-            </a:blip>
-            <a:stretch>
-              <a:fillRect/>
-            </a:stretch>
-          </p:blipFill>
-          <p:spPr>
-            <a:xfrm>
-              <a:off x="6173913" y="3776293"/>
-              <a:ext cx="1166400" cy="1389257"/>
-            </a:xfrm>
-            <a:prstGeom prst="rect">
-              <a:avLst/>
-            </a:prstGeom>
-          </p:spPr>
-        </p:pic>
-        <p:pic>
-          <p:nvPicPr>
-            <p:cNvPr id="20" name="Picture SoftUni Svetlina Logo" descr="SoftUni Svetlina logo">
-              <a:extLst>
-                <a:ext uri="{FF2B5EF4-FFF2-40B4-BE49-F238E27FC236}">
-                  <a16:creationId xmlns:a16="http://schemas.microsoft.com/office/drawing/2014/main" id="{827D15FD-4C66-4B85-98E6-7826AA8F61C6}"/>
-                </a:ext>
-              </a:extLst>
-            </p:cNvPr>
-            <p:cNvPicPr>
-              <a:picLocks noChangeAspect="1"/>
-            </p:cNvPicPr>
-            <p:nvPr/>
-          </p:nvPicPr>
-          <p:blipFill>
-            <a:blip r:embed="rId8">
-              <a:extLst>
-                <a:ext uri="{28A0092B-C50C-407E-A947-70E740481C1C}">
-                  <a14:useLocalDpi xmlns:a14="http://schemas.microsoft.com/office/drawing/2010/main" val="0"/>
-                </a:ext>
-              </a:extLst>
-            </a:blip>
-            <a:stretch>
-              <a:fillRect/>
-            </a:stretch>
-          </p:blipFill>
-          <p:spPr>
-            <a:xfrm>
-              <a:off x="4735029" y="3776293"/>
-              <a:ext cx="1166400" cy="1402229"/>
-            </a:xfrm>
-            <a:prstGeom prst="rect">
-              <a:avLst/>
-            </a:prstGeom>
-          </p:spPr>
-        </p:pic>
-        <p:pic>
-          <p:nvPicPr>
-            <p:cNvPr id="25" name="Picture Software University Logo" descr="Software University logo">
-              <a:extLst>
-                <a:ext uri="{FF2B5EF4-FFF2-40B4-BE49-F238E27FC236}">
-                  <a16:creationId xmlns:a16="http://schemas.microsoft.com/office/drawing/2014/main" id="{C74C190C-5856-41B9-8819-AE8DE0E10980}"/>
-                </a:ext>
-              </a:extLst>
-            </p:cNvPr>
-            <p:cNvPicPr>
-              <a:picLocks noChangeAspect="1"/>
-            </p:cNvPicPr>
-            <p:nvPr/>
-          </p:nvPicPr>
-          <p:blipFill>
-            <a:blip r:embed="rId9" cstate="print">
-              <a:extLst>
-                <a:ext uri="{28A0092B-C50C-407E-A947-70E740481C1C}">
-                  <a14:useLocalDpi xmlns:a14="http://schemas.microsoft.com/office/drawing/2010/main" val="0"/>
-                </a:ext>
-              </a:extLst>
-            </a:blip>
-            <a:stretch>
-              <a:fillRect/>
-            </a:stretch>
-          </p:blipFill>
-          <p:spPr>
-            <a:xfrm>
-              <a:off x="3332216" y="3776295"/>
-              <a:ext cx="1164654" cy="1440000"/>
-            </a:xfrm>
-            <a:prstGeom prst="rect">
-              <a:avLst/>
-            </a:prstGeom>
-          </p:spPr>
-        </p:pic>
-        <p:cxnSp>
-          <p:nvCxnSpPr>
-            <p:cNvPr id="33" name="Straight Connector 6">
-              <a:extLst>
-                <a:ext uri="{FF2B5EF4-FFF2-40B4-BE49-F238E27FC236}">
-                  <a16:creationId xmlns:a16="http://schemas.microsoft.com/office/drawing/2014/main" id="{5C63D1E8-4A92-4691-8A24-A2FC7E8008E5}"/>
-                </a:ext>
-              </a:extLst>
-            </p:cNvPr>
-            <p:cNvCxnSpPr>
-              <a:cxnSpLocks/>
-            </p:cNvCxnSpPr>
-            <p:nvPr userDrawn="1"/>
-          </p:nvCxnSpPr>
-          <p:spPr>
-            <a:xfrm>
-              <a:off x="11077113" y="3335565"/>
-              <a:ext cx="0" cy="236220"/>
-            </a:xfrm>
-            <a:prstGeom prst="line">
-              <a:avLst/>
-            </a:prstGeom>
-            <a:ln w="25400"/>
-          </p:spPr>
-          <p:style>
-            <a:lnRef idx="1">
-              <a:schemeClr val="accent1"/>
-            </a:lnRef>
-            <a:fillRef idx="0">
-              <a:schemeClr val="accent1"/>
-            </a:fillRef>
-            <a:effectRef idx="0">
-              <a:schemeClr val="accent1"/>
-            </a:effectRef>
-            <a:fontRef idx="minor">
-              <a:schemeClr val="tx1"/>
-            </a:fontRef>
-          </p:style>
-        </p:cxnSp>
-        <p:cxnSp>
-          <p:nvCxnSpPr>
-            <p:cNvPr id="32" name="Straight Connector 5">
-              <a:extLst>
-                <a:ext uri="{FF2B5EF4-FFF2-40B4-BE49-F238E27FC236}">
-                  <a16:creationId xmlns:a16="http://schemas.microsoft.com/office/drawing/2014/main" id="{6E91D320-3732-40B8-864D-142D0A277ED1}"/>
-                </a:ext>
-              </a:extLst>
-            </p:cNvPr>
-            <p:cNvCxnSpPr>
-              <a:cxnSpLocks/>
-            </p:cNvCxnSpPr>
-            <p:nvPr userDrawn="1"/>
-          </p:nvCxnSpPr>
-          <p:spPr>
-            <a:xfrm>
-              <a:off x="9637113" y="3329215"/>
-              <a:ext cx="0" cy="236220"/>
-            </a:xfrm>
-            <a:prstGeom prst="line">
-              <a:avLst/>
-            </a:prstGeom>
-            <a:ln w="25400"/>
-          </p:spPr>
-          <p:style>
-            <a:lnRef idx="1">
-              <a:schemeClr val="accent1"/>
-            </a:lnRef>
-            <a:fillRef idx="0">
-              <a:schemeClr val="accent1"/>
-            </a:fillRef>
-            <a:effectRef idx="0">
-              <a:schemeClr val="accent1"/>
-            </a:effectRef>
-            <a:fontRef idx="minor">
-              <a:schemeClr val="tx1"/>
-            </a:fontRef>
-          </p:style>
-        </p:cxnSp>
-        <p:cxnSp>
-          <p:nvCxnSpPr>
-            <p:cNvPr id="31" name="Straight Connector 4">
-              <a:extLst>
-                <a:ext uri="{FF2B5EF4-FFF2-40B4-BE49-F238E27FC236}">
-                  <a16:creationId xmlns:a16="http://schemas.microsoft.com/office/drawing/2014/main" id="{299ABE09-E33C-46B7-A80D-7BF4A6956211}"/>
-                </a:ext>
-              </a:extLst>
-            </p:cNvPr>
-            <p:cNvCxnSpPr/>
-            <p:nvPr userDrawn="1"/>
-          </p:nvCxnSpPr>
-          <p:spPr>
-            <a:xfrm>
-              <a:off x="8197113" y="3329215"/>
-              <a:ext cx="0" cy="236220"/>
-            </a:xfrm>
-            <a:prstGeom prst="line">
-              <a:avLst/>
-            </a:prstGeom>
-            <a:ln w="25400"/>
-          </p:spPr>
-          <p:style>
-            <a:lnRef idx="1">
-              <a:schemeClr val="accent1"/>
-            </a:lnRef>
-            <a:fillRef idx="0">
-              <a:schemeClr val="accent1"/>
-            </a:fillRef>
-            <a:effectRef idx="0">
-              <a:schemeClr val="accent1"/>
-            </a:effectRef>
-            <a:fontRef idx="minor">
-              <a:schemeClr val="tx1"/>
-            </a:fontRef>
-          </p:style>
-        </p:cxnSp>
-        <p:cxnSp>
-          <p:nvCxnSpPr>
-            <p:cNvPr id="30" name="Straight Connector 3">
-              <a:extLst>
-                <a:ext uri="{FF2B5EF4-FFF2-40B4-BE49-F238E27FC236}">
-                  <a16:creationId xmlns:a16="http://schemas.microsoft.com/office/drawing/2014/main" id="{93DDBF37-0764-47AA-94E3-9A44F3ED8FB5}"/>
-                </a:ext>
-              </a:extLst>
-            </p:cNvPr>
-            <p:cNvCxnSpPr/>
-            <p:nvPr userDrawn="1"/>
-          </p:nvCxnSpPr>
-          <p:spPr>
-            <a:xfrm>
-              <a:off x="6757113" y="3329215"/>
-              <a:ext cx="0" cy="236220"/>
-            </a:xfrm>
-            <a:prstGeom prst="line">
-              <a:avLst/>
-            </a:prstGeom>
-            <a:ln w="25400"/>
-          </p:spPr>
-          <p:style>
-            <a:lnRef idx="1">
-              <a:schemeClr val="accent1"/>
-            </a:lnRef>
-            <a:fillRef idx="0">
-              <a:schemeClr val="accent1"/>
-            </a:fillRef>
-            <a:effectRef idx="0">
-              <a:schemeClr val="accent1"/>
-            </a:effectRef>
-            <a:fontRef idx="minor">
-              <a:schemeClr val="tx1"/>
-            </a:fontRef>
-          </p:style>
-        </p:cxnSp>
-        <p:cxnSp>
-          <p:nvCxnSpPr>
-            <p:cNvPr id="29" name="Straight Connector 2">
-              <a:extLst>
-                <a:ext uri="{FF2B5EF4-FFF2-40B4-BE49-F238E27FC236}">
-                  <a16:creationId xmlns:a16="http://schemas.microsoft.com/office/drawing/2014/main" id="{72BFE2F3-0845-4E5B-9375-E9D4027DD675}"/>
-                </a:ext>
-              </a:extLst>
-            </p:cNvPr>
-            <p:cNvCxnSpPr/>
-            <p:nvPr userDrawn="1"/>
-          </p:nvCxnSpPr>
-          <p:spPr>
-            <a:xfrm>
-              <a:off x="5309913" y="3335565"/>
-              <a:ext cx="0" cy="236220"/>
-            </a:xfrm>
-            <a:prstGeom prst="line">
-              <a:avLst/>
-            </a:prstGeom>
-            <a:ln w="25400"/>
-          </p:spPr>
-          <p:style>
-            <a:lnRef idx="1">
-              <a:schemeClr val="accent1"/>
-            </a:lnRef>
-            <a:fillRef idx="0">
-              <a:schemeClr val="accent1"/>
-            </a:fillRef>
-            <a:effectRef idx="0">
-              <a:schemeClr val="accent1"/>
-            </a:effectRef>
-            <a:fontRef idx="minor">
-              <a:schemeClr val="tx1"/>
-            </a:fontRef>
-          </p:style>
-        </p:cxnSp>
-        <p:cxnSp>
-          <p:nvCxnSpPr>
-            <p:cNvPr id="28" name="Straight Connector 1">
-              <a:extLst>
-                <a:ext uri="{FF2B5EF4-FFF2-40B4-BE49-F238E27FC236}">
-                  <a16:creationId xmlns:a16="http://schemas.microsoft.com/office/drawing/2014/main" id="{D4E5982E-3110-47E1-A5BB-91B7BECC3093}"/>
-                </a:ext>
-              </a:extLst>
-            </p:cNvPr>
-            <p:cNvCxnSpPr/>
-            <p:nvPr userDrawn="1"/>
-          </p:nvCxnSpPr>
-          <p:spPr>
-            <a:xfrm>
-              <a:off x="3915327" y="3335565"/>
-              <a:ext cx="0" cy="236220"/>
-            </a:xfrm>
-            <a:prstGeom prst="line">
-              <a:avLst/>
-            </a:prstGeom>
-            <a:ln w="25400"/>
-          </p:spPr>
-          <p:style>
-            <a:lnRef idx="1">
-              <a:schemeClr val="accent1"/>
-            </a:lnRef>
-            <a:fillRef idx="0">
-              <a:schemeClr val="accent1"/>
-            </a:fillRef>
-            <a:effectRef idx="0">
-              <a:schemeClr val="accent1"/>
-            </a:effectRef>
-            <a:fontRef idx="minor">
-              <a:schemeClr val="tx1"/>
-            </a:fontRef>
-          </p:style>
-        </p:cxnSp>
-        <p:cxnSp>
-          <p:nvCxnSpPr>
-            <p:cNvPr id="27" name="Straight Connector Horizontal">
-              <a:extLst>
-                <a:ext uri="{FF2B5EF4-FFF2-40B4-BE49-F238E27FC236}">
-                  <a16:creationId xmlns:a16="http://schemas.microsoft.com/office/drawing/2014/main" id="{5F62FB7C-BD6E-4383-98C1-2CF30F34CAFD}"/>
-                </a:ext>
-              </a:extLst>
-            </p:cNvPr>
-            <p:cNvCxnSpPr>
-              <a:cxnSpLocks/>
-            </p:cNvCxnSpPr>
-            <p:nvPr userDrawn="1"/>
-          </p:nvCxnSpPr>
-          <p:spPr>
-            <a:xfrm>
-              <a:off x="3915327" y="3335565"/>
-              <a:ext cx="7161786" cy="0"/>
-            </a:xfrm>
-            <a:prstGeom prst="line">
-              <a:avLst/>
-            </a:prstGeom>
-            <a:ln w="25400"/>
-          </p:spPr>
-          <p:style>
-            <a:lnRef idx="1">
-              <a:schemeClr val="accent1"/>
-            </a:lnRef>
-            <a:fillRef idx="0">
-              <a:schemeClr val="accent1"/>
-            </a:fillRef>
-            <a:effectRef idx="0">
-              <a:schemeClr val="accent1"/>
-            </a:effectRef>
-            <a:fontRef idx="minor">
-              <a:schemeClr val="tx1"/>
-            </a:fontRef>
-          </p:style>
-        </p:cxnSp>
-        <p:cxnSp>
-          <p:nvCxnSpPr>
-            <p:cNvPr id="34" name="Straight Connector 0">
-              <a:extLst>
-                <a:ext uri="{FF2B5EF4-FFF2-40B4-BE49-F238E27FC236}">
-                  <a16:creationId xmlns:a16="http://schemas.microsoft.com/office/drawing/2014/main" id="{C84A0FE1-723D-4682-8682-77BAD950EE15}"/>
-                </a:ext>
-              </a:extLst>
-            </p:cNvPr>
-            <p:cNvCxnSpPr/>
-            <p:nvPr userDrawn="1"/>
-          </p:nvCxnSpPr>
-          <p:spPr>
-            <a:xfrm>
-              <a:off x="7496220" y="3092995"/>
-              <a:ext cx="0" cy="236220"/>
-            </a:xfrm>
-            <a:prstGeom prst="line">
-              <a:avLst/>
-            </a:prstGeom>
-            <a:ln w="25400"/>
-          </p:spPr>
-          <p:style>
-            <a:lnRef idx="1">
-              <a:schemeClr val="accent1"/>
-            </a:lnRef>
-            <a:fillRef idx="0">
-              <a:schemeClr val="accent1"/>
-            </a:fillRef>
-            <a:effectRef idx="0">
-              <a:schemeClr val="accent1"/>
-            </a:effectRef>
-            <a:fontRef idx="minor">
-              <a:schemeClr val="tx1"/>
-            </a:fontRef>
-          </p:style>
-        </p:cxnSp>
-        <p:pic>
-          <p:nvPicPr>
-            <p:cNvPr id="18" name="Picture SoftUni Logo" descr="SoftUni logo">
-              <a:extLst>
-                <a:ext uri="{FF2B5EF4-FFF2-40B4-BE49-F238E27FC236}">
-                  <a16:creationId xmlns:a16="http://schemas.microsoft.com/office/drawing/2014/main" id="{A0675455-B7FA-4569-A5FD-A3B0F20B2A26}"/>
-                </a:ext>
-              </a:extLst>
-            </p:cNvPr>
-            <p:cNvPicPr>
-              <a:picLocks noChangeAspect="1"/>
-            </p:cNvPicPr>
-            <p:nvPr/>
-          </p:nvPicPr>
-          <p:blipFill>
-            <a:blip r:embed="rId10" cstate="print">
-              <a:extLst>
-                <a:ext uri="{28A0092B-C50C-407E-A947-70E740481C1C}">
-                  <a14:useLocalDpi xmlns:a14="http://schemas.microsoft.com/office/drawing/2010/main" val="0"/>
-                </a:ext>
-              </a:extLst>
-            </a:blip>
-            <a:stretch>
-              <a:fillRect/>
-            </a:stretch>
-          </p:blipFill>
-          <p:spPr>
-            <a:xfrm>
-              <a:off x="6896770" y="1702473"/>
-              <a:ext cx="1198901" cy="1198901"/>
-            </a:xfrm>
-            <a:prstGeom prst="rect">
-              <a:avLst/>
-            </a:prstGeom>
-          </p:spPr>
-        </p:pic>
-      </p:grpSp>
-      <p:sp>
-        <p:nvSpPr>
-          <p:cNvPr id="19" name="Slide Title">
-            <a:extLst>
-              <a:ext uri="{FF2B5EF4-FFF2-40B4-BE49-F238E27FC236}">
-                <a16:creationId xmlns:a16="http://schemas.microsoft.com/office/drawing/2014/main" id="{7CFDBB16-985C-4CC7-B6DB-B81B36037922}"/>
+                <a16:creationId xmlns:a16="http://schemas.microsoft.com/office/drawing/2014/main" id="{3107753B-8639-4399-B782-EE5377184D2E}"/>
               </a:ext>
             </a:extLst>
           </p:cNvPr>
@@ -5071,142 +4347,33 @@
             <a:spLocks noGrp="1"/>
           </p:cNvSpPr>
           <p:nvPr>
-            <p:ph type="title"/>
+            <p:ph type="title" hasCustomPrompt="1"/>
           </p:nvPr>
         </p:nvSpPr>
         <p:spPr>
           <a:xfrm>
-            <a:off x="809628" y="703244"/>
-            <a:ext cx="5916372" cy="1033303"/>
+            <a:off x="726988" y="1461842"/>
+            <a:ext cx="10731663" cy="3047158"/>
           </a:xfrm>
-          <a:prstGeom prst="rect">
-            <a:avLst/>
-          </a:prstGeom>
         </p:spPr>
         <p:txBody>
-          <a:bodyPr wrap="none" lIns="0" tIns="0" rIns="0" bIns="0" anchor="ctr" anchorCtr="0">
-            <a:noAutofit/>
-            <a:scene3d>
-              <a:camera prst="orthographicFront"/>
-              <a:lightRig rig="soft" dir="t">
-                <a:rot lat="0" lon="0" rev="10800000"/>
-              </a:lightRig>
-            </a:scene3d>
-            <a:sp3d>
-              <a:bevelT w="27940" h="12700"/>
-              <a:contourClr>
-                <a:srgbClr val="DDDDDD"/>
-              </a:contourClr>
-            </a:sp3d>
+          <a:bodyPr>
+            <a:normAutofit/>
           </a:bodyPr>
-          <a:lstStyle/>
-          <a:p>
-            <a:pPr marL="0" marR="0" lvl="0" indent="0" algn="l" defTabSz="913852" rtl="0" eaLnBrk="0" fontAlgn="auto" latinLnBrk="0" hangingPunct="0">
-              <a:lnSpc>
-                <a:spcPct val="100000"/>
-              </a:lnSpc>
-              <a:spcBef>
-                <a:spcPts val="0"/>
-              </a:spcBef>
-              <a:spcAft>
-                <a:spcPts val="0"/>
-              </a:spcAft>
-              <a:buClr>
-                <a:srgbClr val="67748E">
-                  <a:lumMod val="40000"/>
-                  <a:lumOff val="60000"/>
-                </a:srgbClr>
-              </a:buClr>
-              <a:buSzPct val="70000"/>
-              <a:buFont typeface="Wingdings 2" pitchFamily="18" charset="2"/>
-              <a:buNone/>
-              <a:tabLst/>
-              <a:defRPr/>
-            </a:pPr>
-            <a:r>
-              <a:rPr kumimoji="0" lang="en-US" sz="8797" b="1" i="0" u="none" strike="noStrike" kern="1200" cap="none" spc="0" normalizeH="0" baseline="0" noProof="0" dirty="0">
-                <a:ln>
-                  <a:noFill/>
-                </a:ln>
-                <a:solidFill>
-                  <a:srgbClr val="234465"/>
-                </a:solidFill>
-                <a:effectLst/>
-                <a:uLnTx/>
-                <a:uFillTx/>
-                <a:latin typeface="Calibri" panose="020F0502020204030204"/>
-                <a:ea typeface="+mn-ea"/>
-                <a:cs typeface="+mn-cs"/>
-              </a:rPr>
-              <a:t>Questions?</a:t>
-            </a:r>
-            <a:endParaRPr kumimoji="0" lang="en-US" sz="8797" b="1" i="0" u="none" strike="noStrike" kern="1200" cap="none" spc="150" normalizeH="0" baseline="0" noProof="0" dirty="0">
-              <a:ln w="11430"/>
-              <a:solidFill>
-                <a:srgbClr val="234465"/>
-              </a:solidFill>
-              <a:effectLst>
-                <a:outerShdw blurRad="25400" algn="tl" rotWithShape="0">
-                  <a:srgbClr val="000000">
-                    <a:alpha val="43000"/>
-                  </a:srgbClr>
-                </a:outerShdw>
-              </a:effectLst>
-              <a:uLnTx/>
-              <a:uFillTx/>
-              <a:latin typeface="Calibri" panose="020F0502020204030204"/>
-              <a:ea typeface="+mn-ea"/>
-              <a:cs typeface="+mn-cs"/>
-            </a:endParaRPr>
+          <a:lstStyle>
+            <a:lvl1pPr algn="ctr">
+              <a:defRPr sz="13800"/>
+            </a:lvl1pPr>
+          </a:lstStyle>
+          <a:p>
+            <a:r>
+              <a:rPr lang="bg-BG" dirty="0"/>
+              <a:t>Въпроси?</a:t>
+            </a:r>
+            <a:endParaRPr lang="en-US" dirty="0"/>
           </a:p>
         </p:txBody>
       </p:sp>
-      <p:pic>
-        <p:nvPicPr>
-          <p:cNvPr id="36" name="Logo Software University" descr="Software University logo">
-            <a:extLst>
-              <a:ext uri="{FF2B5EF4-FFF2-40B4-BE49-F238E27FC236}">
-                <a16:creationId xmlns:a16="http://schemas.microsoft.com/office/drawing/2014/main" id="{67FC4D2E-913D-432A-B658-F0D82839FA5E}"/>
-              </a:ext>
-            </a:extLst>
-          </p:cNvPr>
-          <p:cNvPicPr>
-            <a:picLocks noChangeAspect="1"/>
-          </p:cNvPicPr>
-          <p:nvPr userDrawn="1"/>
-        </p:nvPicPr>
-        <p:blipFill>
-          <a:blip r:embed="rId11">
-            <a:clrChange>
-              <a:clrFrom>
-                <a:srgbClr val="FFFFFF"/>
-              </a:clrFrom>
-              <a:clrTo>
-                <a:srgbClr val="FFFFFF">
-                  <a:alpha val="0"/>
-                </a:srgbClr>
-              </a:clrTo>
-            </a:clrChange>
-            <a:extLst>
-              <a:ext uri="{28A0092B-C50C-407E-A947-70E740481C1C}">
-                <a14:useLocalDpi xmlns:a14="http://schemas.microsoft.com/office/drawing/2010/main" val="0"/>
-              </a:ext>
-            </a:extLst>
-          </a:blip>
-          <a:stretch>
-            <a:fillRect/>
-          </a:stretch>
-        </p:blipFill>
-        <p:spPr>
-          <a:xfrm>
-            <a:off x="10008761" y="190267"/>
-            <a:ext cx="2013336" cy="690975"/>
-          </a:xfrm>
-          <a:prstGeom prst="rect">
-            <a:avLst/>
-          </a:prstGeom>
-        </p:spPr>
-      </p:pic>
     </p:spTree>
     <p:extLst>
       <p:ext uri="{BB962C8B-B14F-4D97-AF65-F5344CB8AC3E}">
@@ -5241,528 +4408,6 @@
       </p15:sldGuideLst>
     </p:ext>
   </p:extLst>
-</p:sldLayout>
-</file>
-
-<file path=ppt/slideLayouts/slideLayout13.xml><?xml version="1.0" encoding="utf-8"?>
-<p:sldLayout xmlns:a="http://schemas.openxmlformats.org/drawingml/2006/main" xmlns:r="http://schemas.openxmlformats.org/officeDocument/2006/relationships" xmlns:p="http://schemas.openxmlformats.org/presentationml/2006/main" preserve="1" userDrawn="1">
-  <p:cSld name="About Slide">
-    <p:spTree>
-      <p:nvGrpSpPr>
-        <p:cNvPr id="1" name=""/>
-        <p:cNvGrpSpPr/>
-        <p:nvPr/>
-      </p:nvGrpSpPr>
-      <p:grpSpPr>
-        <a:xfrm>
-          <a:off x="0" y="0"/>
-          <a:ext cx="0" cy="0"/>
-          <a:chOff x="0" y="0"/>
-          <a:chExt cx="0" cy="0"/>
-        </a:xfrm>
-      </p:grpSpPr>
-      <p:sp>
-        <p:nvSpPr>
-          <p:cNvPr id="13" name="Slide Number">
-            <a:extLst>
-              <a:ext uri="{FF2B5EF4-FFF2-40B4-BE49-F238E27FC236}">
-                <a16:creationId xmlns:a16="http://schemas.microsoft.com/office/drawing/2014/main" id="{5B8761D8-B42F-4A70-A0CE-682CEB2AE31B}"/>
-              </a:ext>
-            </a:extLst>
-          </p:cNvPr>
-          <p:cNvSpPr>
-            <a:spLocks noGrp="1"/>
-          </p:cNvSpPr>
-          <p:nvPr>
-            <p:ph type="sldNum" sz="quarter" idx="4"/>
-          </p:nvPr>
-        </p:nvSpPr>
-        <p:spPr>
-          <a:xfrm>
-            <a:off x="11753030" y="6507000"/>
-            <a:ext cx="367414" cy="297000"/>
-          </a:xfrm>
-          <a:prstGeom prst="rect">
-            <a:avLst/>
-          </a:prstGeom>
-        </p:spPr>
-        <p:txBody>
-          <a:bodyPr vert="horz" lIns="91440" tIns="45720" rIns="91440" bIns="45720" rtlCol="0" anchor="b"/>
-          <a:lstStyle>
-            <a:lvl1pPr algn="r">
-              <a:defRPr sz="1000"/>
-            </a:lvl1pPr>
-          </a:lstStyle>
-          <a:p>
-            <a:fld id="{2BF067CD-8E6B-4360-9AA8-C5DF2A48A6D1}" type="slidenum">
-              <a:rPr lang="en-US" noProof="0" smtClean="0"/>
-              <a:pPr/>
-              <a:t>‹#›</a:t>
-            </a:fld>
-            <a:endParaRPr lang="en-US" noProof="0" dirty="0"/>
-          </a:p>
-        </p:txBody>
-      </p:sp>
-      <p:pic>
-        <p:nvPicPr>
-          <p:cNvPr id="19" name="Picture Forum" descr="Forum icon">
-            <a:hlinkClick r:id="rId2" tooltip="Software University Discussion Forum"/>
-            <a:extLst>
-              <a:ext uri="{FF2B5EF4-FFF2-40B4-BE49-F238E27FC236}">
-                <a16:creationId xmlns:a16="http://schemas.microsoft.com/office/drawing/2014/main" id="{98C579AD-FAF5-4B28-9B52-5457F1E90061}"/>
-              </a:ext>
-            </a:extLst>
-          </p:cNvPr>
-          <p:cNvPicPr>
-            <a:picLocks noChangeAspect="1"/>
-          </p:cNvPicPr>
-          <p:nvPr userDrawn="1"/>
-        </p:nvPicPr>
-        <p:blipFill>
-          <a:blip r:embed="rId3" cstate="print">
-            <a:extLst>
-              <a:ext uri="{28A0092B-C50C-407E-A947-70E740481C1C}">
-                <a14:useLocalDpi xmlns:a14="http://schemas.microsoft.com/office/drawing/2010/main"/>
-              </a:ext>
-            </a:extLst>
-          </a:blip>
-          <a:stretch>
-            <a:fillRect/>
-          </a:stretch>
-        </p:blipFill>
-        <p:spPr>
-          <a:xfrm>
-            <a:off x="10524350" y="5249556"/>
-            <a:ext cx="970156" cy="965726"/>
-          </a:xfrm>
-          <a:prstGeom prst="rect">
-            <a:avLst/>
-          </a:prstGeom>
-        </p:spPr>
-      </p:pic>
-      <p:pic>
-        <p:nvPicPr>
-          <p:cNvPr id="17" name="Picture Logo FB" descr="Facebook logo">
-            <a:hlinkClick r:id="rId4" tooltip="Software University @ Facebook"/>
-            <a:extLst>
-              <a:ext uri="{FF2B5EF4-FFF2-40B4-BE49-F238E27FC236}">
-                <a16:creationId xmlns:a16="http://schemas.microsoft.com/office/drawing/2014/main" id="{6B2C510E-5EF2-49F6-B926-2BD74CD3C7F8}"/>
-              </a:ext>
-            </a:extLst>
-          </p:cNvPr>
-          <p:cNvPicPr>
-            <a:picLocks noChangeAspect="1" noChangeArrowheads="1"/>
-          </p:cNvPicPr>
-          <p:nvPr userDrawn="1"/>
-        </p:nvPicPr>
-        <p:blipFill rotWithShape="1">
-          <a:blip r:embed="rId5" cstate="print">
-            <a:extLst>
-              <a:ext uri="{28A0092B-C50C-407E-A947-70E740481C1C}">
-                <a14:useLocalDpi xmlns:a14="http://schemas.microsoft.com/office/drawing/2010/main"/>
-              </a:ext>
-            </a:extLst>
-          </a:blip>
-          <a:srcRect/>
-          <a:stretch/>
-        </p:blipFill>
-        <p:spPr bwMode="auto">
-          <a:xfrm>
-            <a:off x="10507451" y="3689937"/>
-            <a:ext cx="1003954" cy="1017562"/>
-          </a:xfrm>
-          <a:prstGeom prst="rect">
-            <a:avLst/>
-          </a:prstGeom>
-          <a:noFill/>
-          <a:extLst>
-            <a:ext uri="{909E8E84-426E-40DD-AFC4-6F175D3DCCD1}">
-              <a14:hiddenFill xmlns:a14="http://schemas.microsoft.com/office/drawing/2010/main">
-                <a:solidFill>
-                  <a:srgbClr val="FFFFFF"/>
-                </a:solidFill>
-              </a14:hiddenFill>
-            </a:ext>
-          </a:extLst>
-        </p:spPr>
-      </p:pic>
-      <p:pic>
-        <p:nvPicPr>
-          <p:cNvPr id="20" name="Picture Logo SoftUni Right" descr="Software University logo">
-            <a:hlinkClick r:id="rId6"/>
-            <a:extLst>
-              <a:ext uri="{FF2B5EF4-FFF2-40B4-BE49-F238E27FC236}">
-                <a16:creationId xmlns:a16="http://schemas.microsoft.com/office/drawing/2014/main" id="{F4604840-E810-44B7-9FF1-3B28CD68B758}"/>
-              </a:ext>
-            </a:extLst>
-          </p:cNvPr>
-          <p:cNvPicPr>
-            <a:picLocks noChangeAspect="1"/>
-          </p:cNvPicPr>
-          <p:nvPr userDrawn="1"/>
-        </p:nvPicPr>
-        <p:blipFill>
-          <a:blip r:embed="rId7">
-            <a:extLst>
-              <a:ext uri="{28A0092B-C50C-407E-A947-70E740481C1C}">
-                <a14:useLocalDpi xmlns:a14="http://schemas.microsoft.com/office/drawing/2010/main" val="0"/>
-              </a:ext>
-            </a:extLst>
-          </a:blip>
-          <a:stretch>
-            <a:fillRect/>
-          </a:stretch>
-        </p:blipFill>
-        <p:spPr>
-          <a:xfrm>
-            <a:off x="10413401" y="1674000"/>
-            <a:ext cx="1192055" cy="1473880"/>
-          </a:xfrm>
-          <a:prstGeom prst="rect">
-            <a:avLst/>
-          </a:prstGeom>
-        </p:spPr>
-      </p:pic>
-      <p:pic>
-        <p:nvPicPr>
-          <p:cNvPr id="16" name="Picture SoftUni Mascot" descr="SoftUni mascot">
-            <a:hlinkClick r:id="rId8"/>
-            <a:extLst>
-              <a:ext uri="{FF2B5EF4-FFF2-40B4-BE49-F238E27FC236}">
-                <a16:creationId xmlns:a16="http://schemas.microsoft.com/office/drawing/2014/main" id="{07C965FA-A87E-4824-AFA8-C67AF548A76A}"/>
-              </a:ext>
-            </a:extLst>
-          </p:cNvPr>
-          <p:cNvPicPr>
-            <a:picLocks noChangeAspect="1"/>
-          </p:cNvPicPr>
-          <p:nvPr/>
-        </p:nvPicPr>
-        <p:blipFill>
-          <a:blip r:embed="rId9">
-            <a:extLst>
-              <a:ext uri="{28A0092B-C50C-407E-A947-70E740481C1C}">
-                <a14:useLocalDpi xmlns:a14="http://schemas.microsoft.com/office/drawing/2010/main" val="0"/>
-              </a:ext>
-            </a:extLst>
-          </a:blip>
-          <a:srcRect/>
-          <a:stretch/>
-        </p:blipFill>
-        <p:spPr>
-          <a:xfrm>
-            <a:off x="7181957" y="2584289"/>
-            <a:ext cx="2732955" cy="3630993"/>
-          </a:xfrm>
-          <a:prstGeom prst="rect">
-            <a:avLst/>
-          </a:prstGeom>
-        </p:spPr>
-      </p:pic>
-      <p:sp>
-        <p:nvSpPr>
-          <p:cNvPr id="12" name="Slide Body Text">
-            <a:extLst>
-              <a:ext uri="{FF2B5EF4-FFF2-40B4-BE49-F238E27FC236}">
-                <a16:creationId xmlns:a16="http://schemas.microsoft.com/office/drawing/2014/main" id="{0C1F9416-8B6E-46DE-973C-777785E27A26}"/>
-              </a:ext>
-            </a:extLst>
-          </p:cNvPr>
-          <p:cNvSpPr>
-            <a:spLocks noGrp="1"/>
-          </p:cNvSpPr>
-          <p:nvPr>
-            <p:ph idx="4294967295" hasCustomPrompt="1"/>
-          </p:nvPr>
-        </p:nvSpPr>
-        <p:spPr>
-          <a:xfrm>
-            <a:off x="152410" y="1186307"/>
-            <a:ext cx="8688590" cy="5496127"/>
-          </a:xfrm>
-        </p:spPr>
-        <p:txBody>
-          <a:bodyPr wrap="square">
-            <a:noAutofit/>
-          </a:bodyPr>
-          <a:lstStyle>
-            <a:lvl1pPr latinLnBrk="0">
-              <a:buClr>
-                <a:schemeClr val="tx1"/>
-              </a:buClr>
-              <a:defRPr sz="2798"/>
-            </a:lvl1pPr>
-            <a:lvl2pPr marL="989981" marR="0" indent="-380762" algn="l" defTabSz="1218438" rtl="0" eaLnBrk="1" fontAlgn="auto" latinLnBrk="1" hangingPunct="1">
-              <a:lnSpc>
-                <a:spcPct val="100000"/>
-              </a:lnSpc>
-              <a:spcBef>
-                <a:spcPts val="600"/>
-              </a:spcBef>
-              <a:spcAft>
-                <a:spcPts val="600"/>
-              </a:spcAft>
-              <a:buClrTx/>
-              <a:buSzTx/>
-              <a:buFont typeface="Wingdings" panose="05000000000000000000" pitchFamily="2" charset="2"/>
-              <a:buChar char="§"/>
-              <a:tabLst>
-                <a:tab pos="282405" algn="l"/>
-              </a:tabLst>
-              <a:defRPr sz="2800"/>
-            </a:lvl2pPr>
-            <a:lvl3pPr>
-              <a:buClr>
-                <a:schemeClr val="tx1"/>
-              </a:buClr>
-              <a:defRPr/>
-            </a:lvl3pPr>
-          </a:lstStyle>
-          <a:p>
-            <a:r>
-              <a:rPr lang="en-US" sz="3000" noProof="0" dirty="0"/>
-              <a:t>Software University – High-Quality Education, Profession and Job for Software Developers</a:t>
-            </a:r>
-          </a:p>
-          <a:p>
-            <a:pPr lvl="1"/>
-            <a:r>
-              <a:rPr lang="en-US" noProof="1">
-                <a:hlinkClick r:id="rId8"/>
-              </a:rPr>
-              <a:t>softuni.bg</a:t>
-            </a:r>
-            <a:r>
-              <a:rPr lang="en-US" noProof="1"/>
-              <a:t> </a:t>
-            </a:r>
-          </a:p>
-          <a:p>
-            <a:r>
-              <a:rPr lang="en-US" sz="3000" noProof="0" dirty="0"/>
-              <a:t>Software University Foundation</a:t>
-            </a:r>
-          </a:p>
-          <a:p>
-            <a:pPr lvl="1"/>
-            <a:r>
-              <a:rPr lang="en-US" noProof="1">
-                <a:hlinkClick r:id="rId10"/>
-              </a:rPr>
-              <a:t>softuni.foundation</a:t>
-            </a:r>
-            <a:endParaRPr lang="en-US" noProof="1"/>
-          </a:p>
-          <a:p>
-            <a:r>
-              <a:rPr lang="en-US" sz="3000" noProof="0" dirty="0"/>
-              <a:t>Software University @ Facebook</a:t>
-            </a:r>
-          </a:p>
-          <a:p>
-            <a:pPr lvl="1"/>
-            <a:r>
-              <a:rPr lang="en-US" noProof="1">
-                <a:hlinkClick r:id="rId4"/>
-              </a:rPr>
-              <a:t>facebook.com/SoftwareUniversity</a:t>
-            </a:r>
-            <a:endParaRPr lang="en-US" noProof="1"/>
-          </a:p>
-          <a:p>
-            <a:r>
-              <a:rPr lang="en-US" sz="3000" noProof="0" dirty="0"/>
-              <a:t>Software University Forums</a:t>
-            </a:r>
-          </a:p>
-          <a:p>
-            <a:pPr lvl="1"/>
-            <a:r>
-              <a:rPr lang="en-US" noProof="1">
-                <a:hlinkClick r:id="rId2"/>
-              </a:rPr>
-              <a:t>forum.softuni.bg</a:t>
-            </a:r>
-            <a:endParaRPr lang="en-US" noProof="1"/>
-          </a:p>
-        </p:txBody>
-      </p:sp>
-      <p:sp>
-        <p:nvSpPr>
-          <p:cNvPr id="10" name="Rectangle Top">
-            <a:extLst>
-              <a:ext uri="{FF2B5EF4-FFF2-40B4-BE49-F238E27FC236}">
-                <a16:creationId xmlns:a16="http://schemas.microsoft.com/office/drawing/2014/main" id="{86646B95-5E3B-4DE8-9118-031C2C296D8C}"/>
-              </a:ext>
-            </a:extLst>
-          </p:cNvPr>
-          <p:cNvSpPr/>
-          <p:nvPr userDrawn="1"/>
-        </p:nvSpPr>
-        <p:spPr>
-          <a:xfrm>
-            <a:off x="0" y="0"/>
-            <a:ext cx="12195176" cy="1095376"/>
-          </a:xfrm>
-          <a:prstGeom prst="rect">
-            <a:avLst/>
-          </a:prstGeom>
-          <a:solidFill>
-            <a:schemeClr val="tx2"/>
-          </a:solidFill>
-          <a:ln>
-            <a:noFill/>
-          </a:ln>
-        </p:spPr>
-        <p:style>
-          <a:lnRef idx="2">
-            <a:schemeClr val="accent1">
-              <a:shade val="50000"/>
-            </a:schemeClr>
-          </a:lnRef>
-          <a:fillRef idx="1">
-            <a:schemeClr val="accent1"/>
-          </a:fillRef>
-          <a:effectRef idx="0">
-            <a:schemeClr val="accent1"/>
-          </a:effectRef>
-          <a:fontRef idx="minor">
-            <a:schemeClr val="lt1"/>
-          </a:fontRef>
-        </p:style>
-        <p:txBody>
-          <a:bodyPr rtlCol="0" anchor="ctr"/>
-          <a:lstStyle/>
-          <a:p>
-            <a:pPr marL="0" marR="0" lvl="0" indent="0" algn="ctr" defTabSz="913852" rtl="0" eaLnBrk="1" fontAlgn="auto" latinLnBrk="0" hangingPunct="1">
-              <a:lnSpc>
-                <a:spcPct val="100000"/>
-              </a:lnSpc>
-              <a:spcBef>
-                <a:spcPts val="0"/>
-              </a:spcBef>
-              <a:spcAft>
-                <a:spcPts val="0"/>
-              </a:spcAft>
-              <a:buClrTx/>
-              <a:buSzTx/>
-              <a:buFontTx/>
-              <a:buNone/>
-              <a:tabLst/>
-              <a:defRPr/>
-            </a:pPr>
-            <a:endParaRPr kumimoji="0" lang="en-US" altLang="ko-KR" sz="2398" b="0" i="0" u="none" strike="noStrike" kern="1200" cap="none" spc="0" normalizeH="0" baseline="0" noProof="0" dirty="0">
-              <a:ln>
-                <a:noFill/>
-              </a:ln>
-              <a:solidFill>
-                <a:srgbClr val="F7C86D"/>
-              </a:solidFill>
-              <a:effectLst/>
-              <a:uLnTx/>
-              <a:uFillTx/>
-              <a:latin typeface="Calibri" panose="020F0502020204030204"/>
-              <a:ea typeface="맑은 고딕" panose="020B0503020000020004" pitchFamily="34" charset="-127"/>
-              <a:cs typeface="+mn-cs"/>
-            </a:endParaRPr>
-          </a:p>
-        </p:txBody>
-      </p:sp>
-      <p:pic>
-        <p:nvPicPr>
-          <p:cNvPr id="11" name="Logo Software University" descr="Software University logo">
-            <a:extLst>
-              <a:ext uri="{FF2B5EF4-FFF2-40B4-BE49-F238E27FC236}">
-                <a16:creationId xmlns:a16="http://schemas.microsoft.com/office/drawing/2014/main" id="{58AB1944-B146-4E89-B2D9-426EB610F319}"/>
-              </a:ext>
-            </a:extLst>
-          </p:cNvPr>
-          <p:cNvPicPr>
-            <a:picLocks noChangeAspect="1"/>
-          </p:cNvPicPr>
-          <p:nvPr userDrawn="1"/>
-        </p:nvPicPr>
-        <p:blipFill>
-          <a:blip r:embed="rId11">
-            <a:extLst>
-              <a:ext uri="{28A0092B-C50C-407E-A947-70E740481C1C}">
-                <a14:useLocalDpi xmlns:a14="http://schemas.microsoft.com/office/drawing/2010/main" val="0"/>
-              </a:ext>
-            </a:extLst>
-          </a:blip>
-          <a:stretch>
-            <a:fillRect/>
-          </a:stretch>
-        </p:blipFill>
-        <p:spPr>
-          <a:xfrm>
-            <a:off x="10067957" y="253936"/>
-            <a:ext cx="1915704" cy="559235"/>
-          </a:xfrm>
-          <a:prstGeom prst="rect">
-            <a:avLst/>
-          </a:prstGeom>
-        </p:spPr>
-      </p:pic>
-      <p:sp>
-        <p:nvSpPr>
-          <p:cNvPr id="18" name="Slide Title">
-            <a:extLst>
-              <a:ext uri="{FF2B5EF4-FFF2-40B4-BE49-F238E27FC236}">
-                <a16:creationId xmlns:a16="http://schemas.microsoft.com/office/drawing/2014/main" id="{AE87ED9C-76E1-4D85-9B06-3AF44AABB668}"/>
-              </a:ext>
-            </a:extLst>
-          </p:cNvPr>
-          <p:cNvSpPr>
-            <a:spLocks noGrp="1"/>
-          </p:cNvSpPr>
-          <p:nvPr>
-            <p:ph type="title" hasCustomPrompt="1"/>
-          </p:nvPr>
-        </p:nvSpPr>
-        <p:spPr>
-          <a:xfrm>
-            <a:off x="172286" y="108873"/>
-            <a:ext cx="9742626" cy="882654"/>
-          </a:xfrm>
-        </p:spPr>
-        <p:txBody>
-          <a:bodyPr/>
-          <a:lstStyle>
-            <a:lvl1pPr latinLnBrk="0">
-              <a:defRPr>
-                <a:solidFill>
-                  <a:schemeClr val="bg2"/>
-                </a:solidFill>
-              </a:defRPr>
-            </a:lvl1pPr>
-          </a:lstStyle>
-          <a:p>
-            <a:r>
-              <a:rPr lang="en-US" noProof="0" dirty="0"/>
-              <a:t>Trainings @ Software University (SoftUni)</a:t>
-            </a:r>
-          </a:p>
-        </p:txBody>
-      </p:sp>
-    </p:spTree>
-    <p:extLst>
-      <p:ext uri="{BB962C8B-B14F-4D97-AF65-F5344CB8AC3E}">
-        <p14:creationId xmlns:p14="http://schemas.microsoft.com/office/powerpoint/2010/main" val="2196466322"/>
-      </p:ext>
-    </p:extLst>
-  </p:cSld>
-  <p:clrMapOvr>
-    <a:masterClrMapping/>
-  </p:clrMapOvr>
-  <mc:AlternateContent xmlns:mc="http://schemas.openxmlformats.org/markup-compatibility/2006" xmlns:p14="http://schemas.microsoft.com/office/powerpoint/2010/main">
-    <mc:Choice Requires="p14">
-      <p:transition spd="slow" p14:dur="2000" advClick="0" advTm="5000"/>
-    </mc:Choice>
-    <mc:Fallback xmlns="">
-      <p:transition spd="slow" advClick="0" advTm="5000"/>
-    </mc:Fallback>
-  </mc:AlternateContent>
 </p:sldLayout>
 </file>
 
@@ -6188,42 +4833,6 @@
           </a:p>
         </p:txBody>
       </p:sp>
-      <p:pic>
-        <p:nvPicPr>
-          <p:cNvPr id="12" name="Logo Software University" descr="Software University logo">
-            <a:extLst>
-              <a:ext uri="{FF2B5EF4-FFF2-40B4-BE49-F238E27FC236}">
-                <a16:creationId xmlns:a16="http://schemas.microsoft.com/office/drawing/2014/main" id="{B1D3B425-B9BF-43ED-9DEC-C05002FBA22F}"/>
-              </a:ext>
-            </a:extLst>
-          </p:cNvPr>
-          <p:cNvPicPr>
-            <a:picLocks noChangeAspect="1"/>
-          </p:cNvPicPr>
-          <p:nvPr userDrawn="1"/>
-        </p:nvPicPr>
-        <p:blipFill>
-          <a:blip r:embed="rId2">
-            <a:extLst>
-              <a:ext uri="{28A0092B-C50C-407E-A947-70E740481C1C}">
-                <a14:useLocalDpi xmlns:a14="http://schemas.microsoft.com/office/drawing/2010/main" val="0"/>
-              </a:ext>
-            </a:extLst>
-          </a:blip>
-          <a:stretch>
-            <a:fillRect/>
-          </a:stretch>
-        </p:blipFill>
-        <p:spPr>
-          <a:xfrm>
-            <a:off x="10067957" y="253936"/>
-            <a:ext cx="1915704" cy="559235"/>
-          </a:xfrm>
-          <a:prstGeom prst="rect">
-            <a:avLst/>
-          </a:prstGeom>
-        </p:spPr>
-      </p:pic>
       <p:sp>
         <p:nvSpPr>
           <p:cNvPr id="6" name="Slide Title">
@@ -6243,7 +4852,7 @@
         <p:spPr>
           <a:xfrm>
             <a:off x="190406" y="100750"/>
-            <a:ext cx="9715594" cy="882654"/>
+            <a:ext cx="10270594" cy="882654"/>
           </a:xfrm>
         </p:spPr>
         <p:txBody>
@@ -6265,6 +4874,42 @@
           </a:p>
         </p:txBody>
       </p:sp>
+      <p:pic>
+        <p:nvPicPr>
+          <p:cNvPr id="4" name="Picture 3">
+            <a:extLst>
+              <a:ext uri="{FF2B5EF4-FFF2-40B4-BE49-F238E27FC236}">
+                <a16:creationId xmlns:a16="http://schemas.microsoft.com/office/drawing/2014/main" id="{4B9A1D0F-F579-6A3C-C698-4E2E7F1AB265}"/>
+              </a:ext>
+            </a:extLst>
+          </p:cNvPr>
+          <p:cNvPicPr>
+            <a:picLocks noChangeAspect="1"/>
+          </p:cNvPicPr>
+          <p:nvPr userDrawn="1"/>
+        </p:nvPicPr>
+        <p:blipFill>
+          <a:blip r:embed="rId2" cstate="print">
+            <a:extLst>
+              <a:ext uri="{28A0092B-C50C-407E-A947-70E740481C1C}">
+                <a14:useLocalDpi xmlns:a14="http://schemas.microsoft.com/office/drawing/2010/main" val="0"/>
+              </a:ext>
+            </a:extLst>
+          </a:blip>
+          <a:stretch>
+            <a:fillRect/>
+          </a:stretch>
+        </p:blipFill>
+        <p:spPr>
+          <a:xfrm>
+            <a:off x="10553573" y="368999"/>
+            <a:ext cx="1443361" cy="360001"/>
+          </a:xfrm>
+          <a:prstGeom prst="rect">
+            <a:avLst/>
+          </a:prstGeom>
+        </p:spPr>
+      </p:pic>
     </p:spTree>
     <p:extLst>
       <p:ext uri="{BB962C8B-B14F-4D97-AF65-F5344CB8AC3E}">
@@ -6287,371 +4932,6 @@
 </file>
 
 <file path=ppt/slideLayouts/slideLayout4.xml><?xml version="1.0" encoding="utf-8"?>
-<p:sldLayout xmlns:a="http://schemas.openxmlformats.org/drawingml/2006/main" xmlns:r="http://schemas.openxmlformats.org/officeDocument/2006/relationships" xmlns:p="http://schemas.openxmlformats.org/presentationml/2006/main" preserve="1" userDrawn="1">
-  <p:cSld name="Table of Contents">
-    <p:spTree>
-      <p:nvGrpSpPr>
-        <p:cNvPr id="1" name=""/>
-        <p:cNvGrpSpPr/>
-        <p:nvPr/>
-      </p:nvGrpSpPr>
-      <p:grpSpPr>
-        <a:xfrm>
-          <a:off x="0" y="0"/>
-          <a:ext cx="0" cy="0"/>
-          <a:chOff x="0" y="0"/>
-          <a:chExt cx="0" cy="0"/>
-        </a:xfrm>
-      </p:grpSpPr>
-      <p:sp>
-        <p:nvSpPr>
-          <p:cNvPr id="10" name="Slide Number">
-            <a:extLst>
-              <a:ext uri="{FF2B5EF4-FFF2-40B4-BE49-F238E27FC236}">
-                <a16:creationId xmlns:a16="http://schemas.microsoft.com/office/drawing/2014/main" id="{39DDE17E-5472-41F3-AF5F-54DFF10DC63C}"/>
-              </a:ext>
-            </a:extLst>
-          </p:cNvPr>
-          <p:cNvSpPr>
-            <a:spLocks noGrp="1"/>
-          </p:cNvSpPr>
-          <p:nvPr>
-            <p:ph type="sldNum" sz="quarter" idx="4"/>
-          </p:nvPr>
-        </p:nvSpPr>
-        <p:spPr>
-          <a:xfrm>
-            <a:off x="11753030" y="6507000"/>
-            <a:ext cx="367414" cy="297000"/>
-          </a:xfrm>
-          <a:prstGeom prst="rect">
-            <a:avLst/>
-          </a:prstGeom>
-        </p:spPr>
-        <p:txBody>
-          <a:bodyPr vert="horz" lIns="91440" tIns="45720" rIns="91440" bIns="45720" rtlCol="0" anchor="b"/>
-          <a:lstStyle>
-            <a:lvl1pPr algn="r">
-              <a:defRPr sz="1000"/>
-            </a:lvl1pPr>
-          </a:lstStyle>
-          <a:p>
-            <a:fld id="{2BF067CD-8E6B-4360-9AA8-C5DF2A48A6D1}" type="slidenum">
-              <a:rPr lang="en-US" noProof="0" smtClean="0"/>
-              <a:pPr/>
-              <a:t>‹#›</a:t>
-            </a:fld>
-            <a:endParaRPr lang="en-US" noProof="0"/>
-          </a:p>
-        </p:txBody>
-      </p:sp>
-      <p:pic>
-        <p:nvPicPr>
-          <p:cNvPr id="9" name="Picture SoftUni Mascot" descr="SoftUni mascot with laptop">
-            <a:extLst>
-              <a:ext uri="{FF2B5EF4-FFF2-40B4-BE49-F238E27FC236}">
-                <a16:creationId xmlns:a16="http://schemas.microsoft.com/office/drawing/2014/main" id="{DC4365F6-D2C1-47B4-8477-38FD2C7711AA}"/>
-              </a:ext>
-            </a:extLst>
-          </p:cNvPr>
-          <p:cNvPicPr>
-            <a:picLocks noChangeAspect="1"/>
-          </p:cNvPicPr>
-          <p:nvPr/>
-        </p:nvPicPr>
-        <p:blipFill>
-          <a:blip r:embed="rId2" cstate="print">
-            <a:extLst>
-              <a:ext uri="{28A0092B-C50C-407E-A947-70E740481C1C}">
-                <a14:useLocalDpi xmlns:a14="http://schemas.microsoft.com/office/drawing/2010/main" val="0"/>
-              </a:ext>
-            </a:extLst>
-          </a:blip>
-          <a:stretch>
-            <a:fillRect/>
-          </a:stretch>
-        </p:blipFill>
-        <p:spPr>
-          <a:xfrm flipH="1">
-            <a:off x="9516000" y="3408496"/>
-            <a:ext cx="2251057" cy="3044431"/>
-          </a:xfrm>
-          <a:prstGeom prst="rect">
-            <a:avLst/>
-          </a:prstGeom>
-        </p:spPr>
-      </p:pic>
-      <p:sp>
-        <p:nvSpPr>
-          <p:cNvPr id="23" name="Slide Body Text">
-            <a:extLst>
-              <a:ext uri="{FF2B5EF4-FFF2-40B4-BE49-F238E27FC236}">
-                <a16:creationId xmlns:a16="http://schemas.microsoft.com/office/drawing/2014/main" id="{889D93F4-ABFA-46BF-8E5D-FE6562ACB20F}"/>
-              </a:ext>
-            </a:extLst>
-          </p:cNvPr>
-          <p:cNvSpPr>
-            <a:spLocks noGrp="1"/>
-          </p:cNvSpPr>
-          <p:nvPr>
-            <p:ph type="body" sz="quarter" idx="13" hasCustomPrompt="1"/>
-          </p:nvPr>
-        </p:nvSpPr>
-        <p:spPr>
-          <a:xfrm>
-            <a:off x="196766" y="1371604"/>
-            <a:ext cx="9049234" cy="5207396"/>
-          </a:xfrm>
-        </p:spPr>
-        <p:txBody>
-          <a:bodyPr>
-            <a:normAutofit/>
-          </a:bodyPr>
-          <a:lstStyle>
-            <a:lvl1pPr marL="514042" indent="-514042" latinLnBrk="0">
-              <a:buFont typeface="+mj-lt"/>
-              <a:buAutoNum type="arabicPeriod"/>
-              <a:defRPr sz="3600">
-                <a:solidFill>
-                  <a:schemeClr val="tx1"/>
-                </a:solidFill>
-              </a:defRPr>
-            </a:lvl1pPr>
-            <a:lvl2pPr>
-              <a:defRPr sz="3400"/>
-            </a:lvl2pPr>
-          </a:lstStyle>
-          <a:p>
-            <a:pPr lvl="0"/>
-            <a:r>
-              <a:rPr lang="en-US" noProof="0"/>
-              <a:t>…</a:t>
-            </a:r>
-          </a:p>
-          <a:p>
-            <a:pPr lvl="1"/>
-            <a:r>
-              <a:rPr lang="en-US" noProof="0"/>
-              <a:t>…</a:t>
-            </a:r>
-          </a:p>
-          <a:p>
-            <a:pPr lvl="1"/>
-            <a:r>
-              <a:rPr lang="en-US" noProof="0"/>
-              <a:t>…</a:t>
-            </a:r>
-          </a:p>
-          <a:p>
-            <a:pPr lvl="0"/>
-            <a:r>
-              <a:rPr lang="en-US" noProof="0"/>
-              <a:t>…</a:t>
-            </a:r>
-          </a:p>
-          <a:p>
-            <a:pPr lvl="1"/>
-            <a:r>
-              <a:rPr lang="en-US" noProof="0"/>
-              <a:t>…</a:t>
-            </a:r>
-          </a:p>
-          <a:p>
-            <a:pPr lvl="1"/>
-            <a:r>
-              <a:rPr lang="en-US" noProof="0"/>
-              <a:t>…</a:t>
-            </a:r>
-          </a:p>
-          <a:p>
-            <a:pPr lvl="0"/>
-            <a:r>
-              <a:rPr lang="en-US" noProof="0"/>
-              <a:t>…</a:t>
-            </a:r>
-          </a:p>
-        </p:txBody>
-      </p:sp>
-      <p:sp>
-        <p:nvSpPr>
-          <p:cNvPr id="8" name="Rectangle Top">
-            <a:extLst>
-              <a:ext uri="{FF2B5EF4-FFF2-40B4-BE49-F238E27FC236}">
-                <a16:creationId xmlns:a16="http://schemas.microsoft.com/office/drawing/2014/main" id="{930E0800-9260-4369-8330-8264DD33C5CE}"/>
-              </a:ext>
-            </a:extLst>
-          </p:cNvPr>
-          <p:cNvSpPr/>
-          <p:nvPr userDrawn="1"/>
-        </p:nvSpPr>
-        <p:spPr>
-          <a:xfrm>
-            <a:off x="0" y="0"/>
-            <a:ext cx="12196800" cy="1095376"/>
-          </a:xfrm>
-          <a:prstGeom prst="rect">
-            <a:avLst/>
-          </a:prstGeom>
-          <a:solidFill>
-            <a:schemeClr val="tx2"/>
-          </a:solidFill>
-          <a:ln>
-            <a:noFill/>
-          </a:ln>
-        </p:spPr>
-        <p:style>
-          <a:lnRef idx="2">
-            <a:schemeClr val="accent1">
-              <a:shade val="50000"/>
-            </a:schemeClr>
-          </a:lnRef>
-          <a:fillRef idx="1">
-            <a:schemeClr val="accent1"/>
-          </a:fillRef>
-          <a:effectRef idx="0">
-            <a:schemeClr val="accent1"/>
-          </a:effectRef>
-          <a:fontRef idx="minor">
-            <a:schemeClr val="lt1"/>
-          </a:fontRef>
-        </p:style>
-        <p:txBody>
-          <a:bodyPr rtlCol="0" anchor="ctr"/>
-          <a:lstStyle/>
-          <a:p>
-            <a:pPr marL="0" marR="0" lvl="0" indent="0" algn="ctr" defTabSz="913852" rtl="0" eaLnBrk="1" fontAlgn="auto" latinLnBrk="0" hangingPunct="1">
-              <a:lnSpc>
-                <a:spcPct val="100000"/>
-              </a:lnSpc>
-              <a:spcBef>
-                <a:spcPts val="0"/>
-              </a:spcBef>
-              <a:spcAft>
-                <a:spcPts val="0"/>
-              </a:spcAft>
-              <a:buClrTx/>
-              <a:buSzTx/>
-              <a:buFontTx/>
-              <a:buNone/>
-              <a:tabLst/>
-              <a:defRPr/>
-            </a:pPr>
-            <a:endParaRPr kumimoji="0" lang="en-US" altLang="ko-KR" sz="2398" b="0" i="0" u="none" strike="noStrike" kern="1200" cap="none" spc="0" normalizeH="0" baseline="0" noProof="0">
-              <a:ln>
-                <a:noFill/>
-              </a:ln>
-              <a:solidFill>
-                <a:srgbClr val="F7C86D"/>
-              </a:solidFill>
-              <a:effectLst/>
-              <a:uLnTx/>
-              <a:uFillTx/>
-              <a:latin typeface="Calibri" panose="020F0502020204030204"/>
-              <a:ea typeface="맑은 고딕" panose="020B0503020000020004" pitchFamily="34" charset="-127"/>
-              <a:cs typeface="+mn-cs"/>
-            </a:endParaRPr>
-          </a:p>
-        </p:txBody>
-      </p:sp>
-      <p:pic>
-        <p:nvPicPr>
-          <p:cNvPr id="11" name="Logo Software University" descr="Software University logo">
-            <a:extLst>
-              <a:ext uri="{FF2B5EF4-FFF2-40B4-BE49-F238E27FC236}">
-                <a16:creationId xmlns:a16="http://schemas.microsoft.com/office/drawing/2014/main" id="{14F779A7-4A91-448B-BEFA-956C70A1C22F}"/>
-              </a:ext>
-            </a:extLst>
-          </p:cNvPr>
-          <p:cNvPicPr>
-            <a:picLocks noChangeAspect="1"/>
-          </p:cNvPicPr>
-          <p:nvPr userDrawn="1"/>
-        </p:nvPicPr>
-        <p:blipFill>
-          <a:blip r:embed="rId3">
-            <a:extLst>
-              <a:ext uri="{28A0092B-C50C-407E-A947-70E740481C1C}">
-                <a14:useLocalDpi xmlns:a14="http://schemas.microsoft.com/office/drawing/2010/main" val="0"/>
-              </a:ext>
-            </a:extLst>
-          </a:blip>
-          <a:stretch>
-            <a:fillRect/>
-          </a:stretch>
-        </p:blipFill>
-        <p:spPr>
-          <a:xfrm>
-            <a:off x="10067957" y="253936"/>
-            <a:ext cx="1915704" cy="559235"/>
-          </a:xfrm>
-          <a:prstGeom prst="rect">
-            <a:avLst/>
-          </a:prstGeom>
-        </p:spPr>
-      </p:pic>
-      <p:sp>
-        <p:nvSpPr>
-          <p:cNvPr id="13" name="Slide Title">
-            <a:extLst>
-              <a:ext uri="{FF2B5EF4-FFF2-40B4-BE49-F238E27FC236}">
-                <a16:creationId xmlns:a16="http://schemas.microsoft.com/office/drawing/2014/main" id="{357D7BE1-6358-42CC-94F3-7BCDD91DCB6D}"/>
-              </a:ext>
-            </a:extLst>
-          </p:cNvPr>
-          <p:cNvSpPr>
-            <a:spLocks noGrp="1"/>
-          </p:cNvSpPr>
-          <p:nvPr>
-            <p:ph type="title" hasCustomPrompt="1"/>
-          </p:nvPr>
-        </p:nvSpPr>
-        <p:spPr>
-          <a:xfrm>
-            <a:off x="190406" y="100750"/>
-            <a:ext cx="9715594" cy="882654"/>
-          </a:xfrm>
-        </p:spPr>
-        <p:txBody>
-          <a:bodyPr/>
-          <a:lstStyle>
-            <a:lvl1pPr latinLnBrk="0">
-              <a:defRPr>
-                <a:solidFill>
-                  <a:schemeClr val="bg2"/>
-                </a:solidFill>
-              </a:defRPr>
-            </a:lvl1pPr>
-          </a:lstStyle>
-          <a:p>
-            <a:r>
-              <a:rPr lang="en-US" noProof="0" dirty="0"/>
-              <a:t>Table of Contents</a:t>
-            </a:r>
-          </a:p>
-        </p:txBody>
-      </p:sp>
-    </p:spTree>
-    <p:extLst>
-      <p:ext uri="{BB962C8B-B14F-4D97-AF65-F5344CB8AC3E}">
-        <p14:creationId xmlns:p14="http://schemas.microsoft.com/office/powerpoint/2010/main" val="1028724482"/>
-      </p:ext>
-    </p:extLst>
-  </p:cSld>
-  <p:clrMapOvr>
-    <a:masterClrMapping/>
-  </p:clrMapOvr>
-  <mc:AlternateContent xmlns:mc="http://schemas.openxmlformats.org/markup-compatibility/2006" xmlns:p14="http://schemas.microsoft.com/office/powerpoint/2010/main">
-    <mc:Choice Requires="p14">
-      <p:transition spd="slow" p14:dur="2000" advClick="0" advTm="5000"/>
-    </mc:Choice>
-    <mc:Fallback xmlns="">
-      <p:transition spd="slow" advClick="0" advTm="5000"/>
-    </mc:Fallback>
-  </mc:AlternateContent>
-</p:sldLayout>
-</file>
-
-<file path=ppt/slideLayouts/slideLayout5.xml><?xml version="1.0" encoding="utf-8"?>
 <p:sldLayout xmlns:a="http://schemas.openxmlformats.org/drawingml/2006/main" xmlns:r="http://schemas.openxmlformats.org/officeDocument/2006/relationships" xmlns:p="http://schemas.openxmlformats.org/presentationml/2006/main" preserve="1" userDrawn="1">
   <p:cSld name="Important Concept">
     <p:spTree>
@@ -6922,52 +5202,6 @@
           </a:p>
         </p:txBody>
       </p:sp>
-      <p:pic>
-        <p:nvPicPr>
-          <p:cNvPr id="3" name="Logo Software University" descr="Software University logo">
-            <a:extLst>
-              <a:ext uri="{FF2B5EF4-FFF2-40B4-BE49-F238E27FC236}">
-                <a16:creationId xmlns:a16="http://schemas.microsoft.com/office/drawing/2014/main" id="{5573C101-930B-47AC-967A-A64513DFFDEE}"/>
-              </a:ext>
-            </a:extLst>
-          </p:cNvPr>
-          <p:cNvPicPr>
-            <a:picLocks noChangeAspect="1"/>
-          </p:cNvPicPr>
-          <p:nvPr userDrawn="1"/>
-        </p:nvPicPr>
-        <p:blipFill>
-          <a:blip r:embed="rId3">
-            <a:clrChange>
-              <a:clrFrom>
-                <a:srgbClr val="FFFFFF"/>
-              </a:clrFrom>
-              <a:clrTo>
-                <a:srgbClr val="FFFFFF">
-                  <a:alpha val="0"/>
-                </a:srgbClr>
-              </a:clrTo>
-            </a:clrChange>
-            <a:extLst>
-              <a:ext uri="{28A0092B-C50C-407E-A947-70E740481C1C}">
-                <a14:useLocalDpi xmlns:a14="http://schemas.microsoft.com/office/drawing/2010/main" val="0"/>
-              </a:ext>
-            </a:extLst>
-          </a:blip>
-          <a:stretch>
-            <a:fillRect/>
-          </a:stretch>
-        </p:blipFill>
-        <p:spPr>
-          <a:xfrm>
-            <a:off x="10008761" y="190267"/>
-            <a:ext cx="2013336" cy="690975"/>
-          </a:xfrm>
-          <a:prstGeom prst="rect">
-            <a:avLst/>
-          </a:prstGeom>
-        </p:spPr>
-      </p:pic>
       <p:sp>
         <p:nvSpPr>
           <p:cNvPr id="8" name="Slide Title">
@@ -6986,8 +5220,8 @@
         </p:nvSpPr>
         <p:spPr>
           <a:xfrm>
-            <a:off x="1296957" y="100750"/>
-            <a:ext cx="8625520" cy="882654"/>
+            <a:off x="1296956" y="100750"/>
+            <a:ext cx="9164044" cy="882654"/>
           </a:xfrm>
         </p:spPr>
         <p:txBody>
@@ -7005,6 +5239,42 @@
           </a:p>
         </p:txBody>
       </p:sp>
+      <p:pic>
+        <p:nvPicPr>
+          <p:cNvPr id="2" name="Picture 1">
+            <a:extLst>
+              <a:ext uri="{FF2B5EF4-FFF2-40B4-BE49-F238E27FC236}">
+                <a16:creationId xmlns:a16="http://schemas.microsoft.com/office/drawing/2014/main" id="{78CA5371-2597-CF8F-1859-226395807433}"/>
+              </a:ext>
+            </a:extLst>
+          </p:cNvPr>
+          <p:cNvPicPr>
+            <a:picLocks noChangeAspect="1"/>
+          </p:cNvPicPr>
+          <p:nvPr userDrawn="1"/>
+        </p:nvPicPr>
+        <p:blipFill>
+          <a:blip r:embed="rId3" cstate="print">
+            <a:extLst>
+              <a:ext uri="{28A0092B-C50C-407E-A947-70E740481C1C}">
+                <a14:useLocalDpi xmlns:a14="http://schemas.microsoft.com/office/drawing/2010/main" val="0"/>
+              </a:ext>
+            </a:extLst>
+          </a:blip>
+          <a:stretch>
+            <a:fillRect/>
+          </a:stretch>
+        </p:blipFill>
+        <p:spPr>
+          <a:xfrm>
+            <a:off x="10551877" y="362077"/>
+            <a:ext cx="1443357" cy="360000"/>
+          </a:xfrm>
+          <a:prstGeom prst="rect">
+            <a:avLst/>
+          </a:prstGeom>
+        </p:spPr>
+      </p:pic>
     </p:spTree>
     <p:extLst>
       <p:ext uri="{BB962C8B-B14F-4D97-AF65-F5344CB8AC3E}">
@@ -7026,7 +5296,7 @@
 </p:sldLayout>
 </file>
 
-<file path=ppt/slideLayouts/slideLayout6.xml><?xml version="1.0" encoding="utf-8"?>
+<file path=ppt/slideLayouts/slideLayout5.xml><?xml version="1.0" encoding="utf-8"?>
 <p:sldLayout xmlns:a="http://schemas.openxmlformats.org/drawingml/2006/main" xmlns:r="http://schemas.openxmlformats.org/officeDocument/2006/relationships" xmlns:p="http://schemas.openxmlformats.org/presentationml/2006/main" preserve="1">
   <p:cSld name="Important Example">
     <p:spTree>
@@ -7303,52 +5573,6 @@
           </a:p>
         </p:txBody>
       </p:sp>
-      <p:pic>
-        <p:nvPicPr>
-          <p:cNvPr id="16" name="Logo Software University" descr="Software University logo">
-            <a:extLst>
-              <a:ext uri="{FF2B5EF4-FFF2-40B4-BE49-F238E27FC236}">
-                <a16:creationId xmlns:a16="http://schemas.microsoft.com/office/drawing/2014/main" id="{EFEBB553-EACE-4B4F-8B4F-7629FDD910A4}"/>
-              </a:ext>
-            </a:extLst>
-          </p:cNvPr>
-          <p:cNvPicPr>
-            <a:picLocks noChangeAspect="1"/>
-          </p:cNvPicPr>
-          <p:nvPr userDrawn="1"/>
-        </p:nvPicPr>
-        <p:blipFill>
-          <a:blip r:embed="rId3">
-            <a:clrChange>
-              <a:clrFrom>
-                <a:srgbClr val="FFFFFF"/>
-              </a:clrFrom>
-              <a:clrTo>
-                <a:srgbClr val="FFFFFF">
-                  <a:alpha val="0"/>
-                </a:srgbClr>
-              </a:clrTo>
-            </a:clrChange>
-            <a:extLst>
-              <a:ext uri="{28A0092B-C50C-407E-A947-70E740481C1C}">
-                <a14:useLocalDpi xmlns:a14="http://schemas.microsoft.com/office/drawing/2010/main" val="0"/>
-              </a:ext>
-            </a:extLst>
-          </a:blip>
-          <a:stretch>
-            <a:fillRect/>
-          </a:stretch>
-        </p:blipFill>
-        <p:spPr>
-          <a:xfrm>
-            <a:off x="10008761" y="190267"/>
-            <a:ext cx="2013336" cy="690975"/>
-          </a:xfrm>
-          <a:prstGeom prst="rect">
-            <a:avLst/>
-          </a:prstGeom>
-        </p:spPr>
-      </p:pic>
       <p:sp>
         <p:nvSpPr>
           <p:cNvPr id="13" name="Slide Title">
@@ -7367,8 +5591,8 @@
         </p:nvSpPr>
         <p:spPr>
           <a:xfrm>
-            <a:off x="1296957" y="100750"/>
-            <a:ext cx="8625520" cy="882654"/>
+            <a:off x="1296956" y="100750"/>
+            <a:ext cx="9164044" cy="882654"/>
           </a:xfrm>
         </p:spPr>
         <p:txBody>
@@ -7386,6 +5610,42 @@
           </a:p>
         </p:txBody>
       </p:sp>
+      <p:pic>
+        <p:nvPicPr>
+          <p:cNvPr id="2" name="Picture 1">
+            <a:extLst>
+              <a:ext uri="{FF2B5EF4-FFF2-40B4-BE49-F238E27FC236}">
+                <a16:creationId xmlns:a16="http://schemas.microsoft.com/office/drawing/2014/main" id="{A37AF1B9-D67A-246A-86B6-E28F19C52390}"/>
+              </a:ext>
+            </a:extLst>
+          </p:cNvPr>
+          <p:cNvPicPr>
+            <a:picLocks noChangeAspect="1"/>
+          </p:cNvPicPr>
+          <p:nvPr userDrawn="1"/>
+        </p:nvPicPr>
+        <p:blipFill>
+          <a:blip r:embed="rId3" cstate="print">
+            <a:extLst>
+              <a:ext uri="{28A0092B-C50C-407E-A947-70E740481C1C}">
+                <a14:useLocalDpi xmlns:a14="http://schemas.microsoft.com/office/drawing/2010/main" val="0"/>
+              </a:ext>
+            </a:extLst>
+          </a:blip>
+          <a:stretch>
+            <a:fillRect/>
+          </a:stretch>
+        </p:blipFill>
+        <p:spPr>
+          <a:xfrm>
+            <a:off x="10551877" y="362077"/>
+            <a:ext cx="1443357" cy="360000"/>
+          </a:xfrm>
+          <a:prstGeom prst="rect">
+            <a:avLst/>
+          </a:prstGeom>
+        </p:spPr>
+      </p:pic>
     </p:spTree>
     <p:extLst>
       <p:ext uri="{BB962C8B-B14F-4D97-AF65-F5344CB8AC3E}">
@@ -7407,7 +5667,7 @@
 </p:sldLayout>
 </file>
 
-<file path=ppt/slideLayouts/slideLayout7.xml><?xml version="1.0" encoding="utf-8"?>
+<file path=ppt/slideLayouts/slideLayout6.xml><?xml version="1.0" encoding="utf-8"?>
 <p:sldLayout xmlns:a="http://schemas.openxmlformats.org/drawingml/2006/main" xmlns:r="http://schemas.openxmlformats.org/officeDocument/2006/relationships" xmlns:p="http://schemas.openxmlformats.org/presentationml/2006/main" preserve="1" userDrawn="1">
   <p:cSld name="Blank Slide">
     <p:spTree>
@@ -7702,8 +5962,8 @@
         </p:nvSpPr>
         <p:spPr>
           <a:xfrm>
-            <a:off x="585176" y="100750"/>
-            <a:ext cx="11410061" cy="882654"/>
+            <a:off x="585177" y="100750"/>
+            <a:ext cx="9875824" cy="882654"/>
           </a:xfrm>
         </p:spPr>
         <p:txBody>
@@ -7721,6 +5981,42 @@
           </a:p>
         </p:txBody>
       </p:sp>
+      <p:pic>
+        <p:nvPicPr>
+          <p:cNvPr id="2" name="Picture 1">
+            <a:extLst>
+              <a:ext uri="{FF2B5EF4-FFF2-40B4-BE49-F238E27FC236}">
+                <a16:creationId xmlns:a16="http://schemas.microsoft.com/office/drawing/2014/main" id="{9C2C375B-43BF-D1DD-F160-1500A111885C}"/>
+              </a:ext>
+            </a:extLst>
+          </p:cNvPr>
+          <p:cNvPicPr>
+            <a:picLocks noChangeAspect="1"/>
+          </p:cNvPicPr>
+          <p:nvPr userDrawn="1"/>
+        </p:nvPicPr>
+        <p:blipFill>
+          <a:blip r:embed="rId3" cstate="print">
+            <a:extLst>
+              <a:ext uri="{28A0092B-C50C-407E-A947-70E740481C1C}">
+                <a14:useLocalDpi xmlns:a14="http://schemas.microsoft.com/office/drawing/2010/main" val="0"/>
+              </a:ext>
+            </a:extLst>
+          </a:blip>
+          <a:stretch>
+            <a:fillRect/>
+          </a:stretch>
+        </p:blipFill>
+        <p:spPr>
+          <a:xfrm>
+            <a:off x="10551877" y="362077"/>
+            <a:ext cx="1443357" cy="360000"/>
+          </a:xfrm>
+          <a:prstGeom prst="rect">
+            <a:avLst/>
+          </a:prstGeom>
+        </p:spPr>
+      </p:pic>
     </p:spTree>
     <p:extLst>
       <p:ext uri="{BB962C8B-B14F-4D97-AF65-F5344CB8AC3E}">
@@ -7742,7 +6038,7 @@
 </p:sldLayout>
 </file>
 
-<file path=ppt/slideLayouts/slideLayout8.xml><?xml version="1.0" encoding="utf-8"?>
+<file path=ppt/slideLayouts/slideLayout7.xml><?xml version="1.0" encoding="utf-8"?>
 <p:sldLayout xmlns:a="http://schemas.openxmlformats.org/drawingml/2006/main" xmlns:r="http://schemas.openxmlformats.org/officeDocument/2006/relationships" xmlns:p="http://schemas.openxmlformats.org/presentationml/2006/main" preserve="1" userDrawn="1">
   <p:cSld name="Source Code Example">
     <p:spTree>
@@ -7815,7 +6111,7 @@
         </p:nvSpPr>
         <p:spPr>
           <a:xfrm>
-            <a:off x="0" y="0"/>
+            <a:off x="0" y="1311"/>
             <a:ext cx="12196800" cy="1095376"/>
           </a:xfrm>
           <a:prstGeom prst="rect">
@@ -7865,7 +6161,7 @@
               <a:tabLst/>
               <a:defRPr/>
             </a:pPr>
-            <a:endParaRPr kumimoji="0" lang="en-US" altLang="ko-KR" sz="2398" b="0" i="0" u="none" strike="noStrike" kern="1200" cap="none" spc="0" normalizeH="0" baseline="0" noProof="0">
+            <a:endParaRPr kumimoji="0" lang="en-US" altLang="ko-KR" sz="2398" b="0" i="0" u="none" strike="noStrike" kern="1200" cap="none" spc="0" normalizeH="0" baseline="0" noProof="0" dirty="0">
               <a:ln>
                 <a:noFill/>
               </a:ln>
@@ -7882,48 +6178,12 @@
           </a:p>
         </p:txBody>
       </p:sp>
-      <p:pic>
-        <p:nvPicPr>
-          <p:cNvPr id="10" name="Logo Software University" descr="Software University logo">
+      <p:sp>
+        <p:nvSpPr>
+          <p:cNvPr id="12" name="Slide Body Text">
             <a:extLst>
               <a:ext uri="{FF2B5EF4-FFF2-40B4-BE49-F238E27FC236}">
-                <a16:creationId xmlns:a16="http://schemas.microsoft.com/office/drawing/2014/main" id="{8C01D7AF-7CBD-46E1-99F3-8EB60E838D91}"/>
-              </a:ext>
-            </a:extLst>
-          </p:cNvPr>
-          <p:cNvPicPr>
-            <a:picLocks noChangeAspect="1"/>
-          </p:cNvPicPr>
-          <p:nvPr userDrawn="1"/>
-        </p:nvPicPr>
-        <p:blipFill>
-          <a:blip r:embed="rId2">
-            <a:extLst>
-              <a:ext uri="{28A0092B-C50C-407E-A947-70E740481C1C}">
-                <a14:useLocalDpi xmlns:a14="http://schemas.microsoft.com/office/drawing/2010/main" val="0"/>
-              </a:ext>
-            </a:extLst>
-          </a:blip>
-          <a:stretch>
-            <a:fillRect/>
-          </a:stretch>
-        </p:blipFill>
-        <p:spPr>
-          <a:xfrm>
-            <a:off x="10067957" y="253936"/>
-            <a:ext cx="1915704" cy="559235"/>
-          </a:xfrm>
-          <a:prstGeom prst="rect">
-            <a:avLst/>
-          </a:prstGeom>
-        </p:spPr>
-      </p:pic>
-      <p:sp>
-        <p:nvSpPr>
-          <p:cNvPr id="17" name="Slide Body Text">
-            <a:extLst>
-              <a:ext uri="{FF2B5EF4-FFF2-40B4-BE49-F238E27FC236}">
-                <a16:creationId xmlns:a16="http://schemas.microsoft.com/office/drawing/2014/main" id="{1E60575F-8475-4C78-97A7-27D7891D2770}"/>
+                <a16:creationId xmlns:a16="http://schemas.microsoft.com/office/drawing/2014/main" id="{B608ED73-CE88-49E4-8BFC-DBD6E9AE6B10}"/>
               </a:ext>
             </a:extLst>
           </p:cNvPr>
@@ -7931,32 +6191,52 @@
             <a:spLocks noGrp="1"/>
           </p:cNvSpPr>
           <p:nvPr>
-            <p:ph type="body" sz="quarter" idx="12" hasCustomPrompt="1"/>
+            <p:ph type="body" sz="quarter" idx="10" hasCustomPrompt="1"/>
           </p:nvPr>
         </p:nvSpPr>
         <p:spPr>
           <a:xfrm>
-            <a:off x="190402" y="1196125"/>
-            <a:ext cx="11818096" cy="5528766"/>
+            <a:off x="190406" y="1206668"/>
+            <a:ext cx="11804831" cy="5550582"/>
           </a:xfrm>
         </p:spPr>
         <p:txBody>
           <a:bodyPr/>
           <a:lstStyle>
             <a:lvl1pPr latinLnBrk="0">
-              <a:defRPr/>
+              <a:defRPr>
+                <a:solidFill>
+                  <a:schemeClr val="tx1"/>
+                </a:solidFill>
+              </a:defRPr>
             </a:lvl1pPr>
             <a:lvl2pPr latinLnBrk="0">
-              <a:defRPr/>
+              <a:defRPr>
+                <a:solidFill>
+                  <a:schemeClr val="tx1"/>
+                </a:solidFill>
+              </a:defRPr>
             </a:lvl2pPr>
             <a:lvl3pPr latinLnBrk="0">
-              <a:defRPr/>
+              <a:defRPr>
+                <a:solidFill>
+                  <a:schemeClr val="tx1"/>
+                </a:solidFill>
+              </a:defRPr>
             </a:lvl3pPr>
             <a:lvl4pPr latinLnBrk="0">
-              <a:defRPr/>
+              <a:defRPr>
+                <a:solidFill>
+                  <a:schemeClr val="tx1"/>
+                </a:solidFill>
+              </a:defRPr>
             </a:lvl4pPr>
             <a:lvl5pPr latinLnBrk="0">
-              <a:defRPr/>
+              <a:defRPr>
+                <a:solidFill>
+                  <a:schemeClr val="tx1"/>
+                </a:solidFill>
+              </a:defRPr>
             </a:lvl5pPr>
           </a:lstStyle>
           <a:p>
@@ -7970,10 +6250,10 @@
       </p:sp>
       <p:sp>
         <p:nvSpPr>
-          <p:cNvPr id="15" name="Code Box">
+          <p:cNvPr id="4" name="Code Box">
             <a:extLst>
               <a:ext uri="{FF2B5EF4-FFF2-40B4-BE49-F238E27FC236}">
-                <a16:creationId xmlns:a16="http://schemas.microsoft.com/office/drawing/2014/main" id="{29C63EC2-5578-406B-8C2A-23FDE6C14C82}"/>
+                <a16:creationId xmlns:a16="http://schemas.microsoft.com/office/drawing/2014/main" id="{F4E021E9-D6DB-4272-8C9F-CEF4940FDC10}"/>
               </a:ext>
             </a:extLst>
           </p:cNvPr>
@@ -7987,7 +6267,7 @@
         <p:spPr>
           <a:xfrm>
             <a:off x="674683" y="2034000"/>
-            <a:ext cx="10836275" cy="2318684"/>
+            <a:ext cx="10836275" cy="2237893"/>
           </a:xfrm>
           <a:solidFill>
             <a:schemeClr val="accent6">
@@ -8009,15 +6289,6 @@
           </a:bodyPr>
           <a:lstStyle>
             <a:lvl1pPr>
-              <a:lnSpc>
-                <a:spcPct val="110000"/>
-              </a:lnSpc>
-              <a:spcBef>
-                <a:spcPts val="0"/>
-              </a:spcBef>
-              <a:spcAft>
-                <a:spcPts val="0"/>
-              </a:spcAft>
               <a:buNone/>
               <a:defRPr lang="en-US" sz="2800" b="1" smtClean="0">
                 <a:latin typeface="Consolas" pitchFamily="49" charset="0"/>
@@ -8112,8 +6383,8 @@
         </p:nvSpPr>
         <p:spPr>
           <a:xfrm>
-            <a:off x="190406" y="100750"/>
-            <a:ext cx="9715594" cy="882654"/>
+            <a:off x="190405" y="100750"/>
+            <a:ext cx="10239658" cy="882654"/>
           </a:xfrm>
         </p:spPr>
         <p:txBody>
@@ -8135,6 +6406,42 @@
           </a:p>
         </p:txBody>
       </p:sp>
+      <p:pic>
+        <p:nvPicPr>
+          <p:cNvPr id="3" name="Picture 2">
+            <a:extLst>
+              <a:ext uri="{FF2B5EF4-FFF2-40B4-BE49-F238E27FC236}">
+                <a16:creationId xmlns:a16="http://schemas.microsoft.com/office/drawing/2014/main" id="{4B69A4E8-9221-8F79-65B4-BF9AA7F87DD7}"/>
+              </a:ext>
+            </a:extLst>
+          </p:cNvPr>
+          <p:cNvPicPr>
+            <a:picLocks noChangeAspect="1"/>
+          </p:cNvPicPr>
+          <p:nvPr userDrawn="1"/>
+        </p:nvPicPr>
+        <p:blipFill>
+          <a:blip r:embed="rId2" cstate="print">
+            <a:extLst>
+              <a:ext uri="{28A0092B-C50C-407E-A947-70E740481C1C}">
+                <a14:useLocalDpi xmlns:a14="http://schemas.microsoft.com/office/drawing/2010/main" val="0"/>
+              </a:ext>
+            </a:extLst>
+          </a:blip>
+          <a:stretch>
+            <a:fillRect/>
+          </a:stretch>
+        </p:blipFill>
+        <p:spPr>
+          <a:xfrm>
+            <a:off x="10553573" y="368999"/>
+            <a:ext cx="1443361" cy="360001"/>
+          </a:xfrm>
+          <a:prstGeom prst="rect">
+            <a:avLst/>
+          </a:prstGeom>
+        </p:spPr>
+      </p:pic>
     </p:spTree>
     <p:extLst>
       <p:ext uri="{BB962C8B-B14F-4D97-AF65-F5344CB8AC3E}">
@@ -8156,7 +6463,7 @@
 </p:sldLayout>
 </file>
 
-<file path=ppt/slideLayouts/slideLayout9.xml><?xml version="1.0" encoding="utf-8"?>
+<file path=ppt/slideLayouts/slideLayout8.xml><?xml version="1.0" encoding="utf-8"?>
 <p:sldLayout xmlns:a="http://schemas.openxmlformats.org/drawingml/2006/main" xmlns:r="http://schemas.openxmlformats.org/officeDocument/2006/relationships" xmlns:p="http://schemas.openxmlformats.org/presentationml/2006/main" preserve="1">
   <p:cSld name="Demo Slide">
     <p:spTree>
@@ -8360,6 +6667,335 @@
 </p:sldLayout>
 </file>
 
+<file path=ppt/slideLayouts/slideLayout9.xml><?xml version="1.0" encoding="utf-8"?>
+<p:sldLayout xmlns:a="http://schemas.openxmlformats.org/drawingml/2006/main" xmlns:r="http://schemas.openxmlformats.org/officeDocument/2006/relationships" xmlns:p="http://schemas.openxmlformats.org/presentationml/2006/main" preserve="1" userDrawn="1">
+  <p:cSld name="Table of Contents">
+    <p:spTree>
+      <p:nvGrpSpPr>
+        <p:cNvPr id="1" name=""/>
+        <p:cNvGrpSpPr/>
+        <p:nvPr/>
+      </p:nvGrpSpPr>
+      <p:grpSpPr>
+        <a:xfrm>
+          <a:off x="0" y="0"/>
+          <a:ext cx="0" cy="0"/>
+          <a:chOff x="0" y="0"/>
+          <a:chExt cx="0" cy="0"/>
+        </a:xfrm>
+      </p:grpSpPr>
+      <p:sp>
+        <p:nvSpPr>
+          <p:cNvPr id="10" name="Slide Number">
+            <a:extLst>
+              <a:ext uri="{FF2B5EF4-FFF2-40B4-BE49-F238E27FC236}">
+                <a16:creationId xmlns:a16="http://schemas.microsoft.com/office/drawing/2014/main" id="{39DDE17E-5472-41F3-AF5F-54DFF10DC63C}"/>
+              </a:ext>
+            </a:extLst>
+          </p:cNvPr>
+          <p:cNvSpPr>
+            <a:spLocks noGrp="1"/>
+          </p:cNvSpPr>
+          <p:nvPr>
+            <p:ph type="sldNum" sz="quarter" idx="4"/>
+          </p:nvPr>
+        </p:nvSpPr>
+        <p:spPr>
+          <a:xfrm>
+            <a:off x="11753030" y="6507000"/>
+            <a:ext cx="367414" cy="297000"/>
+          </a:xfrm>
+          <a:prstGeom prst="rect">
+            <a:avLst/>
+          </a:prstGeom>
+        </p:spPr>
+        <p:txBody>
+          <a:bodyPr vert="horz" lIns="91440" tIns="45720" rIns="91440" bIns="45720" rtlCol="0" anchor="b"/>
+          <a:lstStyle>
+            <a:lvl1pPr algn="r">
+              <a:defRPr sz="1000"/>
+            </a:lvl1pPr>
+          </a:lstStyle>
+          <a:p>
+            <a:fld id="{2BF067CD-8E6B-4360-9AA8-C5DF2A48A6D1}" type="slidenum">
+              <a:rPr lang="en-US" noProof="0" smtClean="0"/>
+              <a:pPr/>
+              <a:t>‹#›</a:t>
+            </a:fld>
+            <a:endParaRPr lang="en-US" noProof="0"/>
+          </a:p>
+        </p:txBody>
+      </p:sp>
+      <p:sp>
+        <p:nvSpPr>
+          <p:cNvPr id="23" name="Slide Body Text">
+            <a:extLst>
+              <a:ext uri="{FF2B5EF4-FFF2-40B4-BE49-F238E27FC236}">
+                <a16:creationId xmlns:a16="http://schemas.microsoft.com/office/drawing/2014/main" id="{889D93F4-ABFA-46BF-8E5D-FE6562ACB20F}"/>
+              </a:ext>
+            </a:extLst>
+          </p:cNvPr>
+          <p:cNvSpPr>
+            <a:spLocks noGrp="1"/>
+          </p:cNvSpPr>
+          <p:nvPr>
+            <p:ph type="body" sz="quarter" idx="13" hasCustomPrompt="1"/>
+          </p:nvPr>
+        </p:nvSpPr>
+        <p:spPr>
+          <a:xfrm>
+            <a:off x="196766" y="1371604"/>
+            <a:ext cx="11781606" cy="5207396"/>
+          </a:xfrm>
+        </p:spPr>
+        <p:txBody>
+          <a:bodyPr>
+            <a:normAutofit/>
+          </a:bodyPr>
+          <a:lstStyle>
+            <a:lvl1pPr marL="514042" indent="-514042" latinLnBrk="0">
+              <a:buFont typeface="+mj-lt"/>
+              <a:buAutoNum type="arabicPeriod"/>
+              <a:defRPr sz="3600">
+                <a:solidFill>
+                  <a:schemeClr val="tx1"/>
+                </a:solidFill>
+              </a:defRPr>
+            </a:lvl1pPr>
+            <a:lvl2pPr>
+              <a:defRPr sz="3400"/>
+            </a:lvl2pPr>
+          </a:lstStyle>
+          <a:p>
+            <a:pPr lvl="0"/>
+            <a:r>
+              <a:rPr lang="en-US" noProof="0" dirty="0"/>
+              <a:t>…</a:t>
+            </a:r>
+          </a:p>
+          <a:p>
+            <a:pPr lvl="1"/>
+            <a:r>
+              <a:rPr lang="en-US" noProof="0" dirty="0"/>
+              <a:t>…</a:t>
+            </a:r>
+          </a:p>
+          <a:p>
+            <a:pPr lvl="1"/>
+            <a:r>
+              <a:rPr lang="en-US" noProof="0" dirty="0"/>
+              <a:t>…</a:t>
+            </a:r>
+          </a:p>
+          <a:p>
+            <a:pPr lvl="0"/>
+            <a:r>
+              <a:rPr lang="en-US" noProof="0" dirty="0"/>
+              <a:t>…</a:t>
+            </a:r>
+          </a:p>
+          <a:p>
+            <a:pPr lvl="1"/>
+            <a:r>
+              <a:rPr lang="en-US" noProof="0" dirty="0"/>
+              <a:t>…</a:t>
+            </a:r>
+          </a:p>
+          <a:p>
+            <a:pPr lvl="1"/>
+            <a:r>
+              <a:rPr lang="en-US" noProof="0" dirty="0"/>
+              <a:t>…</a:t>
+            </a:r>
+          </a:p>
+          <a:p>
+            <a:pPr lvl="0"/>
+            <a:r>
+              <a:rPr lang="en-US" noProof="0" dirty="0"/>
+              <a:t>…</a:t>
+            </a:r>
+          </a:p>
+        </p:txBody>
+      </p:sp>
+      <p:sp>
+        <p:nvSpPr>
+          <p:cNvPr id="8" name="Rectangle Top">
+            <a:extLst>
+              <a:ext uri="{FF2B5EF4-FFF2-40B4-BE49-F238E27FC236}">
+                <a16:creationId xmlns:a16="http://schemas.microsoft.com/office/drawing/2014/main" id="{930E0800-9260-4369-8330-8264DD33C5CE}"/>
+              </a:ext>
+            </a:extLst>
+          </p:cNvPr>
+          <p:cNvSpPr/>
+          <p:nvPr userDrawn="1"/>
+        </p:nvSpPr>
+        <p:spPr>
+          <a:xfrm>
+            <a:off x="0" y="0"/>
+            <a:ext cx="12196800" cy="1095376"/>
+          </a:xfrm>
+          <a:prstGeom prst="rect">
+            <a:avLst/>
+          </a:prstGeom>
+          <a:solidFill>
+            <a:schemeClr val="tx2"/>
+          </a:solidFill>
+          <a:ln>
+            <a:noFill/>
+          </a:ln>
+        </p:spPr>
+        <p:style>
+          <a:lnRef idx="2">
+            <a:schemeClr val="accent1">
+              <a:shade val="50000"/>
+            </a:schemeClr>
+          </a:lnRef>
+          <a:fillRef idx="1">
+            <a:schemeClr val="accent1"/>
+          </a:fillRef>
+          <a:effectRef idx="0">
+            <a:schemeClr val="accent1"/>
+          </a:effectRef>
+          <a:fontRef idx="minor">
+            <a:schemeClr val="lt1"/>
+          </a:fontRef>
+        </p:style>
+        <p:txBody>
+          <a:bodyPr rtlCol="0" anchor="ctr"/>
+          <a:lstStyle/>
+          <a:p>
+            <a:pPr marL="0" marR="0" lvl="0" indent="0" algn="ctr" defTabSz="913852" rtl="0" eaLnBrk="1" fontAlgn="auto" latinLnBrk="0" hangingPunct="1">
+              <a:lnSpc>
+                <a:spcPct val="100000"/>
+              </a:lnSpc>
+              <a:spcBef>
+                <a:spcPts val="0"/>
+              </a:spcBef>
+              <a:spcAft>
+                <a:spcPts val="0"/>
+              </a:spcAft>
+              <a:buClrTx/>
+              <a:buSzTx/>
+              <a:buFontTx/>
+              <a:buNone/>
+              <a:tabLst/>
+              <a:defRPr/>
+            </a:pPr>
+            <a:endParaRPr kumimoji="0" lang="en-US" altLang="ko-KR" sz="2398" b="0" i="0" u="none" strike="noStrike" kern="1200" cap="none" spc="0" normalizeH="0" baseline="0" noProof="0">
+              <a:ln>
+                <a:noFill/>
+              </a:ln>
+              <a:solidFill>
+                <a:srgbClr val="F7C86D"/>
+              </a:solidFill>
+              <a:effectLst/>
+              <a:uLnTx/>
+              <a:uFillTx/>
+              <a:latin typeface="Calibri" panose="020F0502020204030204"/>
+              <a:ea typeface="맑은 고딕" panose="020B0503020000020004" pitchFamily="34" charset="-127"/>
+              <a:cs typeface="+mn-cs"/>
+            </a:endParaRPr>
+          </a:p>
+        </p:txBody>
+      </p:sp>
+      <p:sp>
+        <p:nvSpPr>
+          <p:cNvPr id="13" name="Slide Title">
+            <a:extLst>
+              <a:ext uri="{FF2B5EF4-FFF2-40B4-BE49-F238E27FC236}">
+                <a16:creationId xmlns:a16="http://schemas.microsoft.com/office/drawing/2014/main" id="{357D7BE1-6358-42CC-94F3-7BCDD91DCB6D}"/>
+              </a:ext>
+            </a:extLst>
+          </p:cNvPr>
+          <p:cNvSpPr>
+            <a:spLocks noGrp="1"/>
+          </p:cNvSpPr>
+          <p:nvPr>
+            <p:ph type="title" hasCustomPrompt="1"/>
+          </p:nvPr>
+        </p:nvSpPr>
+        <p:spPr>
+          <a:xfrm>
+            <a:off x="190406" y="100750"/>
+            <a:ext cx="10270594" cy="882654"/>
+          </a:xfrm>
+        </p:spPr>
+        <p:txBody>
+          <a:bodyPr/>
+          <a:lstStyle>
+            <a:lvl1pPr latinLnBrk="0">
+              <a:defRPr>
+                <a:solidFill>
+                  <a:schemeClr val="bg2"/>
+                </a:solidFill>
+              </a:defRPr>
+            </a:lvl1pPr>
+          </a:lstStyle>
+          <a:p>
+            <a:r>
+              <a:rPr lang="en-US" noProof="0" dirty="0"/>
+              <a:t>Table of Contents</a:t>
+            </a:r>
+          </a:p>
+        </p:txBody>
+      </p:sp>
+      <p:pic>
+        <p:nvPicPr>
+          <p:cNvPr id="3" name="Picture 2">
+            <a:extLst>
+              <a:ext uri="{FF2B5EF4-FFF2-40B4-BE49-F238E27FC236}">
+                <a16:creationId xmlns:a16="http://schemas.microsoft.com/office/drawing/2014/main" id="{4FD808AB-EC49-1578-0005-D58D2A365AA1}"/>
+              </a:ext>
+            </a:extLst>
+          </p:cNvPr>
+          <p:cNvPicPr>
+            <a:picLocks noChangeAspect="1"/>
+          </p:cNvPicPr>
+          <p:nvPr userDrawn="1"/>
+        </p:nvPicPr>
+        <p:blipFill>
+          <a:blip r:embed="rId2" cstate="print">
+            <a:extLst>
+              <a:ext uri="{28A0092B-C50C-407E-A947-70E740481C1C}">
+                <a14:useLocalDpi xmlns:a14="http://schemas.microsoft.com/office/drawing/2010/main" val="0"/>
+              </a:ext>
+            </a:extLst>
+          </a:blip>
+          <a:stretch>
+            <a:fillRect/>
+          </a:stretch>
+        </p:blipFill>
+        <p:spPr>
+          <a:xfrm>
+            <a:off x="10553573" y="368999"/>
+            <a:ext cx="1443361" cy="360001"/>
+          </a:xfrm>
+          <a:prstGeom prst="rect">
+            <a:avLst/>
+          </a:prstGeom>
+        </p:spPr>
+      </p:pic>
+    </p:spTree>
+    <p:extLst>
+      <p:ext uri="{BB962C8B-B14F-4D97-AF65-F5344CB8AC3E}">
+        <p14:creationId xmlns:p14="http://schemas.microsoft.com/office/powerpoint/2010/main" val="1028724482"/>
+      </p:ext>
+    </p:extLst>
+  </p:cSld>
+  <p:clrMapOvr>
+    <a:masterClrMapping/>
+  </p:clrMapOvr>
+  <mc:AlternateContent xmlns:mc="http://schemas.openxmlformats.org/markup-compatibility/2006" xmlns:p14="http://schemas.microsoft.com/office/powerpoint/2010/main">
+    <mc:Choice Requires="p14">
+      <p:transition spd="slow" p14:dur="2000" advClick="0" advTm="5000"/>
+    </mc:Choice>
+    <mc:Fallback xmlns="">
+      <p:transition spd="slow" advClick="0" advTm="5000"/>
+    </mc:Fallback>
+  </mc:AlternateContent>
+</p:sldLayout>
+</file>
+
 <file path=ppt/slideMasters/slideMaster1.xml><?xml version="1.0" encoding="utf-8"?>
 <p:sldMaster xmlns:a="http://schemas.openxmlformats.org/drawingml/2006/main" xmlns:r="http://schemas.openxmlformats.org/officeDocument/2006/relationships" xmlns:p="http://schemas.openxmlformats.org/presentationml/2006/main" preserve="1">
   <p:cSld>
@@ -8385,35 +7021,6 @@
           <a:chExt cx="0" cy="0"/>
         </a:xfrm>
       </p:grpSpPr>
-      <p:pic>
-        <p:nvPicPr>
-          <p:cNvPr id="4" name="Picture Background" descr="SoftUni Background">
-            <a:extLst>
-              <a:ext uri="{FF2B5EF4-FFF2-40B4-BE49-F238E27FC236}">
-                <a16:creationId xmlns:a16="http://schemas.microsoft.com/office/drawing/2014/main" id="{5BE90A63-DDD9-4B3B-A234-DF69B9BC812F}"/>
-              </a:ext>
-            </a:extLst>
-          </p:cNvPr>
-          <p:cNvPicPr>
-            <a:picLocks noChangeAspect="1"/>
-          </p:cNvPicPr>
-          <p:nvPr userDrawn="1"/>
-        </p:nvPicPr>
-        <p:blipFill rotWithShape="1">
-          <a:blip r:embed="rId15"/>
-          <a:srcRect b="1672"/>
-          <a:stretch/>
-        </p:blipFill>
-        <p:spPr>
-          <a:xfrm>
-            <a:off x="0" y="1"/>
-            <a:ext cx="12192000" cy="6857999"/>
-          </a:xfrm>
-          <a:prstGeom prst="rect">
-            <a:avLst/>
-          </a:prstGeom>
-        </p:spPr>
-      </p:pic>
       <p:sp>
         <p:nvSpPr>
           <p:cNvPr id="11" name="Slide Body Text">
@@ -8530,19 +7137,18 @@
   </p:cSld>
   <p:clrMap bg1="lt1" tx1="dk1" bg2="lt2" tx2="dk2" accent1="accent1" accent2="accent2" accent3="accent3" accent4="accent4" accent5="accent5" accent6="accent6" hlink="hlink" folHlink="folHlink"/>
   <p:sldLayoutIdLst>
-    <p:sldLayoutId id="2147483676" r:id="rId1"/>
+    <p:sldLayoutId id="2147483691" r:id="rId1"/>
     <p:sldLayoutId id="2147483689" r:id="rId2"/>
     <p:sldLayoutId id="2147483681" r:id="rId3"/>
-    <p:sldLayoutId id="2147483677" r:id="rId4"/>
-    <p:sldLayoutId id="2147483679" r:id="rId5"/>
-    <p:sldLayoutId id="2147483680" r:id="rId6"/>
-    <p:sldLayoutId id="2147483688" r:id="rId7"/>
-    <p:sldLayoutId id="2147483684" r:id="rId8"/>
-    <p:sldLayoutId id="2147483690" r:id="rId9"/>
+    <p:sldLayoutId id="2147483679" r:id="rId4"/>
+    <p:sldLayoutId id="2147483680" r:id="rId5"/>
+    <p:sldLayoutId id="2147483688" r:id="rId6"/>
+    <p:sldLayoutId id="2147483684" r:id="rId7"/>
+    <p:sldLayoutId id="2147483690" r:id="rId8"/>
+    <p:sldLayoutId id="2147483677" r:id="rId9"/>
     <p:sldLayoutId id="2147483683" r:id="rId10"/>
     <p:sldLayoutId id="2147483685" r:id="rId11"/>
     <p:sldLayoutId id="2147483686" r:id="rId12"/>
-    <p:sldLayoutId id="2147483687" r:id="rId13"/>
   </p:sldLayoutIdLst>
   <mc:AlternateContent xmlns:mc="http://schemas.openxmlformats.org/markup-compatibility/2006" xmlns:p14="http://schemas.microsoft.com/office/powerpoint/2010/main">
     <mc:Choice Requires="p14">
@@ -8871,6 +7477,170 @@
       </p:grpSpPr>
       <p:sp>
         <p:nvSpPr>
+          <p:cNvPr id="21" name="Text Placeholder 6">
+            <a:extLst>
+              <a:ext uri="{FF2B5EF4-FFF2-40B4-BE49-F238E27FC236}">
+                <a16:creationId xmlns:a16="http://schemas.microsoft.com/office/drawing/2014/main" id="{76A05CC2-FC4D-4504-ABD3-8A2DED65D274}"/>
+              </a:ext>
+            </a:extLst>
+          </p:cNvPr>
+          <p:cNvSpPr>
+            <a:spLocks noGrp="1"/>
+          </p:cNvSpPr>
+          <p:nvPr>
+            <p:ph type="body" sz="quarter" idx="22"/>
+          </p:nvPr>
+        </p:nvSpPr>
+        <p:spPr>
+          <a:xfrm>
+            <a:off x="6379867" y="5904000"/>
+            <a:ext cx="5248260" cy="341313"/>
+          </a:xfrm>
+        </p:spPr>
+        <p:txBody>
+          <a:bodyPr/>
+          <a:lstStyle/>
+          <a:p>
+            <a:r>
+              <a:rPr lang="bg-BG" noProof="1"/>
+              <a:t>Софтуерни и хардуерни науки</a:t>
+            </a:r>
+            <a:endParaRPr lang="en-US" dirty="0"/>
+          </a:p>
+        </p:txBody>
+      </p:sp>
+      <p:sp>
+        <p:nvSpPr>
+          <p:cNvPr id="18" name="Text Placeholder 11"/>
+          <p:cNvSpPr>
+            <a:spLocks noGrp="1"/>
+          </p:cNvSpPr>
+          <p:nvPr>
+            <p:ph type="body" sz="quarter" idx="21"/>
+          </p:nvPr>
+        </p:nvSpPr>
+        <p:spPr>
+          <a:xfrm>
+            <a:off x="6374856" y="5529764"/>
+            <a:ext cx="5248260" cy="374236"/>
+          </a:xfrm>
+        </p:spPr>
+        <p:txBody>
+          <a:bodyPr>
+            <a:noAutofit/>
+          </a:bodyPr>
+          <a:lstStyle/>
+          <a:p>
+            <a:r>
+              <a:rPr lang="bg-BG" dirty="0">
+                <a:solidFill>
+                  <a:srgbClr val="234465"/>
+                </a:solidFill>
+              </a:rPr>
+              <a:t>Курс "ООП"</a:t>
+            </a:r>
+          </a:p>
+        </p:txBody>
+      </p:sp>
+      <p:sp>
+        <p:nvSpPr>
+          <p:cNvPr id="20" name="Text Placeholder 3">
+            <a:extLst>
+              <a:ext uri="{FF2B5EF4-FFF2-40B4-BE49-F238E27FC236}">
+                <a16:creationId xmlns:a16="http://schemas.microsoft.com/office/drawing/2014/main" id="{941D5C10-8D10-4D4A-BDC4-202C30EAED2F}"/>
+              </a:ext>
+            </a:extLst>
+          </p:cNvPr>
+          <p:cNvSpPr>
+            <a:spLocks noGrp="1"/>
+          </p:cNvSpPr>
+          <p:nvPr>
+            <p:ph type="body" sz="quarter" idx="18"/>
+          </p:nvPr>
+        </p:nvSpPr>
+        <p:spPr>
+          <a:xfrm>
+            <a:off x="534045" y="6039000"/>
+            <a:ext cx="4751953" cy="341556"/>
+          </a:xfrm>
+        </p:spPr>
+        <p:txBody>
+          <a:bodyPr/>
+          <a:lstStyle/>
+          <a:p>
+            <a:r>
+              <a:rPr lang="en-US" dirty="0">
+                <a:hlinkClick r:id="rId3"/>
+              </a:rPr>
+              <a:t>https://github.com/BG-IT-Edu</a:t>
+            </a:r>
+            <a:endParaRPr lang="bg-BG" dirty="0"/>
+          </a:p>
+        </p:txBody>
+      </p:sp>
+      <p:sp>
+        <p:nvSpPr>
+          <p:cNvPr id="19" name="Text Placeholder 9"/>
+          <p:cNvSpPr>
+            <a:spLocks noGrp="1"/>
+          </p:cNvSpPr>
+          <p:nvPr>
+            <p:ph type="body" sz="quarter" idx="17"/>
+          </p:nvPr>
+        </p:nvSpPr>
+        <p:spPr>
+          <a:xfrm>
+            <a:off x="534046" y="5229000"/>
+            <a:ext cx="4751954" cy="724904"/>
+          </a:xfrm>
+        </p:spPr>
+        <p:txBody>
+          <a:bodyPr/>
+          <a:lstStyle/>
+          <a:p>
+            <a:r>
+              <a:rPr lang="bg-BG" dirty="0">
+                <a:solidFill>
+                  <a:schemeClr val="tx1"/>
+                </a:solidFill>
+              </a:rPr>
+              <a:t>Проект "Отворено учебно съдържание по програмиране и ИТ", СофтУни Фондация</a:t>
+            </a:r>
+          </a:p>
+        </p:txBody>
+      </p:sp>
+      <p:sp>
+        <p:nvSpPr>
+          <p:cNvPr id="6" name="Subtitle 5"/>
+          <p:cNvSpPr>
+            <a:spLocks noGrp="1"/>
+          </p:cNvSpPr>
+          <p:nvPr>
+            <p:ph type="subTitle" idx="1"/>
+          </p:nvPr>
+        </p:nvSpPr>
+        <p:spPr>
+          <a:xfrm>
+            <a:off x="554746" y="1402942"/>
+            <a:ext cx="11083636" cy="767871"/>
+          </a:xfrm>
+        </p:spPr>
+        <p:txBody>
+          <a:bodyPr>
+            <a:normAutofit/>
+          </a:bodyPr>
+          <a:lstStyle/>
+          <a:p>
+            <a:r>
+              <a:rPr lang="bg-BG" dirty="0"/>
+              <a:t>Дефиниране и използване на методи</a:t>
+            </a:r>
+            <a:endParaRPr lang="en-US" dirty="0"/>
+          </a:p>
+        </p:txBody>
+      </p:sp>
+      <p:sp>
+        <p:nvSpPr>
           <p:cNvPr id="5" name="Title 4"/>
           <p:cNvSpPr>
             <a:spLocks noGrp="1"/>
@@ -8879,12 +7649,7 @@
             <p:ph type="title"/>
           </p:nvPr>
         </p:nvSpPr>
-        <p:spPr>
-          <a:xfrm>
-            <a:off x="548090" y="627700"/>
-            <a:ext cx="11083636" cy="882654"/>
-          </a:xfrm>
-        </p:spPr>
+        <p:spPr/>
         <p:txBody>
           <a:bodyPr>
             <a:normAutofit/>
@@ -8899,119 +7664,66 @@
           </a:p>
         </p:txBody>
       </p:sp>
-      <p:sp>
-        <p:nvSpPr>
-          <p:cNvPr id="7" name="Text Placeholder 6"/>
-          <p:cNvSpPr>
-            <a:spLocks noGrp="1"/>
-          </p:cNvSpPr>
-          <p:nvPr>
-            <p:ph type="body" sz="quarter" idx="17"/>
-          </p:nvPr>
-        </p:nvSpPr>
-        <p:spPr/>
-        <p:txBody>
-          <a:bodyPr/>
-          <a:lstStyle/>
-          <a:p>
-            <a:r>
-              <a:rPr lang="en-US" dirty="0"/>
-              <a:t>Software University</a:t>
-            </a:r>
-          </a:p>
-        </p:txBody>
-      </p:sp>
-      <p:sp>
-        <p:nvSpPr>
-          <p:cNvPr id="8" name="Text Placeholder 7"/>
-          <p:cNvSpPr>
-            <a:spLocks noGrp="1"/>
-          </p:cNvSpPr>
-          <p:nvPr>
-            <p:ph type="body" sz="quarter" idx="18"/>
-          </p:nvPr>
-        </p:nvSpPr>
-        <p:spPr/>
-        <p:txBody>
-          <a:bodyPr/>
-          <a:lstStyle/>
-          <a:p>
-            <a:r>
-              <a:rPr lang="en-US" dirty="0">
-                <a:hlinkClick r:id="rId3"/>
-              </a:rPr>
-              <a:t>https://softuni.bg</a:t>
-            </a:r>
-            <a:endParaRPr lang="en-US" dirty="0"/>
-          </a:p>
-        </p:txBody>
-      </p:sp>
-      <p:sp>
-        <p:nvSpPr>
-          <p:cNvPr id="11" name="Text Placeholder 10"/>
-          <p:cNvSpPr>
-            <a:spLocks noGrp="1"/>
-          </p:cNvSpPr>
-          <p:nvPr>
-            <p:ph type="body" sz="quarter" idx="19"/>
-          </p:nvPr>
-        </p:nvSpPr>
-        <p:spPr/>
-        <p:txBody>
-          <a:bodyPr/>
-          <a:lstStyle/>
-          <a:p>
-            <a:r>
-              <a:rPr lang="en-US" noProof="1"/>
-              <a:t>SoftUni</a:t>
-            </a:r>
-            <a:r>
-              <a:rPr lang="en-US" dirty="0"/>
-              <a:t> Team</a:t>
-            </a:r>
-          </a:p>
-        </p:txBody>
-      </p:sp>
-      <p:sp>
-        <p:nvSpPr>
-          <p:cNvPr id="12" name="Text Placeholder 11"/>
-          <p:cNvSpPr>
-            <a:spLocks noGrp="1"/>
-          </p:cNvSpPr>
-          <p:nvPr>
-            <p:ph type="body" sz="quarter" idx="20"/>
-          </p:nvPr>
-        </p:nvSpPr>
-        <p:spPr/>
-        <p:txBody>
-          <a:bodyPr/>
-          <a:lstStyle/>
-          <a:p>
-            <a:r>
-              <a:rPr lang="en-US" dirty="0"/>
-              <a:t>Technical Trainers</a:t>
-            </a:r>
-          </a:p>
-        </p:txBody>
-      </p:sp>
       <p:pic>
         <p:nvPicPr>
-          <p:cNvPr id="2" name="Picture 1"/>
+          <p:cNvPr id="8" name="Picture 7" descr="A green and blue rectangular sign with white text&#10;&#10;Description automatically generated">
+            <a:extLst>
+              <a:ext uri="{FF2B5EF4-FFF2-40B4-BE49-F238E27FC236}">
+                <a16:creationId xmlns:a16="http://schemas.microsoft.com/office/drawing/2014/main" id="{75312D09-226E-6C55-27BB-461591B94F24}"/>
+              </a:ext>
+            </a:extLst>
+          </p:cNvPr>
           <p:cNvPicPr>
             <a:picLocks noChangeAspect="1"/>
           </p:cNvPicPr>
           <p:nvPr/>
         </p:nvPicPr>
         <p:blipFill>
-          <a:blip r:embed="rId4"/>
+          <a:blip r:embed="rId4">
+            <a:extLst>
+              <a:ext uri="{28A0092B-C50C-407E-A947-70E740481C1C}">
+                <a14:useLocalDpi xmlns:a14="http://schemas.microsoft.com/office/drawing/2010/main" val="0"/>
+              </a:ext>
+            </a:extLst>
+          </a:blip>
           <a:stretch>
             <a:fillRect/>
           </a:stretch>
         </p:blipFill>
         <p:spPr>
           <a:xfrm>
-            <a:off x="4715079" y="2162204"/>
-            <a:ext cx="2761845" cy="2533592"/>
+            <a:off x="449311" y="2980813"/>
+            <a:ext cx="1956689" cy="988187"/>
+          </a:xfrm>
+          <a:prstGeom prst="rect">
+            <a:avLst/>
+          </a:prstGeom>
+        </p:spPr>
+      </p:pic>
+      <p:pic>
+        <p:nvPicPr>
+          <p:cNvPr id="2" name="Picture 1">
+            <a:extLst>
+              <a:ext uri="{FF2B5EF4-FFF2-40B4-BE49-F238E27FC236}">
+                <a16:creationId xmlns:a16="http://schemas.microsoft.com/office/drawing/2014/main" id="{16AB1AD9-B0EA-021E-5DAC-1A426F8B5E06}"/>
+              </a:ext>
+            </a:extLst>
+          </p:cNvPr>
+          <p:cNvPicPr>
+            <a:picLocks noChangeAspect="1"/>
+          </p:cNvPicPr>
+          <p:nvPr/>
+        </p:nvPicPr>
+        <p:blipFill>
+          <a:blip r:embed="rId5"/>
+          <a:stretch>
+            <a:fillRect/>
+          </a:stretch>
+        </p:blipFill>
+        <p:spPr>
+          <a:xfrm>
+            <a:off x="9404719" y="2846384"/>
+            <a:ext cx="2207018" cy="2024619"/>
           </a:xfrm>
           <a:prstGeom prst="rect">
             <a:avLst/>
@@ -9021,7 +7733,7 @@
     </p:spTree>
     <p:extLst>
       <p:ext uri="{BB962C8B-B14F-4D97-AF65-F5344CB8AC3E}">
-        <p14:creationId xmlns:p14="http://schemas.microsoft.com/office/powerpoint/2010/main" val="2241031200"/>
+        <p14:creationId xmlns:p14="http://schemas.microsoft.com/office/powerpoint/2010/main" val="2637781195"/>
       </p:ext>
     </p:extLst>
   </p:cSld>
@@ -9030,10 +7742,10 @@
   </p:clrMapOvr>
   <mc:AlternateContent xmlns:mc="http://schemas.openxmlformats.org/markup-compatibility/2006" xmlns:p14="http://schemas.microsoft.com/office/powerpoint/2010/main">
     <mc:Choice Requires="p14">
-      <p:transition spd="slow" p14:dur="2000" advClick="0" advTm="5000"/>
+      <p:transition p14:dur="0" advClick="0" advTm="5000"/>
     </mc:Choice>
     <mc:Fallback xmlns="">
-      <p:transition spd="slow" advClick="0" advTm="5000"/>
+      <p:transition advClick="0" advTm="5000"/>
     </mc:Fallback>
   </mc:AlternateContent>
 </p:sld>
@@ -10227,10 +8939,10 @@
       </p:sp>
       <p:sp>
         <p:nvSpPr>
-          <p:cNvPr id="18" name="Slide Number">
+          <p:cNvPr id="2" name="Slide Number">
             <a:extLst>
               <a:ext uri="{FF2B5EF4-FFF2-40B4-BE49-F238E27FC236}">
-                <a16:creationId xmlns:a16="http://schemas.microsoft.com/office/drawing/2014/main" id="{C9699F11-D210-4B98-8882-4F44003DC0EA}"/>
+                <a16:creationId xmlns:a16="http://schemas.microsoft.com/office/drawing/2014/main" id="{8C7719F9-152A-14A1-0FDF-DF34ECD56784}"/>
               </a:ext>
             </a:extLst>
           </p:cNvPr>
@@ -10358,7 +9070,7 @@
     </p:spTree>
     <p:extLst>
       <p:ext uri="{BB962C8B-B14F-4D97-AF65-F5344CB8AC3E}">
-        <p14:creationId xmlns:p14="http://schemas.microsoft.com/office/powerpoint/2010/main" val="2165812098"/>
+        <p14:creationId xmlns:p14="http://schemas.microsoft.com/office/powerpoint/2010/main" val="2398516956"/>
       </p:ext>
     </p:extLst>
   </p:cSld>
@@ -11215,136 +9927,6 @@
           </a:p>
         </p:txBody>
       </p:sp>
-      <p:sp>
-        <p:nvSpPr>
-          <p:cNvPr id="5" name="Slide Number">
-            <a:extLst>
-              <a:ext uri="{FF2B5EF4-FFF2-40B4-BE49-F238E27FC236}">
-                <a16:creationId xmlns:a16="http://schemas.microsoft.com/office/drawing/2014/main" id="{4816874C-AD9F-40E0-AC33-292421403902}"/>
-              </a:ext>
-            </a:extLst>
-          </p:cNvPr>
-          <p:cNvSpPr txBox="1">
-            <a:spLocks/>
-          </p:cNvSpPr>
-          <p:nvPr/>
-        </p:nvSpPr>
-        <p:spPr>
-          <a:xfrm>
-            <a:off x="11753030" y="6507000"/>
-            <a:ext cx="367414" cy="297000"/>
-          </a:xfrm>
-          <a:prstGeom prst="rect">
-            <a:avLst/>
-          </a:prstGeom>
-        </p:spPr>
-        <p:txBody>
-          <a:bodyPr vert="horz" lIns="91440" tIns="45720" rIns="91440" bIns="45720" rtlCol="0" anchor="b"/>
-          <a:lstStyle>
-            <a:defPPr>
-              <a:defRPr lang="en-US"/>
-            </a:defPPr>
-            <a:lvl1pPr marL="0" algn="r" defTabSz="914400" rtl="0" eaLnBrk="1" latinLnBrk="0" hangingPunct="1">
-              <a:defRPr sz="1000" kern="1200">
-                <a:solidFill>
-                  <a:schemeClr val="tx1"/>
-                </a:solidFill>
-                <a:latin typeface="+mn-lt"/>
-                <a:ea typeface="+mn-ea"/>
-                <a:cs typeface="+mn-cs"/>
-              </a:defRPr>
-            </a:lvl1pPr>
-            <a:lvl2pPr marL="457200" algn="l" defTabSz="914400" rtl="0" eaLnBrk="1" latinLnBrk="0" hangingPunct="1">
-              <a:defRPr sz="1800" kern="1200">
-                <a:solidFill>
-                  <a:schemeClr val="tx1"/>
-                </a:solidFill>
-                <a:latin typeface="+mn-lt"/>
-                <a:ea typeface="+mn-ea"/>
-                <a:cs typeface="+mn-cs"/>
-              </a:defRPr>
-            </a:lvl2pPr>
-            <a:lvl3pPr marL="914400" algn="l" defTabSz="914400" rtl="0" eaLnBrk="1" latinLnBrk="0" hangingPunct="1">
-              <a:defRPr sz="1800" kern="1200">
-                <a:solidFill>
-                  <a:schemeClr val="tx1"/>
-                </a:solidFill>
-                <a:latin typeface="+mn-lt"/>
-                <a:ea typeface="+mn-ea"/>
-                <a:cs typeface="+mn-cs"/>
-              </a:defRPr>
-            </a:lvl3pPr>
-            <a:lvl4pPr marL="1371600" algn="l" defTabSz="914400" rtl="0" eaLnBrk="1" latinLnBrk="0" hangingPunct="1">
-              <a:defRPr sz="1800" kern="1200">
-                <a:solidFill>
-                  <a:schemeClr val="tx1"/>
-                </a:solidFill>
-                <a:latin typeface="+mn-lt"/>
-                <a:ea typeface="+mn-ea"/>
-                <a:cs typeface="+mn-cs"/>
-              </a:defRPr>
-            </a:lvl4pPr>
-            <a:lvl5pPr marL="1828800" algn="l" defTabSz="914400" rtl="0" eaLnBrk="1" latinLnBrk="0" hangingPunct="1">
-              <a:defRPr sz="1800" kern="1200">
-                <a:solidFill>
-                  <a:schemeClr val="tx1"/>
-                </a:solidFill>
-                <a:latin typeface="+mn-lt"/>
-                <a:ea typeface="+mn-ea"/>
-                <a:cs typeface="+mn-cs"/>
-              </a:defRPr>
-            </a:lvl5pPr>
-            <a:lvl6pPr marL="2286000" algn="l" defTabSz="914400" rtl="0" eaLnBrk="1" latinLnBrk="0" hangingPunct="1">
-              <a:defRPr sz="1800" kern="1200">
-                <a:solidFill>
-                  <a:schemeClr val="tx1"/>
-                </a:solidFill>
-                <a:latin typeface="+mn-lt"/>
-                <a:ea typeface="+mn-ea"/>
-                <a:cs typeface="+mn-cs"/>
-              </a:defRPr>
-            </a:lvl6pPr>
-            <a:lvl7pPr marL="2743200" algn="l" defTabSz="914400" rtl="0" eaLnBrk="1" latinLnBrk="0" hangingPunct="1">
-              <a:defRPr sz="1800" kern="1200">
-                <a:solidFill>
-                  <a:schemeClr val="tx1"/>
-                </a:solidFill>
-                <a:latin typeface="+mn-lt"/>
-                <a:ea typeface="+mn-ea"/>
-                <a:cs typeface="+mn-cs"/>
-              </a:defRPr>
-            </a:lvl7pPr>
-            <a:lvl8pPr marL="3200400" algn="l" defTabSz="914400" rtl="0" eaLnBrk="1" latinLnBrk="0" hangingPunct="1">
-              <a:defRPr sz="1800" kern="1200">
-                <a:solidFill>
-                  <a:schemeClr val="tx1"/>
-                </a:solidFill>
-                <a:latin typeface="+mn-lt"/>
-                <a:ea typeface="+mn-ea"/>
-                <a:cs typeface="+mn-cs"/>
-              </a:defRPr>
-            </a:lvl8pPr>
-            <a:lvl9pPr marL="3657600" algn="l" defTabSz="914400" rtl="0" eaLnBrk="1" latinLnBrk="0" hangingPunct="1">
-              <a:defRPr sz="1800" kern="1200">
-                <a:solidFill>
-                  <a:schemeClr val="tx1"/>
-                </a:solidFill>
-                <a:latin typeface="+mn-lt"/>
-                <a:ea typeface="+mn-ea"/>
-                <a:cs typeface="+mn-cs"/>
-              </a:defRPr>
-            </a:lvl9pPr>
-          </a:lstStyle>
-          <a:p>
-            <a:fld id="{2BF067CD-8E6B-4360-9AA8-C5DF2A48A6D1}" type="slidenum">
-              <a:rPr lang="en-US" smtClean="0"/>
-              <a:pPr/>
-              <a:t>11</a:t>
-            </a:fld>
-            <a:endParaRPr lang="en-US" dirty="0"/>
-          </a:p>
-        </p:txBody>
-      </p:sp>
       <p:grpSp>
         <p:nvGrpSpPr>
           <p:cNvPr id="25" name="Group 24">
@@ -11677,10 +10259,140 @@
           </p:style>
         </p:cxnSp>
       </p:grpSp>
+      <p:sp>
+        <p:nvSpPr>
+          <p:cNvPr id="2" name="Slide Number">
+            <a:extLst>
+              <a:ext uri="{FF2B5EF4-FFF2-40B4-BE49-F238E27FC236}">
+                <a16:creationId xmlns:a16="http://schemas.microsoft.com/office/drawing/2014/main" id="{ABE8B48E-C533-11B8-4A74-9D930B36CFAD}"/>
+              </a:ext>
+            </a:extLst>
+          </p:cNvPr>
+          <p:cNvSpPr txBox="1">
+            <a:spLocks/>
+          </p:cNvSpPr>
+          <p:nvPr/>
+        </p:nvSpPr>
+        <p:spPr>
+          <a:xfrm>
+            <a:off x="11753030" y="6507000"/>
+            <a:ext cx="367414" cy="297000"/>
+          </a:xfrm>
+          <a:prstGeom prst="rect">
+            <a:avLst/>
+          </a:prstGeom>
+        </p:spPr>
+        <p:txBody>
+          <a:bodyPr vert="horz" lIns="91440" tIns="45720" rIns="91440" bIns="45720" rtlCol="0" anchor="b"/>
+          <a:lstStyle>
+            <a:defPPr>
+              <a:defRPr lang="en-US"/>
+            </a:defPPr>
+            <a:lvl1pPr marL="0" algn="r" defTabSz="914400" rtl="0" eaLnBrk="1" latinLnBrk="0" hangingPunct="1">
+              <a:defRPr sz="1000" kern="1200">
+                <a:solidFill>
+                  <a:schemeClr val="tx1"/>
+                </a:solidFill>
+                <a:latin typeface="+mn-lt"/>
+                <a:ea typeface="+mn-ea"/>
+                <a:cs typeface="+mn-cs"/>
+              </a:defRPr>
+            </a:lvl1pPr>
+            <a:lvl2pPr marL="457200" algn="l" defTabSz="914400" rtl="0" eaLnBrk="1" latinLnBrk="0" hangingPunct="1">
+              <a:defRPr sz="1800" kern="1200">
+                <a:solidFill>
+                  <a:schemeClr val="tx1"/>
+                </a:solidFill>
+                <a:latin typeface="+mn-lt"/>
+                <a:ea typeface="+mn-ea"/>
+                <a:cs typeface="+mn-cs"/>
+              </a:defRPr>
+            </a:lvl2pPr>
+            <a:lvl3pPr marL="914400" algn="l" defTabSz="914400" rtl="0" eaLnBrk="1" latinLnBrk="0" hangingPunct="1">
+              <a:defRPr sz="1800" kern="1200">
+                <a:solidFill>
+                  <a:schemeClr val="tx1"/>
+                </a:solidFill>
+                <a:latin typeface="+mn-lt"/>
+                <a:ea typeface="+mn-ea"/>
+                <a:cs typeface="+mn-cs"/>
+              </a:defRPr>
+            </a:lvl3pPr>
+            <a:lvl4pPr marL="1371600" algn="l" defTabSz="914400" rtl="0" eaLnBrk="1" latinLnBrk="0" hangingPunct="1">
+              <a:defRPr sz="1800" kern="1200">
+                <a:solidFill>
+                  <a:schemeClr val="tx1"/>
+                </a:solidFill>
+                <a:latin typeface="+mn-lt"/>
+                <a:ea typeface="+mn-ea"/>
+                <a:cs typeface="+mn-cs"/>
+              </a:defRPr>
+            </a:lvl4pPr>
+            <a:lvl5pPr marL="1828800" algn="l" defTabSz="914400" rtl="0" eaLnBrk="1" latinLnBrk="0" hangingPunct="1">
+              <a:defRPr sz="1800" kern="1200">
+                <a:solidFill>
+                  <a:schemeClr val="tx1"/>
+                </a:solidFill>
+                <a:latin typeface="+mn-lt"/>
+                <a:ea typeface="+mn-ea"/>
+                <a:cs typeface="+mn-cs"/>
+              </a:defRPr>
+            </a:lvl5pPr>
+            <a:lvl6pPr marL="2286000" algn="l" defTabSz="914400" rtl="0" eaLnBrk="1" latinLnBrk="0" hangingPunct="1">
+              <a:defRPr sz="1800" kern="1200">
+                <a:solidFill>
+                  <a:schemeClr val="tx1"/>
+                </a:solidFill>
+                <a:latin typeface="+mn-lt"/>
+                <a:ea typeface="+mn-ea"/>
+                <a:cs typeface="+mn-cs"/>
+              </a:defRPr>
+            </a:lvl6pPr>
+            <a:lvl7pPr marL="2743200" algn="l" defTabSz="914400" rtl="0" eaLnBrk="1" latinLnBrk="0" hangingPunct="1">
+              <a:defRPr sz="1800" kern="1200">
+                <a:solidFill>
+                  <a:schemeClr val="tx1"/>
+                </a:solidFill>
+                <a:latin typeface="+mn-lt"/>
+                <a:ea typeface="+mn-ea"/>
+                <a:cs typeface="+mn-cs"/>
+              </a:defRPr>
+            </a:lvl7pPr>
+            <a:lvl8pPr marL="3200400" algn="l" defTabSz="914400" rtl="0" eaLnBrk="1" latinLnBrk="0" hangingPunct="1">
+              <a:defRPr sz="1800" kern="1200">
+                <a:solidFill>
+                  <a:schemeClr val="tx1"/>
+                </a:solidFill>
+                <a:latin typeface="+mn-lt"/>
+                <a:ea typeface="+mn-ea"/>
+                <a:cs typeface="+mn-cs"/>
+              </a:defRPr>
+            </a:lvl8pPr>
+            <a:lvl9pPr marL="3657600" algn="l" defTabSz="914400" rtl="0" eaLnBrk="1" latinLnBrk="0" hangingPunct="1">
+              <a:defRPr sz="1800" kern="1200">
+                <a:solidFill>
+                  <a:schemeClr val="tx1"/>
+                </a:solidFill>
+                <a:latin typeface="+mn-lt"/>
+                <a:ea typeface="+mn-ea"/>
+                <a:cs typeface="+mn-cs"/>
+              </a:defRPr>
+            </a:lvl9pPr>
+          </a:lstStyle>
+          <a:p>
+            <a:fld id="{2BF067CD-8E6B-4360-9AA8-C5DF2A48A6D1}" type="slidenum">
+              <a:rPr lang="en-US" smtClean="0"/>
+              <a:pPr/>
+              <a:t>11</a:t>
+            </a:fld>
+            <a:endParaRPr lang="en-US" dirty="0"/>
+          </a:p>
+        </p:txBody>
+      </p:sp>
     </p:spTree>
     <p:extLst>
       <p:ext uri="{BB962C8B-B14F-4D97-AF65-F5344CB8AC3E}">
-        <p14:creationId xmlns:p14="http://schemas.microsoft.com/office/powerpoint/2010/main" val="137942538"/>
+        <p14:creationId xmlns:p14="http://schemas.microsoft.com/office/powerpoint/2010/main" val="3445893991"/>
       </p:ext>
     </p:extLst>
   </p:cSld>
@@ -14286,10 +12998,10 @@
       </p:grpSp>
       <p:sp>
         <p:nvSpPr>
-          <p:cNvPr id="57" name="Slide Number">
+          <p:cNvPr id="2" name="Slide Number">
             <a:extLst>
               <a:ext uri="{FF2B5EF4-FFF2-40B4-BE49-F238E27FC236}">
-                <a16:creationId xmlns:a16="http://schemas.microsoft.com/office/drawing/2014/main" id="{E9F64424-7A78-47EF-B9F3-907F5E508DE7}"/>
+                <a16:creationId xmlns:a16="http://schemas.microsoft.com/office/drawing/2014/main" id="{1757A145-C3E2-AF49-4ABC-6295E3926C62}"/>
               </a:ext>
             </a:extLst>
           </p:cNvPr>
@@ -14329,7 +13041,7 @@
     </p:spTree>
     <p:extLst>
       <p:ext uri="{BB962C8B-B14F-4D97-AF65-F5344CB8AC3E}">
-        <p14:creationId xmlns:p14="http://schemas.microsoft.com/office/powerpoint/2010/main" val="771245995"/>
+        <p14:creationId xmlns:p14="http://schemas.microsoft.com/office/powerpoint/2010/main" val="3177528194"/>
       </p:ext>
     </p:extLst>
   </p:cSld>
@@ -15296,7 +14008,7 @@
             <a:r>
               <a:rPr lang="en-US" sz="2799" b="1" noProof="1">
                 <a:solidFill>
-                  <a:schemeClr val="bg1">
+                  <a:schemeClr val="accent1">
                     <a:lumMod val="60000"/>
                     <a:lumOff val="40000"/>
                   </a:schemeClr>
@@ -15379,7 +14091,7 @@
             <a:r>
               <a:rPr lang="en-US" sz="2799" b="1" noProof="1">
                 <a:solidFill>
-                  <a:schemeClr val="bg1">
+                  <a:schemeClr val="accent1">
                     <a:lumMod val="60000"/>
                     <a:lumOff val="40000"/>
                   </a:schemeClr>
@@ -15392,10 +14104,10 @@
       </p:sp>
       <p:sp>
         <p:nvSpPr>
-          <p:cNvPr id="8" name="Slide Number">
+          <p:cNvPr id="2" name="Slide Number">
             <a:extLst>
               <a:ext uri="{FF2B5EF4-FFF2-40B4-BE49-F238E27FC236}">
-                <a16:creationId xmlns:a16="http://schemas.microsoft.com/office/drawing/2014/main" id="{24E23DE6-3F45-401D-8143-97E2B24D12B2}"/>
+                <a16:creationId xmlns:a16="http://schemas.microsoft.com/office/drawing/2014/main" id="{D2D9D824-85D5-0EB5-A435-0359E3F14904}"/>
               </a:ext>
             </a:extLst>
           </p:cNvPr>
@@ -15435,7 +14147,7 @@
     </p:spTree>
     <p:extLst>
       <p:ext uri="{BB962C8B-B14F-4D97-AF65-F5344CB8AC3E}">
-        <p14:creationId xmlns:p14="http://schemas.microsoft.com/office/powerpoint/2010/main" val="3548520158"/>
+        <p14:creationId xmlns:p14="http://schemas.microsoft.com/office/powerpoint/2010/main" val="974138617"/>
       </p:ext>
     </p:extLst>
   </p:cSld>
@@ -16241,7 +14953,7 @@
             <a:r>
               <a:rPr lang="en-US" sz="2799" b="1" noProof="1">
                 <a:solidFill>
-                  <a:schemeClr val="bg1">
+                  <a:schemeClr val="accent1">
                     <a:lumMod val="60000"/>
                     <a:lumOff val="40000"/>
                   </a:schemeClr>
@@ -16324,7 +15036,7 @@
             <a:r>
               <a:rPr lang="en-US" sz="2799" b="1" noProof="1">
                 <a:solidFill>
-                  <a:schemeClr val="bg1">
+                  <a:schemeClr val="accent1">
                     <a:lumMod val="60000"/>
                     <a:lumOff val="40000"/>
                   </a:schemeClr>
@@ -16337,10 +15049,10 @@
       </p:sp>
       <p:sp>
         <p:nvSpPr>
-          <p:cNvPr id="8" name="Slide Number">
+          <p:cNvPr id="2" name="Slide Number">
             <a:extLst>
               <a:ext uri="{FF2B5EF4-FFF2-40B4-BE49-F238E27FC236}">
-                <a16:creationId xmlns:a16="http://schemas.microsoft.com/office/drawing/2014/main" id="{BE419470-10C9-40A3-8426-638A7164F926}"/>
+                <a16:creationId xmlns:a16="http://schemas.microsoft.com/office/drawing/2014/main" id="{EAE79C13-0833-CB00-897B-115E37146BD7}"/>
               </a:ext>
             </a:extLst>
           </p:cNvPr>
@@ -16380,7 +15092,7 @@
     </p:spTree>
     <p:extLst>
       <p:ext uri="{BB962C8B-B14F-4D97-AF65-F5344CB8AC3E}">
-        <p14:creationId xmlns:p14="http://schemas.microsoft.com/office/powerpoint/2010/main" val="1043590190"/>
+        <p14:creationId xmlns:p14="http://schemas.microsoft.com/office/powerpoint/2010/main" val="4142010333"/>
       </p:ext>
     </p:extLst>
   </p:cSld>
@@ -16956,10 +15668,10 @@
       </p:grpSp>
       <p:sp>
         <p:nvSpPr>
-          <p:cNvPr id="7" name="Slide Number">
+          <p:cNvPr id="2" name="Slide Number">
             <a:extLst>
               <a:ext uri="{FF2B5EF4-FFF2-40B4-BE49-F238E27FC236}">
-                <a16:creationId xmlns:a16="http://schemas.microsoft.com/office/drawing/2014/main" id="{36C2C425-43DC-4A72-80F4-CFD9D51C90A9}"/>
+                <a16:creationId xmlns:a16="http://schemas.microsoft.com/office/drawing/2014/main" id="{E0B91132-5C57-49D7-06EF-70DB36FB6DF8}"/>
               </a:ext>
             </a:extLst>
           </p:cNvPr>
@@ -16999,7 +15711,7 @@
     </p:spTree>
     <p:extLst>
       <p:ext uri="{BB962C8B-B14F-4D97-AF65-F5344CB8AC3E}">
-        <p14:creationId xmlns:p14="http://schemas.microsoft.com/office/powerpoint/2010/main" val="268221231"/>
+        <p14:creationId xmlns:p14="http://schemas.microsoft.com/office/powerpoint/2010/main" val="3229250701"/>
       </p:ext>
     </p:extLst>
   </p:cSld>
@@ -17107,10 +15819,10 @@
       </p:sp>
       <p:sp>
         <p:nvSpPr>
-          <p:cNvPr id="5" name="Title 4">
+          <p:cNvPr id="4" name="Заглавие 3">
             <a:extLst>
               <a:ext uri="{FF2B5EF4-FFF2-40B4-BE49-F238E27FC236}">
-                <a16:creationId xmlns:a16="http://schemas.microsoft.com/office/drawing/2014/main" id="{8B4825EF-12BA-43DB-A69C-7E6654AB3CFF}"/>
+                <a16:creationId xmlns:a16="http://schemas.microsoft.com/office/drawing/2014/main" id="{CF5FF24A-ACE8-2E60-F34A-3D1B8B2F9A58}"/>
               </a:ext>
             </a:extLst>
           </p:cNvPr>
@@ -17127,17 +15839,16 @@
           <a:lstStyle/>
           <a:p>
             <a:r>
-              <a:rPr lang="bg-BG" dirty="0"/>
+              <a:rPr lang="bg-BG"/>
               <a:t>Върнати стойности</a:t>
             </a:r>
-            <a:endParaRPr lang="en-GB" dirty="0"/>
           </a:p>
         </p:txBody>
       </p:sp>
     </p:spTree>
     <p:extLst>
       <p:ext uri="{BB962C8B-B14F-4D97-AF65-F5344CB8AC3E}">
-        <p14:creationId xmlns:p14="http://schemas.microsoft.com/office/powerpoint/2010/main" val="1930855018"/>
+        <p14:creationId xmlns:p14="http://schemas.microsoft.com/office/powerpoint/2010/main" val="1202774433"/>
       </p:ext>
     </p:extLst>
   </p:cSld>
@@ -17165,36 +15876,6 @@
           <a:chExt cx="0" cy="0"/>
         </a:xfrm>
       </p:grpSpPr>
-      <p:sp>
-        <p:nvSpPr>
-          <p:cNvPr id="2" name="Slide Number Placeholder 1">
-            <a:extLst>
-              <a:ext uri="{FF2B5EF4-FFF2-40B4-BE49-F238E27FC236}">
-                <a16:creationId xmlns:a16="http://schemas.microsoft.com/office/drawing/2014/main" id="{30DA474D-7E20-276C-D872-FDF0EC8AAA3D}"/>
-              </a:ext>
-            </a:extLst>
-          </p:cNvPr>
-          <p:cNvSpPr>
-            <a:spLocks noGrp="1"/>
-          </p:cNvSpPr>
-          <p:nvPr>
-            <p:ph type="sldNum" sz="quarter" idx="4"/>
-          </p:nvPr>
-        </p:nvSpPr>
-        <p:spPr/>
-        <p:txBody>
-          <a:bodyPr/>
-          <a:lstStyle/>
-          <a:p>
-            <a:fld id="{2BF067CD-8E6B-4360-9AA8-C5DF2A48A6D1}" type="slidenum">
-              <a:rPr lang="en-US" noProof="0" smtClean="0"/>
-              <a:pPr/>
-              <a:t>17</a:t>
-            </a:fld>
-            <a:endParaRPr lang="en-US" noProof="0" dirty="0"/>
-          </a:p>
-        </p:txBody>
-      </p:sp>
       <p:sp>
         <p:nvSpPr>
           <p:cNvPr id="3" name="Text Placeholder 2">
@@ -17644,7 +16325,7 @@
             <a:r>
               <a:rPr lang="bg-BG" sz="2600" b="1" noProof="1">
                 <a:solidFill>
-                  <a:schemeClr val="bg1">
+                  <a:schemeClr val="accent1">
                     <a:lumMod val="60000"/>
                     <a:lumOff val="40000"/>
                   </a:schemeClr>
@@ -17738,7 +16419,7 @@
             <a:r>
               <a:rPr lang="bg-BG" sz="2799" b="1" noProof="1">
                 <a:solidFill>
-                  <a:schemeClr val="bg1">
+                  <a:schemeClr val="accent1">
                     <a:lumMod val="60000"/>
                     <a:lumOff val="40000"/>
                   </a:schemeClr>
@@ -17757,7 +16438,7 @@
             <a:r>
               <a:rPr lang="en-US" sz="2799" b="1" noProof="1">
                 <a:solidFill>
-                  <a:schemeClr val="bg1">
+                  <a:schemeClr val="accent1">
                     <a:lumMod val="60000"/>
                     <a:lumOff val="40000"/>
                   </a:schemeClr>
@@ -17773,13 +16454,143 @@
               </a:rPr>
               <a:t>)</a:t>
             </a:r>
+          </a:p>
+        </p:txBody>
+      </p:sp>
+      <p:sp>
+        <p:nvSpPr>
+          <p:cNvPr id="5" name="Slide Number">
+            <a:extLst>
+              <a:ext uri="{FF2B5EF4-FFF2-40B4-BE49-F238E27FC236}">
+                <a16:creationId xmlns:a16="http://schemas.microsoft.com/office/drawing/2014/main" id="{D0238971-D7B6-FB38-6952-8E0468109830}"/>
+              </a:ext>
+            </a:extLst>
+          </p:cNvPr>
+          <p:cNvSpPr txBox="1">
+            <a:spLocks/>
+          </p:cNvSpPr>
+          <p:nvPr/>
+        </p:nvSpPr>
+        <p:spPr>
+          <a:xfrm>
+            <a:off x="11753030" y="6507000"/>
+            <a:ext cx="367414" cy="297000"/>
+          </a:xfrm>
+          <a:prstGeom prst="rect">
+            <a:avLst/>
+          </a:prstGeom>
+        </p:spPr>
+        <p:txBody>
+          <a:bodyPr vert="horz" lIns="91440" tIns="45720" rIns="91440" bIns="45720" rtlCol="0" anchor="b"/>
+          <a:lstStyle>
+            <a:defPPr>
+              <a:defRPr lang="en-US"/>
+            </a:defPPr>
+            <a:lvl1pPr marL="0" algn="r" defTabSz="914400" rtl="0" eaLnBrk="1" latinLnBrk="0" hangingPunct="1">
+              <a:defRPr sz="1000" kern="1200">
+                <a:solidFill>
+                  <a:schemeClr val="tx1"/>
+                </a:solidFill>
+                <a:latin typeface="+mn-lt"/>
+                <a:ea typeface="+mn-ea"/>
+                <a:cs typeface="+mn-cs"/>
+              </a:defRPr>
+            </a:lvl1pPr>
+            <a:lvl2pPr marL="457200" algn="l" defTabSz="914400" rtl="0" eaLnBrk="1" latinLnBrk="0" hangingPunct="1">
+              <a:defRPr sz="1800" kern="1200">
+                <a:solidFill>
+                  <a:schemeClr val="tx1"/>
+                </a:solidFill>
+                <a:latin typeface="+mn-lt"/>
+                <a:ea typeface="+mn-ea"/>
+                <a:cs typeface="+mn-cs"/>
+              </a:defRPr>
+            </a:lvl2pPr>
+            <a:lvl3pPr marL="914400" algn="l" defTabSz="914400" rtl="0" eaLnBrk="1" latinLnBrk="0" hangingPunct="1">
+              <a:defRPr sz="1800" kern="1200">
+                <a:solidFill>
+                  <a:schemeClr val="tx1"/>
+                </a:solidFill>
+                <a:latin typeface="+mn-lt"/>
+                <a:ea typeface="+mn-ea"/>
+                <a:cs typeface="+mn-cs"/>
+              </a:defRPr>
+            </a:lvl3pPr>
+            <a:lvl4pPr marL="1371600" algn="l" defTabSz="914400" rtl="0" eaLnBrk="1" latinLnBrk="0" hangingPunct="1">
+              <a:defRPr sz="1800" kern="1200">
+                <a:solidFill>
+                  <a:schemeClr val="tx1"/>
+                </a:solidFill>
+                <a:latin typeface="+mn-lt"/>
+                <a:ea typeface="+mn-ea"/>
+                <a:cs typeface="+mn-cs"/>
+              </a:defRPr>
+            </a:lvl4pPr>
+            <a:lvl5pPr marL="1828800" algn="l" defTabSz="914400" rtl="0" eaLnBrk="1" latinLnBrk="0" hangingPunct="1">
+              <a:defRPr sz="1800" kern="1200">
+                <a:solidFill>
+                  <a:schemeClr val="tx1"/>
+                </a:solidFill>
+                <a:latin typeface="+mn-lt"/>
+                <a:ea typeface="+mn-ea"/>
+                <a:cs typeface="+mn-cs"/>
+              </a:defRPr>
+            </a:lvl5pPr>
+            <a:lvl6pPr marL="2286000" algn="l" defTabSz="914400" rtl="0" eaLnBrk="1" latinLnBrk="0" hangingPunct="1">
+              <a:defRPr sz="1800" kern="1200">
+                <a:solidFill>
+                  <a:schemeClr val="tx1"/>
+                </a:solidFill>
+                <a:latin typeface="+mn-lt"/>
+                <a:ea typeface="+mn-ea"/>
+                <a:cs typeface="+mn-cs"/>
+              </a:defRPr>
+            </a:lvl6pPr>
+            <a:lvl7pPr marL="2743200" algn="l" defTabSz="914400" rtl="0" eaLnBrk="1" latinLnBrk="0" hangingPunct="1">
+              <a:defRPr sz="1800" kern="1200">
+                <a:solidFill>
+                  <a:schemeClr val="tx1"/>
+                </a:solidFill>
+                <a:latin typeface="+mn-lt"/>
+                <a:ea typeface="+mn-ea"/>
+                <a:cs typeface="+mn-cs"/>
+              </a:defRPr>
+            </a:lvl7pPr>
+            <a:lvl8pPr marL="3200400" algn="l" defTabSz="914400" rtl="0" eaLnBrk="1" latinLnBrk="0" hangingPunct="1">
+              <a:defRPr sz="1800" kern="1200">
+                <a:solidFill>
+                  <a:schemeClr val="tx1"/>
+                </a:solidFill>
+                <a:latin typeface="+mn-lt"/>
+                <a:ea typeface="+mn-ea"/>
+                <a:cs typeface="+mn-cs"/>
+              </a:defRPr>
+            </a:lvl8pPr>
+            <a:lvl9pPr marL="3657600" algn="l" defTabSz="914400" rtl="0" eaLnBrk="1" latinLnBrk="0" hangingPunct="1">
+              <a:defRPr sz="1800" kern="1200">
+                <a:solidFill>
+                  <a:schemeClr val="tx1"/>
+                </a:solidFill>
+                <a:latin typeface="+mn-lt"/>
+                <a:ea typeface="+mn-ea"/>
+                <a:cs typeface="+mn-cs"/>
+              </a:defRPr>
+            </a:lvl9pPr>
+          </a:lstStyle>
+          <a:p>
+            <a:fld id="{2BF067CD-8E6B-4360-9AA8-C5DF2A48A6D1}" type="slidenum">
+              <a:rPr lang="en-US" smtClean="0"/>
+              <a:pPr/>
+              <a:t>17</a:t>
+            </a:fld>
+            <a:endParaRPr lang="en-US" dirty="0"/>
           </a:p>
         </p:txBody>
       </p:sp>
     </p:spTree>
     <p:extLst>
       <p:ext uri="{BB962C8B-B14F-4D97-AF65-F5344CB8AC3E}">
-        <p14:creationId xmlns:p14="http://schemas.microsoft.com/office/powerpoint/2010/main" val="2822752250"/>
+        <p14:creationId xmlns:p14="http://schemas.microsoft.com/office/powerpoint/2010/main" val="2826694500"/>
       </p:ext>
     </p:extLst>
   </p:cSld>
@@ -18053,7 +16864,7 @@
             <a:r>
               <a:rPr lang="bg-BG" sz="3400" b="1" dirty="0">
                 <a:solidFill>
-                  <a:srgbClr val="FFA000"/>
+                  <a:schemeClr val="bg1"/>
                 </a:solidFill>
               </a:rPr>
               <a:t>Присвоени</a:t>
@@ -18091,7 +16902,7 @@
             <a:r>
               <a:rPr lang="bg-BG" sz="3400" b="1" dirty="0">
                 <a:solidFill>
-                  <a:srgbClr val="FFA000"/>
+                  <a:schemeClr val="bg1"/>
                 </a:solidFill>
               </a:rPr>
               <a:t>Използвани</a:t>
@@ -18129,7 +16940,7 @@
             <a:r>
               <a:rPr lang="bg-BG" sz="3400" b="1" dirty="0">
                 <a:solidFill>
-                  <a:srgbClr val="FFA000"/>
+                  <a:schemeClr val="bg1"/>
                 </a:solidFill>
               </a:rPr>
               <a:t>Подадени</a:t>
@@ -18787,10 +17598,10 @@
       </p:sp>
       <p:sp>
         <p:nvSpPr>
-          <p:cNvPr id="10" name="Slide Number">
+          <p:cNvPr id="2" name="Slide Number">
             <a:extLst>
               <a:ext uri="{FF2B5EF4-FFF2-40B4-BE49-F238E27FC236}">
-                <a16:creationId xmlns:a16="http://schemas.microsoft.com/office/drawing/2014/main" id="{5EBA0207-E7DB-4541-A9EC-B129A0DF3156}"/>
+                <a16:creationId xmlns:a16="http://schemas.microsoft.com/office/drawing/2014/main" id="{CDD8E0A0-6822-003E-37E1-F09A242ACE9C}"/>
               </a:ext>
             </a:extLst>
           </p:cNvPr>
@@ -18918,7 +17729,7 @@
     </p:spTree>
     <p:extLst>
       <p:ext uri="{BB962C8B-B14F-4D97-AF65-F5344CB8AC3E}">
-        <p14:creationId xmlns:p14="http://schemas.microsoft.com/office/powerpoint/2010/main" val="1290319654"/>
+        <p14:creationId xmlns:p14="http://schemas.microsoft.com/office/powerpoint/2010/main" val="764201117"/>
       </p:ext>
     </p:extLst>
   </p:cSld>
@@ -19541,7 +18352,7 @@
             <a:r>
               <a:rPr lang="en-US" sz="2599" dirty="0">
                 <a:solidFill>
-                  <a:srgbClr val="FFA000"/>
+                  <a:schemeClr val="bg1"/>
                 </a:solidFill>
                 <a:effectLst/>
               </a:rPr>
@@ -19559,7 +18370,7 @@
             <a:r>
               <a:rPr lang="en-US" sz="2599" dirty="0">
                 <a:solidFill>
-                  <a:srgbClr val="FFA000"/>
+                  <a:schemeClr val="bg1"/>
                 </a:solidFill>
                 <a:effectLst/>
               </a:rPr>
@@ -19577,7 +18388,7 @@
             <a:r>
               <a:rPr lang="en-US" sz="2599" dirty="0">
                 <a:solidFill>
-                  <a:srgbClr val="FFA000"/>
+                  <a:schemeClr val="bg1"/>
                 </a:solidFill>
                 <a:effectLst/>
               </a:rPr>
@@ -19650,7 +18461,7 @@
             <a:r>
               <a:rPr lang="en-US" sz="2599" dirty="0">
                 <a:solidFill>
-                  <a:srgbClr val="FFA000"/>
+                  <a:schemeClr val="bg1"/>
                 </a:solidFill>
                 <a:effectLst/>
               </a:rPr>
@@ -20127,10 +18938,10 @@
       </p:sp>
       <p:sp>
         <p:nvSpPr>
-          <p:cNvPr id="13" name="Slide Number">
+          <p:cNvPr id="2" name="Slide Number">
             <a:extLst>
               <a:ext uri="{FF2B5EF4-FFF2-40B4-BE49-F238E27FC236}">
-                <a16:creationId xmlns:a16="http://schemas.microsoft.com/office/drawing/2014/main" id="{2C083841-5AB2-4789-928B-B95538391B4F}"/>
+                <a16:creationId xmlns:a16="http://schemas.microsoft.com/office/drawing/2014/main" id="{8C5BA81A-AABA-CE98-C0B9-86992C072252}"/>
               </a:ext>
             </a:extLst>
           </p:cNvPr>
@@ -20170,7 +18981,7 @@
     </p:spTree>
     <p:extLst>
       <p:ext uri="{BB962C8B-B14F-4D97-AF65-F5344CB8AC3E}">
-        <p14:creationId xmlns:p14="http://schemas.microsoft.com/office/powerpoint/2010/main" val="3951723305"/>
+        <p14:creationId xmlns:p14="http://schemas.microsoft.com/office/powerpoint/2010/main" val="1605172133"/>
       </p:ext>
     </p:extLst>
   </p:cSld>
@@ -20219,6 +19030,105 @@
                                           </p:stCondLst>
                                         </p:cTn>
                                         <p:tgtEl>
+                                          <p:spTgt spid="7"/>
+                                        </p:tgtEl>
+                                        <p:attrNameLst>
+                                          <p:attrName>style.visibility</p:attrName>
+                                        </p:attrNameLst>
+                                      </p:cBhvr>
+                                      <p:to>
+                                        <p:strVal val="visible"/>
+                                      </p:to>
+                                    </p:set>
+                                  </p:childTnLst>
+                                </p:cTn>
+                              </p:par>
+                              <p:par>
+                                <p:cTn id="7" presetID="1" presetClass="entr" presetSubtype="0" fill="hold" grpId="0" nodeType="withEffect">
+                                  <p:stCondLst>
+                                    <p:cond delay="0"/>
+                                  </p:stCondLst>
+                                  <p:childTnLst>
+                                    <p:set>
+                                      <p:cBhvr>
+                                        <p:cTn id="8" dur="1" fill="hold">
+                                          <p:stCondLst>
+                                            <p:cond delay="0"/>
+                                          </p:stCondLst>
+                                        </p:cTn>
+                                        <p:tgtEl>
+                                          <p:spTgt spid="8"/>
+                                        </p:tgtEl>
+                                        <p:attrNameLst>
+                                          <p:attrName>style.visibility</p:attrName>
+                                        </p:attrNameLst>
+                                      </p:cBhvr>
+                                      <p:to>
+                                        <p:strVal val="visible"/>
+                                      </p:to>
+                                    </p:set>
+                                  </p:childTnLst>
+                                </p:cTn>
+                              </p:par>
+                              <p:par>
+                                <p:cTn id="9" presetID="1" presetClass="entr" presetSubtype="0" fill="hold" grpId="0" nodeType="withEffect">
+                                  <p:stCondLst>
+                                    <p:cond delay="0"/>
+                                  </p:stCondLst>
+                                  <p:childTnLst>
+                                    <p:set>
+                                      <p:cBhvr>
+                                        <p:cTn id="10" dur="1" fill="hold">
+                                          <p:stCondLst>
+                                            <p:cond delay="0"/>
+                                          </p:stCondLst>
+                                        </p:cTn>
+                                        <p:tgtEl>
+                                          <p:spTgt spid="6"/>
+                                        </p:tgtEl>
+                                        <p:attrNameLst>
+                                          <p:attrName>style.visibility</p:attrName>
+                                        </p:attrNameLst>
+                                      </p:cBhvr>
+                                      <p:to>
+                                        <p:strVal val="visible"/>
+                                      </p:to>
+                                    </p:set>
+                                  </p:childTnLst>
+                                </p:cTn>
+                              </p:par>
+                            </p:childTnLst>
+                          </p:cTn>
+                        </p:par>
+                      </p:childTnLst>
+                    </p:cTn>
+                  </p:par>
+                  <p:par>
+                    <p:cTn id="11" fill="hold">
+                      <p:stCondLst>
+                        <p:cond delay="indefinite"/>
+                      </p:stCondLst>
+                      <p:childTnLst>
+                        <p:par>
+                          <p:cTn id="12" fill="hold">
+                            <p:stCondLst>
+                              <p:cond delay="0"/>
+                            </p:stCondLst>
+                            <p:childTnLst>
+                              <p:par>
+                                <p:cTn id="13" presetID="1" presetClass="entr" presetSubtype="0" fill="hold" grpId="0" nodeType="clickEffect">
+                                  <p:stCondLst>
+                                    <p:cond delay="0"/>
+                                  </p:stCondLst>
+                                  <p:childTnLst>
+                                    <p:set>
+                                      <p:cBhvr>
+                                        <p:cTn id="14" dur="1" fill="hold">
+                                          <p:stCondLst>
+                                            <p:cond delay="0"/>
+                                          </p:stCondLst>
+                                        </p:cTn>
+                                        <p:tgtEl>
                                           <p:spTgt spid="5"/>
                                         </p:tgtEl>
                                         <p:attrNameLst>
@@ -20261,6 +19171,9 @@
     </p:tnLst>
     <p:bldLst>
       <p:bldP spid="5" grpId="0" animBg="1"/>
+      <p:bldP spid="6" grpId="0" animBg="1"/>
+      <p:bldP spid="7" grpId="0" animBg="1"/>
+      <p:bldP spid="8" grpId="0" animBg="1"/>
     </p:bldLst>
   </p:timing>
 </p:sld>
@@ -20312,8 +19225,16 @@
               </a:buClr>
             </a:pPr>
             <a:r>
+              <a:rPr lang="en-US" sz="3200" dirty="0"/>
+              <a:t>͏</a:t>
+            </a:r>
+            <a:r>
+              <a:rPr lang="bg-BG" sz="3200" b="1" dirty="0"/>
+              <a:t>Съкратен синтаксис </a:t>
+            </a:r>
+            <a:r>
               <a:rPr lang="bg-BG" sz="3200" dirty="0"/>
-              <a:t>Съкратен синтаксис за дефиниране на методи</a:t>
+              <a:t>за дефиниране на методи</a:t>
             </a:r>
             <a:endParaRPr lang="en-US" sz="3200" dirty="0"/>
           </a:p>
@@ -20324,8 +19245,16 @@
               </a:buClr>
             </a:pPr>
             <a:r>
+              <a:rPr lang="en-US" sz="3200" dirty="0"/>
+              <a:t>͏</a:t>
+            </a:r>
+            <a:r>
+              <a:rPr lang="bg-BG" sz="3200" b="1" dirty="0"/>
+              <a:t>Опционални</a:t>
+            </a:r>
+            <a:r>
               <a:rPr lang="bg-BG" sz="3200" dirty="0"/>
-              <a:t>Опционални параметри</a:t>
+              <a:t> параметри</a:t>
             </a:r>
           </a:p>
           <a:p>
@@ -20336,7 +19265,15 @@
             </a:pPr>
             <a:r>
               <a:rPr lang="bg-BG" sz="3200" dirty="0"/>
-              <a:t>Употреба на върнатите стойности от методите</a:t>
+              <a:t>Употреба на </a:t>
+            </a:r>
+            <a:r>
+              <a:rPr lang="bg-BG" sz="3200" b="1" dirty="0"/>
+              <a:t>върнатите стойности </a:t>
+            </a:r>
+            <a:r>
+              <a:rPr lang="bg-BG" sz="3200" dirty="0"/>
+              <a:t>от методите</a:t>
             </a:r>
             <a:endParaRPr lang="en-GB" sz="3200" dirty="0"/>
           </a:p>
@@ -20347,8 +19284,16 @@
               </a:buClr>
             </a:pPr>
             <a:r>
+              <a:rPr lang="en-US" sz="3200" dirty="0"/>
+              <a:t>͏</a:t>
+            </a:r>
+            <a:r>
+              <a:rPr lang="bg-BG" sz="3200" b="1" dirty="0"/>
+              <a:t>Варианти</a:t>
+            </a:r>
+            <a:r>
               <a:rPr lang="bg-BG" sz="3200" dirty="0"/>
-              <a:t>Варианти на методи (</a:t>
+              <a:t> на методи (</a:t>
             </a:r>
             <a:r>
               <a:rPr lang="en-US" sz="3200" dirty="0"/>
@@ -20363,8 +19308,24 @@
               </a:buClr>
             </a:pPr>
             <a:r>
+              <a:rPr lang="en-US" sz="3200" dirty="0"/>
+              <a:t>͏</a:t>
+            </a:r>
+            <a:r>
+              <a:rPr lang="bg-BG" sz="3200" b="1" dirty="0"/>
+              <a:t>Стойностни</a:t>
+            </a:r>
+            <a:r>
               <a:rPr lang="bg-BG" sz="3200" dirty="0"/>
-              <a:t>Стойностни и референтни типове</a:t>
+              <a:t> и </a:t>
+            </a:r>
+            <a:r>
+              <a:rPr lang="bg-BG" sz="3200" b="1" dirty="0"/>
+              <a:t>референтни</a:t>
+            </a:r>
+            <a:r>
+              <a:rPr lang="bg-BG" sz="3200" dirty="0"/>
+              <a:t> типове</a:t>
             </a:r>
             <a:endParaRPr lang="en-US" sz="3200" dirty="0"/>
           </a:p>
@@ -20401,10 +19362,10 @@
       </p:sp>
       <p:sp>
         <p:nvSpPr>
-          <p:cNvPr id="5" name="Slide Number">
+          <p:cNvPr id="2" name="Slide Number">
             <a:extLst>
               <a:ext uri="{FF2B5EF4-FFF2-40B4-BE49-F238E27FC236}">
-                <a16:creationId xmlns:a16="http://schemas.microsoft.com/office/drawing/2014/main" id="{332F67DE-7BFE-440C-9919-F2D9FE6DC9A8}"/>
+                <a16:creationId xmlns:a16="http://schemas.microsoft.com/office/drawing/2014/main" id="{C2E0D717-ED6D-FF09-5759-46E6157A8A12}"/>
               </a:ext>
             </a:extLst>
           </p:cNvPr>
@@ -20532,7 +19493,7 @@
     </p:spTree>
     <p:extLst>
       <p:ext uri="{BB962C8B-B14F-4D97-AF65-F5344CB8AC3E}">
-        <p14:creationId xmlns:p14="http://schemas.microsoft.com/office/powerpoint/2010/main" val="4149011240"/>
+        <p14:creationId xmlns:p14="http://schemas.microsoft.com/office/powerpoint/2010/main" val="4065749780"/>
       </p:ext>
     </p:extLst>
   </p:cSld>
@@ -20825,10 +19786,10 @@
       </p:pic>
       <p:sp>
         <p:nvSpPr>
-          <p:cNvPr id="4" name="Title 3">
+          <p:cNvPr id="3" name="Заглавие 2">
             <a:extLst>
               <a:ext uri="{FF2B5EF4-FFF2-40B4-BE49-F238E27FC236}">
-                <a16:creationId xmlns:a16="http://schemas.microsoft.com/office/drawing/2014/main" id="{5059C582-EF82-4A94-AAE5-3CA126B775D8}"/>
+                <a16:creationId xmlns:a16="http://schemas.microsoft.com/office/drawing/2014/main" id="{485A36F1-F6D8-3E0F-9FB4-ECBFB4055A5C}"/>
               </a:ext>
             </a:extLst>
           </p:cNvPr>
@@ -20839,43 +19800,30 @@
             <p:ph type="title" sz="quarter" idx="10"/>
           </p:nvPr>
         </p:nvSpPr>
-        <p:spPr>
-          <a:xfrm>
-            <a:off x="615108" y="5184000"/>
-            <a:ext cx="10961783" cy="768084"/>
-          </a:xfrm>
-        </p:spPr>
+        <p:spPr/>
         <p:txBody>
           <a:bodyPr/>
           <a:lstStyle/>
           <a:p>
             <a:r>
-              <a:rPr lang="bg-BG" dirty="0"/>
+              <a:rPr lang="ru-RU"/>
               <a:t>Варианти на методи </a:t>
             </a:r>
             <a:br>
-              <a:rPr lang="en-US" dirty="0"/>
+              <a:rPr lang="ru-RU"/>
             </a:br>
             <a:r>
-              <a:rPr lang="bg-BG" dirty="0"/>
-              <a:t>(</a:t>
-            </a:r>
-            <a:r>
-              <a:rPr lang="en-GB" dirty="0"/>
-              <a:t>Overloading Methods</a:t>
-            </a:r>
-            <a:r>
-              <a:rPr lang="bg-BG" dirty="0"/>
-              <a:t>)</a:t>
-            </a:r>
-            <a:endParaRPr lang="en-GB" dirty="0"/>
+              <a:rPr lang="ru-RU"/>
+              <a:t>(Overloading Methods)</a:t>
+            </a:r>
+            <a:endParaRPr lang="bg-BG"/>
           </a:p>
         </p:txBody>
       </p:sp>
     </p:spTree>
     <p:extLst>
       <p:ext uri="{BB962C8B-B14F-4D97-AF65-F5344CB8AC3E}">
-        <p14:creationId xmlns:p14="http://schemas.microsoft.com/office/powerpoint/2010/main" val="856312096"/>
+        <p14:creationId xmlns:p14="http://schemas.microsoft.com/office/powerpoint/2010/main" val="3270225134"/>
       </p:ext>
     </p:extLst>
   </p:cSld>
@@ -20939,7 +19887,7 @@
             <a:r>
               <a:rPr lang="bg-BG" b="1" dirty="0">
                 <a:solidFill>
-                  <a:srgbClr val="FFA000"/>
+                  <a:schemeClr val="bg1"/>
                 </a:solidFill>
               </a:rPr>
               <a:t>името</a:t>
@@ -20971,7 +19919,7 @@
             <a:r>
               <a:rPr lang="bg-BG" b="1" dirty="0">
                 <a:solidFill>
-                  <a:srgbClr val="FFA000"/>
+                  <a:schemeClr val="bg1"/>
                 </a:solidFill>
               </a:rPr>
               <a:t>параметрите</a:t>
@@ -20999,14 +19947,14 @@
             <a:r>
               <a:rPr lang="bg-BG" b="1" dirty="0">
                 <a:solidFill>
-                  <a:srgbClr val="FFA000"/>
+                  <a:schemeClr val="bg1"/>
                 </a:solidFill>
               </a:rPr>
               <a:t>сигнатура</a:t>
             </a:r>
             <a:endParaRPr lang="en-US" b="1" dirty="0">
               <a:solidFill>
-                <a:srgbClr val="FFA000"/>
+                <a:schemeClr val="bg1"/>
               </a:solidFill>
             </a:endParaRPr>
           </a:p>
@@ -21049,7 +19997,7 @@
             <a:r>
               <a:rPr lang="bg-BG" b="1" dirty="0">
                 <a:solidFill>
-                  <a:srgbClr val="FFA000"/>
+                  <a:schemeClr val="bg1"/>
                 </a:solidFill>
               </a:rPr>
               <a:t>различава</a:t>
@@ -21072,7 +20020,7 @@
             <a:r>
               <a:rPr lang="bg-BG" b="1" dirty="0">
                 <a:solidFill>
-                  <a:srgbClr val="FFA000"/>
+                  <a:schemeClr val="bg1"/>
                 </a:solidFill>
               </a:rPr>
               <a:t>еднакви имена</a:t>
@@ -21080,9 +20028,7 @@
             <a:r>
               <a:rPr lang="en-US" b="1" dirty="0">
                 <a:solidFill>
-                  <a:schemeClr val="tx2">
-                    <a:lumMod val="75000"/>
-                  </a:schemeClr>
+                  <a:schemeClr val="bg1"/>
                 </a:solidFill>
               </a:rPr>
               <a:t> </a:t>
@@ -21098,7 +20044,7 @@
             <a:r>
               <a:rPr lang="bg-BG" b="1" dirty="0">
                 <a:solidFill>
-                  <a:srgbClr val="FFA000"/>
+                  <a:schemeClr val="bg1"/>
                 </a:solidFill>
               </a:rPr>
               <a:t>различна сигнатура</a:t>
@@ -21121,7 +20067,7 @@
             <a:r>
               <a:rPr lang="en-US" b="1" dirty="0">
                 <a:solidFill>
-                  <a:srgbClr val="FFA000"/>
+                  <a:schemeClr val="bg1"/>
                 </a:solidFill>
               </a:rPr>
               <a:t>overloading</a:t>
@@ -21370,7 +20316,7 @@
             <a:r>
               <a:rPr lang="bg-BG" sz="2799" b="1" dirty="0">
                 <a:solidFill>
-                  <a:schemeClr val="bg1">
+                  <a:schemeClr val="accent1">
                     <a:lumMod val="60000"/>
                     <a:lumOff val="40000"/>
                   </a:schemeClr>
@@ -21378,11 +20324,6 @@
               </a:rPr>
               <a:t>Сигнатура</a:t>
             </a:r>
-            <a:endParaRPr lang="bg-BG" sz="2799" b="1" dirty="0">
-              <a:solidFill>
-                <a:srgbClr val="FFFFFF"/>
-              </a:solidFill>
-            </a:endParaRPr>
           </a:p>
           <a:p>
             <a:pPr algn="ctr"/>
@@ -21407,10 +20348,10 @@
       </p:sp>
       <p:sp>
         <p:nvSpPr>
-          <p:cNvPr id="8" name="Slide Number">
+          <p:cNvPr id="4" name="Slide Number">
             <a:extLst>
               <a:ext uri="{FF2B5EF4-FFF2-40B4-BE49-F238E27FC236}">
-                <a16:creationId xmlns:a16="http://schemas.microsoft.com/office/drawing/2014/main" id="{FE96E2B0-E89A-4351-B310-A7F4C7EAE6B2}"/>
+                <a16:creationId xmlns:a16="http://schemas.microsoft.com/office/drawing/2014/main" id="{DFA86858-E2CB-4395-630C-D00A9F39F871}"/>
               </a:ext>
             </a:extLst>
           </p:cNvPr>
@@ -21450,7 +20391,7 @@
     </p:spTree>
     <p:extLst>
       <p:ext uri="{BB962C8B-B14F-4D97-AF65-F5344CB8AC3E}">
-        <p14:creationId xmlns:p14="http://schemas.microsoft.com/office/powerpoint/2010/main" val="2562438075"/>
+        <p14:creationId xmlns:p14="http://schemas.microsoft.com/office/powerpoint/2010/main" val="3142655534"/>
       </p:ext>
     </p:extLst>
   </p:cSld>
@@ -22126,7 +21067,7 @@
         <p:spPr/>
         <p:txBody>
           <a:bodyPr>
-            <a:normAutofit fontScale="90000"/>
+            <a:normAutofit/>
           </a:bodyPr>
           <a:lstStyle/>
           <a:p>
@@ -22245,48 +21186,6 @@
                 </a:schemeClr>
               </a:solidFill>
             </a:endParaRPr>
-          </a:p>
-        </p:txBody>
-      </p:sp>
-      <p:sp>
-        <p:nvSpPr>
-          <p:cNvPr id="10" name="Slide Number">
-            <a:extLst>
-              <a:ext uri="{FF2B5EF4-FFF2-40B4-BE49-F238E27FC236}">
-                <a16:creationId xmlns:a16="http://schemas.microsoft.com/office/drawing/2014/main" id="{829E05AE-C010-43F8-A498-2CCB9EF47CDD}"/>
-              </a:ext>
-            </a:extLst>
-          </p:cNvPr>
-          <p:cNvSpPr>
-            <a:spLocks noGrp="1"/>
-          </p:cNvSpPr>
-          <p:nvPr>
-            <p:ph type="sldNum" sz="quarter" idx="5"/>
-          </p:nvPr>
-        </p:nvSpPr>
-        <p:spPr>
-          <a:xfrm>
-            <a:off x="11753030" y="6507000"/>
-            <a:ext cx="367414" cy="297000"/>
-          </a:xfrm>
-          <a:prstGeom prst="rect">
-            <a:avLst/>
-          </a:prstGeom>
-        </p:spPr>
-        <p:txBody>
-          <a:bodyPr vert="horz" lIns="91440" tIns="45720" rIns="91440" bIns="45720" rtlCol="0" anchor="b"/>
-          <a:lstStyle>
-            <a:lvl1pPr algn="r">
-              <a:defRPr sz="1000"/>
-            </a:lvl1pPr>
-          </a:lstStyle>
-          <a:p>
-            <a:fld id="{2BF067CD-8E6B-4360-9AA8-C5DF2A48A6D1}" type="slidenum">
-              <a:rPr lang="en-US" noProof="0" smtClean="0"/>
-              <a:pPr/>
-              <a:t>22</a:t>
-            </a:fld>
-            <a:endParaRPr lang="en-US" noProof="0" dirty="0"/>
           </a:p>
         </p:txBody>
       </p:sp>
@@ -22476,7 +21375,7 @@
             <a:r>
               <a:rPr lang="bg-BG" sz="3200" b="1" dirty="0">
                 <a:solidFill>
-                  <a:schemeClr val="bg1">
+                  <a:schemeClr val="accent1">
                     <a:lumMod val="60000"/>
                     <a:lumOff val="40000"/>
                   </a:schemeClr>
@@ -22506,10 +21405,52 @@
           </a:p>
         </p:txBody>
       </p:sp>
+      <p:sp>
+        <p:nvSpPr>
+          <p:cNvPr id="3" name="Slide Number">
+            <a:extLst>
+              <a:ext uri="{FF2B5EF4-FFF2-40B4-BE49-F238E27FC236}">
+                <a16:creationId xmlns:a16="http://schemas.microsoft.com/office/drawing/2014/main" id="{05B7FC4B-8A31-9616-0DC5-44A6ABD64E84}"/>
+              </a:ext>
+            </a:extLst>
+          </p:cNvPr>
+          <p:cNvSpPr>
+            <a:spLocks noGrp="1"/>
+          </p:cNvSpPr>
+          <p:nvPr>
+            <p:ph type="sldNum" sz="quarter" idx="5"/>
+          </p:nvPr>
+        </p:nvSpPr>
+        <p:spPr>
+          <a:xfrm>
+            <a:off x="11753030" y="6507000"/>
+            <a:ext cx="367414" cy="297000"/>
+          </a:xfrm>
+          <a:prstGeom prst="rect">
+            <a:avLst/>
+          </a:prstGeom>
+        </p:spPr>
+        <p:txBody>
+          <a:bodyPr vert="horz" lIns="91440" tIns="45720" rIns="91440" bIns="45720" rtlCol="0" anchor="b"/>
+          <a:lstStyle>
+            <a:lvl1pPr algn="r">
+              <a:defRPr sz="1000"/>
+            </a:lvl1pPr>
+          </a:lstStyle>
+          <a:p>
+            <a:fld id="{2BF067CD-8E6B-4360-9AA8-C5DF2A48A6D1}" type="slidenum">
+              <a:rPr lang="en-US" noProof="0" smtClean="0"/>
+              <a:pPr/>
+              <a:t>22</a:t>
+            </a:fld>
+            <a:endParaRPr lang="en-US" noProof="0" dirty="0"/>
+          </a:p>
+        </p:txBody>
+      </p:sp>
     </p:spTree>
     <p:extLst>
       <p:ext uri="{BB962C8B-B14F-4D97-AF65-F5344CB8AC3E}">
-        <p14:creationId xmlns:p14="http://schemas.microsoft.com/office/powerpoint/2010/main" val="2686617978"/>
+        <p14:creationId xmlns:p14="http://schemas.microsoft.com/office/powerpoint/2010/main" val="3397268256"/>
       </p:ext>
     </p:extLst>
   </p:cSld>
@@ -23443,10 +22384,10 @@
       </p:sp>
       <p:sp>
         <p:nvSpPr>
-          <p:cNvPr id="9" name="Slide Number">
+          <p:cNvPr id="4" name="Slide Number">
             <a:extLst>
               <a:ext uri="{FF2B5EF4-FFF2-40B4-BE49-F238E27FC236}">
-                <a16:creationId xmlns:a16="http://schemas.microsoft.com/office/drawing/2014/main" id="{F894CEE3-E531-495D-BBF5-A6578342582B}"/>
+                <a16:creationId xmlns:a16="http://schemas.microsoft.com/office/drawing/2014/main" id="{8C167BAD-5D16-459F-E8CF-1F9C9247D1A4}"/>
               </a:ext>
             </a:extLst>
           </p:cNvPr>
@@ -23486,7 +22427,7 @@
     </p:spTree>
     <p:extLst>
       <p:ext uri="{BB962C8B-B14F-4D97-AF65-F5344CB8AC3E}">
-        <p14:creationId xmlns:p14="http://schemas.microsoft.com/office/powerpoint/2010/main" val="3573313574"/>
+        <p14:creationId xmlns:p14="http://schemas.microsoft.com/office/powerpoint/2010/main" val="1379364722"/>
       </p:ext>
     </p:extLst>
   </p:cSld>
@@ -23728,7 +22669,7 @@
             <a:r>
               <a:rPr lang="bg-BG" sz="3200" b="1" dirty="0">
                 <a:solidFill>
-                  <a:srgbClr val="FFA000"/>
+                  <a:schemeClr val="bg1"/>
                 </a:solidFill>
               </a:rPr>
               <a:t>умножава сумата </a:t>
@@ -23744,7 +22685,7 @@
             <a:r>
               <a:rPr lang="bg-BG" sz="3200" b="1" dirty="0">
                 <a:solidFill>
-                  <a:srgbClr val="FFA000"/>
+                  <a:schemeClr val="bg1"/>
                 </a:solidFill>
               </a:rPr>
               <a:t>всички четни цифри </a:t>
@@ -23756,10 +22697,18 @@
             <a:r>
               <a:rPr lang="bg-BG" sz="3200" b="1" dirty="0">
                 <a:solidFill>
+                  <a:schemeClr val="bg1"/>
+                </a:solidFill>
+              </a:rPr>
+              <a:t>сумата</a:t>
+            </a:r>
+            <a:r>
+              <a:rPr lang="bg-BG" sz="3200" b="1" dirty="0">
+                <a:solidFill>
                   <a:srgbClr val="FFA000"/>
                 </a:solidFill>
               </a:rPr>
-              <a:t>сумата </a:t>
+              <a:t> </a:t>
             </a:r>
             <a:r>
               <a:rPr lang="bg-BG" sz="3200" dirty="0"/>
@@ -23771,7 +22720,15 @@
                   <a:srgbClr val="FFA000"/>
                 </a:solidFill>
               </a:rPr>
-              <a:t> всички нечетни цифри </a:t>
+              <a:t> </a:t>
+            </a:r>
+            <a:r>
+              <a:rPr lang="bg-BG" sz="3200" b="1" dirty="0">
+                <a:solidFill>
+                  <a:schemeClr val="bg1"/>
+                </a:solidFill>
+              </a:rPr>
+              <a:t>всички нечетни цифри </a:t>
             </a:r>
             <a:r>
               <a:rPr lang="bg-BG" sz="3200" dirty="0"/>
@@ -23805,7 +22762,7 @@
             <a:r>
               <a:rPr lang="en-US" sz="3200" b="1" noProof="1">
                 <a:solidFill>
-                  <a:srgbClr val="FFA000"/>
+                  <a:schemeClr val="bg1"/>
                 </a:solidFill>
                 <a:latin typeface="Consolas" panose="020B0609020204030204" pitchFamily="49" charset="0"/>
               </a:rPr>
@@ -23821,7 +22778,7 @@
             <a:r>
               <a:rPr lang="en-US" sz="3200" b="1" noProof="1">
                 <a:solidFill>
-                  <a:srgbClr val="FFA000"/>
+                  <a:schemeClr val="bg1"/>
                 </a:solidFill>
                 <a:latin typeface="Consolas" panose="020B0609020204030204" pitchFamily="49" charset="0"/>
               </a:rPr>
@@ -23837,7 +22794,7 @@
             <a:r>
               <a:rPr lang="en-US" sz="3200" b="1" noProof="1">
                 <a:solidFill>
-                  <a:srgbClr val="FFA000"/>
+                  <a:schemeClr val="bg1"/>
                 </a:solidFill>
                 <a:latin typeface="Consolas" panose="020B0609020204030204" pitchFamily="49" charset="0"/>
               </a:rPr>
@@ -23853,7 +22810,7 @@
             <a:r>
               <a:rPr lang="en-US" sz="3200" b="1" noProof="1">
                 <a:solidFill>
-                  <a:srgbClr val="FFA000"/>
+                  <a:schemeClr val="bg1"/>
                 </a:solidFill>
                 <a:latin typeface="Consolas" panose="020B0609020204030204" pitchFamily="49" charset="0"/>
               </a:rPr>
@@ -23862,7 +22819,7 @@
             <a:r>
               <a:rPr lang="en-US" sz="3200" dirty="0">
                 <a:solidFill>
-                  <a:srgbClr val="FFA000"/>
+                  <a:schemeClr val="bg1"/>
                 </a:solidFill>
               </a:rPr>
               <a:t> </a:t>
@@ -24384,10 +23341,10 @@
       </p:sp>
       <p:sp>
         <p:nvSpPr>
-          <p:cNvPr id="14" name="Slide Number">
+          <p:cNvPr id="2" name="Slide Number">
             <a:extLst>
               <a:ext uri="{FF2B5EF4-FFF2-40B4-BE49-F238E27FC236}">
-                <a16:creationId xmlns:a16="http://schemas.microsoft.com/office/drawing/2014/main" id="{7D65487A-003F-4D32-BA68-FDC426E17778}"/>
+                <a16:creationId xmlns:a16="http://schemas.microsoft.com/office/drawing/2014/main" id="{0C3679B0-D8DA-C6E1-281B-22761684D60E}"/>
               </a:ext>
             </a:extLst>
           </p:cNvPr>
@@ -24427,7 +23384,7 @@
     </p:spTree>
     <p:extLst>
       <p:ext uri="{BB962C8B-B14F-4D97-AF65-F5344CB8AC3E}">
-        <p14:creationId xmlns:p14="http://schemas.microsoft.com/office/powerpoint/2010/main" val="3279549292"/>
+        <p14:creationId xmlns:p14="http://schemas.microsoft.com/office/powerpoint/2010/main" val="1648474354"/>
       </p:ext>
     </p:extLst>
   </p:cSld>
@@ -24948,7 +23905,7 @@
             <a:r>
               <a:rPr lang="en-GB" sz="2400" noProof="1">
                 <a:solidFill>
-                  <a:srgbClr val="FFA000"/>
+                  <a:schemeClr val="bg1"/>
                 </a:solidFill>
               </a:rPr>
               <a:t>GetSumOfEvenDigits</a:t>
@@ -25275,9 +24232,9 @@
               <a:t>static int </a:t>
             </a:r>
             <a:r>
-              <a:rPr lang="en-GB" sz="2200" dirty="0" err="1">
-                <a:solidFill>
-                  <a:srgbClr val="FFA000"/>
+              <a:rPr lang="en-GB" sz="2200" dirty="0">
+                <a:solidFill>
+                  <a:schemeClr val="bg1"/>
                 </a:solidFill>
               </a:rPr>
               <a:t>GetSumOfOddDigits</a:t>
@@ -25346,10 +24303,10 @@
       </p:sp>
       <p:sp>
         <p:nvSpPr>
-          <p:cNvPr id="7" name="Slide Number">
+          <p:cNvPr id="2" name="Slide Number">
             <a:extLst>
               <a:ext uri="{FF2B5EF4-FFF2-40B4-BE49-F238E27FC236}">
-                <a16:creationId xmlns:a16="http://schemas.microsoft.com/office/drawing/2014/main" id="{077324BC-D703-4C3B-94D7-21988717B4AC}"/>
+                <a16:creationId xmlns:a16="http://schemas.microsoft.com/office/drawing/2014/main" id="{246F0AE7-8266-CE8A-BF90-5D97E8447000}"/>
               </a:ext>
             </a:extLst>
           </p:cNvPr>
@@ -25389,7 +24346,7 @@
     </p:spTree>
     <p:extLst>
       <p:ext uri="{BB962C8B-B14F-4D97-AF65-F5344CB8AC3E}">
-        <p14:creationId xmlns:p14="http://schemas.microsoft.com/office/powerpoint/2010/main" val="3290058951"/>
+        <p14:creationId xmlns:p14="http://schemas.microsoft.com/office/powerpoint/2010/main" val="117576706"/>
       </p:ext>
     </p:extLst>
   </p:cSld>
@@ -26021,22 +24978,22 @@
           <a:lstStyle/>
           <a:p>
             <a:r>
-              <a:rPr lang="bg-BG" sz="3000" dirty="0"/>
+              <a:rPr lang="bg-BG" sz="3200" dirty="0"/>
               <a:t>Решение</a:t>
             </a:r>
             <a:r>
-              <a:rPr lang="en-GB" sz="3000" dirty="0"/>
+              <a:rPr lang="en-GB" sz="3200" dirty="0"/>
               <a:t>: </a:t>
             </a:r>
             <a:r>
-              <a:rPr lang="bg-BG" sz="3000" dirty="0"/>
+              <a:rPr lang="bg-BG" sz="3200" dirty="0"/>
               <a:t>Произведение от четни и нечетни цифри </a:t>
             </a:r>
             <a:r>
-              <a:rPr lang="en-US" sz="3000" dirty="0"/>
+              <a:rPr lang="en-US" sz="3200" dirty="0"/>
               <a:t>(2)</a:t>
             </a:r>
-            <a:endParaRPr lang="bg-BG" sz="3000" dirty="0"/>
+            <a:endParaRPr lang="bg-BG" sz="3200" dirty="0"/>
           </a:p>
         </p:txBody>
       </p:sp>
@@ -26606,7 +25563,7 @@
             <a:r>
               <a:rPr lang="en-GB" sz="2000" noProof="1">
                 <a:solidFill>
-                  <a:srgbClr val="FFA000"/>
+                  <a:schemeClr val="bg1"/>
                 </a:solidFill>
               </a:rPr>
               <a:t>GetMultipledEvensAndOdds</a:t>
@@ -26642,7 +25599,7 @@
             <a:r>
               <a:rPr lang="en-GB" sz="2000" noProof="1">
                 <a:solidFill>
-                  <a:srgbClr val="FFA000"/>
+                  <a:schemeClr val="bg1"/>
                 </a:solidFill>
               </a:rPr>
               <a:t>GetSumOfEvenDigits</a:t>
@@ -26666,7 +25623,7 @@
             <a:r>
               <a:rPr lang="en-GB" sz="2000" noProof="1">
                 <a:solidFill>
-                  <a:srgbClr val="FFA000"/>
+                  <a:schemeClr val="bg1"/>
                 </a:solidFill>
               </a:rPr>
               <a:t>GetSumOfOddDigits</a:t>
@@ -26716,10 +25673,10 @@
       </p:sp>
       <p:sp>
         <p:nvSpPr>
-          <p:cNvPr id="7" name="Slide Number">
+          <p:cNvPr id="2" name="Slide Number">
             <a:extLst>
               <a:ext uri="{FF2B5EF4-FFF2-40B4-BE49-F238E27FC236}">
-                <a16:creationId xmlns:a16="http://schemas.microsoft.com/office/drawing/2014/main" id="{E8E1976A-2B6A-47AE-BEAF-BF3105D56A39}"/>
+                <a16:creationId xmlns:a16="http://schemas.microsoft.com/office/drawing/2014/main" id="{B2F57FE4-8F78-B37C-164B-071C9A2D4C7A}"/>
               </a:ext>
             </a:extLst>
           </p:cNvPr>
@@ -26759,7 +25716,7 @@
     </p:spTree>
     <p:extLst>
       <p:ext uri="{BB962C8B-B14F-4D97-AF65-F5344CB8AC3E}">
-        <p14:creationId xmlns:p14="http://schemas.microsoft.com/office/powerpoint/2010/main" val="2814294087"/>
+        <p14:creationId xmlns:p14="http://schemas.microsoft.com/office/powerpoint/2010/main" val="2385148882"/>
       </p:ext>
     </p:extLst>
   </p:cSld>
@@ -27892,7 +26849,7 @@
             <a:r>
               <a:rPr lang="bg-BG" sz="3000" b="1" dirty="0">
                 <a:solidFill>
-                  <a:schemeClr val="bg1">
+                  <a:schemeClr val="accent1">
                     <a:lumMod val="60000"/>
                     <a:lumOff val="40000"/>
                   </a:schemeClr>
@@ -27929,7 +26886,7 @@
             <a:r>
               <a:rPr lang="bg-BG" sz="3000" b="1" dirty="0">
                 <a:solidFill>
-                  <a:schemeClr val="bg1">
+                  <a:schemeClr val="accent1">
                     <a:lumMod val="60000"/>
                     <a:lumOff val="40000"/>
                   </a:schemeClr>
@@ -27958,7 +26915,7 @@
             <a:r>
               <a:rPr lang="bg-BG" sz="3000" b="1" dirty="0">
                 <a:solidFill>
-                  <a:schemeClr val="bg1">
+                  <a:schemeClr val="accent1">
                     <a:lumMod val="60000"/>
                     <a:lumOff val="40000"/>
                   </a:schemeClr>
@@ -27977,7 +26934,7 @@
             <a:r>
               <a:rPr lang="bg-BG" sz="3000" b="1" dirty="0">
                 <a:solidFill>
-                  <a:schemeClr val="bg1">
+                  <a:schemeClr val="accent1">
                     <a:lumMod val="60000"/>
                     <a:lumOff val="40000"/>
                   </a:schemeClr>
@@ -28014,7 +26971,7 @@
             <a:r>
               <a:rPr lang="bg-BG" sz="3000" b="1" dirty="0">
                 <a:solidFill>
-                  <a:schemeClr val="bg1">
+                  <a:schemeClr val="accent1">
                     <a:lumMod val="60000"/>
                     <a:lumOff val="40000"/>
                   </a:schemeClr>
@@ -28097,10 +27054,10 @@
       </p:sp>
       <p:sp>
         <p:nvSpPr>
-          <p:cNvPr id="13" name="Slide Number">
+          <p:cNvPr id="2" name="Slide Number">
             <a:extLst>
               <a:ext uri="{FF2B5EF4-FFF2-40B4-BE49-F238E27FC236}">
-                <a16:creationId xmlns:a16="http://schemas.microsoft.com/office/drawing/2014/main" id="{3623E031-76CB-43BE-96F2-F58F8C18DFB2}"/>
+                <a16:creationId xmlns:a16="http://schemas.microsoft.com/office/drawing/2014/main" id="{3FD91EE8-E65A-7D00-4AA6-5948C03CA477}"/>
               </a:ext>
             </a:extLst>
           </p:cNvPr>
@@ -28140,7 +27097,7 @@
     </p:spTree>
     <p:extLst>
       <p:ext uri="{BB962C8B-B14F-4D97-AF65-F5344CB8AC3E}">
-        <p14:creationId xmlns:p14="http://schemas.microsoft.com/office/powerpoint/2010/main" val="2612730439"/>
+        <p14:creationId xmlns:p14="http://schemas.microsoft.com/office/powerpoint/2010/main" val="2525530718"/>
       </p:ext>
     </p:extLst>
   </p:cSld>
@@ -28304,33 +27261,15 @@
                                   </p:childTnLst>
                                 </p:cTn>
                               </p:par>
-                            </p:childTnLst>
-                          </p:cTn>
-                        </p:par>
-                      </p:childTnLst>
-                    </p:cTn>
-                  </p:par>
-                  <p:par>
-                    <p:cTn id="15" fill="hold">
-                      <p:stCondLst>
-                        <p:cond delay="indefinite"/>
-                      </p:stCondLst>
-                      <p:childTnLst>
-                        <p:par>
-                          <p:cTn id="16" fill="hold">
-                            <p:stCondLst>
-                              <p:cond delay="0"/>
-                            </p:stCondLst>
-                            <p:childTnLst>
                               <p:par>
-                                <p:cTn id="17" presetID="1" presetClass="entr" presetSubtype="0" fill="hold" nodeType="clickEffect">
+                                <p:cTn id="15" presetID="1" presetClass="entr" presetSubtype="0" fill="hold" nodeType="withEffect">
                                   <p:stCondLst>
                                     <p:cond delay="0"/>
                                   </p:stCondLst>
                                   <p:childTnLst>
                                     <p:set>
                                       <p:cBhvr>
-                                        <p:cTn id="18" dur="1" fill="hold">
+                                        <p:cTn id="16" dur="1" fill="hold">
                                           <p:stCondLst>
                                             <p:cond delay="0"/>
                                           </p:stCondLst>
@@ -28360,26 +27299,26 @@
                     </p:cTn>
                   </p:par>
                   <p:par>
-                    <p:cTn id="19" fill="hold">
+                    <p:cTn id="17" fill="hold">
                       <p:stCondLst>
                         <p:cond delay="indefinite"/>
                       </p:stCondLst>
                       <p:childTnLst>
                         <p:par>
-                          <p:cTn id="20" fill="hold">
+                          <p:cTn id="18" fill="hold">
                             <p:stCondLst>
                               <p:cond delay="0"/>
                             </p:stCondLst>
                             <p:childTnLst>
                               <p:par>
-                                <p:cTn id="21" presetID="1" presetClass="entr" presetSubtype="0" fill="hold" nodeType="clickEffect">
+                                <p:cTn id="19" presetID="1" presetClass="entr" presetSubtype="0" fill="hold" nodeType="clickEffect">
                                   <p:stCondLst>
                                     <p:cond delay="0"/>
                                   </p:stCondLst>
                                   <p:childTnLst>
                                     <p:set>
                                       <p:cBhvr>
-                                        <p:cTn id="22" dur="1" fill="hold">
+                                        <p:cTn id="20" dur="1" fill="hold">
                                           <p:stCondLst>
                                             <p:cond delay="0"/>
                                           </p:stCondLst>
@@ -28409,26 +27348,26 @@
                     </p:cTn>
                   </p:par>
                   <p:par>
-                    <p:cTn id="23" fill="hold">
+                    <p:cTn id="21" fill="hold">
                       <p:stCondLst>
                         <p:cond delay="indefinite"/>
                       </p:stCondLst>
                       <p:childTnLst>
                         <p:par>
-                          <p:cTn id="24" fill="hold">
+                          <p:cTn id="22" fill="hold">
                             <p:stCondLst>
                               <p:cond delay="0"/>
                             </p:stCondLst>
                             <p:childTnLst>
                               <p:par>
-                                <p:cTn id="25" presetID="1" presetClass="entr" presetSubtype="0" fill="hold" nodeType="clickEffect">
+                                <p:cTn id="23" presetID="1" presetClass="entr" presetSubtype="0" fill="hold" nodeType="clickEffect">
                                   <p:stCondLst>
                                     <p:cond delay="0"/>
                                   </p:stCondLst>
                                   <p:childTnLst>
                                     <p:set>
                                       <p:cBhvr>
-                                        <p:cTn id="26" dur="1" fill="hold">
+                                        <p:cTn id="24" dur="1" fill="hold">
                                           <p:stCondLst>
                                             <p:cond delay="0"/>
                                           </p:stCondLst>
@@ -28521,29 +27460,140 @@
           <a:lstStyle/>
           <a:p>
             <a:r>
-              <a:rPr lang="bg-BG" sz="8800" dirty="0">
-                <a:solidFill>
-                  <a:srgbClr val="234465"/>
-                </a:solidFill>
-              </a:rPr>
+              <a:rPr lang="bg-BG" dirty="0"/>
               <a:t>Въпроси</a:t>
             </a:r>
             <a:r>
-              <a:rPr lang="en-US" sz="8800" dirty="0">
-                <a:solidFill>
-                  <a:srgbClr val="234465"/>
-                </a:solidFill>
-              </a:rPr>
+              <a:rPr lang="en-US" dirty="0"/>
               <a:t>?</a:t>
             </a:r>
-            <a:endParaRPr lang="en-US" sz="8800" dirty="0"/>
+          </a:p>
+        </p:txBody>
+      </p:sp>
+      <p:sp>
+        <p:nvSpPr>
+          <p:cNvPr id="2" name="Rectangle Bottom Copyright">
+            <a:extLst>
+              <a:ext uri="{FF2B5EF4-FFF2-40B4-BE49-F238E27FC236}">
+                <a16:creationId xmlns:a16="http://schemas.microsoft.com/office/drawing/2014/main" id="{664812A4-2991-44D1-BFE9-32E55AADF8A5}"/>
+              </a:ext>
+            </a:extLst>
+          </p:cNvPr>
+          <p:cNvSpPr/>
+          <p:nvPr/>
+        </p:nvSpPr>
+        <p:spPr>
+          <a:xfrm>
+            <a:off x="111000" y="6454758"/>
+            <a:ext cx="11970000" cy="304242"/>
+          </a:xfrm>
+          <a:prstGeom prst="rect">
+            <a:avLst/>
+          </a:prstGeom>
+        </p:spPr>
+        <p:txBody>
+          <a:bodyPr wrap="square">
+            <a:noAutofit/>
+          </a:bodyPr>
+          <a:lstStyle/>
+          <a:p>
+            <a:pPr algn="ctr">
+              <a:lnSpc>
+                <a:spcPct val="100000"/>
+              </a:lnSpc>
+              <a:spcBef>
+                <a:spcPts val="0"/>
+              </a:spcBef>
+              <a:spcAft>
+                <a:spcPts val="0"/>
+              </a:spcAft>
+            </a:pPr>
+            <a:r>
+              <a:rPr lang="bg-BG" sz="1600" dirty="0">
+                <a:solidFill>
+                  <a:schemeClr val="bg2"/>
+                </a:solidFill>
+                <a:effectLst/>
+                <a:latin typeface="Calibri" panose="020F0502020204030204" pitchFamily="34" charset="0"/>
+                <a:ea typeface="Calibri" panose="020F0502020204030204" pitchFamily="34" charset="0"/>
+                <a:cs typeface="Arial" panose="020B0604020202020204" pitchFamily="34" charset="0"/>
+              </a:rPr>
+              <a:t>Проект "</a:t>
+            </a:r>
+            <a:r>
+              <a:rPr lang="bg-BG" sz="1600" dirty="0">
+                <a:solidFill>
+                  <a:schemeClr val="bg1">
+                    <a:lumMod val="20000"/>
+                    <a:lumOff val="80000"/>
+                  </a:schemeClr>
+                </a:solidFill>
+                <a:effectLst/>
+                <a:latin typeface="Calibri" panose="020F0502020204030204" pitchFamily="34" charset="0"/>
+                <a:ea typeface="Calibri" panose="020F0502020204030204" pitchFamily="34" charset="0"/>
+                <a:cs typeface="Arial" panose="020B0604020202020204" pitchFamily="34" charset="0"/>
+                <a:hlinkClick r:id="rId3">
+                  <a:extLst>
+                    <a:ext uri="{A12FA001-AC4F-418D-AE19-62706E023703}">
+                      <ahyp:hlinkClr xmlns:ahyp="http://schemas.microsoft.com/office/drawing/2018/hyperlinkcolor" val="tx"/>
+                    </a:ext>
+                  </a:extLst>
+                </a:hlinkClick>
+              </a:rPr>
+              <a:t>Отворено учебно съдържание по програмиране и ИТ</a:t>
+            </a:r>
+            <a:r>
+              <a:rPr lang="bg-BG" sz="1600" dirty="0">
+                <a:solidFill>
+                  <a:schemeClr val="bg2"/>
+                </a:solidFill>
+                <a:effectLst/>
+                <a:latin typeface="Calibri" panose="020F0502020204030204" pitchFamily="34" charset="0"/>
+                <a:ea typeface="Calibri" panose="020F0502020204030204" pitchFamily="34" charset="0"/>
+                <a:cs typeface="Arial" panose="020B0604020202020204" pitchFamily="34" charset="0"/>
+              </a:rPr>
+              <a:t>", СофтУни Фондация (лиценз </a:t>
+            </a:r>
+            <a:r>
+              <a:rPr lang="en-US" sz="1600" dirty="0">
+                <a:solidFill>
+                  <a:schemeClr val="bg2"/>
+                </a:solidFill>
+                <a:effectLst/>
+                <a:latin typeface="Calibri" panose="020F0502020204030204" pitchFamily="34" charset="0"/>
+                <a:ea typeface="Calibri" panose="020F0502020204030204" pitchFamily="34" charset="0"/>
+                <a:cs typeface="Arial" panose="020B0604020202020204" pitchFamily="34" charset="0"/>
+              </a:rPr>
+              <a:t>CC-BY-NC-SA</a:t>
+            </a:r>
+            <a:r>
+              <a:rPr lang="bg-BG" sz="1600" dirty="0">
+                <a:solidFill>
+                  <a:schemeClr val="bg2"/>
+                </a:solidFill>
+                <a:effectLst/>
+                <a:latin typeface="Calibri" panose="020F0502020204030204" pitchFamily="34" charset="0"/>
+                <a:ea typeface="Calibri" panose="020F0502020204030204" pitchFamily="34" charset="0"/>
+                <a:cs typeface="Arial" panose="020B0604020202020204" pitchFamily="34" charset="0"/>
+              </a:rPr>
+              <a:t>)</a:t>
+            </a:r>
+            <a:endParaRPr lang="bg-BG" sz="2400" dirty="0">
+              <a:solidFill>
+                <a:schemeClr val="bg2"/>
+              </a:solidFill>
+              <a:effectLst/>
+              <a:latin typeface="Calibri" panose="020F0502020204030204" pitchFamily="34" charset="0"/>
+              <a:ea typeface="Calibri" panose="020F0502020204030204" pitchFamily="34" charset="0"/>
+              <a:cs typeface="Arial" panose="020B0604020202020204" pitchFamily="34" charset="0"/>
+            </a:endParaRPr>
           </a:p>
         </p:txBody>
       </p:sp>
     </p:spTree>
     <p:extLst>
       <p:ext uri="{BB962C8B-B14F-4D97-AF65-F5344CB8AC3E}">
-        <p14:creationId xmlns:p14="http://schemas.microsoft.com/office/powerpoint/2010/main" val="1847154563"/>
+        <p14:creationId xmlns:p14="http://schemas.microsoft.com/office/powerpoint/2010/main" val="2059588047"/>
       </p:ext>
     </p:extLst>
   </p:cSld>
@@ -28597,11 +27647,13 @@
         <p:spPr>
           <a:xfrm>
             <a:off x="190402" y="1269001"/>
-            <a:ext cx="11818096" cy="5455890"/>
+            <a:ext cx="9865598" cy="2474999"/>
           </a:xfrm>
         </p:spPr>
         <p:txBody>
-          <a:bodyPr/>
+          <a:bodyPr>
+            <a:normAutofit/>
+          </a:bodyPr>
           <a:lstStyle/>
           <a:p>
             <a:pPr>
@@ -28610,113 +27662,42 @@
               </a:lnSpc>
             </a:pPr>
             <a:r>
-              <a:rPr lang="bg-BG" dirty="0"/>
+              <a:rPr lang="bg-BG" sz="3200" dirty="0"/>
               <a:t>Този курс</a:t>
             </a:r>
             <a:r>
-              <a:rPr lang="en-US" dirty="0"/>
+              <a:rPr lang="en-US" sz="3200" dirty="0"/>
               <a:t> (</a:t>
             </a:r>
             <a:r>
-              <a:rPr lang="bg-BG" dirty="0"/>
+              <a:rPr lang="bg-BG" sz="3200" dirty="0"/>
               <a:t>презентации, примери, демонстрационен код, упражнения, домашни, видео и други активи</a:t>
             </a:r>
             <a:r>
-              <a:rPr lang="en-US" dirty="0"/>
+              <a:rPr lang="en-US" sz="3200" dirty="0"/>
               <a:t>) </a:t>
             </a:r>
             <a:r>
-              <a:rPr lang="bg-BG" dirty="0"/>
+              <a:rPr lang="bg-BG" sz="3200" dirty="0"/>
               <a:t>представлява</a:t>
             </a:r>
             <a:r>
-              <a:rPr lang="en-US" dirty="0"/>
+              <a:rPr lang="en-US" sz="3200" dirty="0"/>
               <a:t> </a:t>
             </a:r>
             <a:r>
-              <a:rPr lang="bg-BG" b="1" dirty="0"/>
-              <a:t>защитено авторско съдържание</a:t>
-            </a:r>
-            <a:endParaRPr lang="en-US" dirty="0"/>
-          </a:p>
-          <a:p>
-            <a:pPr>
-              <a:lnSpc>
-                <a:spcPct val="120000"/>
-              </a:lnSpc>
-            </a:pPr>
-            <a:r>
-              <a:rPr lang="bg-BG" dirty="0"/>
-              <a:t>Нерегламентирано копиране</a:t>
-            </a:r>
-            <a:r>
-              <a:rPr lang="en-US" dirty="0"/>
-              <a:t>,</a:t>
-            </a:r>
-            <a:r>
-              <a:rPr lang="bg-BG" dirty="0"/>
-              <a:t> разпространение или използване е незаконно</a:t>
-            </a:r>
-          </a:p>
-          <a:p>
-            <a:pPr>
-              <a:lnSpc>
-                <a:spcPct val="120000"/>
-              </a:lnSpc>
-            </a:pPr>
-            <a:r>
-              <a:rPr lang="en-US" dirty="0"/>
-              <a:t>© </a:t>
-            </a:r>
-            <a:r>
-              <a:rPr lang="bg-BG" dirty="0" err="1"/>
-              <a:t>СофтУни</a:t>
-            </a:r>
-            <a:r>
-              <a:rPr lang="en-US" dirty="0"/>
-              <a:t> – </a:t>
-            </a:r>
-            <a:r>
-              <a:rPr lang="en-US" dirty="0">
-                <a:hlinkClick r:id="rId3"/>
-              </a:rPr>
-              <a:t>https://softuni.org</a:t>
-            </a:r>
-            <a:endParaRPr lang="en-US" dirty="0"/>
-          </a:p>
-          <a:p>
-            <a:pPr>
-              <a:lnSpc>
-                <a:spcPct val="120000"/>
-              </a:lnSpc>
-            </a:pPr>
-            <a:r>
-              <a:rPr lang="en-US" dirty="0"/>
-              <a:t>© </a:t>
-            </a:r>
-            <a:r>
-              <a:rPr lang="bg-BG" dirty="0"/>
-              <a:t>Софтуерен университет</a:t>
-            </a:r>
-            <a:r>
-              <a:rPr lang="en-US" dirty="0"/>
-              <a:t> – </a:t>
-            </a:r>
-            <a:r>
-              <a:rPr lang="en-US" dirty="0">
-                <a:hlinkClick r:id="rId4"/>
-              </a:rPr>
-              <a:t>https://softuni.bg</a:t>
-            </a:r>
-            <a:endParaRPr lang="bg-BG" dirty="0"/>
-          </a:p>
-          <a:p>
-            <a:pPr>
-              <a:lnSpc>
-                <a:spcPct val="120000"/>
-              </a:lnSpc>
-            </a:pPr>
-            <a:endParaRPr lang="bg-BG" dirty="0"/>
+              <a:rPr lang="bg-BG" sz="3200" b="1" dirty="0"/>
+              <a:t>свободно учебно съдържание </a:t>
+            </a:r>
+            <a:r>
+              <a:rPr lang="bg-BG" sz="3200" dirty="0"/>
+              <a:t>и се разпространява под свободен лиценз </a:t>
+            </a:r>
+            <a:r>
+              <a:rPr lang="en-US" sz="3200" b="1" dirty="0"/>
+              <a:t>CC-BY-NC-SA</a:t>
+            </a:r>
+            <a:endParaRPr lang="bg-BG" sz="3200" dirty="0"/>
           </a:p>
         </p:txBody>
       </p:sp>
@@ -28725,7 +27706,7 @@
           <p:cNvPr id="6" name="Picture License" descr="License">
             <a:extLst>
               <a:ext uri="{FF2B5EF4-FFF2-40B4-BE49-F238E27FC236}">
-                <a16:creationId xmlns:a16="http://schemas.microsoft.com/office/drawing/2014/main" id="{A10A2585-858C-4B1E-8846-27CF1C15729E}"/>
+                <a16:creationId xmlns:a16="http://schemas.microsoft.com/office/drawing/2014/main" id="{82BA520F-A037-4E01-AA18-27D9F1E930A6}"/>
               </a:ext>
             </a:extLst>
           </p:cNvPr>
@@ -28735,7 +27716,7 @@
           <p:nvPr/>
         </p:nvPicPr>
         <p:blipFill>
-          <a:blip r:embed="rId5">
+          <a:blip r:embed="rId3">
             <a:clrChange>
               <a:clrFrom>
                 <a:srgbClr val="FFFFFF"/>
@@ -28753,8 +27734,8 @@
         </p:blipFill>
         <p:spPr>
           <a:xfrm>
-            <a:off x="9745023" y="4445455"/>
-            <a:ext cx="1930977" cy="2043545"/>
+            <a:off x="10226175" y="1440120"/>
+            <a:ext cx="1198986" cy="1268880"/>
           </a:xfrm>
           <a:prstGeom prst="rect">
             <a:avLst/>
@@ -28791,10 +27772,171 @@
       </p:sp>
       <p:sp>
         <p:nvSpPr>
-          <p:cNvPr id="7" name="Slide Number">
+          <p:cNvPr id="11" name="TextBox 10">
             <a:extLst>
               <a:ext uri="{FF2B5EF4-FFF2-40B4-BE49-F238E27FC236}">
-                <a16:creationId xmlns:a16="http://schemas.microsoft.com/office/drawing/2014/main" id="{D8F17784-FAE7-4D60-8FD3-EBB1AC8CDCD8}"/>
+                <a16:creationId xmlns:a16="http://schemas.microsoft.com/office/drawing/2014/main" id="{0C18DF19-B750-4C88-975B-661A6BF61F5E}"/>
+              </a:ext>
+            </a:extLst>
+          </p:cNvPr>
+          <p:cNvSpPr txBox="1"/>
+          <p:nvPr/>
+        </p:nvSpPr>
+        <p:spPr>
+          <a:xfrm>
+            <a:off x="190401" y="3927519"/>
+            <a:ext cx="11710599" cy="1979644"/>
+          </a:xfrm>
+          <a:prstGeom prst="rect">
+            <a:avLst/>
+          </a:prstGeom>
+          <a:noFill/>
+          <a:ln w="12700">
+            <a:noFill/>
+          </a:ln>
+        </p:spPr>
+        <p:txBody>
+          <a:bodyPr wrap="square">
+            <a:spAutoFit/>
+          </a:bodyPr>
+          <a:lstStyle/>
+          <a:p>
+            <a:pPr marL="360363" indent="-360363" defTabSz="1218438">
+              <a:lnSpc>
+                <a:spcPct val="120000"/>
+              </a:lnSpc>
+              <a:spcBef>
+                <a:spcPts val="600"/>
+              </a:spcBef>
+              <a:spcAft>
+                <a:spcPts val="600"/>
+              </a:spcAft>
+              <a:buFont typeface="Wingdings" panose="05000000000000000000" pitchFamily="2" charset="2"/>
+              <a:buChar char="§"/>
+              <a:defRPr/>
+            </a:pPr>
+            <a:r>
+              <a:rPr lang="bg-BG" sz="3200" dirty="0"/>
+              <a:t>Проект "</a:t>
+            </a:r>
+            <a:r>
+              <a:rPr lang="bg-BG" sz="3200" b="1" dirty="0"/>
+              <a:t>Отворено учебно съдържание по програмиране и ИТ</a:t>
+            </a:r>
+            <a:r>
+              <a:rPr lang="bg-BG" sz="3200" dirty="0"/>
+              <a:t>" към Фондация "Софтуерен университет"</a:t>
+            </a:r>
+            <a:r>
+              <a:rPr lang="en-US" sz="3200" dirty="0"/>
+              <a:t>:</a:t>
+            </a:r>
+            <a:endParaRPr lang="bg-BG" sz="3200" dirty="0"/>
+          </a:p>
+          <a:p>
+            <a:pPr marL="817563" lvl="1" indent="-360363" defTabSz="1218438">
+              <a:lnSpc>
+                <a:spcPct val="120000"/>
+              </a:lnSpc>
+              <a:spcBef>
+                <a:spcPts val="600"/>
+              </a:spcBef>
+              <a:spcAft>
+                <a:spcPts val="600"/>
+              </a:spcAft>
+              <a:buFont typeface="Wingdings" panose="05000000000000000000" pitchFamily="2" charset="2"/>
+              <a:buChar char="§"/>
+              <a:defRPr/>
+            </a:pPr>
+            <a:r>
+              <a:rPr kumimoji="0" lang="en-US" sz="3200" b="0" i="0" u="none" strike="noStrike" kern="1200" cap="none" spc="0" normalizeH="0" baseline="0" noProof="0" dirty="0">
+                <a:ln>
+                  <a:noFill/>
+                </a:ln>
+                <a:solidFill>
+                  <a:srgbClr val="234465"/>
+                </a:solidFill>
+                <a:effectLst/>
+                <a:uLnTx/>
+                <a:uFillTx/>
+                <a:latin typeface="Calibri"/>
+                <a:ea typeface="+mn-ea"/>
+                <a:cs typeface="+mn-cs"/>
+                <a:hlinkClick r:id="rId4"/>
+              </a:rPr>
+              <a:t>https://github.com/BG-IT-Edu</a:t>
+            </a:r>
+            <a:endParaRPr kumimoji="0" lang="bg-BG" sz="3200" b="0" i="0" u="none" strike="noStrike" kern="1200" cap="none" spc="0" normalizeH="0" baseline="0" noProof="0" dirty="0">
+              <a:ln>
+                <a:noFill/>
+              </a:ln>
+              <a:solidFill>
+                <a:srgbClr val="234465"/>
+              </a:solidFill>
+              <a:effectLst/>
+              <a:uLnTx/>
+              <a:uFillTx/>
+              <a:latin typeface="Calibri"/>
+              <a:ea typeface="+mn-ea"/>
+              <a:cs typeface="+mn-cs"/>
+            </a:endParaRPr>
+          </a:p>
+        </p:txBody>
+      </p:sp>
+      <p:pic>
+        <p:nvPicPr>
+          <p:cNvPr id="7" name="Picture 6" title="CC-BY-NC-SA License">
+            <a:hlinkClick r:id="rId5" tooltip="This work is licensed under the &quot;Creative Commons Attribution-NonCommercial-ShareAlike 4.0 International&quot; license"/>
+            <a:extLst>
+              <a:ext uri="{FF2B5EF4-FFF2-40B4-BE49-F238E27FC236}">
+                <a16:creationId xmlns:a16="http://schemas.microsoft.com/office/drawing/2014/main" id="{F6C77C47-F7D8-A176-5C69-7FDE5C7E8003}"/>
+              </a:ext>
+            </a:extLst>
+          </p:cNvPr>
+          <p:cNvPicPr>
+            <a:picLocks noChangeAspect="1" noChangeArrowheads="1"/>
+          </p:cNvPicPr>
+          <p:nvPr/>
+        </p:nvPicPr>
+        <p:blipFill>
+          <a:blip r:embed="rId6">
+            <a:extLst>
+              <a:ext uri="{28A0092B-C50C-407E-A947-70E740481C1C}">
+                <a14:useLocalDpi xmlns:a14="http://schemas.microsoft.com/office/drawing/2010/main"/>
+              </a:ext>
+            </a:extLst>
+          </a:blip>
+          <a:srcRect/>
+          <a:stretch>
+            <a:fillRect/>
+          </a:stretch>
+        </p:blipFill>
+        <p:spPr bwMode="auto">
+          <a:xfrm>
+            <a:off x="9831000" y="2908593"/>
+            <a:ext cx="1989336" cy="696022"/>
+          </a:xfrm>
+          <a:prstGeom prst="roundRect">
+            <a:avLst>
+              <a:gd name="adj" fmla="val 3940"/>
+            </a:avLst>
+          </a:prstGeom>
+          <a:solidFill>
+            <a:srgbClr val="231F20">
+              <a:alpha val="50000"/>
+            </a:srgbClr>
+          </a:solidFill>
+          <a:ln>
+            <a:noFill/>
+          </a:ln>
+        </p:spPr>
+      </p:pic>
+      <p:sp>
+        <p:nvSpPr>
+          <p:cNvPr id="4" name="Slide Number">
+            <a:extLst>
+              <a:ext uri="{FF2B5EF4-FFF2-40B4-BE49-F238E27FC236}">
+                <a16:creationId xmlns:a16="http://schemas.microsoft.com/office/drawing/2014/main" id="{8B05C662-3CF3-018D-5917-160E4B8CED5B}"/>
               </a:ext>
             </a:extLst>
           </p:cNvPr>
@@ -28834,7 +27976,7 @@
     </p:spTree>
     <p:extLst>
       <p:ext uri="{BB962C8B-B14F-4D97-AF65-F5344CB8AC3E}">
-        <p14:creationId xmlns:p14="http://schemas.microsoft.com/office/powerpoint/2010/main" val="2010583971"/>
+        <p14:creationId xmlns:p14="http://schemas.microsoft.com/office/powerpoint/2010/main" val="2920448201"/>
       </p:ext>
     </p:extLst>
   </p:cSld>
@@ -29056,7 +28198,7 @@
             <a:r>
               <a:rPr lang="en-US" sz="2599" b="1" noProof="1">
                 <a:solidFill>
-                  <a:srgbClr val="FFA000"/>
+                  <a:schemeClr val="bg1"/>
                 </a:solidFill>
                 <a:latin typeface="Consolas" pitchFamily="49" charset="0"/>
                 <a:cs typeface="Consolas" pitchFamily="49" charset="0"/>
@@ -29293,7 +28435,7 @@
             <a:r>
               <a:rPr lang="en-US" sz="2599" b="1" noProof="1">
                 <a:solidFill>
-                  <a:srgbClr val="FFA000"/>
+                  <a:schemeClr val="bg1"/>
                 </a:solidFill>
                 <a:latin typeface="Consolas" pitchFamily="49" charset="0"/>
                 <a:cs typeface="Consolas" pitchFamily="49" charset="0"/>
@@ -29322,10 +28464,10 @@
       </p:sp>
       <p:sp>
         <p:nvSpPr>
-          <p:cNvPr id="9" name="Slide Number">
+          <p:cNvPr id="2" name="Slide Number">
             <a:extLst>
               <a:ext uri="{FF2B5EF4-FFF2-40B4-BE49-F238E27FC236}">
-                <a16:creationId xmlns:a16="http://schemas.microsoft.com/office/drawing/2014/main" id="{3642D210-84E4-4AC7-A90A-24F83835E316}"/>
+                <a16:creationId xmlns:a16="http://schemas.microsoft.com/office/drawing/2014/main" id="{6D29EB3F-1A89-DF91-4AC0-BA82D01C2B37}"/>
               </a:ext>
             </a:extLst>
           </p:cNvPr>
@@ -29365,7 +28507,7 @@
     </p:spTree>
     <p:extLst>
       <p:ext uri="{BB962C8B-B14F-4D97-AF65-F5344CB8AC3E}">
-        <p14:creationId xmlns:p14="http://schemas.microsoft.com/office/powerpoint/2010/main" val="2918585832"/>
+        <p14:creationId xmlns:p14="http://schemas.microsoft.com/office/powerpoint/2010/main" val="4280849631"/>
       </p:ext>
     </p:extLst>
   </p:cSld>
@@ -29872,48 +29014,6 @@
       </p:sp>
       <p:sp>
         <p:nvSpPr>
-          <p:cNvPr id="15" name="Slide Number">
-            <a:extLst>
-              <a:ext uri="{FF2B5EF4-FFF2-40B4-BE49-F238E27FC236}">
-                <a16:creationId xmlns:a16="http://schemas.microsoft.com/office/drawing/2014/main" id="{1B4C30EF-4A85-4D85-B899-EE299D09CBB2}"/>
-              </a:ext>
-            </a:extLst>
-          </p:cNvPr>
-          <p:cNvSpPr>
-            <a:spLocks noGrp="1"/>
-          </p:cNvSpPr>
-          <p:nvPr>
-            <p:ph type="sldNum" sz="quarter" idx="5"/>
-          </p:nvPr>
-        </p:nvSpPr>
-        <p:spPr>
-          <a:xfrm>
-            <a:off x="11753030" y="6507000"/>
-            <a:ext cx="367414" cy="297000"/>
-          </a:xfrm>
-          <a:prstGeom prst="rect">
-            <a:avLst/>
-          </a:prstGeom>
-        </p:spPr>
-        <p:txBody>
-          <a:bodyPr vert="horz" lIns="91440" tIns="45720" rIns="91440" bIns="45720" rtlCol="0" anchor="b"/>
-          <a:lstStyle>
-            <a:lvl1pPr algn="r">
-              <a:defRPr sz="1000"/>
-            </a:lvl1pPr>
-          </a:lstStyle>
-          <a:p>
-            <a:fld id="{2BF067CD-8E6B-4360-9AA8-C5DF2A48A6D1}" type="slidenum">
-              <a:rPr lang="en-US" noProof="0" smtClean="0"/>
-              <a:pPr/>
-              <a:t>4</a:t>
-            </a:fld>
-            <a:endParaRPr lang="en-US" noProof="0" dirty="0"/>
-          </a:p>
-        </p:txBody>
-      </p:sp>
-      <p:sp>
-        <p:nvSpPr>
           <p:cNvPr id="2" name="Rectangle 1">
             <a:extLst>
               <a:ext uri="{FF2B5EF4-FFF2-40B4-BE49-F238E27FC236}">
@@ -30113,10 +29213,52 @@
           </a:p>
         </p:txBody>
       </p:sp>
+      <p:sp>
+        <p:nvSpPr>
+          <p:cNvPr id="4" name="Slide Number">
+            <a:extLst>
+              <a:ext uri="{FF2B5EF4-FFF2-40B4-BE49-F238E27FC236}">
+                <a16:creationId xmlns:a16="http://schemas.microsoft.com/office/drawing/2014/main" id="{43D90E7B-33FF-1765-8F40-799D443B4BF1}"/>
+              </a:ext>
+            </a:extLst>
+          </p:cNvPr>
+          <p:cNvSpPr>
+            <a:spLocks noGrp="1"/>
+          </p:cNvSpPr>
+          <p:nvPr>
+            <p:ph type="sldNum" sz="quarter" idx="5"/>
+          </p:nvPr>
+        </p:nvSpPr>
+        <p:spPr>
+          <a:xfrm>
+            <a:off x="11753030" y="6507000"/>
+            <a:ext cx="367414" cy="297000"/>
+          </a:xfrm>
+          <a:prstGeom prst="rect">
+            <a:avLst/>
+          </a:prstGeom>
+        </p:spPr>
+        <p:txBody>
+          <a:bodyPr vert="horz" lIns="91440" tIns="45720" rIns="91440" bIns="45720" rtlCol="0" anchor="b"/>
+          <a:lstStyle>
+            <a:lvl1pPr algn="r">
+              <a:defRPr sz="1000"/>
+            </a:lvl1pPr>
+          </a:lstStyle>
+          <a:p>
+            <a:fld id="{2BF067CD-8E6B-4360-9AA8-C5DF2A48A6D1}" type="slidenum">
+              <a:rPr lang="en-US" noProof="0" smtClean="0"/>
+              <a:pPr/>
+              <a:t>4</a:t>
+            </a:fld>
+            <a:endParaRPr lang="en-US" noProof="0" dirty="0"/>
+          </a:p>
+        </p:txBody>
+      </p:sp>
     </p:spTree>
     <p:extLst>
       <p:ext uri="{BB962C8B-B14F-4D97-AF65-F5344CB8AC3E}">
-        <p14:creationId xmlns:p14="http://schemas.microsoft.com/office/powerpoint/2010/main" val="3341795146"/>
+        <p14:creationId xmlns:p14="http://schemas.microsoft.com/office/powerpoint/2010/main" val="849212417"/>
       </p:ext>
     </p:extLst>
   </p:cSld>
@@ -30293,7 +29435,7 @@
                             </p:stCondLst>
                             <p:childTnLst>
                               <p:par>
-                                <p:cTn id="17" presetID="1" presetClass="entr" presetSubtype="0" fill="hold" grpId="1" nodeType="clickEffect">
+                                <p:cTn id="17" presetID="1" presetClass="entr" presetSubtype="0" fill="hold" grpId="0" nodeType="clickEffect">
                                   <p:stCondLst>
                                     <p:cond delay="0"/>
                                   </p:stCondLst>
@@ -30350,7 +29492,7 @@
       <p:bldP spid="12" grpId="0" animBg="1"/>
       <p:bldP spid="13" grpId="0" animBg="1"/>
       <p:bldP spid="2" grpId="0" animBg="1"/>
-      <p:bldP spid="8" grpId="1" animBg="1"/>
+      <p:bldP spid="8" grpId="0" animBg="1"/>
     </p:bldLst>
   </p:timing>
 </p:sld>
@@ -30508,7 +29650,7 @@
             <a:r>
               <a:rPr lang="bg-BG" sz="3200" b="1" dirty="0">
                 <a:solidFill>
-                  <a:srgbClr val="FFA000"/>
+                  <a:schemeClr val="bg1"/>
                 </a:solidFill>
               </a:rPr>
               <a:t>стойност по подразбиране</a:t>
@@ -30554,19 +29696,23 @@
             <a:r>
               <a:rPr lang="bg-BG" sz="3200" b="1" dirty="0">
                 <a:solidFill>
-                  <a:srgbClr val="FFA000"/>
+                  <a:schemeClr val="bg1"/>
                 </a:solidFill>
               </a:rPr>
               <a:t>множество</a:t>
             </a:r>
             <a:r>
-              <a:rPr lang="bg-BG" sz="3200" dirty="0"/>
+              <a:rPr lang="bg-BG" sz="3200" dirty="0">
+                <a:solidFill>
+                  <a:schemeClr val="bg1"/>
+                </a:solidFill>
+              </a:rPr>
               <a:t> </a:t>
             </a:r>
             <a:r>
               <a:rPr lang="bg-BG" sz="3200" b="1" dirty="0">
                 <a:solidFill>
-                  <a:srgbClr val="FFA000"/>
+                  <a:schemeClr val="bg1"/>
                 </a:solidFill>
               </a:rPr>
               <a:t>начини</a:t>
@@ -30912,7 +30058,7 @@
             <a:r>
               <a:rPr lang="en-US" sz="2799" b="1" noProof="1">
                 <a:solidFill>
-                  <a:schemeClr val="bg1">
+                  <a:schemeClr val="accent1">
                     <a:lumMod val="60000"/>
                     <a:lumOff val="40000"/>
                   </a:schemeClr>
@@ -31003,7 +30149,7 @@
             <a:r>
               <a:rPr lang="bg-BG" sz="2799" b="1" noProof="1">
                 <a:solidFill>
-                  <a:schemeClr val="bg1">
+                  <a:schemeClr val="accent1">
                     <a:lumMod val="60000"/>
                     <a:lumOff val="40000"/>
                   </a:schemeClr>
@@ -31269,10 +30415,10 @@
       </p:sp>
       <p:sp>
         <p:nvSpPr>
-          <p:cNvPr id="12" name="Slide Number">
+          <p:cNvPr id="4" name="Slide Number">
             <a:extLst>
               <a:ext uri="{FF2B5EF4-FFF2-40B4-BE49-F238E27FC236}">
-                <a16:creationId xmlns:a16="http://schemas.microsoft.com/office/drawing/2014/main" id="{9245B82D-50E4-4BA4-9BBF-E8E472126354}"/>
+                <a16:creationId xmlns:a16="http://schemas.microsoft.com/office/drawing/2014/main" id="{6700A123-C9D1-4397-8933-28A85A8FE17A}"/>
               </a:ext>
             </a:extLst>
           </p:cNvPr>
@@ -31312,7 +30458,7 @@
     </p:spTree>
     <p:extLst>
       <p:ext uri="{BB962C8B-B14F-4D97-AF65-F5344CB8AC3E}">
-        <p14:creationId xmlns:p14="http://schemas.microsoft.com/office/powerpoint/2010/main" val="838649868"/>
+        <p14:creationId xmlns:p14="http://schemas.microsoft.com/office/powerpoint/2010/main" val="2539024018"/>
       </p:ext>
     </p:extLst>
   </p:cSld>
@@ -31949,19 +31095,23 @@
             <a:r>
               <a:rPr lang="bg-BG" sz="3600" b="1" dirty="0">
                 <a:solidFill>
-                  <a:srgbClr val="FFA000"/>
+                  <a:schemeClr val="bg1"/>
                 </a:solidFill>
               </a:rPr>
               <a:t>отпечатва</a:t>
             </a:r>
             <a:r>
-              <a:rPr lang="bg-BG" sz="3600" dirty="0"/>
+              <a:rPr lang="bg-BG" sz="3600" dirty="0">
+                <a:solidFill>
+                  <a:schemeClr val="bg1"/>
+                </a:solidFill>
+              </a:rPr>
               <a:t> </a:t>
             </a:r>
             <a:r>
               <a:rPr lang="bg-BG" sz="3600" b="1" dirty="0">
                 <a:solidFill>
-                  <a:srgbClr val="FFA000"/>
+                  <a:schemeClr val="bg1"/>
                 </a:solidFill>
               </a:rPr>
               <a:t>триъгълник</a:t>
@@ -32551,10 +31701,10 @@
       </p:sp>
       <p:sp>
         <p:nvSpPr>
-          <p:cNvPr id="15" name="Slide Number">
+          <p:cNvPr id="2" name="Slide Number">
             <a:extLst>
               <a:ext uri="{FF2B5EF4-FFF2-40B4-BE49-F238E27FC236}">
-                <a16:creationId xmlns:a16="http://schemas.microsoft.com/office/drawing/2014/main" id="{1B4C30EF-4A85-4D85-B899-EE299D09CBB2}"/>
+                <a16:creationId xmlns:a16="http://schemas.microsoft.com/office/drawing/2014/main" id="{D6A32F8C-5D4E-57D6-E4F9-DFD45C7F7E93}"/>
               </a:ext>
             </a:extLst>
           </p:cNvPr>
@@ -32594,7 +31744,7 @@
     </p:spTree>
     <p:extLst>
       <p:ext uri="{BB962C8B-B14F-4D97-AF65-F5344CB8AC3E}">
-        <p14:creationId xmlns:p14="http://schemas.microsoft.com/office/powerpoint/2010/main" val="3168709462"/>
+        <p14:creationId xmlns:p14="http://schemas.microsoft.com/office/powerpoint/2010/main" val="1393580263"/>
       </p:ext>
     </p:extLst>
   </p:cSld>
@@ -32602,6 +31752,140 @@
     <a:masterClrMapping/>
   </p:clrMapOvr>
   <p:transition/>
+  <p:timing>
+    <p:tnLst>
+      <p:par>
+        <p:cTn id="1" dur="indefinite" restart="never" nodeType="tmRoot">
+          <p:childTnLst>
+            <p:seq concurrent="1" nextAc="seek">
+              <p:cTn id="2" dur="indefinite" nodeType="mainSeq">
+                <p:childTnLst>
+                  <p:par>
+                    <p:cTn id="3" fill="hold">
+                      <p:stCondLst>
+                        <p:cond delay="indefinite"/>
+                      </p:stCondLst>
+                      <p:childTnLst>
+                        <p:par>
+                          <p:cTn id="4" fill="hold">
+                            <p:stCondLst>
+                              <p:cond delay="0"/>
+                            </p:stCondLst>
+                            <p:childTnLst>
+                              <p:par>
+                                <p:cTn id="5" presetID="1" presetClass="entr" presetSubtype="0" fill="hold" grpId="0" nodeType="clickEffect">
+                                  <p:stCondLst>
+                                    <p:cond delay="0"/>
+                                  </p:stCondLst>
+                                  <p:childTnLst>
+                                    <p:set>
+                                      <p:cBhvr>
+                                        <p:cTn id="6" dur="1" fill="hold">
+                                          <p:stCondLst>
+                                            <p:cond delay="0"/>
+                                          </p:stCondLst>
+                                        </p:cTn>
+                                        <p:tgtEl>
+                                          <p:spTgt spid="9"/>
+                                        </p:tgtEl>
+                                        <p:attrNameLst>
+                                          <p:attrName>style.visibility</p:attrName>
+                                        </p:attrNameLst>
+                                      </p:cBhvr>
+                                      <p:to>
+                                        <p:strVal val="visible"/>
+                                      </p:to>
+                                    </p:set>
+                                  </p:childTnLst>
+                                </p:cTn>
+                              </p:par>
+                              <p:par>
+                                <p:cTn id="7" presetID="1" presetClass="entr" presetSubtype="0" fill="hold" grpId="0" nodeType="withEffect">
+                                  <p:stCondLst>
+                                    <p:cond delay="0"/>
+                                  </p:stCondLst>
+                                  <p:childTnLst>
+                                    <p:set>
+                                      <p:cBhvr>
+                                        <p:cTn id="8" dur="1" fill="hold">
+                                          <p:stCondLst>
+                                            <p:cond delay="0"/>
+                                          </p:stCondLst>
+                                        </p:cTn>
+                                        <p:tgtEl>
+                                          <p:spTgt spid="13"/>
+                                        </p:tgtEl>
+                                        <p:attrNameLst>
+                                          <p:attrName>style.visibility</p:attrName>
+                                        </p:attrNameLst>
+                                      </p:cBhvr>
+                                      <p:to>
+                                        <p:strVal val="visible"/>
+                                      </p:to>
+                                    </p:set>
+                                  </p:childTnLst>
+                                </p:cTn>
+                              </p:par>
+                              <p:par>
+                                <p:cTn id="9" presetID="1" presetClass="entr" presetSubtype="0" fill="hold" grpId="0" nodeType="withEffect">
+                                  <p:stCondLst>
+                                    <p:cond delay="0"/>
+                                  </p:stCondLst>
+                                  <p:childTnLst>
+                                    <p:set>
+                                      <p:cBhvr>
+                                        <p:cTn id="10" dur="1" fill="hold">
+                                          <p:stCondLst>
+                                            <p:cond delay="0"/>
+                                          </p:stCondLst>
+                                        </p:cTn>
+                                        <p:tgtEl>
+                                          <p:spTgt spid="12"/>
+                                        </p:tgtEl>
+                                        <p:attrNameLst>
+                                          <p:attrName>style.visibility</p:attrName>
+                                        </p:attrNameLst>
+                                      </p:cBhvr>
+                                      <p:to>
+                                        <p:strVal val="visible"/>
+                                      </p:to>
+                                    </p:set>
+                                  </p:childTnLst>
+                                </p:cTn>
+                              </p:par>
+                            </p:childTnLst>
+                          </p:cTn>
+                        </p:par>
+                      </p:childTnLst>
+                    </p:cTn>
+                  </p:par>
+                </p:childTnLst>
+              </p:cTn>
+              <p:prevCondLst>
+                <p:cond evt="onPrev" delay="0">
+                  <p:tgtEl>
+                    <p:sldTgt/>
+                  </p:tgtEl>
+                </p:cond>
+              </p:prevCondLst>
+              <p:nextCondLst>
+                <p:cond evt="onNext" delay="0">
+                  <p:tgtEl>
+                    <p:sldTgt/>
+                  </p:tgtEl>
+                </p:cond>
+              </p:nextCondLst>
+            </p:seq>
+          </p:childTnLst>
+        </p:cTn>
+      </p:par>
+    </p:tnLst>
+    <p:bldLst>
+      <p:bldP spid="9" grpId="0" animBg="1"/>
+      <p:bldP spid="12" grpId="0" animBg="1"/>
+      <p:bldP spid="13" grpId="0" animBg="1"/>
+    </p:bldLst>
+  </p:timing>
 </p:sld>
 </file>
 
@@ -32649,7 +31933,7 @@
             <a:r>
               <a:rPr lang="bg-BG" b="1" dirty="0">
                 <a:solidFill>
-                  <a:srgbClr val="FFA000"/>
+                  <a:schemeClr val="bg1"/>
                 </a:solidFill>
               </a:rPr>
               <a:t>отпечатва един ред</a:t>
@@ -32686,12 +31970,20 @@
                   <a:srgbClr val="FFA000"/>
                 </a:solidFill>
               </a:rPr>
-              <a:t> начало (</a:t>
+              <a:t> </a:t>
+            </a:r>
+            <a:r>
+              <a:rPr lang="bg-BG" b="1" dirty="0">
+                <a:solidFill>
+                  <a:schemeClr val="bg1"/>
+                </a:solidFill>
+              </a:rPr>
+              <a:t>начало (</a:t>
             </a:r>
             <a:r>
               <a:rPr lang="en-US" b="1" dirty="0">
                 <a:solidFill>
-                  <a:srgbClr val="FFA000"/>
+                  <a:schemeClr val="bg1"/>
                 </a:solidFill>
               </a:rPr>
               <a:t>start)</a:t>
@@ -32699,7 +31991,7 @@
             <a:r>
               <a:rPr lang="bg-BG" b="1" dirty="0">
                 <a:solidFill>
-                  <a:srgbClr val="FFA000"/>
+                  <a:schemeClr val="bg1"/>
                 </a:solidFill>
               </a:rPr>
               <a:t> </a:t>
@@ -32714,12 +32006,20 @@
                   <a:srgbClr val="FFA000"/>
                 </a:solidFill>
               </a:rPr>
-              <a:t> край</a:t>
+              <a:t> </a:t>
+            </a:r>
+            <a:r>
+              <a:rPr lang="bg-BG" b="1" dirty="0">
+                <a:solidFill>
+                  <a:schemeClr val="bg1"/>
+                </a:solidFill>
+              </a:rPr>
+              <a:t>край</a:t>
             </a:r>
             <a:r>
               <a:rPr lang="en-US" b="1" dirty="0">
                 <a:solidFill>
-                  <a:srgbClr val="FFA000"/>
+                  <a:schemeClr val="bg1"/>
                 </a:solidFill>
               </a:rPr>
               <a:t> (end)</a:t>
@@ -32817,7 +32117,7 @@
             <a:r>
               <a:rPr lang="en-GB" sz="2799" b="1" noProof="1">
                 <a:solidFill>
-                  <a:srgbClr val="FFA000"/>
+                  <a:schemeClr val="bg1"/>
                 </a:solidFill>
                 <a:latin typeface="Consolas" pitchFamily="49" charset="0"/>
                 <a:cs typeface="Consolas" pitchFamily="49" charset="0"/>
@@ -32834,7 +32134,7 @@
             <a:r>
               <a:rPr lang="en-GB" sz="2799" b="1" noProof="1">
                 <a:solidFill>
-                  <a:srgbClr val="FFA000"/>
+                  <a:schemeClr val="bg1"/>
                 </a:solidFill>
                 <a:latin typeface="Consolas" pitchFamily="49" charset="0"/>
                 <a:cs typeface="Consolas" pitchFamily="49" charset="0"/>
@@ -32851,7 +32151,7 @@
             <a:r>
               <a:rPr lang="en-GB" sz="2799" b="1" noProof="1">
                 <a:solidFill>
-                  <a:srgbClr val="FFA000"/>
+                  <a:schemeClr val="bg1"/>
                 </a:solidFill>
                 <a:latin typeface="Consolas" pitchFamily="49" charset="0"/>
                 <a:cs typeface="Consolas" pitchFamily="49" charset="0"/>
@@ -32904,7 +32204,7 @@
             <a:r>
               <a:rPr lang="en-GB" sz="2799" b="1" noProof="1">
                 <a:solidFill>
-                  <a:srgbClr val="FFA000"/>
+                  <a:schemeClr val="bg1"/>
                 </a:solidFill>
                 <a:latin typeface="Consolas" pitchFamily="49" charset="0"/>
                 <a:cs typeface="Consolas" pitchFamily="49" charset="0"/>
@@ -32921,7 +32221,7 @@
             <a:r>
               <a:rPr lang="en-GB" sz="2799" b="1" noProof="1">
                 <a:solidFill>
-                  <a:srgbClr val="FFA000"/>
+                  <a:schemeClr val="bg1"/>
                 </a:solidFill>
                 <a:latin typeface="Consolas" pitchFamily="49" charset="0"/>
                 <a:cs typeface="Consolas" pitchFamily="49" charset="0"/>
@@ -32984,7 +32284,7 @@
             <a:r>
               <a:rPr lang="en-GB" sz="2799" b="1" noProof="1">
                 <a:solidFill>
-                  <a:srgbClr val="FFA000"/>
+                  <a:schemeClr val="bg1"/>
                 </a:solidFill>
                 <a:latin typeface="Consolas" pitchFamily="49" charset="0"/>
                 <a:cs typeface="Consolas" pitchFamily="49" charset="0"/>
@@ -33158,10 +32458,10 @@
       </p:sp>
       <p:sp>
         <p:nvSpPr>
-          <p:cNvPr id="7" name="Slide Number">
+          <p:cNvPr id="2" name="Slide Number">
             <a:extLst>
               <a:ext uri="{FF2B5EF4-FFF2-40B4-BE49-F238E27FC236}">
-                <a16:creationId xmlns:a16="http://schemas.microsoft.com/office/drawing/2014/main" id="{7120C37C-8D66-434E-AB27-A18F5C89E2E5}"/>
+                <a16:creationId xmlns:a16="http://schemas.microsoft.com/office/drawing/2014/main" id="{448BFE27-20C9-22BE-4829-F0BE7DE1AEAD}"/>
               </a:ext>
             </a:extLst>
           </p:cNvPr>
@@ -33201,7 +32501,7 @@
     </p:spTree>
     <p:extLst>
       <p:ext uri="{BB962C8B-B14F-4D97-AF65-F5344CB8AC3E}">
-        <p14:creationId xmlns:p14="http://schemas.microsoft.com/office/powerpoint/2010/main" val="300414193"/>
+        <p14:creationId xmlns:p14="http://schemas.microsoft.com/office/powerpoint/2010/main" val="2508501439"/>
       </p:ext>
     </p:extLst>
   </p:cSld>
@@ -33514,7 +32814,7 @@
             <a:r>
               <a:rPr lang="bg-BG" sz="3200" b="1" dirty="0">
                 <a:solidFill>
-                  <a:srgbClr val="FFA000"/>
+                  <a:schemeClr val="bg1"/>
                 </a:solidFill>
               </a:rPr>
               <a:t>първата половина </a:t>
@@ -33542,7 +32842,7 @@
             <a:r>
               <a:rPr lang="bg-BG" sz="3200" b="1" dirty="0">
                 <a:solidFill>
-                  <a:srgbClr val="FFA000"/>
+                  <a:schemeClr val="bg1"/>
                 </a:solidFill>
               </a:rPr>
               <a:t>втората половина </a:t>
@@ -33660,7 +32960,7 @@
             <a:r>
               <a:rPr lang="en-GB" sz="2799" b="1" noProof="1">
                 <a:solidFill>
-                  <a:srgbClr val="FFA000"/>
+                  <a:schemeClr val="bg1"/>
                 </a:solidFill>
                 <a:latin typeface="Consolas" pitchFamily="49" charset="0"/>
                 <a:cs typeface="Consolas" pitchFamily="49" charset="0"/>
@@ -33680,7 +32980,7 @@
             <a:r>
               <a:rPr lang="en-GB" sz="2799" b="1" noProof="1">
                 <a:solidFill>
-                  <a:srgbClr val="FFA000"/>
+                  <a:schemeClr val="bg1"/>
                 </a:solidFill>
                 <a:latin typeface="Consolas" pitchFamily="49" charset="0"/>
                 <a:cs typeface="Consolas" pitchFamily="49" charset="0"/>
@@ -33763,7 +33063,7 @@
             <a:r>
               <a:rPr lang="en-GB" sz="2799" b="1" noProof="1">
                 <a:solidFill>
-                  <a:srgbClr val="FFA000"/>
+                  <a:schemeClr val="bg1"/>
                 </a:solidFill>
                 <a:latin typeface="Consolas" pitchFamily="49" charset="0"/>
                 <a:cs typeface="Consolas" pitchFamily="49" charset="0"/>
@@ -33846,7 +33146,7 @@
             <a:r>
               <a:rPr lang="en-GB" sz="2799" b="1" noProof="1">
                 <a:solidFill>
-                  <a:srgbClr val="FFA000"/>
+                  <a:schemeClr val="bg1"/>
                 </a:solidFill>
                 <a:latin typeface="Consolas" pitchFamily="49" charset="0"/>
                 <a:cs typeface="Consolas" pitchFamily="49" charset="0"/>
@@ -33966,7 +33266,7 @@
             <a:r>
               <a:rPr lang="bg-BG" sz="2799" b="1" dirty="0">
                 <a:solidFill>
-                  <a:schemeClr val="bg1">
+                  <a:schemeClr val="accent1">
                     <a:lumMod val="60000"/>
                     <a:lumOff val="40000"/>
                   </a:schemeClr>
@@ -33977,21 +33277,25 @@
             <a:r>
               <a:rPr lang="en-US" sz="2799" b="1" dirty="0">
                 <a:solidFill>
-                  <a:schemeClr val="bg1">
+                  <a:schemeClr val="accent1">
                     <a:lumMod val="60000"/>
                     <a:lumOff val="40000"/>
                   </a:schemeClr>
                 </a:solidFill>
+                <a:latin typeface="Consolas" panose="020B0609020204030204" pitchFamily="49" charset="0"/>
+                <a:cs typeface="Consolas" panose="020B0609020204030204" pitchFamily="49" charset="0"/>
               </a:rPr>
               <a:t>n</a:t>
             </a:r>
             <a:endParaRPr lang="en-US" sz="2799" b="1" noProof="1">
               <a:solidFill>
-                <a:schemeClr val="bg1">
+                <a:schemeClr val="accent1">
                   <a:lumMod val="60000"/>
                   <a:lumOff val="40000"/>
                 </a:schemeClr>
               </a:solidFill>
+              <a:latin typeface="Consolas" panose="020B0609020204030204" pitchFamily="49" charset="0"/>
+              <a:cs typeface="Consolas" panose="020B0609020204030204" pitchFamily="49" charset="0"/>
             </a:endParaRPr>
           </a:p>
         </p:txBody>
@@ -34215,10 +33519,10 @@
       </p:sp>
       <p:sp>
         <p:nvSpPr>
-          <p:cNvPr id="11" name="Slide Number">
+          <p:cNvPr id="2" name="Slide Number">
             <a:extLst>
               <a:ext uri="{FF2B5EF4-FFF2-40B4-BE49-F238E27FC236}">
-                <a16:creationId xmlns:a16="http://schemas.microsoft.com/office/drawing/2014/main" id="{9A0A7452-6CC5-4E7F-ABBB-4D8E0379EA23}"/>
+                <a16:creationId xmlns:a16="http://schemas.microsoft.com/office/drawing/2014/main" id="{E47E54C9-1163-035C-511A-B8BBE7E39F4D}"/>
               </a:ext>
             </a:extLst>
           </p:cNvPr>
@@ -34258,7 +33562,7 @@
     </p:spTree>
     <p:extLst>
       <p:ext uri="{BB962C8B-B14F-4D97-AF65-F5344CB8AC3E}">
-        <p14:creationId xmlns:p14="http://schemas.microsoft.com/office/powerpoint/2010/main" val="697347793"/>
+        <p14:creationId xmlns:p14="http://schemas.microsoft.com/office/powerpoint/2010/main" val="2806915456"/>
       </p:ext>
     </p:extLst>
   </p:cSld>
@@ -34587,34 +33891,6 @@
           <a:chExt cx="0" cy="0"/>
         </a:xfrm>
       </p:grpSpPr>
-      <p:sp>
-        <p:nvSpPr>
-          <p:cNvPr id="2" name="Заглавие 1">
-            <a:extLst>
-              <a:ext uri="{FF2B5EF4-FFF2-40B4-BE49-F238E27FC236}">
-                <a16:creationId xmlns:a16="http://schemas.microsoft.com/office/drawing/2014/main" id="{24ECB8A6-A89F-4CDB-8A98-639A227C910B}"/>
-              </a:ext>
-            </a:extLst>
-          </p:cNvPr>
-          <p:cNvSpPr>
-            <a:spLocks noGrp="1"/>
-          </p:cNvSpPr>
-          <p:nvPr>
-            <p:ph type="title" sz="quarter" idx="10"/>
-          </p:nvPr>
-        </p:nvSpPr>
-        <p:spPr/>
-        <p:txBody>
-          <a:bodyPr/>
-          <a:lstStyle/>
-          <a:p>
-            <a:r>
-              <a:rPr lang="bg-BG" dirty="0"/>
-              <a:t>Стек и динамична памет</a:t>
-            </a:r>
-          </a:p>
-        </p:txBody>
-      </p:sp>
       <p:pic>
         <p:nvPicPr>
           <p:cNvPr id="6" name="Picture 5">
@@ -34650,10 +33926,38 @@
           </a:prstGeom>
         </p:spPr>
       </p:pic>
+      <p:sp>
+        <p:nvSpPr>
+          <p:cNvPr id="4" name="Заглавие 3">
+            <a:extLst>
+              <a:ext uri="{FF2B5EF4-FFF2-40B4-BE49-F238E27FC236}">
+                <a16:creationId xmlns:a16="http://schemas.microsoft.com/office/drawing/2014/main" id="{479D7A43-21BA-FF18-AE1D-2D93D163D75A}"/>
+              </a:ext>
+            </a:extLst>
+          </p:cNvPr>
+          <p:cNvSpPr>
+            <a:spLocks noGrp="1"/>
+          </p:cNvSpPr>
+          <p:nvPr>
+            <p:ph type="title" sz="quarter" idx="10"/>
+          </p:nvPr>
+        </p:nvSpPr>
+        <p:spPr/>
+        <p:txBody>
+          <a:bodyPr/>
+          <a:lstStyle/>
+          <a:p>
+            <a:r>
+              <a:rPr lang="bg-BG"/>
+              <a:t>Стек и динамична памет</a:t>
+            </a:r>
+          </a:p>
+        </p:txBody>
+      </p:sp>
     </p:spTree>
     <p:extLst>
       <p:ext uri="{BB962C8B-B14F-4D97-AF65-F5344CB8AC3E}">
-        <p14:creationId xmlns:p14="http://schemas.microsoft.com/office/powerpoint/2010/main" val="262827095"/>
+        <p14:creationId xmlns:p14="http://schemas.microsoft.com/office/powerpoint/2010/main" val="3927234461"/>
       </p:ext>
     </p:extLst>
   </p:cSld>
@@ -34674,12 +33978,12 @@
 <file path=ppt/theme/theme1.xml><?xml version="1.0" encoding="utf-8"?>
 <a:theme xmlns:a="http://schemas.openxmlformats.org/drawingml/2006/main" name="SoftUni">
   <a:themeElements>
-    <a:clrScheme name="Custom 28">
+    <a:clrScheme name="Custom 2">
       <a:dk1>
         <a:srgbClr val="234465"/>
       </a:dk1>
       <a:lt1>
-        <a:srgbClr val="FFA000"/>
+        <a:srgbClr val="BF7800"/>
       </a:lt1>
       <a:dk2>
         <a:srgbClr val="234465"/>
@@ -34688,7 +33992,7 @@
         <a:srgbClr val="FFFFFF"/>
       </a:lt2>
       <a:accent1>
-        <a:srgbClr val="F29600"/>
+        <a:srgbClr val="FFA000"/>
       </a:accent1>
       <a:accent2>
         <a:srgbClr val="00B050"/>
@@ -34706,10 +34010,10 @@
         <a:srgbClr val="F4F5F7"/>
       </a:accent6>
       <a:hlink>
-        <a:srgbClr val="F2AC44"/>
+        <a:srgbClr val="BF7800"/>
       </a:hlink>
       <a:folHlink>
-        <a:srgbClr val="F6C781"/>
+        <a:srgbClr val="EF9511"/>
       </a:folHlink>
     </a:clrScheme>
     <a:fontScheme name="SoftUni">
